--- a/slides/mcp_slides.pptx
+++ b/slides/mcp_slides.pptx
@@ -5,46 +5,51 @@
     <p:sldMasterId id="2147483870" r:id="rId1"/>
   </p:sldMasterIdLst>
   <p:notesMasterIdLst>
-    <p:notesMasterId r:id="rId39"/>
+    <p:notesMasterId r:id="rId44"/>
   </p:notesMasterIdLst>
   <p:sldIdLst>
     <p:sldId id="256" r:id="rId2"/>
     <p:sldId id="257" r:id="rId3"/>
-    <p:sldId id="265" r:id="rId4"/>
-    <p:sldId id="297" r:id="rId5"/>
-    <p:sldId id="286" r:id="rId6"/>
-    <p:sldId id="267" r:id="rId7"/>
-    <p:sldId id="288" r:id="rId8"/>
-    <p:sldId id="261" r:id="rId9"/>
-    <p:sldId id="290" r:id="rId10"/>
-    <p:sldId id="319" r:id="rId11"/>
-    <p:sldId id="293" r:id="rId12"/>
-    <p:sldId id="296" r:id="rId13"/>
-    <p:sldId id="299" r:id="rId14"/>
-    <p:sldId id="301" r:id="rId15"/>
-    <p:sldId id="302" r:id="rId16"/>
-    <p:sldId id="304" r:id="rId17"/>
-    <p:sldId id="309" r:id="rId18"/>
-    <p:sldId id="303" r:id="rId19"/>
-    <p:sldId id="305" r:id="rId20"/>
-    <p:sldId id="266" r:id="rId21"/>
-    <p:sldId id="306" r:id="rId22"/>
-    <p:sldId id="298" r:id="rId23"/>
-    <p:sldId id="320" r:id="rId24"/>
-    <p:sldId id="310" r:id="rId25"/>
-    <p:sldId id="307" r:id="rId26"/>
-    <p:sldId id="312" r:id="rId27"/>
-    <p:sldId id="313" r:id="rId28"/>
-    <p:sldId id="314" r:id="rId29"/>
-    <p:sldId id="316" r:id="rId30"/>
-    <p:sldId id="317" r:id="rId31"/>
-    <p:sldId id="276" r:id="rId32"/>
-    <p:sldId id="318" r:id="rId33"/>
-    <p:sldId id="315" r:id="rId34"/>
-    <p:sldId id="289" r:id="rId35"/>
-    <p:sldId id="269" r:id="rId36"/>
-    <p:sldId id="270" r:id="rId37"/>
-    <p:sldId id="284" r:id="rId38"/>
+    <p:sldId id="321" r:id="rId4"/>
+    <p:sldId id="265" r:id="rId5"/>
+    <p:sldId id="297" r:id="rId6"/>
+    <p:sldId id="286" r:id="rId7"/>
+    <p:sldId id="267" r:id="rId8"/>
+    <p:sldId id="288" r:id="rId9"/>
+    <p:sldId id="322" r:id="rId10"/>
+    <p:sldId id="261" r:id="rId11"/>
+    <p:sldId id="290" r:id="rId12"/>
+    <p:sldId id="319" r:id="rId13"/>
+    <p:sldId id="293" r:id="rId14"/>
+    <p:sldId id="296" r:id="rId15"/>
+    <p:sldId id="299" r:id="rId16"/>
+    <p:sldId id="301" r:id="rId17"/>
+    <p:sldId id="323" r:id="rId18"/>
+    <p:sldId id="302" r:id="rId19"/>
+    <p:sldId id="324" r:id="rId20"/>
+    <p:sldId id="304" r:id="rId21"/>
+    <p:sldId id="309" r:id="rId22"/>
+    <p:sldId id="303" r:id="rId23"/>
+    <p:sldId id="305" r:id="rId24"/>
+    <p:sldId id="266" r:id="rId25"/>
+    <p:sldId id="326" r:id="rId26"/>
+    <p:sldId id="306" r:id="rId27"/>
+    <p:sldId id="298" r:id="rId28"/>
+    <p:sldId id="320" r:id="rId29"/>
+    <p:sldId id="310" r:id="rId30"/>
+    <p:sldId id="307" r:id="rId31"/>
+    <p:sldId id="312" r:id="rId32"/>
+    <p:sldId id="313" r:id="rId33"/>
+    <p:sldId id="314" r:id="rId34"/>
+    <p:sldId id="316" r:id="rId35"/>
+    <p:sldId id="317" r:id="rId36"/>
+    <p:sldId id="276" r:id="rId37"/>
+    <p:sldId id="318" r:id="rId38"/>
+    <p:sldId id="315" r:id="rId39"/>
+    <p:sldId id="289" r:id="rId40"/>
+    <p:sldId id="269" r:id="rId41"/>
+    <p:sldId id="270" r:id="rId42"/>
+    <p:sldId id="284" r:id="rId43"/>
   </p:sldIdLst>
   <p:sldSz cx="12192000" cy="6858000"/>
   <p:notesSz cx="6858000" cy="9144000"/>
@@ -9360,16 +9365,25 @@
           <a:p>
             <a:r>
               <a:rPr lang="en-US" dirty="0"/>
-              <a:t>AI is a companion and a tool </a:t>
-            </a:r>
-          </a:p>
-          <a:p>
-            <a:endParaRPr lang="en-US" dirty="0"/>
-          </a:p>
-          <a:p>
-            <a:r>
-              <a:rPr lang="en-US" dirty="0"/>
-              <a:t>RAND METR paper</a:t>
+              <a:t>Intro context</a:t>
+            </a:r>
+          </a:p>
+          <a:p>
+            <a:r>
+              <a:rPr lang="en-US" dirty="0"/>
+              <a:t>Definition heavy</a:t>
+            </a:r>
+          </a:p>
+          <a:p>
+            <a:r>
+              <a:rPr lang="en-US" dirty="0"/>
+              <a:t>Excited to be here</a:t>
+            </a:r>
+          </a:p>
+          <a:p>
+            <a:r>
+              <a:rPr lang="en-US" dirty="0"/>
+              <a:t>Thank you Jared</a:t>
             </a:r>
           </a:p>
         </p:txBody>
@@ -9391,7 +9405,7 @@
           <a:p>
             <a:fld id="{59758792-16F5-7043-A9DC-706F41594F88}" type="slidenum">
               <a:rPr lang="en-US" smtClean="0"/>
-              <a:t>5</a:t>
+              <a:t>1</a:t>
             </a:fld>
             <a:endParaRPr lang="en-US"/>
           </a:p>
@@ -9400,7 +9414,7 @@
     </p:spTree>
     <p:extLst>
       <p:ext uri="{BB962C8B-B14F-4D97-AF65-F5344CB8AC3E}">
-        <p14:creationId xmlns:p14="http://schemas.microsoft.com/office/powerpoint/2010/main" val="2181465161"/>
+        <p14:creationId xmlns:p14="http://schemas.microsoft.com/office/powerpoint/2010/main" val="3861122080"/>
       </p:ext>
     </p:extLst>
   </p:cSld>
@@ -9456,28 +9470,7 @@
           <a:p>
             <a:r>
               <a:rPr lang="en-US" dirty="0"/>
-              <a:t>Method definitions</a:t>
-            </a:r>
-          </a:p>
-          <a:p>
-            <a:r>
-              <a:rPr lang="en-US" dirty="0"/>
-              <a:t>Client features</a:t>
-            </a:r>
-          </a:p>
-          <a:p>
-            <a:r>
-              <a:rPr lang="en-US" dirty="0"/>
-              <a:t>Server features</a:t>
-            </a:r>
-          </a:p>
-          <a:p>
-            <a:endParaRPr lang="en-US" dirty="0"/>
-          </a:p>
-          <a:p>
-            <a:r>
-              <a:rPr lang="en-US" dirty="0"/>
-              <a:t>For server</a:t>
+              <a:t>Benefits: Standardized, helps us out a lot</a:t>
             </a:r>
           </a:p>
         </p:txBody>
@@ -9499,7 +9492,7 @@
           <a:p>
             <a:fld id="{59758792-16F5-7043-A9DC-706F41594F88}" type="slidenum">
               <a:rPr lang="en-US" smtClean="0"/>
-              <a:t>22</a:t>
+              <a:t>12</a:t>
             </a:fld>
             <a:endParaRPr lang="en-US"/>
           </a:p>
@@ -9508,7 +9501,7 @@
     </p:spTree>
     <p:extLst>
       <p:ext uri="{BB962C8B-B14F-4D97-AF65-F5344CB8AC3E}">
-        <p14:creationId xmlns:p14="http://schemas.microsoft.com/office/powerpoint/2010/main" val="2494876166"/>
+        <p14:creationId xmlns:p14="http://schemas.microsoft.com/office/powerpoint/2010/main" val="1822127140"/>
       </p:ext>
     </p:extLst>
   </p:cSld>
@@ -9564,7 +9557,13 @@
           <a:p>
             <a:r>
               <a:rPr lang="en-US" dirty="0"/>
-              <a:t>Included this here for after the fact. All have list methods, others are specific</a:t>
+              <a:t>Observations:</a:t>
+            </a:r>
+          </a:p>
+          <a:p>
+            <a:r>
+              <a:rPr lang="en-US" dirty="0"/>
+              <a:t>Organization of functionality within MCP server can be a bottleneck on that end. Organize by use case, etc.</a:t>
             </a:r>
           </a:p>
           <a:p>
@@ -9573,55 +9572,25 @@
           <a:p>
             <a:r>
               <a:rPr lang="en-US" dirty="0"/>
-              <a:t>Resources</a:t>
-            </a:r>
-          </a:p>
-          <a:p>
-            <a:pPr lvl="1"/>
-            <a:r>
-              <a:rPr lang="en-US" dirty="0"/>
-              <a:t>List</a:t>
-            </a:r>
-          </a:p>
-          <a:p>
-            <a:pPr lvl="1"/>
-            <a:r>
-              <a:rPr lang="en-US" dirty="0"/>
-              <a:t>Templates / list</a:t>
-            </a:r>
-          </a:p>
-          <a:p>
-            <a:pPr lvl="1"/>
-            <a:r>
-              <a:rPr lang="en-US" dirty="0"/>
-              <a:t>Read</a:t>
-            </a:r>
-          </a:p>
-          <a:p>
-            <a:pPr lvl="1"/>
-            <a:r>
-              <a:rPr lang="en-US" dirty="0"/>
-              <a:t>Subscribe</a:t>
-            </a:r>
-          </a:p>
-          <a:p>
-            <a:r>
-              <a:rPr lang="en-US" dirty="0"/>
-              <a:t>Prompts</a:t>
-            </a:r>
-          </a:p>
-          <a:p>
-            <a:pPr lvl="1"/>
-            <a:r>
-              <a:rPr lang="en-US" dirty="0"/>
-              <a:t>List</a:t>
-            </a:r>
-          </a:p>
-          <a:p>
-            <a:pPr lvl="1"/>
-            <a:r>
-              <a:rPr lang="en-US" dirty="0"/>
-              <a:t>Get</a:t>
+              <a:t>Walk through diagram. User puts in a prompt to the host client.</a:t>
+            </a:r>
+          </a:p>
+          <a:p>
+            <a:r>
+              <a:rPr lang="en-US" dirty="0"/>
+              <a:t>1:1 with client / server</a:t>
+            </a:r>
+          </a:p>
+          <a:p>
+            <a:r>
+              <a:rPr lang="en-US" dirty="0"/>
+              <a:t>Servers can live anywhere</a:t>
+            </a:r>
+          </a:p>
+          <a:p>
+            <a:r>
+              <a:rPr lang="en-US" dirty="0"/>
+              <a:t>Application host is critical</a:t>
             </a:r>
           </a:p>
         </p:txBody>
@@ -9643,7 +9612,7 @@
           <a:p>
             <a:fld id="{59758792-16F5-7043-A9DC-706F41594F88}" type="slidenum">
               <a:rPr lang="en-US" smtClean="0"/>
-              <a:t>23</a:t>
+              <a:t>13</a:t>
             </a:fld>
             <a:endParaRPr lang="en-US"/>
           </a:p>
@@ -9652,7 +9621,7 @@
     </p:spTree>
     <p:extLst>
       <p:ext uri="{BB962C8B-B14F-4D97-AF65-F5344CB8AC3E}">
-        <p14:creationId xmlns:p14="http://schemas.microsoft.com/office/powerpoint/2010/main" val="2435067895"/>
+        <p14:creationId xmlns:p14="http://schemas.microsoft.com/office/powerpoint/2010/main" val="3452169308"/>
       </p:ext>
     </p:extLst>
   </p:cSld>
@@ -9667,13 +9636,7 @@
   <p:cSld>
     <p:spTree>
       <p:nvGrpSpPr>
-        <p:cNvPr id="1" name="">
-          <a:extLst>
-            <a:ext uri="{FF2B5EF4-FFF2-40B4-BE49-F238E27FC236}">
-              <a16:creationId xmlns:a16="http://schemas.microsoft.com/office/drawing/2014/main" id="{746A3B6C-33FA-E4DD-7F81-3F8D1033EBED}"/>
-            </a:ext>
-          </a:extLst>
-        </p:cNvPr>
+        <p:cNvPr id="1" name=""/>
         <p:cNvGrpSpPr/>
         <p:nvPr/>
       </p:nvGrpSpPr>
@@ -9687,13 +9650,7 @@
       </p:grpSpPr>
       <p:sp>
         <p:nvSpPr>
-          <p:cNvPr id="2" name="Slide Image Placeholder 1">
-            <a:extLst>
-              <a:ext uri="{FF2B5EF4-FFF2-40B4-BE49-F238E27FC236}">
-                <a16:creationId xmlns:a16="http://schemas.microsoft.com/office/drawing/2014/main" id="{2B205E59-9E21-CADB-CD2F-61ABABD191AA}"/>
-              </a:ext>
-            </a:extLst>
-          </p:cNvPr>
+          <p:cNvPr id="2" name="Slide Image Placeholder 1"/>
           <p:cNvSpPr>
             <a:spLocks noGrp="1" noRot="1" noChangeAspect="1"/>
           </p:cNvSpPr>
@@ -9705,13 +9662,7 @@
       </p:sp>
       <p:sp>
         <p:nvSpPr>
-          <p:cNvPr id="3" name="Notes Placeholder 2">
-            <a:extLst>
-              <a:ext uri="{FF2B5EF4-FFF2-40B4-BE49-F238E27FC236}">
-                <a16:creationId xmlns:a16="http://schemas.microsoft.com/office/drawing/2014/main" id="{8915545A-B263-84FF-FEBD-632F02C65326}"/>
-              </a:ext>
-            </a:extLst>
-          </p:cNvPr>
+          <p:cNvPr id="3" name="Notes Placeholder 2"/>
           <p:cNvSpPr>
             <a:spLocks noGrp="1"/>
           </p:cNvSpPr>
@@ -9726,53 +9677,20 @@
           <a:p>
             <a:r>
               <a:rPr lang="en-US" dirty="0"/>
-              <a:t>Transport layer is the how</a:t>
-            </a:r>
-          </a:p>
-          <a:p>
-            <a:r>
-              <a:rPr lang="en-US" dirty="0" err="1"/>
-              <a:t>Stdio</a:t>
-            </a:r>
-            <a:r>
-              <a:rPr lang="en-US" dirty="0"/>
-              <a:t> is for local development. A number of these can run locally and do not need sophisticated authentication</a:t>
-            </a:r>
-          </a:p>
-          <a:p>
-            <a:r>
-              <a:rPr lang="en-US" dirty="0" err="1"/>
-              <a:t>Streamable</a:t>
-            </a:r>
-            <a:r>
-              <a:rPr lang="en-US" dirty="0"/>
-              <a:t> http is standard for remote servers</a:t>
-            </a:r>
-          </a:p>
-          <a:p>
-            <a:r>
-              <a:rPr lang="en-US" dirty="0"/>
-              <a:t>Authorization handled within host application within client implementation -</a:t>
-            </a:r>
-            <a:r>
-              <a:rPr lang="en-US" dirty="0">
-                <a:sym typeface="Wingdings" pitchFamily="2" charset="2"/>
-              </a:rPr>
-              <a:t> not handled by user or exposed</a:t>
-            </a:r>
-            <a:endParaRPr lang="en-US" dirty="0"/>
-          </a:p>
-        </p:txBody>
-      </p:sp>
-      <p:sp>
-        <p:nvSpPr>
-          <p:cNvPr id="4" name="Slide Number Placeholder 3">
-            <a:extLst>
-              <a:ext uri="{FF2B5EF4-FFF2-40B4-BE49-F238E27FC236}">
-                <a16:creationId xmlns:a16="http://schemas.microsoft.com/office/drawing/2014/main" id="{39212895-7542-0126-9194-616ED057E373}"/>
-              </a:ext>
-            </a:extLst>
-          </p:cNvPr>
+              <a:t>Components, layers</a:t>
+            </a:r>
+          </a:p>
+          <a:p>
+            <a:r>
+              <a:rPr lang="en-US" dirty="0"/>
+              <a:t>components far more important, specifically server</a:t>
+            </a:r>
+          </a:p>
+        </p:txBody>
+      </p:sp>
+      <p:sp>
+        <p:nvSpPr>
+          <p:cNvPr id="4" name="Slide Number Placeholder 3"/>
           <p:cNvSpPr>
             <a:spLocks noGrp="1"/>
           </p:cNvSpPr>
@@ -9787,7 +9705,7 @@
           <a:p>
             <a:fld id="{59758792-16F5-7043-A9DC-706F41594F88}" type="slidenum">
               <a:rPr lang="en-US" smtClean="0"/>
-              <a:t>24</a:t>
+              <a:t>14</a:t>
             </a:fld>
             <a:endParaRPr lang="en-US"/>
           </a:p>
@@ -9796,7 +9714,7 @@
     </p:spTree>
     <p:extLst>
       <p:ext uri="{BB962C8B-B14F-4D97-AF65-F5344CB8AC3E}">
-        <p14:creationId xmlns:p14="http://schemas.microsoft.com/office/powerpoint/2010/main" val="2128976407"/>
+        <p14:creationId xmlns:p14="http://schemas.microsoft.com/office/powerpoint/2010/main" val="1613338511"/>
       </p:ext>
     </p:extLst>
   </p:cSld>
@@ -9851,9 +9769,90 @@
           <a:lstStyle/>
           <a:p>
             <a:r>
-              <a:rPr lang="en-US" dirty="0"/>
-              <a:t>In our example the ultimate decision to use tools falls on the LLM. </a:t>
-            </a:r>
+              <a:rPr lang="en-US" sz="1200" b="0" i="0" u="none" strike="noStrike" kern="1200" dirty="0">
+                <a:solidFill>
+                  <a:schemeClr val="tx1"/>
+                </a:solidFill>
+                <a:effectLst/>
+                <a:latin typeface="+mn-lt"/>
+                <a:ea typeface="+mn-ea"/>
+                <a:cs typeface="+mn-cs"/>
+              </a:rPr>
+              <a:t>The client is a software component/module that interacts with the </a:t>
+            </a:r>
+            <a:r>
+              <a:rPr lang="en-US" sz="1200" b="0" i="0" u="none" strike="noStrike" kern="1200" dirty="0" err="1">
+                <a:solidFill>
+                  <a:schemeClr val="tx1"/>
+                </a:solidFill>
+                <a:effectLst/>
+                <a:latin typeface="+mn-lt"/>
+                <a:ea typeface="+mn-ea"/>
+                <a:cs typeface="+mn-cs"/>
+              </a:rPr>
+              <a:t>mcp</a:t>
+            </a:r>
+            <a:r>
+              <a:rPr lang="en-US" sz="1200" b="0" i="0" u="none" strike="noStrike" kern="1200" dirty="0">
+                <a:solidFill>
+                  <a:schemeClr val="tx1"/>
+                </a:solidFill>
+                <a:effectLst/>
+                <a:latin typeface="+mn-lt"/>
+                <a:ea typeface="+mn-ea"/>
+                <a:cs typeface="+mn-cs"/>
+              </a:rPr>
+              <a:t> </a:t>
+            </a:r>
+            <a:r>
+              <a:rPr lang="en-US" sz="1200" b="0" i="0" u="none" strike="noStrike" kern="1200" dirty="0" err="1">
+                <a:solidFill>
+                  <a:schemeClr val="tx1"/>
+                </a:solidFill>
+                <a:effectLst/>
+                <a:latin typeface="+mn-lt"/>
+                <a:ea typeface="+mn-ea"/>
+                <a:cs typeface="+mn-cs"/>
+              </a:rPr>
+              <a:t>sdk</a:t>
+            </a:r>
+            <a:r>
+              <a:rPr lang="en-US" sz="1200" b="0" i="0" u="none" strike="noStrike" kern="1200" dirty="0">
+                <a:solidFill>
+                  <a:schemeClr val="tx1"/>
+                </a:solidFill>
+                <a:effectLst/>
+                <a:latin typeface="+mn-lt"/>
+                <a:ea typeface="+mn-ea"/>
+                <a:cs typeface="+mn-cs"/>
+              </a:rPr>
+              <a:t>. The host is all the other application code, e.g. a desktop app or browser extension. A host could have one to many </a:t>
+            </a:r>
+            <a:r>
+              <a:rPr lang="en-US" sz="1200" b="0" i="0" u="none" strike="noStrike" kern="1200" dirty="0" err="1">
+                <a:solidFill>
+                  <a:schemeClr val="tx1"/>
+                </a:solidFill>
+                <a:effectLst/>
+                <a:latin typeface="+mn-lt"/>
+                <a:ea typeface="+mn-ea"/>
+                <a:cs typeface="+mn-cs"/>
+              </a:rPr>
+              <a:t>mcp</a:t>
+            </a:r>
+            <a:r>
+              <a:rPr lang="en-US" sz="1200" b="0" i="0" u="none" strike="noStrike" kern="1200" dirty="0">
+                <a:solidFill>
+                  <a:schemeClr val="tx1"/>
+                </a:solidFill>
+                <a:effectLst/>
+                <a:latin typeface="+mn-lt"/>
+                <a:ea typeface="+mn-ea"/>
+                <a:cs typeface="+mn-cs"/>
+              </a:rPr>
+              <a:t> clients</a:t>
+            </a:r>
+            <a:endParaRPr lang="en-US" dirty="0"/>
           </a:p>
         </p:txBody>
       </p:sp>
@@ -9874,7 +9873,7 @@
           <a:p>
             <a:fld id="{59758792-16F5-7043-A9DC-706F41594F88}" type="slidenum">
               <a:rPr lang="en-US" smtClean="0"/>
-              <a:t>28</a:t>
+              <a:t>15</a:t>
             </a:fld>
             <a:endParaRPr lang="en-US"/>
           </a:p>
@@ -9883,7 +9882,7 @@
     </p:spTree>
     <p:extLst>
       <p:ext uri="{BB962C8B-B14F-4D97-AF65-F5344CB8AC3E}">
-        <p14:creationId xmlns:p14="http://schemas.microsoft.com/office/powerpoint/2010/main" val="257091241"/>
+        <p14:creationId xmlns:p14="http://schemas.microsoft.com/office/powerpoint/2010/main" val="3254908972"/>
       </p:ext>
     </p:extLst>
   </p:cSld>
@@ -9939,7 +9938,61 @@
           <a:p>
             <a:r>
               <a:rPr lang="en-US" dirty="0"/>
-              <a:t>GitHub Repo</a:t>
+              <a:t>Example: </a:t>
+            </a:r>
+            <a:r>
+              <a:rPr lang="en-US" dirty="0" err="1"/>
+              <a:t>claude</a:t>
+            </a:r>
+            <a:r>
+              <a:rPr lang="en-US" dirty="0"/>
+              <a:t> desktop</a:t>
+            </a:r>
+          </a:p>
+          <a:p>
+            <a:r>
+              <a:rPr lang="en-US" dirty="0"/>
+              <a:t>Sometimes using the term “client” </a:t>
+            </a:r>
+            <a:r>
+              <a:rPr lang="en-US" dirty="0" err="1"/>
+              <a:t>interchangeab;y</a:t>
+            </a:r>
+            <a:endParaRPr lang="en-US" dirty="0"/>
+          </a:p>
+          <a:p>
+            <a:r>
+              <a:rPr lang="en-US" dirty="0"/>
+              <a:t>Can give us the client for free</a:t>
+            </a:r>
+          </a:p>
+          <a:p>
+            <a:r>
+              <a:rPr lang="en-US" dirty="0"/>
+              <a:t>Controls the agentic / workflow balance</a:t>
+            </a:r>
+          </a:p>
+          <a:p>
+            <a:pPr lvl="1"/>
+            <a:r>
+              <a:rPr lang="en-US" dirty="0"/>
+              <a:t>Controls user input</a:t>
+            </a:r>
+          </a:p>
+          <a:p>
+            <a:pPr lvl="1"/>
+            <a:r>
+              <a:rPr lang="en-US" dirty="0"/>
+              <a:t>Sometimes termed “client” interchangeably</a:t>
+            </a:r>
+          </a:p>
+          <a:p>
+            <a:endParaRPr lang="en-US" dirty="0"/>
+          </a:p>
+          <a:p>
+            <a:r>
+              <a:rPr lang="en-US" dirty="0"/>
+              <a:t>Balance is not needed. This portion is typically handled for free</a:t>
             </a:r>
           </a:p>
         </p:txBody>
@@ -9961,7 +10014,7 @@
           <a:p>
             <a:fld id="{59758792-16F5-7043-A9DC-706F41594F88}" type="slidenum">
               <a:rPr lang="en-US" smtClean="0"/>
-              <a:t>29</a:t>
+              <a:t>16</a:t>
             </a:fld>
             <a:endParaRPr lang="en-US"/>
           </a:p>
@@ -9970,7 +10023,7 @@
     </p:spTree>
     <p:extLst>
       <p:ext uri="{BB962C8B-B14F-4D97-AF65-F5344CB8AC3E}">
-        <p14:creationId xmlns:p14="http://schemas.microsoft.com/office/powerpoint/2010/main" val="1648972628"/>
+        <p14:creationId xmlns:p14="http://schemas.microsoft.com/office/powerpoint/2010/main" val="3583217981"/>
       </p:ext>
     </p:extLst>
   </p:cSld>
@@ -9985,7 +10038,13 @@
   <p:cSld>
     <p:spTree>
       <p:nvGrpSpPr>
-        <p:cNvPr id="1" name=""/>
+        <p:cNvPr id="1" name="">
+          <a:extLst>
+            <a:ext uri="{FF2B5EF4-FFF2-40B4-BE49-F238E27FC236}">
+              <a16:creationId xmlns:a16="http://schemas.microsoft.com/office/drawing/2014/main" id="{53DA1FDE-7556-33A3-5AE8-B1223D255279}"/>
+            </a:ext>
+          </a:extLst>
+        </p:cNvPr>
         <p:cNvGrpSpPr/>
         <p:nvPr/>
       </p:nvGrpSpPr>
@@ -9999,7 +10058,13 @@
       </p:grpSpPr>
       <p:sp>
         <p:nvSpPr>
-          <p:cNvPr id="2" name="Slide Image Placeholder 1"/>
+          <p:cNvPr id="2" name="Slide Image Placeholder 1">
+            <a:extLst>
+              <a:ext uri="{FF2B5EF4-FFF2-40B4-BE49-F238E27FC236}">
+                <a16:creationId xmlns:a16="http://schemas.microsoft.com/office/drawing/2014/main" id="{388C69BE-2BA9-8EB9-B02C-282837B38209}"/>
+              </a:ext>
+            </a:extLst>
+          </p:cNvPr>
           <p:cNvSpPr>
             <a:spLocks noGrp="1" noRot="1" noChangeAspect="1"/>
           </p:cNvSpPr>
@@ -10011,7 +10076,13 @@
       </p:sp>
       <p:sp>
         <p:nvSpPr>
-          <p:cNvPr id="3" name="Notes Placeholder 2"/>
+          <p:cNvPr id="3" name="Notes Placeholder 2">
+            <a:extLst>
+              <a:ext uri="{FF2B5EF4-FFF2-40B4-BE49-F238E27FC236}">
+                <a16:creationId xmlns:a16="http://schemas.microsoft.com/office/drawing/2014/main" id="{A38F013B-11B3-7BF3-FAED-F7C92CD9732D}"/>
+              </a:ext>
+            </a:extLst>
+          </p:cNvPr>
           <p:cNvSpPr>
             <a:spLocks noGrp="1"/>
           </p:cNvSpPr>
@@ -10026,53 +10097,26 @@
           <a:p>
             <a:r>
               <a:rPr lang="en-US" dirty="0"/>
-              <a:t>Downside is that crafting the prompt to provide the CONTEXT takes a long time and requires a lot of work on the end user.</a:t>
-            </a:r>
-          </a:p>
-          <a:p>
-            <a:r>
-              <a:rPr lang="en-US" dirty="0"/>
-              <a:t>Takes a lot of time, lot of effort but gives us good results. </a:t>
-            </a:r>
-          </a:p>
-          <a:p>
-            <a:r>
-              <a:rPr lang="en-US" dirty="0"/>
-              <a:t>We can also give the LLM access to resources not included in the prompt. For example we can directly integrate it with access to sources such as google drive. That takes time and often has some lift on the LLM side. We need to manually register the LLM</a:t>
-            </a:r>
-          </a:p>
-          <a:p>
-            <a:endParaRPr lang="en-US" dirty="0"/>
-          </a:p>
-          <a:p>
-            <a:r>
-              <a:rPr lang="en-US" dirty="0"/>
-              <a:t>Functions need to be registered with an LLM</a:t>
-            </a:r>
-          </a:p>
-          <a:p>
-            <a:endParaRPr lang="en-US" dirty="0"/>
-          </a:p>
-          <a:p>
-            <a:r>
-              <a:rPr lang="en-US" dirty="0"/>
-              <a:t>What if we were to shift these to the other side of the diagram? What if we were able to standardize how we can give this context to the model automagically?</a:t>
-            </a:r>
-          </a:p>
-          <a:p>
-            <a:r>
-              <a:rPr lang="en-US" dirty="0"/>
-              <a:t>This is where model context protocol comes in</a:t>
-            </a:r>
-          </a:p>
-          <a:p>
-            <a:endParaRPr lang="en-US" dirty="0"/>
-          </a:p>
-        </p:txBody>
-      </p:sp>
-      <p:sp>
-        <p:nvSpPr>
-          <p:cNvPr id="4" name="Slide Number Placeholder 3"/>
+              <a:t>Zoom in on the application host. Two components,</a:t>
+            </a:r>
+          </a:p>
+          <a:p>
+            <a:r>
+              <a:rPr lang="en-US" dirty="0"/>
+              <a:t>Host client – whatever the MCP client is NOT</a:t>
+            </a:r>
+          </a:p>
+        </p:txBody>
+      </p:sp>
+      <p:sp>
+        <p:nvSpPr>
+          <p:cNvPr id="4" name="Slide Number Placeholder 3">
+            <a:extLst>
+              <a:ext uri="{FF2B5EF4-FFF2-40B4-BE49-F238E27FC236}">
+                <a16:creationId xmlns:a16="http://schemas.microsoft.com/office/drawing/2014/main" id="{4F566A33-01AE-B192-5F1E-3BA59145559A}"/>
+              </a:ext>
+            </a:extLst>
+          </p:cNvPr>
           <p:cNvSpPr>
             <a:spLocks noGrp="1"/>
           </p:cNvSpPr>
@@ -10087,7 +10131,7 @@
           <a:p>
             <a:fld id="{59758792-16F5-7043-A9DC-706F41594F88}" type="slidenum">
               <a:rPr lang="en-US" smtClean="0"/>
-              <a:t>35</a:t>
+              <a:t>17</a:t>
             </a:fld>
             <a:endParaRPr lang="en-US"/>
           </a:p>
@@ -10096,7 +10140,7 @@
     </p:spTree>
     <p:extLst>
       <p:ext uri="{BB962C8B-B14F-4D97-AF65-F5344CB8AC3E}">
-        <p14:creationId xmlns:p14="http://schemas.microsoft.com/office/powerpoint/2010/main" val="1514641147"/>
+        <p14:creationId xmlns:p14="http://schemas.microsoft.com/office/powerpoint/2010/main" val="3288618507"/>
       </p:ext>
     </p:extLst>
   </p:cSld>
@@ -10152,7 +10196,33 @@
           <a:p>
             <a:r>
               <a:rPr lang="en-US" dirty="0"/>
-              <a:t>As an aside, we will be using the terms client and server </a:t>
+              <a:t>Stateful</a:t>
+            </a:r>
+          </a:p>
+          <a:p>
+            <a:r>
+              <a:rPr lang="en-US" dirty="0"/>
+              <a:t>1:1 </a:t>
+            </a:r>
+            <a:r>
+              <a:rPr lang="en-US" dirty="0" err="1"/>
+              <a:t>relationsjip</a:t>
+            </a:r>
+            <a:r>
+              <a:rPr lang="en-US" dirty="0"/>
+              <a:t> with server </a:t>
+            </a:r>
+          </a:p>
+          <a:p>
+            <a:r>
+              <a:rPr lang="en-US" dirty="0"/>
+              <a:t>Establishes connection, handles handshakes</a:t>
+            </a:r>
+          </a:p>
+          <a:p>
+            <a:r>
+              <a:rPr lang="en-US" dirty="0"/>
+              <a:t>Usually get this for free</a:t>
             </a:r>
           </a:p>
         </p:txBody>
@@ -10174,7 +10244,7 @@
           <a:p>
             <a:fld id="{59758792-16F5-7043-A9DC-706F41594F88}" type="slidenum">
               <a:rPr lang="en-US" smtClean="0"/>
-              <a:t>36</a:t>
+              <a:t>18</a:t>
             </a:fld>
             <a:endParaRPr lang="en-US"/>
           </a:p>
@@ -10183,7 +10253,7 @@
     </p:spTree>
     <p:extLst>
       <p:ext uri="{BB962C8B-B14F-4D97-AF65-F5344CB8AC3E}">
-        <p14:creationId xmlns:p14="http://schemas.microsoft.com/office/powerpoint/2010/main" val="1354800457"/>
+        <p14:creationId xmlns:p14="http://schemas.microsoft.com/office/powerpoint/2010/main" val="1143224076"/>
       </p:ext>
     </p:extLst>
   </p:cSld>
@@ -10194,6 +10264,117 @@
 </file>
 
 <file path=ppt/notesSlides/notesSlide17.xml><?xml version="1.0" encoding="utf-8"?>
+<p:notes xmlns:a="http://schemas.openxmlformats.org/drawingml/2006/main" xmlns:r="http://schemas.openxmlformats.org/officeDocument/2006/relationships" xmlns:p="http://schemas.openxmlformats.org/presentationml/2006/main">
+  <p:cSld>
+    <p:spTree>
+      <p:nvGrpSpPr>
+        <p:cNvPr id="1" name="">
+          <a:extLst>
+            <a:ext uri="{FF2B5EF4-FFF2-40B4-BE49-F238E27FC236}">
+              <a16:creationId xmlns:a16="http://schemas.microsoft.com/office/drawing/2014/main" id="{3FAFB68C-516B-F489-4A30-BF25D1466A85}"/>
+            </a:ext>
+          </a:extLst>
+        </p:cNvPr>
+        <p:cNvGrpSpPr/>
+        <p:nvPr/>
+      </p:nvGrpSpPr>
+      <p:grpSpPr>
+        <a:xfrm>
+          <a:off x="0" y="0"/>
+          <a:ext cx="0" cy="0"/>
+          <a:chOff x="0" y="0"/>
+          <a:chExt cx="0" cy="0"/>
+        </a:xfrm>
+      </p:grpSpPr>
+      <p:sp>
+        <p:nvSpPr>
+          <p:cNvPr id="2" name="Slide Image Placeholder 1">
+            <a:extLst>
+              <a:ext uri="{FF2B5EF4-FFF2-40B4-BE49-F238E27FC236}">
+                <a16:creationId xmlns:a16="http://schemas.microsoft.com/office/drawing/2014/main" id="{EB7DBC2D-6C3A-E741-1128-C7CEBF335347}"/>
+              </a:ext>
+            </a:extLst>
+          </p:cNvPr>
+          <p:cNvSpPr>
+            <a:spLocks noGrp="1" noRot="1" noChangeAspect="1"/>
+          </p:cNvSpPr>
+          <p:nvPr>
+            <p:ph type="sldImg"/>
+          </p:nvPr>
+        </p:nvSpPr>
+        <p:spPr/>
+      </p:sp>
+      <p:sp>
+        <p:nvSpPr>
+          <p:cNvPr id="3" name="Notes Placeholder 2">
+            <a:extLst>
+              <a:ext uri="{FF2B5EF4-FFF2-40B4-BE49-F238E27FC236}">
+                <a16:creationId xmlns:a16="http://schemas.microsoft.com/office/drawing/2014/main" id="{A3BF1998-BEE0-A2EA-F93A-DE2B08744BE6}"/>
+              </a:ext>
+            </a:extLst>
+          </p:cNvPr>
+          <p:cNvSpPr>
+            <a:spLocks noGrp="1"/>
+          </p:cNvSpPr>
+          <p:nvPr>
+            <p:ph type="body" idx="1"/>
+          </p:nvPr>
+        </p:nvSpPr>
+        <p:spPr/>
+        <p:txBody>
+          <a:bodyPr/>
+          <a:lstStyle/>
+          <a:p>
+            <a:r>
+              <a:rPr lang="en-US" dirty="0"/>
+              <a:t>In this case we see the </a:t>
+            </a:r>
+          </a:p>
+        </p:txBody>
+      </p:sp>
+      <p:sp>
+        <p:nvSpPr>
+          <p:cNvPr id="4" name="Slide Number Placeholder 3">
+            <a:extLst>
+              <a:ext uri="{FF2B5EF4-FFF2-40B4-BE49-F238E27FC236}">
+                <a16:creationId xmlns:a16="http://schemas.microsoft.com/office/drawing/2014/main" id="{D937EB32-CF4C-8623-402C-D51E3402FF75}"/>
+              </a:ext>
+            </a:extLst>
+          </p:cNvPr>
+          <p:cNvSpPr>
+            <a:spLocks noGrp="1"/>
+          </p:cNvSpPr>
+          <p:nvPr>
+            <p:ph type="sldNum" sz="quarter" idx="5"/>
+          </p:nvPr>
+        </p:nvSpPr>
+        <p:spPr/>
+        <p:txBody>
+          <a:bodyPr/>
+          <a:lstStyle/>
+          <a:p>
+            <a:fld id="{59758792-16F5-7043-A9DC-706F41594F88}" type="slidenum">
+              <a:rPr lang="en-US" smtClean="0"/>
+              <a:t>19</a:t>
+            </a:fld>
+            <a:endParaRPr lang="en-US"/>
+          </a:p>
+        </p:txBody>
+      </p:sp>
+    </p:spTree>
+    <p:extLst>
+      <p:ext uri="{BB962C8B-B14F-4D97-AF65-F5344CB8AC3E}">
+        <p14:creationId xmlns:p14="http://schemas.microsoft.com/office/powerpoint/2010/main" val="955650203"/>
+      </p:ext>
+    </p:extLst>
+  </p:cSld>
+  <p:clrMapOvr>
+    <a:masterClrMapping/>
+  </p:clrMapOvr>
+</p:notes>
+</file>
+
+<file path=ppt/notesSlides/notesSlide18.xml><?xml version="1.0" encoding="utf-8"?>
 <p:notes xmlns:a="http://schemas.openxmlformats.org/drawingml/2006/main" xmlns:r="http://schemas.openxmlformats.org/officeDocument/2006/relationships" xmlns:p="http://schemas.openxmlformats.org/presentationml/2006/main">
   <p:cSld>
     <p:spTree>
@@ -10239,34 +10420,13 @@
           <a:p>
             <a:r>
               <a:rPr lang="en-US" dirty="0"/>
-              <a:t>Aka agentic AI</a:t>
-            </a:r>
-          </a:p>
-          <a:p>
-            <a:r>
-              <a:rPr lang="en-US" dirty="0"/>
-              <a:t>Workflow automation is calling specific tools with little code</a:t>
-            </a:r>
-          </a:p>
-          <a:p>
-            <a:endParaRPr lang="en-US" dirty="0"/>
-          </a:p>
-          <a:p>
-            <a:r>
-              <a:rPr lang="en-US" dirty="0"/>
-              <a:t>Difference is in pattern </a:t>
-            </a:r>
-          </a:p>
-          <a:p>
-            <a:r>
-              <a:rPr lang="en-US" dirty="0"/>
-              <a:t>MCP is how they interact, Automation is agentic</a:t>
-            </a:r>
-          </a:p>
-          <a:p>
-            <a:r>
-              <a:rPr lang="en-US" dirty="0"/>
-              <a:t>MCP emphasizes LLM integration</a:t>
+              <a:t>Of note here is that we need to negotiate the capabilities before any use</a:t>
+            </a:r>
+          </a:p>
+          <a:p>
+            <a:r>
+              <a:rPr lang="en-US" dirty="0"/>
+              <a:t>Shutdown needs to happen to terminate the communication</a:t>
             </a:r>
           </a:p>
         </p:txBody>
@@ -10288,7 +10448,7 @@
           <a:p>
             <a:fld id="{59758792-16F5-7043-A9DC-706F41594F88}" type="slidenum">
               <a:rPr lang="en-US" smtClean="0"/>
-              <a:t>37</a:t>
+              <a:t>20</a:t>
             </a:fld>
             <a:endParaRPr lang="en-US"/>
           </a:p>
@@ -10297,7 +10457,114 @@
     </p:spTree>
     <p:extLst>
       <p:ext uri="{BB962C8B-B14F-4D97-AF65-F5344CB8AC3E}">
-        <p14:creationId xmlns:p14="http://schemas.microsoft.com/office/powerpoint/2010/main" val="3538170003"/>
+        <p14:creationId xmlns:p14="http://schemas.microsoft.com/office/powerpoint/2010/main" val="961280907"/>
+      </p:ext>
+    </p:extLst>
+  </p:cSld>
+  <p:clrMapOvr>
+    <a:masterClrMapping/>
+  </p:clrMapOvr>
+</p:notes>
+</file>
+
+<file path=ppt/notesSlides/notesSlide19.xml><?xml version="1.0" encoding="utf-8"?>
+<p:notes xmlns:a="http://schemas.openxmlformats.org/drawingml/2006/main" xmlns:r="http://schemas.openxmlformats.org/officeDocument/2006/relationships" xmlns:p="http://schemas.openxmlformats.org/presentationml/2006/main">
+  <p:cSld>
+    <p:spTree>
+      <p:nvGrpSpPr>
+        <p:cNvPr id="1" name=""/>
+        <p:cNvGrpSpPr/>
+        <p:nvPr/>
+      </p:nvGrpSpPr>
+      <p:grpSpPr>
+        <a:xfrm>
+          <a:off x="0" y="0"/>
+          <a:ext cx="0" cy="0"/>
+          <a:chOff x="0" y="0"/>
+          <a:chExt cx="0" cy="0"/>
+        </a:xfrm>
+      </p:grpSpPr>
+      <p:sp>
+        <p:nvSpPr>
+          <p:cNvPr id="2" name="Slide Image Placeholder 1"/>
+          <p:cNvSpPr>
+            <a:spLocks noGrp="1" noRot="1" noChangeAspect="1"/>
+          </p:cNvSpPr>
+          <p:nvPr>
+            <p:ph type="sldImg"/>
+          </p:nvPr>
+        </p:nvSpPr>
+        <p:spPr/>
+      </p:sp>
+      <p:sp>
+        <p:nvSpPr>
+          <p:cNvPr id="3" name="Notes Placeholder 2"/>
+          <p:cNvSpPr>
+            <a:spLocks noGrp="1"/>
+          </p:cNvSpPr>
+          <p:nvPr>
+            <p:ph type="body" idx="1"/>
+          </p:nvPr>
+        </p:nvSpPr>
+        <p:spPr/>
+        <p:txBody>
+          <a:bodyPr/>
+          <a:lstStyle/>
+          <a:p>
+            <a:r>
+              <a:rPr lang="en-US" dirty="0"/>
+              <a:t>Fairly new even within MCP</a:t>
+            </a:r>
+          </a:p>
+          <a:p>
+            <a:r>
+              <a:rPr lang="en-US" dirty="0"/>
+              <a:t>Not of super concern due to the fact that </a:t>
+            </a:r>
+            <a:r>
+              <a:rPr lang="en-US" dirty="0" err="1"/>
+              <a:t>te</a:t>
+            </a:r>
+            <a:r>
+              <a:rPr lang="en-US" dirty="0"/>
+              <a:t> client is typically spawned from the application host</a:t>
+            </a:r>
+          </a:p>
+          <a:p>
+            <a:r>
+              <a:rPr lang="en-US" dirty="0"/>
+              <a:t>Listing them here for reference</a:t>
+            </a:r>
+          </a:p>
+        </p:txBody>
+      </p:sp>
+      <p:sp>
+        <p:nvSpPr>
+          <p:cNvPr id="4" name="Slide Number Placeholder 3"/>
+          <p:cNvSpPr>
+            <a:spLocks noGrp="1"/>
+          </p:cNvSpPr>
+          <p:nvPr>
+            <p:ph type="sldNum" sz="quarter" idx="5"/>
+          </p:nvPr>
+        </p:nvSpPr>
+        <p:spPr/>
+        <p:txBody>
+          <a:bodyPr/>
+          <a:lstStyle/>
+          <a:p>
+            <a:fld id="{59758792-16F5-7043-A9DC-706F41594F88}" type="slidenum">
+              <a:rPr lang="en-US" smtClean="0"/>
+              <a:t>21</a:t>
+            </a:fld>
+            <a:endParaRPr lang="en-US"/>
+          </a:p>
+        </p:txBody>
+      </p:sp>
+    </p:spTree>
+    <p:extLst>
+      <p:ext uri="{BB962C8B-B14F-4D97-AF65-F5344CB8AC3E}">
+        <p14:creationId xmlns:p14="http://schemas.microsoft.com/office/powerpoint/2010/main" val="1960916959"/>
       </p:ext>
     </p:extLst>
   </p:cSld>
@@ -10353,28 +10620,19 @@
           <a:p>
             <a:r>
               <a:rPr lang="en-US" dirty="0"/>
-              <a:t>Make a prompt, submit it via a GUI or API call to an LLM. This covers a lot of bases and can help us for static questions; “Find the line things go wrong”, “Write a poem”</a:t>
-            </a:r>
-          </a:p>
-          <a:p>
-            <a:r>
-              <a:rPr lang="en-US" dirty="0"/>
-              <a:t>This works. This is sufficient for some use cases.</a:t>
-            </a:r>
-          </a:p>
-          <a:p>
-            <a:r>
-              <a:rPr lang="en-US" dirty="0"/>
-              <a:t>Little to no control over what happens in step 2</a:t>
-            </a:r>
-          </a:p>
-          <a:p>
-            <a:endParaRPr lang="en-US" dirty="0"/>
-          </a:p>
-          <a:p>
-            <a:r>
-              <a:rPr lang="en-US" dirty="0"/>
-              <a:t>Working with LLMs since their rise to prominence has taught us that we can make them better by engaging in some prompt engineering. </a:t>
+              <a:t>Define MCP and its components, lot of misinformation</a:t>
+            </a:r>
+          </a:p>
+          <a:p>
+            <a:r>
+              <a:rPr lang="en-US" dirty="0"/>
+              <a:t>Components: 3 of them, two are close, one is used commonly</a:t>
+            </a:r>
+          </a:p>
+          <a:p>
+            <a:r>
+              <a:rPr lang="en-US" dirty="0"/>
+              <a:t>How it works --&gt; agentic vs. not</a:t>
             </a:r>
           </a:p>
         </p:txBody>
@@ -10396,7 +10654,7 @@
           <a:p>
             <a:fld id="{59758792-16F5-7043-A9DC-706F41594F88}" type="slidenum">
               <a:rPr lang="en-US" smtClean="0"/>
-              <a:t>6</a:t>
+              <a:t>3</a:t>
             </a:fld>
             <a:endParaRPr lang="en-US"/>
           </a:p>
@@ -10405,7 +10663,1146 @@
     </p:spTree>
     <p:extLst>
       <p:ext uri="{BB962C8B-B14F-4D97-AF65-F5344CB8AC3E}">
-        <p14:creationId xmlns:p14="http://schemas.microsoft.com/office/powerpoint/2010/main" val="2251570771"/>
+        <p14:creationId xmlns:p14="http://schemas.microsoft.com/office/powerpoint/2010/main" val="3535928592"/>
+      </p:ext>
+    </p:extLst>
+  </p:cSld>
+  <p:clrMapOvr>
+    <a:masterClrMapping/>
+  </p:clrMapOvr>
+</p:notes>
+</file>
+
+<file path=ppt/notesSlides/notesSlide20.xml><?xml version="1.0" encoding="utf-8"?>
+<p:notes xmlns:a="http://schemas.openxmlformats.org/drawingml/2006/main" xmlns:r="http://schemas.openxmlformats.org/officeDocument/2006/relationships" xmlns:p="http://schemas.openxmlformats.org/presentationml/2006/main">
+  <p:cSld>
+    <p:spTree>
+      <p:nvGrpSpPr>
+        <p:cNvPr id="1" name=""/>
+        <p:cNvGrpSpPr/>
+        <p:nvPr/>
+      </p:nvGrpSpPr>
+      <p:grpSpPr>
+        <a:xfrm>
+          <a:off x="0" y="0"/>
+          <a:ext cx="0" cy="0"/>
+          <a:chOff x="0" y="0"/>
+          <a:chExt cx="0" cy="0"/>
+        </a:xfrm>
+      </p:grpSpPr>
+      <p:sp>
+        <p:nvSpPr>
+          <p:cNvPr id="2" name="Slide Image Placeholder 1"/>
+          <p:cNvSpPr>
+            <a:spLocks noGrp="1" noRot="1" noChangeAspect="1"/>
+          </p:cNvSpPr>
+          <p:nvPr>
+            <p:ph type="sldImg"/>
+          </p:nvPr>
+        </p:nvSpPr>
+        <p:spPr/>
+      </p:sp>
+      <p:sp>
+        <p:nvSpPr>
+          <p:cNvPr id="3" name="Notes Placeholder 2"/>
+          <p:cNvSpPr>
+            <a:spLocks noGrp="1"/>
+          </p:cNvSpPr>
+          <p:nvPr>
+            <p:ph type="body" idx="1"/>
+          </p:nvPr>
+        </p:nvSpPr>
+        <p:spPr/>
+        <p:txBody>
+          <a:bodyPr/>
+          <a:lstStyle/>
+          <a:p>
+            <a:r>
+              <a:rPr lang="en-US" dirty="0"/>
+              <a:t>Show Anthropic code and highlight MCP client construction + all else</a:t>
+            </a:r>
+          </a:p>
+          <a:p>
+            <a:r>
+              <a:rPr lang="en-US" dirty="0"/>
+              <a:t>Class MCP client is the client, everything else is the host</a:t>
+            </a:r>
+          </a:p>
+        </p:txBody>
+      </p:sp>
+      <p:sp>
+        <p:nvSpPr>
+          <p:cNvPr id="4" name="Slide Number Placeholder 3"/>
+          <p:cNvSpPr>
+            <a:spLocks noGrp="1"/>
+          </p:cNvSpPr>
+          <p:nvPr>
+            <p:ph type="sldNum" sz="quarter" idx="5"/>
+          </p:nvPr>
+        </p:nvSpPr>
+        <p:spPr/>
+        <p:txBody>
+          <a:bodyPr/>
+          <a:lstStyle/>
+          <a:p>
+            <a:fld id="{59758792-16F5-7043-A9DC-706F41594F88}" type="slidenum">
+              <a:rPr lang="en-US" smtClean="0"/>
+              <a:t>22</a:t>
+            </a:fld>
+            <a:endParaRPr lang="en-US"/>
+          </a:p>
+        </p:txBody>
+      </p:sp>
+    </p:spTree>
+    <p:extLst>
+      <p:ext uri="{BB962C8B-B14F-4D97-AF65-F5344CB8AC3E}">
+        <p14:creationId xmlns:p14="http://schemas.microsoft.com/office/powerpoint/2010/main" val="1345070664"/>
+      </p:ext>
+    </p:extLst>
+  </p:cSld>
+  <p:clrMapOvr>
+    <a:masterClrMapping/>
+  </p:clrMapOvr>
+</p:notes>
+</file>
+
+<file path=ppt/notesSlides/notesSlide21.xml><?xml version="1.0" encoding="utf-8"?>
+<p:notes xmlns:a="http://schemas.openxmlformats.org/drawingml/2006/main" xmlns:r="http://schemas.openxmlformats.org/officeDocument/2006/relationships" xmlns:p="http://schemas.openxmlformats.org/presentationml/2006/main">
+  <p:cSld>
+    <p:spTree>
+      <p:nvGrpSpPr>
+        <p:cNvPr id="1" name=""/>
+        <p:cNvGrpSpPr/>
+        <p:nvPr/>
+      </p:nvGrpSpPr>
+      <p:grpSpPr>
+        <a:xfrm>
+          <a:off x="0" y="0"/>
+          <a:ext cx="0" cy="0"/>
+          <a:chOff x="0" y="0"/>
+          <a:chExt cx="0" cy="0"/>
+        </a:xfrm>
+      </p:grpSpPr>
+      <p:sp>
+        <p:nvSpPr>
+          <p:cNvPr id="2" name="Slide Image Placeholder 1"/>
+          <p:cNvSpPr>
+            <a:spLocks noGrp="1" noRot="1" noChangeAspect="1"/>
+          </p:cNvSpPr>
+          <p:nvPr>
+            <p:ph type="sldImg"/>
+          </p:nvPr>
+        </p:nvSpPr>
+        <p:spPr/>
+      </p:sp>
+      <p:sp>
+        <p:nvSpPr>
+          <p:cNvPr id="3" name="Notes Placeholder 2"/>
+          <p:cNvSpPr>
+            <a:spLocks noGrp="1"/>
+          </p:cNvSpPr>
+          <p:nvPr>
+            <p:ph type="body" idx="1"/>
+          </p:nvPr>
+        </p:nvSpPr>
+        <p:spPr/>
+        <p:txBody>
+          <a:bodyPr/>
+          <a:lstStyle/>
+          <a:p>
+            <a:r>
+              <a:rPr lang="en-US" dirty="0"/>
+              <a:t>This is what people think of when they say MCP, this is where the magic happens</a:t>
+            </a:r>
+          </a:p>
+          <a:p>
+            <a:endParaRPr lang="en-US" dirty="0"/>
+          </a:p>
+          <a:p>
+            <a:r>
+              <a:rPr lang="en-US" dirty="0"/>
+              <a:t>Locally or remote</a:t>
+            </a:r>
+          </a:p>
+          <a:p>
+            <a:r>
+              <a:rPr lang="en-US" dirty="0"/>
+              <a:t>Authentication handled by server</a:t>
+            </a:r>
+          </a:p>
+          <a:p>
+            <a:endParaRPr lang="en-US" dirty="0"/>
+          </a:p>
+          <a:p>
+            <a:r>
+              <a:rPr lang="en-US" dirty="0"/>
+              <a:t>This is where the magic happens. We can connect to many things are have it used by the ai application</a:t>
+            </a:r>
+          </a:p>
+          <a:p>
+            <a:r>
+              <a:rPr lang="en-US" dirty="0"/>
+              <a:t>1+ per application host</a:t>
+            </a:r>
+          </a:p>
+          <a:p>
+            <a:r>
+              <a:rPr lang="en-US" dirty="0"/>
+              <a:t>1 per client</a:t>
+            </a:r>
+          </a:p>
+          <a:p>
+            <a:endParaRPr lang="en-US" dirty="0"/>
+          </a:p>
+        </p:txBody>
+      </p:sp>
+      <p:sp>
+        <p:nvSpPr>
+          <p:cNvPr id="4" name="Slide Number Placeholder 3"/>
+          <p:cNvSpPr>
+            <a:spLocks noGrp="1"/>
+          </p:cNvSpPr>
+          <p:nvPr>
+            <p:ph type="sldNum" sz="quarter" idx="5"/>
+          </p:nvPr>
+        </p:nvSpPr>
+        <p:spPr/>
+        <p:txBody>
+          <a:bodyPr/>
+          <a:lstStyle/>
+          <a:p>
+            <a:fld id="{59758792-16F5-7043-A9DC-706F41594F88}" type="slidenum">
+              <a:rPr lang="en-US" smtClean="0"/>
+              <a:t>23</a:t>
+            </a:fld>
+            <a:endParaRPr lang="en-US"/>
+          </a:p>
+        </p:txBody>
+      </p:sp>
+    </p:spTree>
+    <p:extLst>
+      <p:ext uri="{BB962C8B-B14F-4D97-AF65-F5344CB8AC3E}">
+        <p14:creationId xmlns:p14="http://schemas.microsoft.com/office/powerpoint/2010/main" val="2312308743"/>
+      </p:ext>
+    </p:extLst>
+  </p:cSld>
+  <p:clrMapOvr>
+    <a:masterClrMapping/>
+  </p:clrMapOvr>
+</p:notes>
+</file>
+
+<file path=ppt/notesSlides/notesSlide22.xml><?xml version="1.0" encoding="utf-8"?>
+<p:notes xmlns:a="http://schemas.openxmlformats.org/drawingml/2006/main" xmlns:r="http://schemas.openxmlformats.org/officeDocument/2006/relationships" xmlns:p="http://schemas.openxmlformats.org/presentationml/2006/main">
+  <p:cSld>
+    <p:spTree>
+      <p:nvGrpSpPr>
+        <p:cNvPr id="1" name=""/>
+        <p:cNvGrpSpPr/>
+        <p:nvPr/>
+      </p:nvGrpSpPr>
+      <p:grpSpPr>
+        <a:xfrm>
+          <a:off x="0" y="0"/>
+          <a:ext cx="0" cy="0"/>
+          <a:chOff x="0" y="0"/>
+          <a:chExt cx="0" cy="0"/>
+        </a:xfrm>
+      </p:grpSpPr>
+      <p:sp>
+        <p:nvSpPr>
+          <p:cNvPr id="2" name="Slide Image Placeholder 1"/>
+          <p:cNvSpPr>
+            <a:spLocks noGrp="1" noRot="1" noChangeAspect="1"/>
+          </p:cNvSpPr>
+          <p:nvPr>
+            <p:ph type="sldImg"/>
+          </p:nvPr>
+        </p:nvSpPr>
+        <p:spPr/>
+      </p:sp>
+      <p:sp>
+        <p:nvSpPr>
+          <p:cNvPr id="3" name="Notes Placeholder 2"/>
+          <p:cNvSpPr>
+            <a:spLocks noGrp="1"/>
+          </p:cNvSpPr>
+          <p:nvPr>
+            <p:ph type="body" idx="1"/>
+          </p:nvPr>
+        </p:nvSpPr>
+        <p:spPr/>
+        <p:txBody>
+          <a:bodyPr/>
+          <a:lstStyle/>
+          <a:p>
+            <a:r>
+              <a:rPr lang="en-US" dirty="0"/>
+              <a:t>Things that can be included in an MCP server</a:t>
+            </a:r>
+          </a:p>
+          <a:p>
+            <a:r>
+              <a:rPr lang="en-US" dirty="0"/>
+              <a:t>Tools: Interact with specific software </a:t>
+            </a:r>
+            <a:r>
+              <a:rPr lang="en-US" dirty="0" err="1"/>
+              <a:t>pacakges</a:t>
+            </a:r>
+            <a:r>
+              <a:rPr lang="en-US" dirty="0"/>
+              <a:t> and APIs. If it can be construed in a python function it is fair game</a:t>
+            </a:r>
+          </a:p>
+          <a:p>
+            <a:r>
+              <a:rPr lang="en-US" dirty="0"/>
+              <a:t>Well-defined function</a:t>
+            </a:r>
+          </a:p>
+          <a:p>
+            <a:endParaRPr lang="en-US" dirty="0"/>
+          </a:p>
+          <a:p>
+            <a:r>
+              <a:rPr lang="en-US" dirty="0"/>
+              <a:t>Limitations? No sir</a:t>
+            </a:r>
+          </a:p>
+          <a:p>
+            <a:endParaRPr lang="en-US" dirty="0"/>
+          </a:p>
+          <a:p>
+            <a:r>
+              <a:rPr lang="en-US" dirty="0"/>
+              <a:t>Prompts: Automatic prompts exposed for ease of use. Can be parameterized. Extension of traditional prompt engineering techniques</a:t>
+            </a:r>
+          </a:p>
+          <a:p>
+            <a:endParaRPr lang="en-US" dirty="0"/>
+          </a:p>
+          <a:p>
+            <a:r>
+              <a:rPr lang="en-US" dirty="0"/>
+              <a:t>Resource: Can interact with RAG. Static or dynamic. Read directly. Can extract information via API with a tool or read from a passive data via resource</a:t>
+            </a:r>
+          </a:p>
+          <a:p>
+            <a:r>
+              <a:rPr lang="en-US" dirty="0"/>
+              <a:t>Not all at once</a:t>
+            </a:r>
+          </a:p>
+        </p:txBody>
+      </p:sp>
+      <p:sp>
+        <p:nvSpPr>
+          <p:cNvPr id="4" name="Slide Number Placeholder 3"/>
+          <p:cNvSpPr>
+            <a:spLocks noGrp="1"/>
+          </p:cNvSpPr>
+          <p:nvPr>
+            <p:ph type="sldNum" sz="quarter" idx="5"/>
+          </p:nvPr>
+        </p:nvSpPr>
+        <p:spPr/>
+        <p:txBody>
+          <a:bodyPr/>
+          <a:lstStyle/>
+          <a:p>
+            <a:fld id="{59758792-16F5-7043-A9DC-706F41594F88}" type="slidenum">
+              <a:rPr lang="en-US" smtClean="0"/>
+              <a:t>24</a:t>
+            </a:fld>
+            <a:endParaRPr lang="en-US"/>
+          </a:p>
+        </p:txBody>
+      </p:sp>
+    </p:spTree>
+    <p:extLst>
+      <p:ext uri="{BB962C8B-B14F-4D97-AF65-F5344CB8AC3E}">
+        <p14:creationId xmlns:p14="http://schemas.microsoft.com/office/powerpoint/2010/main" val="1790413713"/>
+      </p:ext>
+    </p:extLst>
+  </p:cSld>
+  <p:clrMapOvr>
+    <a:masterClrMapping/>
+  </p:clrMapOvr>
+</p:notes>
+</file>
+
+<file path=ppt/notesSlides/notesSlide23.xml><?xml version="1.0" encoding="utf-8"?>
+<p:notes xmlns:a="http://schemas.openxmlformats.org/drawingml/2006/main" xmlns:r="http://schemas.openxmlformats.org/officeDocument/2006/relationships" xmlns:p="http://schemas.openxmlformats.org/presentationml/2006/main">
+  <p:cSld>
+    <p:spTree>
+      <p:nvGrpSpPr>
+        <p:cNvPr id="1" name=""/>
+        <p:cNvGrpSpPr/>
+        <p:nvPr/>
+      </p:nvGrpSpPr>
+      <p:grpSpPr>
+        <a:xfrm>
+          <a:off x="0" y="0"/>
+          <a:ext cx="0" cy="0"/>
+          <a:chOff x="0" y="0"/>
+          <a:chExt cx="0" cy="0"/>
+        </a:xfrm>
+      </p:grpSpPr>
+      <p:sp>
+        <p:nvSpPr>
+          <p:cNvPr id="2" name="Slide Image Placeholder 1"/>
+          <p:cNvSpPr>
+            <a:spLocks noGrp="1" noRot="1" noChangeAspect="1"/>
+          </p:cNvSpPr>
+          <p:nvPr>
+            <p:ph type="sldImg"/>
+          </p:nvPr>
+        </p:nvSpPr>
+        <p:spPr/>
+      </p:sp>
+      <p:sp>
+        <p:nvSpPr>
+          <p:cNvPr id="3" name="Notes Placeholder 2"/>
+          <p:cNvSpPr>
+            <a:spLocks noGrp="1"/>
+          </p:cNvSpPr>
+          <p:nvPr>
+            <p:ph type="body" idx="1"/>
+          </p:nvPr>
+        </p:nvSpPr>
+        <p:spPr/>
+        <p:txBody>
+          <a:bodyPr/>
+          <a:lstStyle/>
+          <a:p>
+            <a:endParaRPr lang="en-US" dirty="0"/>
+          </a:p>
+        </p:txBody>
+      </p:sp>
+      <p:sp>
+        <p:nvSpPr>
+          <p:cNvPr id="4" name="Slide Number Placeholder 3"/>
+          <p:cNvSpPr>
+            <a:spLocks noGrp="1"/>
+          </p:cNvSpPr>
+          <p:nvPr>
+            <p:ph type="sldNum" sz="quarter" idx="5"/>
+          </p:nvPr>
+        </p:nvSpPr>
+        <p:spPr/>
+        <p:txBody>
+          <a:bodyPr/>
+          <a:lstStyle/>
+          <a:p>
+            <a:fld id="{59758792-16F5-7043-A9DC-706F41594F88}" type="slidenum">
+              <a:rPr lang="en-US" smtClean="0"/>
+              <a:t>25</a:t>
+            </a:fld>
+            <a:endParaRPr lang="en-US"/>
+          </a:p>
+        </p:txBody>
+      </p:sp>
+    </p:spTree>
+    <p:extLst>
+      <p:ext uri="{BB962C8B-B14F-4D97-AF65-F5344CB8AC3E}">
+        <p14:creationId xmlns:p14="http://schemas.microsoft.com/office/powerpoint/2010/main" val="1376161842"/>
+      </p:ext>
+    </p:extLst>
+  </p:cSld>
+  <p:clrMapOvr>
+    <a:masterClrMapping/>
+  </p:clrMapOvr>
+</p:notes>
+</file>
+
+<file path=ppt/notesSlides/notesSlide24.xml><?xml version="1.0" encoding="utf-8"?>
+<p:notes xmlns:a="http://schemas.openxmlformats.org/drawingml/2006/main" xmlns:r="http://schemas.openxmlformats.org/officeDocument/2006/relationships" xmlns:p="http://schemas.openxmlformats.org/presentationml/2006/main">
+  <p:cSld>
+    <p:spTree>
+      <p:nvGrpSpPr>
+        <p:cNvPr id="1" name=""/>
+        <p:cNvGrpSpPr/>
+        <p:nvPr/>
+      </p:nvGrpSpPr>
+      <p:grpSpPr>
+        <a:xfrm>
+          <a:off x="0" y="0"/>
+          <a:ext cx="0" cy="0"/>
+          <a:chOff x="0" y="0"/>
+          <a:chExt cx="0" cy="0"/>
+        </a:xfrm>
+      </p:grpSpPr>
+      <p:sp>
+        <p:nvSpPr>
+          <p:cNvPr id="2" name="Slide Image Placeholder 1"/>
+          <p:cNvSpPr>
+            <a:spLocks noGrp="1" noRot="1" noChangeAspect="1"/>
+          </p:cNvSpPr>
+          <p:nvPr>
+            <p:ph type="sldImg"/>
+          </p:nvPr>
+        </p:nvSpPr>
+        <p:spPr/>
+      </p:sp>
+      <p:sp>
+        <p:nvSpPr>
+          <p:cNvPr id="3" name="Notes Placeholder 2"/>
+          <p:cNvSpPr>
+            <a:spLocks noGrp="1"/>
+          </p:cNvSpPr>
+          <p:nvPr>
+            <p:ph type="body" idx="1"/>
+          </p:nvPr>
+        </p:nvSpPr>
+        <p:spPr/>
+        <p:txBody>
+          <a:bodyPr/>
+          <a:lstStyle/>
+          <a:p>
+            <a:r>
+              <a:rPr lang="en-US" dirty="0"/>
+              <a:t>Method definitions</a:t>
+            </a:r>
+          </a:p>
+          <a:p>
+            <a:r>
+              <a:rPr lang="en-US" dirty="0"/>
+              <a:t>Client features</a:t>
+            </a:r>
+          </a:p>
+          <a:p>
+            <a:r>
+              <a:rPr lang="en-US" dirty="0"/>
+              <a:t>Server features</a:t>
+            </a:r>
+          </a:p>
+          <a:p>
+            <a:endParaRPr lang="en-US" dirty="0"/>
+          </a:p>
+          <a:p>
+            <a:r>
+              <a:rPr lang="en-US" dirty="0"/>
+              <a:t>For server</a:t>
+            </a:r>
+          </a:p>
+        </p:txBody>
+      </p:sp>
+      <p:sp>
+        <p:nvSpPr>
+          <p:cNvPr id="4" name="Slide Number Placeholder 3"/>
+          <p:cNvSpPr>
+            <a:spLocks noGrp="1"/>
+          </p:cNvSpPr>
+          <p:nvPr>
+            <p:ph type="sldNum" sz="quarter" idx="5"/>
+          </p:nvPr>
+        </p:nvSpPr>
+        <p:spPr/>
+        <p:txBody>
+          <a:bodyPr/>
+          <a:lstStyle/>
+          <a:p>
+            <a:fld id="{59758792-16F5-7043-A9DC-706F41594F88}" type="slidenum">
+              <a:rPr lang="en-US" smtClean="0"/>
+              <a:t>27</a:t>
+            </a:fld>
+            <a:endParaRPr lang="en-US"/>
+          </a:p>
+        </p:txBody>
+      </p:sp>
+    </p:spTree>
+    <p:extLst>
+      <p:ext uri="{BB962C8B-B14F-4D97-AF65-F5344CB8AC3E}">
+        <p14:creationId xmlns:p14="http://schemas.microsoft.com/office/powerpoint/2010/main" val="2494876166"/>
+      </p:ext>
+    </p:extLst>
+  </p:cSld>
+  <p:clrMapOvr>
+    <a:masterClrMapping/>
+  </p:clrMapOvr>
+</p:notes>
+</file>
+
+<file path=ppt/notesSlides/notesSlide25.xml><?xml version="1.0" encoding="utf-8"?>
+<p:notes xmlns:a="http://schemas.openxmlformats.org/drawingml/2006/main" xmlns:r="http://schemas.openxmlformats.org/officeDocument/2006/relationships" xmlns:p="http://schemas.openxmlformats.org/presentationml/2006/main">
+  <p:cSld>
+    <p:spTree>
+      <p:nvGrpSpPr>
+        <p:cNvPr id="1" name=""/>
+        <p:cNvGrpSpPr/>
+        <p:nvPr/>
+      </p:nvGrpSpPr>
+      <p:grpSpPr>
+        <a:xfrm>
+          <a:off x="0" y="0"/>
+          <a:ext cx="0" cy="0"/>
+          <a:chOff x="0" y="0"/>
+          <a:chExt cx="0" cy="0"/>
+        </a:xfrm>
+      </p:grpSpPr>
+      <p:sp>
+        <p:nvSpPr>
+          <p:cNvPr id="2" name="Slide Image Placeholder 1"/>
+          <p:cNvSpPr>
+            <a:spLocks noGrp="1" noRot="1" noChangeAspect="1"/>
+          </p:cNvSpPr>
+          <p:nvPr>
+            <p:ph type="sldImg"/>
+          </p:nvPr>
+        </p:nvSpPr>
+        <p:spPr/>
+      </p:sp>
+      <p:sp>
+        <p:nvSpPr>
+          <p:cNvPr id="3" name="Notes Placeholder 2"/>
+          <p:cNvSpPr>
+            <a:spLocks noGrp="1"/>
+          </p:cNvSpPr>
+          <p:nvPr>
+            <p:ph type="body" idx="1"/>
+          </p:nvPr>
+        </p:nvSpPr>
+        <p:spPr/>
+        <p:txBody>
+          <a:bodyPr/>
+          <a:lstStyle/>
+          <a:p>
+            <a:r>
+              <a:rPr lang="en-US" dirty="0"/>
+              <a:t>Included this here for after the fact. All have list methods, others are specific</a:t>
+            </a:r>
+          </a:p>
+          <a:p>
+            <a:endParaRPr lang="en-US" dirty="0"/>
+          </a:p>
+          <a:p>
+            <a:r>
+              <a:rPr lang="en-US" dirty="0"/>
+              <a:t>Resources</a:t>
+            </a:r>
+          </a:p>
+          <a:p>
+            <a:pPr lvl="1"/>
+            <a:r>
+              <a:rPr lang="en-US" dirty="0"/>
+              <a:t>List</a:t>
+            </a:r>
+          </a:p>
+          <a:p>
+            <a:pPr lvl="1"/>
+            <a:r>
+              <a:rPr lang="en-US" dirty="0"/>
+              <a:t>Templates / list</a:t>
+            </a:r>
+          </a:p>
+          <a:p>
+            <a:pPr lvl="1"/>
+            <a:r>
+              <a:rPr lang="en-US" dirty="0"/>
+              <a:t>Read</a:t>
+            </a:r>
+          </a:p>
+          <a:p>
+            <a:pPr lvl="1"/>
+            <a:r>
+              <a:rPr lang="en-US" dirty="0"/>
+              <a:t>Subscribe</a:t>
+            </a:r>
+          </a:p>
+          <a:p>
+            <a:r>
+              <a:rPr lang="en-US" dirty="0"/>
+              <a:t>Prompts</a:t>
+            </a:r>
+          </a:p>
+          <a:p>
+            <a:pPr lvl="1"/>
+            <a:r>
+              <a:rPr lang="en-US" dirty="0"/>
+              <a:t>List</a:t>
+            </a:r>
+          </a:p>
+          <a:p>
+            <a:pPr lvl="1"/>
+            <a:r>
+              <a:rPr lang="en-US" dirty="0"/>
+              <a:t>Get</a:t>
+            </a:r>
+          </a:p>
+        </p:txBody>
+      </p:sp>
+      <p:sp>
+        <p:nvSpPr>
+          <p:cNvPr id="4" name="Slide Number Placeholder 3"/>
+          <p:cNvSpPr>
+            <a:spLocks noGrp="1"/>
+          </p:cNvSpPr>
+          <p:nvPr>
+            <p:ph type="sldNum" sz="quarter" idx="5"/>
+          </p:nvPr>
+        </p:nvSpPr>
+        <p:spPr/>
+        <p:txBody>
+          <a:bodyPr/>
+          <a:lstStyle/>
+          <a:p>
+            <a:fld id="{59758792-16F5-7043-A9DC-706F41594F88}" type="slidenum">
+              <a:rPr lang="en-US" smtClean="0"/>
+              <a:t>28</a:t>
+            </a:fld>
+            <a:endParaRPr lang="en-US"/>
+          </a:p>
+        </p:txBody>
+      </p:sp>
+    </p:spTree>
+    <p:extLst>
+      <p:ext uri="{BB962C8B-B14F-4D97-AF65-F5344CB8AC3E}">
+        <p14:creationId xmlns:p14="http://schemas.microsoft.com/office/powerpoint/2010/main" val="2435067895"/>
+      </p:ext>
+    </p:extLst>
+  </p:cSld>
+  <p:clrMapOvr>
+    <a:masterClrMapping/>
+  </p:clrMapOvr>
+</p:notes>
+</file>
+
+<file path=ppt/notesSlides/notesSlide26.xml><?xml version="1.0" encoding="utf-8"?>
+<p:notes xmlns:a="http://schemas.openxmlformats.org/drawingml/2006/main" xmlns:r="http://schemas.openxmlformats.org/officeDocument/2006/relationships" xmlns:p="http://schemas.openxmlformats.org/presentationml/2006/main">
+  <p:cSld>
+    <p:spTree>
+      <p:nvGrpSpPr>
+        <p:cNvPr id="1" name="">
+          <a:extLst>
+            <a:ext uri="{FF2B5EF4-FFF2-40B4-BE49-F238E27FC236}">
+              <a16:creationId xmlns:a16="http://schemas.microsoft.com/office/drawing/2014/main" id="{746A3B6C-33FA-E4DD-7F81-3F8D1033EBED}"/>
+            </a:ext>
+          </a:extLst>
+        </p:cNvPr>
+        <p:cNvGrpSpPr/>
+        <p:nvPr/>
+      </p:nvGrpSpPr>
+      <p:grpSpPr>
+        <a:xfrm>
+          <a:off x="0" y="0"/>
+          <a:ext cx="0" cy="0"/>
+          <a:chOff x="0" y="0"/>
+          <a:chExt cx="0" cy="0"/>
+        </a:xfrm>
+      </p:grpSpPr>
+      <p:sp>
+        <p:nvSpPr>
+          <p:cNvPr id="2" name="Slide Image Placeholder 1">
+            <a:extLst>
+              <a:ext uri="{FF2B5EF4-FFF2-40B4-BE49-F238E27FC236}">
+                <a16:creationId xmlns:a16="http://schemas.microsoft.com/office/drawing/2014/main" id="{2B205E59-9E21-CADB-CD2F-61ABABD191AA}"/>
+              </a:ext>
+            </a:extLst>
+          </p:cNvPr>
+          <p:cNvSpPr>
+            <a:spLocks noGrp="1" noRot="1" noChangeAspect="1"/>
+          </p:cNvSpPr>
+          <p:nvPr>
+            <p:ph type="sldImg"/>
+          </p:nvPr>
+        </p:nvSpPr>
+        <p:spPr/>
+      </p:sp>
+      <p:sp>
+        <p:nvSpPr>
+          <p:cNvPr id="3" name="Notes Placeholder 2">
+            <a:extLst>
+              <a:ext uri="{FF2B5EF4-FFF2-40B4-BE49-F238E27FC236}">
+                <a16:creationId xmlns:a16="http://schemas.microsoft.com/office/drawing/2014/main" id="{8915545A-B263-84FF-FEBD-632F02C65326}"/>
+              </a:ext>
+            </a:extLst>
+          </p:cNvPr>
+          <p:cNvSpPr>
+            <a:spLocks noGrp="1"/>
+          </p:cNvSpPr>
+          <p:nvPr>
+            <p:ph type="body" idx="1"/>
+          </p:nvPr>
+        </p:nvSpPr>
+        <p:spPr/>
+        <p:txBody>
+          <a:bodyPr/>
+          <a:lstStyle/>
+          <a:p>
+            <a:r>
+              <a:rPr lang="en-US" dirty="0"/>
+              <a:t>Transport layer is the how</a:t>
+            </a:r>
+          </a:p>
+          <a:p>
+            <a:r>
+              <a:rPr lang="en-US" dirty="0" err="1"/>
+              <a:t>Stdio</a:t>
+            </a:r>
+            <a:r>
+              <a:rPr lang="en-US" dirty="0"/>
+              <a:t> is for local development. A number of these can run locally and do not need sophisticated authentication</a:t>
+            </a:r>
+          </a:p>
+          <a:p>
+            <a:r>
+              <a:rPr lang="en-US" dirty="0" err="1"/>
+              <a:t>Streamable</a:t>
+            </a:r>
+            <a:r>
+              <a:rPr lang="en-US" dirty="0"/>
+              <a:t> http is standard for remote servers</a:t>
+            </a:r>
+          </a:p>
+          <a:p>
+            <a:r>
+              <a:rPr lang="en-US" dirty="0"/>
+              <a:t>Authorization handled within host application within client implementation -</a:t>
+            </a:r>
+            <a:r>
+              <a:rPr lang="en-US" dirty="0">
+                <a:sym typeface="Wingdings" pitchFamily="2" charset="2"/>
+              </a:rPr>
+              <a:t> not handled by user or exposed</a:t>
+            </a:r>
+            <a:endParaRPr lang="en-US" dirty="0"/>
+          </a:p>
+        </p:txBody>
+      </p:sp>
+      <p:sp>
+        <p:nvSpPr>
+          <p:cNvPr id="4" name="Slide Number Placeholder 3">
+            <a:extLst>
+              <a:ext uri="{FF2B5EF4-FFF2-40B4-BE49-F238E27FC236}">
+                <a16:creationId xmlns:a16="http://schemas.microsoft.com/office/drawing/2014/main" id="{39212895-7542-0126-9194-616ED057E373}"/>
+              </a:ext>
+            </a:extLst>
+          </p:cNvPr>
+          <p:cNvSpPr>
+            <a:spLocks noGrp="1"/>
+          </p:cNvSpPr>
+          <p:nvPr>
+            <p:ph type="sldNum" sz="quarter" idx="5"/>
+          </p:nvPr>
+        </p:nvSpPr>
+        <p:spPr/>
+        <p:txBody>
+          <a:bodyPr/>
+          <a:lstStyle/>
+          <a:p>
+            <a:fld id="{59758792-16F5-7043-A9DC-706F41594F88}" type="slidenum">
+              <a:rPr lang="en-US" smtClean="0"/>
+              <a:t>29</a:t>
+            </a:fld>
+            <a:endParaRPr lang="en-US"/>
+          </a:p>
+        </p:txBody>
+      </p:sp>
+    </p:spTree>
+    <p:extLst>
+      <p:ext uri="{BB962C8B-B14F-4D97-AF65-F5344CB8AC3E}">
+        <p14:creationId xmlns:p14="http://schemas.microsoft.com/office/powerpoint/2010/main" val="2128976407"/>
+      </p:ext>
+    </p:extLst>
+  </p:cSld>
+  <p:clrMapOvr>
+    <a:masterClrMapping/>
+  </p:clrMapOvr>
+</p:notes>
+</file>
+
+<file path=ppt/notesSlides/notesSlide27.xml><?xml version="1.0" encoding="utf-8"?>
+<p:notes xmlns:a="http://schemas.openxmlformats.org/drawingml/2006/main" xmlns:r="http://schemas.openxmlformats.org/officeDocument/2006/relationships" xmlns:p="http://schemas.openxmlformats.org/presentationml/2006/main">
+  <p:cSld>
+    <p:spTree>
+      <p:nvGrpSpPr>
+        <p:cNvPr id="1" name=""/>
+        <p:cNvGrpSpPr/>
+        <p:nvPr/>
+      </p:nvGrpSpPr>
+      <p:grpSpPr>
+        <a:xfrm>
+          <a:off x="0" y="0"/>
+          <a:ext cx="0" cy="0"/>
+          <a:chOff x="0" y="0"/>
+          <a:chExt cx="0" cy="0"/>
+        </a:xfrm>
+      </p:grpSpPr>
+      <p:sp>
+        <p:nvSpPr>
+          <p:cNvPr id="2" name="Slide Image Placeholder 1"/>
+          <p:cNvSpPr>
+            <a:spLocks noGrp="1" noRot="1" noChangeAspect="1"/>
+          </p:cNvSpPr>
+          <p:nvPr>
+            <p:ph type="sldImg"/>
+          </p:nvPr>
+        </p:nvSpPr>
+        <p:spPr/>
+      </p:sp>
+      <p:sp>
+        <p:nvSpPr>
+          <p:cNvPr id="3" name="Notes Placeholder 2"/>
+          <p:cNvSpPr>
+            <a:spLocks noGrp="1"/>
+          </p:cNvSpPr>
+          <p:nvPr>
+            <p:ph type="body" idx="1"/>
+          </p:nvPr>
+        </p:nvSpPr>
+        <p:spPr/>
+        <p:txBody>
+          <a:bodyPr/>
+          <a:lstStyle/>
+          <a:p>
+            <a:r>
+              <a:rPr lang="en-US" dirty="0"/>
+              <a:t>In our example the ultimate decision to use tools falls on the LLM. </a:t>
+            </a:r>
+          </a:p>
+        </p:txBody>
+      </p:sp>
+      <p:sp>
+        <p:nvSpPr>
+          <p:cNvPr id="4" name="Slide Number Placeholder 3"/>
+          <p:cNvSpPr>
+            <a:spLocks noGrp="1"/>
+          </p:cNvSpPr>
+          <p:nvPr>
+            <p:ph type="sldNum" sz="quarter" idx="5"/>
+          </p:nvPr>
+        </p:nvSpPr>
+        <p:spPr/>
+        <p:txBody>
+          <a:bodyPr/>
+          <a:lstStyle/>
+          <a:p>
+            <a:fld id="{59758792-16F5-7043-A9DC-706F41594F88}" type="slidenum">
+              <a:rPr lang="en-US" smtClean="0"/>
+              <a:t>33</a:t>
+            </a:fld>
+            <a:endParaRPr lang="en-US"/>
+          </a:p>
+        </p:txBody>
+      </p:sp>
+    </p:spTree>
+    <p:extLst>
+      <p:ext uri="{BB962C8B-B14F-4D97-AF65-F5344CB8AC3E}">
+        <p14:creationId xmlns:p14="http://schemas.microsoft.com/office/powerpoint/2010/main" val="257091241"/>
+      </p:ext>
+    </p:extLst>
+  </p:cSld>
+  <p:clrMapOvr>
+    <a:masterClrMapping/>
+  </p:clrMapOvr>
+</p:notes>
+</file>
+
+<file path=ppt/notesSlides/notesSlide28.xml><?xml version="1.0" encoding="utf-8"?>
+<p:notes xmlns:a="http://schemas.openxmlformats.org/drawingml/2006/main" xmlns:r="http://schemas.openxmlformats.org/officeDocument/2006/relationships" xmlns:p="http://schemas.openxmlformats.org/presentationml/2006/main">
+  <p:cSld>
+    <p:spTree>
+      <p:nvGrpSpPr>
+        <p:cNvPr id="1" name=""/>
+        <p:cNvGrpSpPr/>
+        <p:nvPr/>
+      </p:nvGrpSpPr>
+      <p:grpSpPr>
+        <a:xfrm>
+          <a:off x="0" y="0"/>
+          <a:ext cx="0" cy="0"/>
+          <a:chOff x="0" y="0"/>
+          <a:chExt cx="0" cy="0"/>
+        </a:xfrm>
+      </p:grpSpPr>
+      <p:sp>
+        <p:nvSpPr>
+          <p:cNvPr id="2" name="Slide Image Placeholder 1"/>
+          <p:cNvSpPr>
+            <a:spLocks noGrp="1" noRot="1" noChangeAspect="1"/>
+          </p:cNvSpPr>
+          <p:nvPr>
+            <p:ph type="sldImg"/>
+          </p:nvPr>
+        </p:nvSpPr>
+        <p:spPr/>
+      </p:sp>
+      <p:sp>
+        <p:nvSpPr>
+          <p:cNvPr id="3" name="Notes Placeholder 2"/>
+          <p:cNvSpPr>
+            <a:spLocks noGrp="1"/>
+          </p:cNvSpPr>
+          <p:nvPr>
+            <p:ph type="body" idx="1"/>
+          </p:nvPr>
+        </p:nvSpPr>
+        <p:spPr/>
+        <p:txBody>
+          <a:bodyPr/>
+          <a:lstStyle/>
+          <a:p>
+            <a:r>
+              <a:rPr lang="en-US" dirty="0"/>
+              <a:t>GitHub Repo</a:t>
+            </a:r>
+          </a:p>
+        </p:txBody>
+      </p:sp>
+      <p:sp>
+        <p:nvSpPr>
+          <p:cNvPr id="4" name="Slide Number Placeholder 3"/>
+          <p:cNvSpPr>
+            <a:spLocks noGrp="1"/>
+          </p:cNvSpPr>
+          <p:nvPr>
+            <p:ph type="sldNum" sz="quarter" idx="5"/>
+          </p:nvPr>
+        </p:nvSpPr>
+        <p:spPr/>
+        <p:txBody>
+          <a:bodyPr/>
+          <a:lstStyle/>
+          <a:p>
+            <a:fld id="{59758792-16F5-7043-A9DC-706F41594F88}" type="slidenum">
+              <a:rPr lang="en-US" smtClean="0"/>
+              <a:t>34</a:t>
+            </a:fld>
+            <a:endParaRPr lang="en-US"/>
+          </a:p>
+        </p:txBody>
+      </p:sp>
+    </p:spTree>
+    <p:extLst>
+      <p:ext uri="{BB962C8B-B14F-4D97-AF65-F5344CB8AC3E}">
+        <p14:creationId xmlns:p14="http://schemas.microsoft.com/office/powerpoint/2010/main" val="1648972628"/>
+      </p:ext>
+    </p:extLst>
+  </p:cSld>
+  <p:clrMapOvr>
+    <a:masterClrMapping/>
+  </p:clrMapOvr>
+</p:notes>
+</file>
+
+<file path=ppt/notesSlides/notesSlide29.xml><?xml version="1.0" encoding="utf-8"?>
+<p:notes xmlns:a="http://schemas.openxmlformats.org/drawingml/2006/main" xmlns:r="http://schemas.openxmlformats.org/officeDocument/2006/relationships" xmlns:p="http://schemas.openxmlformats.org/presentationml/2006/main">
+  <p:cSld>
+    <p:spTree>
+      <p:nvGrpSpPr>
+        <p:cNvPr id="1" name=""/>
+        <p:cNvGrpSpPr/>
+        <p:nvPr/>
+      </p:nvGrpSpPr>
+      <p:grpSpPr>
+        <a:xfrm>
+          <a:off x="0" y="0"/>
+          <a:ext cx="0" cy="0"/>
+          <a:chOff x="0" y="0"/>
+          <a:chExt cx="0" cy="0"/>
+        </a:xfrm>
+      </p:grpSpPr>
+      <p:sp>
+        <p:nvSpPr>
+          <p:cNvPr id="2" name="Slide Image Placeholder 1"/>
+          <p:cNvSpPr>
+            <a:spLocks noGrp="1" noRot="1" noChangeAspect="1"/>
+          </p:cNvSpPr>
+          <p:nvPr>
+            <p:ph type="sldImg"/>
+          </p:nvPr>
+        </p:nvSpPr>
+        <p:spPr/>
+      </p:sp>
+      <p:sp>
+        <p:nvSpPr>
+          <p:cNvPr id="3" name="Notes Placeholder 2"/>
+          <p:cNvSpPr>
+            <a:spLocks noGrp="1"/>
+          </p:cNvSpPr>
+          <p:nvPr>
+            <p:ph type="body" idx="1"/>
+          </p:nvPr>
+        </p:nvSpPr>
+        <p:spPr/>
+        <p:txBody>
+          <a:bodyPr/>
+          <a:lstStyle/>
+          <a:p>
+            <a:r>
+              <a:rPr lang="en-US" dirty="0"/>
+              <a:t>Downside is that crafting the prompt to provide the CONTEXT takes a long time and requires a lot of work on the end user.</a:t>
+            </a:r>
+          </a:p>
+          <a:p>
+            <a:r>
+              <a:rPr lang="en-US" dirty="0"/>
+              <a:t>Takes a lot of time, lot of effort but gives us good results. </a:t>
+            </a:r>
+          </a:p>
+          <a:p>
+            <a:r>
+              <a:rPr lang="en-US" dirty="0"/>
+              <a:t>We can also give the LLM access to resources not included in the prompt. For example we can directly integrate it with access to sources such as google drive. That takes time and often has some lift on the LLM side. We need to manually register the LLM</a:t>
+            </a:r>
+          </a:p>
+          <a:p>
+            <a:endParaRPr lang="en-US" dirty="0"/>
+          </a:p>
+          <a:p>
+            <a:r>
+              <a:rPr lang="en-US" dirty="0"/>
+              <a:t>Functions need to be registered with an LLM</a:t>
+            </a:r>
+          </a:p>
+          <a:p>
+            <a:endParaRPr lang="en-US" dirty="0"/>
+          </a:p>
+          <a:p>
+            <a:r>
+              <a:rPr lang="en-US" dirty="0"/>
+              <a:t>What if we were to shift these to the other side of the diagram? What if we were able to standardize how we can give this context to the model automagically?</a:t>
+            </a:r>
+          </a:p>
+          <a:p>
+            <a:r>
+              <a:rPr lang="en-US" dirty="0"/>
+              <a:t>This is where model context protocol comes in</a:t>
+            </a:r>
+          </a:p>
+          <a:p>
+            <a:endParaRPr lang="en-US" dirty="0"/>
+          </a:p>
+        </p:txBody>
+      </p:sp>
+      <p:sp>
+        <p:nvSpPr>
+          <p:cNvPr id="4" name="Slide Number Placeholder 3"/>
+          <p:cNvSpPr>
+            <a:spLocks noGrp="1"/>
+          </p:cNvSpPr>
+          <p:nvPr>
+            <p:ph type="sldNum" sz="quarter" idx="5"/>
+          </p:nvPr>
+        </p:nvSpPr>
+        <p:spPr/>
+        <p:txBody>
+          <a:bodyPr/>
+          <a:lstStyle/>
+          <a:p>
+            <a:fld id="{59758792-16F5-7043-A9DC-706F41594F88}" type="slidenum">
+              <a:rPr lang="en-US" smtClean="0"/>
+              <a:t>40</a:t>
+            </a:fld>
+            <a:endParaRPr lang="en-US"/>
+          </a:p>
+        </p:txBody>
+      </p:sp>
+    </p:spTree>
+    <p:extLst>
+      <p:ext uri="{BB962C8B-B14F-4D97-AF65-F5344CB8AC3E}">
+        <p14:creationId xmlns:p14="http://schemas.microsoft.com/office/powerpoint/2010/main" val="1514641147"/>
       </p:ext>
     </p:extLst>
   </p:cSld>
@@ -10420,13 +11817,7 @@
   <p:cSld>
     <p:spTree>
       <p:nvGrpSpPr>
-        <p:cNvPr id="1" name="">
-          <a:extLst>
-            <a:ext uri="{FF2B5EF4-FFF2-40B4-BE49-F238E27FC236}">
-              <a16:creationId xmlns:a16="http://schemas.microsoft.com/office/drawing/2014/main" id="{B36B51A5-69DE-5639-6834-D0FA5442732F}"/>
-            </a:ext>
-          </a:extLst>
-        </p:cNvPr>
+        <p:cNvPr id="1" name=""/>
         <p:cNvGrpSpPr/>
         <p:nvPr/>
       </p:nvGrpSpPr>
@@ -10440,13 +11831,7 @@
       </p:grpSpPr>
       <p:sp>
         <p:nvSpPr>
-          <p:cNvPr id="2" name="Slide Image Placeholder 1">
-            <a:extLst>
-              <a:ext uri="{FF2B5EF4-FFF2-40B4-BE49-F238E27FC236}">
-                <a16:creationId xmlns:a16="http://schemas.microsoft.com/office/drawing/2014/main" id="{28A378B6-8699-DCAE-2AE0-1E135CD0B0DE}"/>
-              </a:ext>
-            </a:extLst>
-          </p:cNvPr>
+          <p:cNvPr id="2" name="Slide Image Placeholder 1"/>
           <p:cNvSpPr>
             <a:spLocks noGrp="1" noRot="1" noChangeAspect="1"/>
           </p:cNvSpPr>
@@ -10458,13 +11843,7 @@
       </p:sp>
       <p:sp>
         <p:nvSpPr>
-          <p:cNvPr id="3" name="Notes Placeholder 2">
-            <a:extLst>
-              <a:ext uri="{FF2B5EF4-FFF2-40B4-BE49-F238E27FC236}">
-                <a16:creationId xmlns:a16="http://schemas.microsoft.com/office/drawing/2014/main" id="{07DF26FD-8CE1-CE63-E168-C5E6939C98DD}"/>
-              </a:ext>
-            </a:extLst>
-          </p:cNvPr>
+          <p:cNvPr id="3" name="Notes Placeholder 2"/>
           <p:cNvSpPr>
             <a:spLocks noGrp="1"/>
           </p:cNvSpPr>
@@ -10479,56 +11858,34 @@
           <a:p>
             <a:r>
               <a:rPr lang="en-US" dirty="0"/>
-              <a:t>Make a prompt, submit it via a GUI or API call to an LLM. This covers a lot of bases and can help us for static questions; “Find the line things go wrong”, “Write a poem”</a:t>
-            </a:r>
-          </a:p>
-          <a:p>
-            <a:r>
-              <a:rPr lang="en-US" dirty="0"/>
-              <a:t>This works. This is sufficient for some use cases.</a:t>
-            </a:r>
-          </a:p>
-          <a:p>
-            <a:r>
-              <a:rPr lang="en-US" dirty="0"/>
-              <a:t>Little to no control over what happens in step 2</a:t>
-            </a:r>
-          </a:p>
-          <a:p>
-            <a:endParaRPr lang="en-US" dirty="0"/>
-          </a:p>
-          <a:p>
-            <a:r>
-              <a:rPr lang="en-US" dirty="0"/>
-              <a:t>Two problems: Tool specification</a:t>
-            </a:r>
-          </a:p>
-          <a:p>
-            <a:r>
-              <a:rPr lang="en-US" dirty="0"/>
-              <a:t>Knowledge cutoff</a:t>
-            </a:r>
-          </a:p>
-          <a:p>
-            <a:endParaRPr lang="en-US" dirty="0"/>
-          </a:p>
-          <a:p>
-            <a:r>
-              <a:rPr lang="en-US" dirty="0"/>
-              <a:t>These solutions are not ideal and partially defeat he </a:t>
-            </a:r>
-          </a:p>
-        </p:txBody>
-      </p:sp>
-      <p:sp>
-        <p:nvSpPr>
-          <p:cNvPr id="4" name="Slide Number Placeholder 3">
-            <a:extLst>
-              <a:ext uri="{FF2B5EF4-FFF2-40B4-BE49-F238E27FC236}">
-                <a16:creationId xmlns:a16="http://schemas.microsoft.com/office/drawing/2014/main" id="{1B9C6E46-01B1-3077-6DF2-3EF4B338C328}"/>
-              </a:ext>
-            </a:extLst>
-          </p:cNvPr>
+              <a:t>Brand new</a:t>
+            </a:r>
+          </a:p>
+          <a:p>
+            <a:r>
+              <a:rPr lang="en-US" dirty="0"/>
+              <a:t>LLM specific. </a:t>
+            </a:r>
+            <a:r>
+              <a:rPr lang="en-US" dirty="0" err="1"/>
+              <a:t>Frameowkr</a:t>
+            </a:r>
+            <a:r>
+              <a:rPr lang="en-US" dirty="0"/>
+              <a:t> can be adapted for workflow automations</a:t>
+            </a:r>
+          </a:p>
+          <a:p>
+            <a:r>
+              <a:rPr lang="en-US" dirty="0"/>
+              <a:t>Will move around as much as I can</a:t>
+            </a:r>
+          </a:p>
+        </p:txBody>
+      </p:sp>
+      <p:sp>
+        <p:nvSpPr>
+          <p:cNvPr id="4" name="Slide Number Placeholder 3"/>
           <p:cNvSpPr>
             <a:spLocks noGrp="1"/>
           </p:cNvSpPr>
@@ -10543,7 +11900,7 @@
           <a:p>
             <a:fld id="{59758792-16F5-7043-A9DC-706F41594F88}" type="slidenum">
               <a:rPr lang="en-US" smtClean="0"/>
-              <a:t>7</a:t>
+              <a:t>4</a:t>
             </a:fld>
             <a:endParaRPr lang="en-US"/>
           </a:p>
@@ -10552,7 +11909,208 @@
     </p:spTree>
     <p:extLst>
       <p:ext uri="{BB962C8B-B14F-4D97-AF65-F5344CB8AC3E}">
-        <p14:creationId xmlns:p14="http://schemas.microsoft.com/office/powerpoint/2010/main" val="2357981401"/>
+        <p14:creationId xmlns:p14="http://schemas.microsoft.com/office/powerpoint/2010/main" val="888592873"/>
+      </p:ext>
+    </p:extLst>
+  </p:cSld>
+  <p:clrMapOvr>
+    <a:masterClrMapping/>
+  </p:clrMapOvr>
+</p:notes>
+</file>
+
+<file path=ppt/notesSlides/notesSlide30.xml><?xml version="1.0" encoding="utf-8"?>
+<p:notes xmlns:a="http://schemas.openxmlformats.org/drawingml/2006/main" xmlns:r="http://schemas.openxmlformats.org/officeDocument/2006/relationships" xmlns:p="http://schemas.openxmlformats.org/presentationml/2006/main">
+  <p:cSld>
+    <p:spTree>
+      <p:nvGrpSpPr>
+        <p:cNvPr id="1" name=""/>
+        <p:cNvGrpSpPr/>
+        <p:nvPr/>
+      </p:nvGrpSpPr>
+      <p:grpSpPr>
+        <a:xfrm>
+          <a:off x="0" y="0"/>
+          <a:ext cx="0" cy="0"/>
+          <a:chOff x="0" y="0"/>
+          <a:chExt cx="0" cy="0"/>
+        </a:xfrm>
+      </p:grpSpPr>
+      <p:sp>
+        <p:nvSpPr>
+          <p:cNvPr id="2" name="Slide Image Placeholder 1"/>
+          <p:cNvSpPr>
+            <a:spLocks noGrp="1" noRot="1" noChangeAspect="1"/>
+          </p:cNvSpPr>
+          <p:nvPr>
+            <p:ph type="sldImg"/>
+          </p:nvPr>
+        </p:nvSpPr>
+        <p:spPr/>
+      </p:sp>
+      <p:sp>
+        <p:nvSpPr>
+          <p:cNvPr id="3" name="Notes Placeholder 2"/>
+          <p:cNvSpPr>
+            <a:spLocks noGrp="1"/>
+          </p:cNvSpPr>
+          <p:nvPr>
+            <p:ph type="body" idx="1"/>
+          </p:nvPr>
+        </p:nvSpPr>
+        <p:spPr/>
+        <p:txBody>
+          <a:bodyPr/>
+          <a:lstStyle/>
+          <a:p>
+            <a:r>
+              <a:rPr lang="en-US" dirty="0"/>
+              <a:t>As an aside, we will be using the terms client and server </a:t>
+            </a:r>
+          </a:p>
+        </p:txBody>
+      </p:sp>
+      <p:sp>
+        <p:nvSpPr>
+          <p:cNvPr id="4" name="Slide Number Placeholder 3"/>
+          <p:cNvSpPr>
+            <a:spLocks noGrp="1"/>
+          </p:cNvSpPr>
+          <p:nvPr>
+            <p:ph type="sldNum" sz="quarter" idx="5"/>
+          </p:nvPr>
+        </p:nvSpPr>
+        <p:spPr/>
+        <p:txBody>
+          <a:bodyPr/>
+          <a:lstStyle/>
+          <a:p>
+            <a:fld id="{59758792-16F5-7043-A9DC-706F41594F88}" type="slidenum">
+              <a:rPr lang="en-US" smtClean="0"/>
+              <a:t>41</a:t>
+            </a:fld>
+            <a:endParaRPr lang="en-US"/>
+          </a:p>
+        </p:txBody>
+      </p:sp>
+    </p:spTree>
+    <p:extLst>
+      <p:ext uri="{BB962C8B-B14F-4D97-AF65-F5344CB8AC3E}">
+        <p14:creationId xmlns:p14="http://schemas.microsoft.com/office/powerpoint/2010/main" val="1354800457"/>
+      </p:ext>
+    </p:extLst>
+  </p:cSld>
+  <p:clrMapOvr>
+    <a:masterClrMapping/>
+  </p:clrMapOvr>
+</p:notes>
+</file>
+
+<file path=ppt/notesSlides/notesSlide31.xml><?xml version="1.0" encoding="utf-8"?>
+<p:notes xmlns:a="http://schemas.openxmlformats.org/drawingml/2006/main" xmlns:r="http://schemas.openxmlformats.org/officeDocument/2006/relationships" xmlns:p="http://schemas.openxmlformats.org/presentationml/2006/main">
+  <p:cSld>
+    <p:spTree>
+      <p:nvGrpSpPr>
+        <p:cNvPr id="1" name=""/>
+        <p:cNvGrpSpPr/>
+        <p:nvPr/>
+      </p:nvGrpSpPr>
+      <p:grpSpPr>
+        <a:xfrm>
+          <a:off x="0" y="0"/>
+          <a:ext cx="0" cy="0"/>
+          <a:chOff x="0" y="0"/>
+          <a:chExt cx="0" cy="0"/>
+        </a:xfrm>
+      </p:grpSpPr>
+      <p:sp>
+        <p:nvSpPr>
+          <p:cNvPr id="2" name="Slide Image Placeholder 1"/>
+          <p:cNvSpPr>
+            <a:spLocks noGrp="1" noRot="1" noChangeAspect="1"/>
+          </p:cNvSpPr>
+          <p:nvPr>
+            <p:ph type="sldImg"/>
+          </p:nvPr>
+        </p:nvSpPr>
+        <p:spPr/>
+      </p:sp>
+      <p:sp>
+        <p:nvSpPr>
+          <p:cNvPr id="3" name="Notes Placeholder 2"/>
+          <p:cNvSpPr>
+            <a:spLocks noGrp="1"/>
+          </p:cNvSpPr>
+          <p:nvPr>
+            <p:ph type="body" idx="1"/>
+          </p:nvPr>
+        </p:nvSpPr>
+        <p:spPr/>
+        <p:txBody>
+          <a:bodyPr/>
+          <a:lstStyle/>
+          <a:p>
+            <a:r>
+              <a:rPr lang="en-US" dirty="0"/>
+              <a:t>Aka agentic AI</a:t>
+            </a:r>
+          </a:p>
+          <a:p>
+            <a:r>
+              <a:rPr lang="en-US" dirty="0"/>
+              <a:t>Workflow automation is calling specific tools with little code</a:t>
+            </a:r>
+          </a:p>
+          <a:p>
+            <a:endParaRPr lang="en-US" dirty="0"/>
+          </a:p>
+          <a:p>
+            <a:r>
+              <a:rPr lang="en-US" dirty="0"/>
+              <a:t>Difference is in pattern </a:t>
+            </a:r>
+          </a:p>
+          <a:p>
+            <a:r>
+              <a:rPr lang="en-US" dirty="0"/>
+              <a:t>MCP is how they interact, Automation is agentic</a:t>
+            </a:r>
+          </a:p>
+          <a:p>
+            <a:r>
+              <a:rPr lang="en-US" dirty="0"/>
+              <a:t>MCP emphasizes LLM integration</a:t>
+            </a:r>
+          </a:p>
+        </p:txBody>
+      </p:sp>
+      <p:sp>
+        <p:nvSpPr>
+          <p:cNvPr id="4" name="Slide Number Placeholder 3"/>
+          <p:cNvSpPr>
+            <a:spLocks noGrp="1"/>
+          </p:cNvSpPr>
+          <p:nvPr>
+            <p:ph type="sldNum" sz="quarter" idx="5"/>
+          </p:nvPr>
+        </p:nvSpPr>
+        <p:spPr/>
+        <p:txBody>
+          <a:bodyPr/>
+          <a:lstStyle/>
+          <a:p>
+            <a:fld id="{59758792-16F5-7043-A9DC-706F41594F88}" type="slidenum">
+              <a:rPr lang="en-US" smtClean="0"/>
+              <a:t>42</a:t>
+            </a:fld>
+            <a:endParaRPr lang="en-US"/>
+          </a:p>
+        </p:txBody>
+      </p:sp>
+    </p:spTree>
+    <p:extLst>
+      <p:ext uri="{BB962C8B-B14F-4D97-AF65-F5344CB8AC3E}">
+        <p14:creationId xmlns:p14="http://schemas.microsoft.com/office/powerpoint/2010/main" val="3538170003"/>
       </p:ext>
     </p:extLst>
   </p:cSld>
@@ -10608,31 +12166,60 @@
           <a:p>
             <a:r>
               <a:rPr lang="en-US" dirty="0"/>
-              <a:t>Reliable information: Use latitude / </a:t>
+              <a:t>Two quotes behind me</a:t>
+            </a:r>
+          </a:p>
+          <a:p>
+            <a:r>
+              <a:rPr lang="en-US" dirty="0"/>
+              <a:t>First is aspirational and grounded --&gt; AI as a tool. Value defined in how we use it</a:t>
+            </a:r>
+          </a:p>
+          <a:p>
+            <a:endParaRPr lang="en-US" dirty="0"/>
+          </a:p>
+          <a:p>
+            <a:r>
+              <a:rPr lang="en-US" dirty="0"/>
+              <a:t>Second is pessimistic and very famous. </a:t>
+            </a:r>
+          </a:p>
+          <a:p>
+            <a:endParaRPr lang="en-US" dirty="0"/>
+          </a:p>
+          <a:p>
+            <a:r>
+              <a:rPr lang="en-US" dirty="0"/>
+              <a:t>Study sponsored by RAND shows that seasoned open-source </a:t>
             </a:r>
             <a:r>
               <a:rPr lang="en-US" dirty="0" err="1"/>
-              <a:t>longiture</a:t>
-            </a:r>
-            <a:r>
-              <a:rPr lang="en-US" dirty="0"/>
-              <a:t> geolocate example for small places. When I put my high school into </a:t>
-            </a:r>
-            <a:r>
-              <a:rPr lang="en-US" dirty="0" err="1"/>
-              <a:t>claude</a:t>
-            </a:r>
-            <a:r>
-              <a:rPr lang="en-US" dirty="0"/>
-              <a:t> it extracted the </a:t>
-            </a:r>
-            <a:r>
-              <a:rPr lang="en-US" dirty="0" err="1"/>
-              <a:t>lat</a:t>
-            </a:r>
-            <a:r>
-              <a:rPr lang="en-US" dirty="0"/>
-              <a:t> long from Wikipedia. </a:t>
+              <a:t>devs</a:t>
+            </a:r>
+            <a:r>
+              <a:rPr lang="en-US" dirty="0"/>
+              <a:t> </a:t>
+            </a:r>
+          </a:p>
+          <a:p>
+            <a:r>
+              <a:rPr lang="en-US" dirty="0"/>
+              <a:t>are slowed down when using AI</a:t>
+            </a:r>
+          </a:p>
+          <a:p>
+            <a:endParaRPr lang="en-US" dirty="0"/>
+          </a:p>
+          <a:p>
+            <a:r>
+              <a:rPr lang="en-US" dirty="0"/>
+              <a:t>Understand this lets examine a typical AI workflow</a:t>
+            </a:r>
+          </a:p>
+          <a:p>
+            <a:r>
+              <a:rPr lang="en-US" dirty="0"/>
+              <a:t>MCP tool to supercharge it and move towards remediating second point</a:t>
             </a:r>
           </a:p>
         </p:txBody>
@@ -10654,7 +12241,7 @@
           <a:p>
             <a:fld id="{59758792-16F5-7043-A9DC-706F41594F88}" type="slidenum">
               <a:rPr lang="en-US" smtClean="0"/>
-              <a:t>9</a:t>
+              <a:t>6</a:t>
             </a:fld>
             <a:endParaRPr lang="en-US"/>
           </a:p>
@@ -10663,7 +12250,7 @@
     </p:spTree>
     <p:extLst>
       <p:ext uri="{BB962C8B-B14F-4D97-AF65-F5344CB8AC3E}">
-        <p14:creationId xmlns:p14="http://schemas.microsoft.com/office/powerpoint/2010/main" val="3030200508"/>
+        <p14:creationId xmlns:p14="http://schemas.microsoft.com/office/powerpoint/2010/main" val="2181465161"/>
       </p:ext>
     </p:extLst>
   </p:cSld>
@@ -10719,13 +12306,28 @@
           <a:p>
             <a:r>
               <a:rPr lang="en-US" dirty="0"/>
-              <a:t>Observations:</a:t>
-            </a:r>
-          </a:p>
-          <a:p>
-            <a:r>
-              <a:rPr lang="en-US" dirty="0"/>
-              <a:t>Organization of functionality within MCP server can be a bottleneck on that end. Organize by use case, etc.</a:t>
+              <a:t>Make a prompt, submit it via a GUI or API call to an LLM. This covers a lot of bases and can help us for static questions; “Find the line things go wrong”, “Write a poem”</a:t>
+            </a:r>
+          </a:p>
+          <a:p>
+            <a:r>
+              <a:rPr lang="en-US" dirty="0"/>
+              <a:t>This works. This is sufficient for some use cases.</a:t>
+            </a:r>
+          </a:p>
+          <a:p>
+            <a:r>
+              <a:rPr lang="en-US" dirty="0"/>
+              <a:t>Little to no control over what happens in step 2</a:t>
+            </a:r>
+          </a:p>
+          <a:p>
+            <a:endParaRPr lang="en-US" dirty="0"/>
+          </a:p>
+          <a:p>
+            <a:r>
+              <a:rPr lang="en-US" dirty="0"/>
+              <a:t>Working with LLMs since their rise to prominence has taught us that we can make them better by engaging in some prompt engineering. </a:t>
             </a:r>
           </a:p>
         </p:txBody>
@@ -10747,7 +12349,7 @@
           <a:p>
             <a:fld id="{59758792-16F5-7043-A9DC-706F41594F88}" type="slidenum">
               <a:rPr lang="en-US" smtClean="0"/>
-              <a:t>11</a:t>
+              <a:t>7</a:t>
             </a:fld>
             <a:endParaRPr lang="en-US"/>
           </a:p>
@@ -10756,7 +12358,7 @@
     </p:spTree>
     <p:extLst>
       <p:ext uri="{BB962C8B-B14F-4D97-AF65-F5344CB8AC3E}">
-        <p14:creationId xmlns:p14="http://schemas.microsoft.com/office/powerpoint/2010/main" val="3452169308"/>
+        <p14:creationId xmlns:p14="http://schemas.microsoft.com/office/powerpoint/2010/main" val="2251570771"/>
       </p:ext>
     </p:extLst>
   </p:cSld>
@@ -10771,7 +12373,13 @@
   <p:cSld>
     <p:spTree>
       <p:nvGrpSpPr>
-        <p:cNvPr id="1" name=""/>
+        <p:cNvPr id="1" name="">
+          <a:extLst>
+            <a:ext uri="{FF2B5EF4-FFF2-40B4-BE49-F238E27FC236}">
+              <a16:creationId xmlns:a16="http://schemas.microsoft.com/office/drawing/2014/main" id="{B36B51A5-69DE-5639-6834-D0FA5442732F}"/>
+            </a:ext>
+          </a:extLst>
+        </p:cNvPr>
         <p:cNvGrpSpPr/>
         <p:nvPr/>
       </p:nvGrpSpPr>
@@ -10785,7 +12393,13 @@
       </p:grpSpPr>
       <p:sp>
         <p:nvSpPr>
-          <p:cNvPr id="2" name="Slide Image Placeholder 1"/>
+          <p:cNvPr id="2" name="Slide Image Placeholder 1">
+            <a:extLst>
+              <a:ext uri="{FF2B5EF4-FFF2-40B4-BE49-F238E27FC236}">
+                <a16:creationId xmlns:a16="http://schemas.microsoft.com/office/drawing/2014/main" id="{28A378B6-8699-DCAE-2AE0-1E135CD0B0DE}"/>
+              </a:ext>
+            </a:extLst>
+          </p:cNvPr>
           <p:cNvSpPr>
             <a:spLocks noGrp="1" noRot="1" noChangeAspect="1"/>
           </p:cNvSpPr>
@@ -10797,7 +12411,13 @@
       </p:sp>
       <p:sp>
         <p:nvSpPr>
-          <p:cNvPr id="3" name="Notes Placeholder 2"/>
+          <p:cNvPr id="3" name="Notes Placeholder 2">
+            <a:extLst>
+              <a:ext uri="{FF2B5EF4-FFF2-40B4-BE49-F238E27FC236}">
+                <a16:creationId xmlns:a16="http://schemas.microsoft.com/office/drawing/2014/main" id="{07DF26FD-8CE1-CE63-E168-C5E6939C98DD}"/>
+              </a:ext>
+            </a:extLst>
+          </p:cNvPr>
           <p:cNvSpPr>
             <a:spLocks noGrp="1"/>
           </p:cNvSpPr>
@@ -10811,96 +12431,73 @@
           <a:lstStyle/>
           <a:p>
             <a:r>
-              <a:rPr lang="en-US" sz="1200" b="0" i="0" u="none" strike="noStrike" kern="1200" dirty="0">
-                <a:solidFill>
-                  <a:schemeClr val="tx1"/>
-                </a:solidFill>
-                <a:effectLst/>
-                <a:latin typeface="+mn-lt"/>
-                <a:ea typeface="+mn-ea"/>
-                <a:cs typeface="+mn-cs"/>
-              </a:rPr>
-              <a:t>The client is a software component/module that interacts with the </a:t>
-            </a:r>
-            <a:r>
-              <a:rPr lang="en-US" sz="1200" b="0" i="0" u="none" strike="noStrike" kern="1200" dirty="0" err="1">
-                <a:solidFill>
-                  <a:schemeClr val="tx1"/>
-                </a:solidFill>
-                <a:effectLst/>
-                <a:latin typeface="+mn-lt"/>
-                <a:ea typeface="+mn-ea"/>
-                <a:cs typeface="+mn-cs"/>
-              </a:rPr>
-              <a:t>mcp</a:t>
-            </a:r>
-            <a:r>
-              <a:rPr lang="en-US" sz="1200" b="0" i="0" u="none" strike="noStrike" kern="1200" dirty="0">
-                <a:solidFill>
-                  <a:schemeClr val="tx1"/>
-                </a:solidFill>
-                <a:effectLst/>
-                <a:latin typeface="+mn-lt"/>
-                <a:ea typeface="+mn-ea"/>
-                <a:cs typeface="+mn-cs"/>
-              </a:rPr>
-              <a:t> </a:t>
-            </a:r>
-            <a:r>
-              <a:rPr lang="en-US" sz="1200" b="0" i="0" u="none" strike="noStrike" kern="1200" dirty="0" err="1">
-                <a:solidFill>
-                  <a:schemeClr val="tx1"/>
-                </a:solidFill>
-                <a:effectLst/>
-                <a:latin typeface="+mn-lt"/>
-                <a:ea typeface="+mn-ea"/>
-                <a:cs typeface="+mn-cs"/>
-              </a:rPr>
-              <a:t>sdk</a:t>
-            </a:r>
-            <a:r>
-              <a:rPr lang="en-US" sz="1200" b="0" i="0" u="none" strike="noStrike" kern="1200" dirty="0">
-                <a:solidFill>
-                  <a:schemeClr val="tx1"/>
-                </a:solidFill>
-                <a:effectLst/>
-                <a:latin typeface="+mn-lt"/>
-                <a:ea typeface="+mn-ea"/>
-                <a:cs typeface="+mn-cs"/>
-              </a:rPr>
-              <a:t>. The host is all the other application code, e.g. a desktop app or browser extension. A host could have one to many </a:t>
-            </a:r>
-            <a:r>
-              <a:rPr lang="en-US" sz="1200" b="0" i="0" u="none" strike="noStrike" kern="1200" dirty="0" err="1">
-                <a:solidFill>
-                  <a:schemeClr val="tx1"/>
-                </a:solidFill>
-                <a:effectLst/>
-                <a:latin typeface="+mn-lt"/>
-                <a:ea typeface="+mn-ea"/>
-                <a:cs typeface="+mn-cs"/>
-              </a:rPr>
-              <a:t>mcp</a:t>
-            </a:r>
-            <a:r>
-              <a:rPr lang="en-US" sz="1200" b="0" i="0" u="none" strike="noStrike" kern="1200" dirty="0">
-                <a:solidFill>
-                  <a:schemeClr val="tx1"/>
-                </a:solidFill>
-                <a:effectLst/>
-                <a:latin typeface="+mn-lt"/>
-                <a:ea typeface="+mn-ea"/>
-                <a:cs typeface="+mn-cs"/>
-              </a:rPr>
-              <a:t> clients</a:t>
-            </a:r>
+              <a:rPr lang="en-US" dirty="0"/>
+              <a:t>Two drawbacks</a:t>
+            </a:r>
+          </a:p>
+          <a:p>
             <a:endParaRPr lang="en-US" dirty="0"/>
           </a:p>
-        </p:txBody>
-      </p:sp>
-      <p:sp>
-        <p:nvSpPr>
-          <p:cNvPr id="4" name="Slide Number Placeholder 3"/>
+          <a:p>
+            <a:r>
+              <a:rPr lang="en-US" dirty="0"/>
+              <a:t>Tool specification: How we get answers</a:t>
+            </a:r>
+          </a:p>
+          <a:p>
+            <a:r>
+              <a:rPr lang="en-US" dirty="0"/>
+              <a:t>Temperature and stock price answer. Typically answer is pretty good</a:t>
+            </a:r>
+          </a:p>
+          <a:p>
+            <a:r>
+              <a:rPr lang="en-US" dirty="0"/>
+              <a:t>Auditability -- "How you do you know?"</a:t>
+            </a:r>
+          </a:p>
+          <a:p>
+            <a:r>
+              <a:rPr lang="en-US" dirty="0"/>
+              <a:t>If I give that answer its no better than asking a random person</a:t>
+            </a:r>
+          </a:p>
+          <a:p>
+            <a:endParaRPr lang="en-US" dirty="0"/>
+          </a:p>
+          <a:p>
+            <a:r>
+              <a:rPr lang="en-US" dirty="0"/>
+              <a:t>Knowledge cutoff: Models are trained with only a certain amount of information</a:t>
+            </a:r>
+          </a:p>
+          <a:p>
+            <a:endParaRPr lang="en-US" dirty="0"/>
+          </a:p>
+          <a:p>
+            <a:r>
+              <a:rPr lang="en-US" dirty="0" err="1"/>
+              <a:t>Drwabacks</a:t>
+            </a:r>
+            <a:r>
+              <a:rPr lang="en-US" dirty="0"/>
+              <a:t> are fixable but annoying</a:t>
+            </a:r>
+          </a:p>
+          <a:p>
+            <a:endParaRPr lang="en-US" dirty="0"/>
+          </a:p>
+        </p:txBody>
+      </p:sp>
+      <p:sp>
+        <p:nvSpPr>
+          <p:cNvPr id="4" name="Slide Number Placeholder 3">
+            <a:extLst>
+              <a:ext uri="{FF2B5EF4-FFF2-40B4-BE49-F238E27FC236}">
+                <a16:creationId xmlns:a16="http://schemas.microsoft.com/office/drawing/2014/main" id="{1B9C6E46-01B1-3077-6DF2-3EF4B338C328}"/>
+              </a:ext>
+            </a:extLst>
+          </p:cNvPr>
           <p:cNvSpPr>
             <a:spLocks noGrp="1"/>
           </p:cNvSpPr>
@@ -10915,7 +12512,7 @@
           <a:p>
             <a:fld id="{59758792-16F5-7043-A9DC-706F41594F88}" type="slidenum">
               <a:rPr lang="en-US" smtClean="0"/>
-              <a:t>13</a:t>
+              <a:t>8</a:t>
             </a:fld>
             <a:endParaRPr lang="en-US"/>
           </a:p>
@@ -10924,7 +12521,7 @@
     </p:spTree>
     <p:extLst>
       <p:ext uri="{BB962C8B-B14F-4D97-AF65-F5344CB8AC3E}">
-        <p14:creationId xmlns:p14="http://schemas.microsoft.com/office/powerpoint/2010/main" val="3254908972"/>
+        <p14:creationId xmlns:p14="http://schemas.microsoft.com/office/powerpoint/2010/main" val="2357981401"/>
       </p:ext>
     </p:extLst>
   </p:cSld>
@@ -10939,7 +12536,13 @@
   <p:cSld>
     <p:spTree>
       <p:nvGrpSpPr>
-        <p:cNvPr id="1" name=""/>
+        <p:cNvPr id="1" name="">
+          <a:extLst>
+            <a:ext uri="{FF2B5EF4-FFF2-40B4-BE49-F238E27FC236}">
+              <a16:creationId xmlns:a16="http://schemas.microsoft.com/office/drawing/2014/main" id="{2ABA1DAB-D044-A5A7-22E4-7EEE852DC9E9}"/>
+            </a:ext>
+          </a:extLst>
+        </p:cNvPr>
         <p:cNvGrpSpPr/>
         <p:nvPr/>
       </p:nvGrpSpPr>
@@ -10953,7 +12556,13 @@
       </p:grpSpPr>
       <p:sp>
         <p:nvSpPr>
-          <p:cNvPr id="2" name="Slide Image Placeholder 1"/>
+          <p:cNvPr id="2" name="Slide Image Placeholder 1">
+            <a:extLst>
+              <a:ext uri="{FF2B5EF4-FFF2-40B4-BE49-F238E27FC236}">
+                <a16:creationId xmlns:a16="http://schemas.microsoft.com/office/drawing/2014/main" id="{22988A7F-B956-88CB-903F-EA7376ABB00E}"/>
+              </a:ext>
+            </a:extLst>
+          </p:cNvPr>
           <p:cNvSpPr>
             <a:spLocks noGrp="1" noRot="1" noChangeAspect="1"/>
           </p:cNvSpPr>
@@ -10965,7 +12574,13 @@
       </p:sp>
       <p:sp>
         <p:nvSpPr>
-          <p:cNvPr id="3" name="Notes Placeholder 2"/>
+          <p:cNvPr id="3" name="Notes Placeholder 2">
+            <a:extLst>
+              <a:ext uri="{FF2B5EF4-FFF2-40B4-BE49-F238E27FC236}">
+                <a16:creationId xmlns:a16="http://schemas.microsoft.com/office/drawing/2014/main" id="{59711FF6-1F0A-FB69-6227-0DCF1EC671FA}"/>
+              </a:ext>
+            </a:extLst>
+          </p:cNvPr>
           <p:cNvSpPr>
             <a:spLocks noGrp="1"/>
           </p:cNvSpPr>
@@ -10980,20 +12595,72 @@
           <a:p>
             <a:r>
               <a:rPr lang="en-US" dirty="0"/>
-              <a:t>Show Anthropic code and highlight MCP client construction + all else</a:t>
-            </a:r>
-          </a:p>
-          <a:p>
-            <a:r>
-              <a:rPr lang="en-US" dirty="0"/>
-              <a:t>Class MCP client is the client, everything else is the host</a:t>
-            </a:r>
-          </a:p>
-        </p:txBody>
-      </p:sp>
-      <p:sp>
-        <p:nvSpPr>
-          <p:cNvPr id="4" name="Slide Number Placeholder 3"/>
+              <a:t>Two drawbacks</a:t>
+            </a:r>
+          </a:p>
+          <a:p>
+            <a:endParaRPr lang="en-US" dirty="0"/>
+          </a:p>
+          <a:p>
+            <a:r>
+              <a:rPr lang="en-US" dirty="0"/>
+              <a:t>Tool specification: How we get answers</a:t>
+            </a:r>
+          </a:p>
+          <a:p>
+            <a:r>
+              <a:rPr lang="en-US" dirty="0"/>
+              <a:t>Temperature and stock price answer. Typically answer is pretty good</a:t>
+            </a:r>
+          </a:p>
+          <a:p>
+            <a:r>
+              <a:rPr lang="en-US" dirty="0"/>
+              <a:t>Auditability -- "How you do you know?"</a:t>
+            </a:r>
+          </a:p>
+          <a:p>
+            <a:r>
+              <a:rPr lang="en-US" dirty="0"/>
+              <a:t>If I give that answer its no better than asking a random person</a:t>
+            </a:r>
+          </a:p>
+          <a:p>
+            <a:endParaRPr lang="en-US" dirty="0"/>
+          </a:p>
+          <a:p>
+            <a:r>
+              <a:rPr lang="en-US" dirty="0"/>
+              <a:t>Knowledge cutoff: Models are trained with only a certain amount of information</a:t>
+            </a:r>
+          </a:p>
+          <a:p>
+            <a:endParaRPr lang="en-US" dirty="0"/>
+          </a:p>
+          <a:p>
+            <a:r>
+              <a:rPr lang="en-US" dirty="0" err="1"/>
+              <a:t>Drwabacks</a:t>
+            </a:r>
+            <a:r>
+              <a:rPr lang="en-US" dirty="0"/>
+              <a:t> are fixable but annoying</a:t>
+            </a:r>
+          </a:p>
+          <a:p>
+            <a:endParaRPr lang="en-US" dirty="0"/>
+          </a:p>
+        </p:txBody>
+      </p:sp>
+      <p:sp>
+        <p:nvSpPr>
+          <p:cNvPr id="4" name="Slide Number Placeholder 3">
+            <a:extLst>
+              <a:ext uri="{FF2B5EF4-FFF2-40B4-BE49-F238E27FC236}">
+                <a16:creationId xmlns:a16="http://schemas.microsoft.com/office/drawing/2014/main" id="{1BFA4ADA-379F-A5D4-CF82-70CEB46583D3}"/>
+              </a:ext>
+            </a:extLst>
+          </p:cNvPr>
           <p:cNvSpPr>
             <a:spLocks noGrp="1"/>
           </p:cNvSpPr>
@@ -11008,7 +12675,7 @@
           <a:p>
             <a:fld id="{59758792-16F5-7043-A9DC-706F41594F88}" type="slidenum">
               <a:rPr lang="en-US" smtClean="0"/>
-              <a:t>18</a:t>
+              <a:t>9</a:t>
             </a:fld>
             <a:endParaRPr lang="en-US"/>
           </a:p>
@@ -11017,7 +12684,7 @@
     </p:spTree>
     <p:extLst>
       <p:ext uri="{BB962C8B-B14F-4D97-AF65-F5344CB8AC3E}">
-        <p14:creationId xmlns:p14="http://schemas.microsoft.com/office/powerpoint/2010/main" val="1345070664"/>
+        <p14:creationId xmlns:p14="http://schemas.microsoft.com/office/powerpoint/2010/main" val="1106625985"/>
       </p:ext>
     </p:extLst>
   </p:cSld>
@@ -11073,7 +12740,7 @@
           <a:p>
             <a:r>
               <a:rPr lang="en-US" dirty="0"/>
-              <a:t>This is what people think of when they say MCP, this is where the magic happens</a:t>
+              <a:t>Read definition exactly</a:t>
             </a:r>
           </a:p>
           <a:p>
@@ -11082,13 +12749,30 @@
           <a:p>
             <a:r>
               <a:rPr lang="en-US" dirty="0"/>
-              <a:t>Locally or remote</a:t>
-            </a:r>
-          </a:p>
-          <a:p>
-            <a:r>
-              <a:rPr lang="en-US" dirty="0"/>
-              <a:t>Authentication handled by server</a:t>
+              <a:t>Language / Protocol being used to connect LLMs to the outside world</a:t>
+            </a:r>
+          </a:p>
+          <a:p>
+            <a:pPr marL="0" marR="0" lvl="0" indent="0" algn="l" defTabSz="914400" rtl="0" eaLnBrk="1" fontAlgn="auto" latinLnBrk="0" hangingPunct="1">
+              <a:lnSpc>
+                <a:spcPct val="100000"/>
+              </a:lnSpc>
+              <a:spcBef>
+                <a:spcPts val="0"/>
+              </a:spcBef>
+              <a:spcAft>
+                <a:spcPts val="0"/>
+              </a:spcAft>
+              <a:buClrTx/>
+              <a:buSzTx/>
+              <a:buFontTx/>
+              <a:buNone/>
+              <a:tabLst/>
+              <a:defRPr/>
+            </a:pPr>
+            <a:r>
+              <a:rPr lang="en-US" dirty="0"/>
+              <a:t>We note that this is a protocol with an accompanying SDK: Protocol – Implements a standard for communication</a:t>
             </a:r>
           </a:p>
           <a:p>
@@ -11097,19 +12781,59 @@
           <a:p>
             <a:r>
               <a:rPr lang="en-US" dirty="0"/>
-              <a:t>This is where the magic happens. We can connect to many things are have it used by the ai application</a:t>
-            </a:r>
-          </a:p>
-          <a:p>
-            <a:r>
-              <a:rPr lang="en-US" dirty="0"/>
-              <a:t>1+ per application host</a:t>
-            </a:r>
-          </a:p>
-          <a:p>
-            <a:r>
-              <a:rPr lang="en-US" dirty="0"/>
-              <a:t>1 per client</a:t>
+              <a:t>Aking to </a:t>
+            </a:r>
+            <a:r>
+              <a:rPr lang="en-US" dirty="0" err="1"/>
+              <a:t>ReSTFUL</a:t>
+            </a:r>
+            <a:r>
+              <a:rPr lang="en-US" dirty="0"/>
+              <a:t> APIs and HTTP, a way of doing things</a:t>
+            </a:r>
+          </a:p>
+          <a:p>
+            <a:r>
+              <a:rPr lang="en-US" dirty="0"/>
+              <a:t>Stateful</a:t>
+            </a:r>
+          </a:p>
+          <a:p>
+            <a:endParaRPr lang="en-US" dirty="0"/>
+          </a:p>
+          <a:p>
+            <a:pPr marL="0" marR="0" lvl="0" indent="0" algn="l" defTabSz="914400" rtl="0" eaLnBrk="1" fontAlgn="auto" latinLnBrk="0" hangingPunct="1">
+              <a:lnSpc>
+                <a:spcPct val="100000"/>
+              </a:lnSpc>
+              <a:spcBef>
+                <a:spcPts val="0"/>
+              </a:spcBef>
+              <a:spcAft>
+                <a:spcPts val="0"/>
+              </a:spcAft>
+              <a:buClrTx/>
+              <a:buSzTx/>
+              <a:buFontTx/>
+              <a:buNone/>
+              <a:tabLst/>
+              <a:defRPr/>
+            </a:pPr>
+            <a:r>
+              <a:rPr lang="en-US" dirty="0"/>
+              <a:t>Inspired by Language Server Protocol</a:t>
+            </a:r>
+          </a:p>
+          <a:p>
+            <a:endParaRPr lang="en-US" dirty="0"/>
+          </a:p>
+          <a:p>
+            <a:endParaRPr lang="en-US" dirty="0"/>
+          </a:p>
+          <a:p>
+            <a:r>
+              <a:rPr lang="en-US" dirty="0"/>
+              <a:t>SHORTEN SLID</a:t>
             </a:r>
           </a:p>
         </p:txBody>
@@ -11131,7 +12855,7 @@
           <a:p>
             <a:fld id="{59758792-16F5-7043-A9DC-706F41594F88}" type="slidenum">
               <a:rPr lang="en-US" smtClean="0"/>
-              <a:t>19</a:t>
+              <a:t>10</a:t>
             </a:fld>
             <a:endParaRPr lang="en-US"/>
           </a:p>
@@ -11140,7 +12864,7 @@
     </p:spTree>
     <p:extLst>
       <p:ext uri="{BB962C8B-B14F-4D97-AF65-F5344CB8AC3E}">
-        <p14:creationId xmlns:p14="http://schemas.microsoft.com/office/powerpoint/2010/main" val="2312308743"/>
+        <p14:creationId xmlns:p14="http://schemas.microsoft.com/office/powerpoint/2010/main" val="2088736092"/>
       </p:ext>
     </p:extLst>
   </p:cSld>
@@ -11196,27 +12920,31 @@
           <a:p>
             <a:r>
               <a:rPr lang="en-US" dirty="0"/>
-              <a:t>Things that can be included in an MCP server</a:t>
-            </a:r>
-          </a:p>
-          <a:p>
-            <a:r>
-              <a:rPr lang="en-US" dirty="0"/>
-              <a:t>Tools: Interact with specific software </a:t>
+              <a:t>Reliable information: Use latitude / </a:t>
             </a:r>
             <a:r>
               <a:rPr lang="en-US" dirty="0" err="1"/>
-              <a:t>pacakges</a:t>
-            </a:r>
-            <a:r>
-              <a:rPr lang="en-US" dirty="0"/>
-              <a:t> and APIs. If it can be construed in a python function it is fair game</a:t>
-            </a:r>
-          </a:p>
-          <a:p>
-            <a:r>
-              <a:rPr lang="en-US" dirty="0"/>
-              <a:t>Well-defined function</a:t>
+              <a:t>longiture</a:t>
+            </a:r>
+            <a:r>
+              <a:rPr lang="en-US" dirty="0"/>
+              <a:t> geolocate example for small places. When I put my high school into </a:t>
+            </a:r>
+            <a:r>
+              <a:rPr lang="en-US" dirty="0" err="1"/>
+              <a:t>claude</a:t>
+            </a:r>
+            <a:r>
+              <a:rPr lang="en-US" dirty="0"/>
+              <a:t> it extracted the </a:t>
+            </a:r>
+            <a:r>
+              <a:rPr lang="en-US" dirty="0" err="1"/>
+              <a:t>lat</a:t>
+            </a:r>
+            <a:r>
+              <a:rPr lang="en-US" dirty="0"/>
+              <a:t> long from Wikipedia. </a:t>
             </a:r>
           </a:p>
           <a:p>
@@ -11225,7 +12953,7 @@
           <a:p>
             <a:r>
               <a:rPr lang="en-US" dirty="0"/>
-              <a:t>Limitations? No sir</a:t>
+              <a:t>Faster development: Piecewise and can be version controlled. Easier to extend</a:t>
             </a:r>
           </a:p>
           <a:p>
@@ -11234,16 +12962,7 @@
           <a:p>
             <a:r>
               <a:rPr lang="en-US" dirty="0"/>
-              <a:t>Prompts: Automatic prompts exposed for ease of use. Can be parameterized. Extension of traditional prompt engineering techniques</a:t>
-            </a:r>
-          </a:p>
-          <a:p>
-            <a:endParaRPr lang="en-US" dirty="0"/>
-          </a:p>
-          <a:p>
-            <a:r>
-              <a:rPr lang="en-US" dirty="0"/>
-              <a:t>Resource: Can interact with RAG. Static or dynamic. Read directly. Can extract information via API with a tool or read from a passive data via resource</a:t>
+              <a:t>Not TECHNICALLY NEEDED but can help</a:t>
             </a:r>
           </a:p>
         </p:txBody>
@@ -11265,7 +12984,7 @@
           <a:p>
             <a:fld id="{59758792-16F5-7043-A9DC-706F41594F88}" type="slidenum">
               <a:rPr lang="en-US" smtClean="0"/>
-              <a:t>20</a:t>
+              <a:t>11</a:t>
             </a:fld>
             <a:endParaRPr lang="en-US"/>
           </a:p>
@@ -11274,7 +12993,7 @@
     </p:spTree>
     <p:extLst>
       <p:ext uri="{BB962C8B-B14F-4D97-AF65-F5344CB8AC3E}">
-        <p14:creationId xmlns:p14="http://schemas.microsoft.com/office/powerpoint/2010/main" val="1790413713"/>
+        <p14:creationId xmlns:p14="http://schemas.microsoft.com/office/powerpoint/2010/main" val="3030200508"/>
       </p:ext>
     </p:extLst>
   </p:cSld>
@@ -14564,7 +16283,7 @@
           <a:bodyPr/>
           <a:lstStyle/>
           <a:p>
-            <a:endParaRPr lang="en-US"/>
+            <a:endParaRPr lang="en-US" dirty="0"/>
           </a:p>
         </p:txBody>
       </p:sp>
@@ -17391,7 +19110,7 @@
           <p:cNvPr id="2" name="Title 1">
             <a:extLst>
               <a:ext uri="{FF2B5EF4-FFF2-40B4-BE49-F238E27FC236}">
-                <a16:creationId xmlns:a16="http://schemas.microsoft.com/office/drawing/2014/main" id="{AA108EDB-2FF2-CDD6-E973-64855CF73404}"/>
+                <a16:creationId xmlns:a16="http://schemas.microsoft.com/office/drawing/2014/main" id="{87F28541-D033-F2B5-B25C-9A99C393ADE0}"/>
               </a:ext>
             </a:extLst>
           </p:cNvPr>
@@ -17409,7 +19128,7 @@
           <a:p>
             <a:r>
               <a:rPr lang="en-US" dirty="0"/>
-              <a:t>Benefits</a:t>
+              <a:t>Definitions</a:t>
             </a:r>
           </a:p>
         </p:txBody>
@@ -17419,7 +19138,7 @@
           <p:cNvPr id="3" name="Content Placeholder 2">
             <a:extLst>
               <a:ext uri="{FF2B5EF4-FFF2-40B4-BE49-F238E27FC236}">
-                <a16:creationId xmlns:a16="http://schemas.microsoft.com/office/drawing/2014/main" id="{2AE18243-D9F2-2827-07D2-F1A1DB98A3DD}"/>
+                <a16:creationId xmlns:a16="http://schemas.microsoft.com/office/drawing/2014/main" id="{E8E6DF8C-E326-167A-272A-EEA4A1CAAE32}"/>
               </a:ext>
             </a:extLst>
           </p:cNvPr>
@@ -17432,30 +19151,23 @@
         </p:nvSpPr>
         <p:spPr/>
         <p:txBody>
-          <a:bodyPr/>
+          <a:bodyPr>
+            <a:normAutofit/>
+          </a:bodyPr>
           <a:lstStyle/>
           <a:p>
-            <a:r>
-              <a:rPr lang="en-US" dirty="0"/>
-              <a:t>Standardized communication</a:t>
-            </a:r>
-          </a:p>
-          <a:p>
-            <a:r>
-              <a:rPr lang="en-US" dirty="0"/>
-              <a:t>Client / Server benefits</a:t>
-            </a:r>
-          </a:p>
-          <a:p>
-            <a:r>
-              <a:rPr lang="en-US" dirty="0"/>
-              <a:t>Piecewise across servers</a:t>
-            </a:r>
-          </a:p>
-          <a:p>
-            <a:r>
-              <a:rPr lang="en-US" dirty="0"/>
-              <a:t>Bespoke: Additional context </a:t>
+            <a:pPr>
+              <a:lnSpc>
+                <a:spcPct val="200000"/>
+              </a:lnSpc>
+            </a:pPr>
+            <a:r>
+              <a:rPr lang="en-US" u="sng" dirty="0"/>
+              <a:t>Model Context Protocol</a:t>
+            </a:r>
+            <a:r>
+              <a:rPr lang="en-US" dirty="0"/>
+              <a:t> – An extension of the client / server architecture pattern that provides a standardized way for models to interact with functions and static resources.</a:t>
             </a:r>
           </a:p>
         </p:txBody>
@@ -17465,7 +19177,7 @@
           <p:cNvPr id="4" name="Slide Number Placeholder 3">
             <a:extLst>
               <a:ext uri="{FF2B5EF4-FFF2-40B4-BE49-F238E27FC236}">
-                <a16:creationId xmlns:a16="http://schemas.microsoft.com/office/drawing/2014/main" id="{C30CC725-4065-F983-60B1-69BFD1FBDF19}"/>
+                <a16:creationId xmlns:a16="http://schemas.microsoft.com/office/drawing/2014/main" id="{3F675AD7-F6FC-E38C-06A0-A84A949B520D}"/>
               </a:ext>
             </a:extLst>
           </p:cNvPr>
@@ -17483,17 +19195,16 @@
           <a:p>
             <a:fld id="{FCABE2F1-B51E-8B48-B9C1-957239623D4B}" type="slidenum">
               <a:rPr lang="en-US" smtClean="0"/>
-              <a:pPr/>
               <a:t>10</a:t>
             </a:fld>
-            <a:endParaRPr lang="en-US" dirty="0"/>
+            <a:endParaRPr lang="en-US"/>
           </a:p>
         </p:txBody>
       </p:sp>
     </p:spTree>
     <p:extLst>
       <p:ext uri="{BB962C8B-B14F-4D97-AF65-F5344CB8AC3E}">
-        <p14:creationId xmlns:p14="http://schemas.microsoft.com/office/powerpoint/2010/main" val="3873721147"/>
+        <p14:creationId xmlns:p14="http://schemas.microsoft.com/office/powerpoint/2010/main" val="2451246933"/>
       </p:ext>
     </p:extLst>
   </p:cSld>
@@ -17525,7 +19236,7 @@
           <p:cNvPr id="2" name="Title 1">
             <a:extLst>
               <a:ext uri="{FF2B5EF4-FFF2-40B4-BE49-F238E27FC236}">
-                <a16:creationId xmlns:a16="http://schemas.microsoft.com/office/drawing/2014/main" id="{D5189BB1-38E0-101D-5CF3-44ADBB6E55EA}"/>
+                <a16:creationId xmlns:a16="http://schemas.microsoft.com/office/drawing/2014/main" id="{A1FF4E99-EA91-33F8-32E6-7C38E6621453}"/>
               </a:ext>
             </a:extLst>
           </p:cNvPr>
@@ -17543,46 +19254,83 @@
           <a:p>
             <a:r>
               <a:rPr lang="en-US" dirty="0"/>
-              <a:t>MCP Diagram</a:t>
-            </a:r>
-          </a:p>
-        </p:txBody>
-      </p:sp>
-      <p:pic>
-        <p:nvPicPr>
-          <p:cNvPr id="5" name="Content Placeholder 4">
+              <a:t>Use cases</a:t>
+            </a:r>
+          </a:p>
+        </p:txBody>
+      </p:sp>
+      <p:sp>
+        <p:nvSpPr>
+          <p:cNvPr id="3" name="Content Placeholder 2">
             <a:extLst>
               <a:ext uri="{FF2B5EF4-FFF2-40B4-BE49-F238E27FC236}">
-                <a16:creationId xmlns:a16="http://schemas.microsoft.com/office/drawing/2014/main" id="{03EE3933-8229-9CDB-F48B-E8B93F923B68}"/>
+                <a16:creationId xmlns:a16="http://schemas.microsoft.com/office/drawing/2014/main" id="{90838CFE-C818-E11D-68B3-484B7A297B9F}"/>
               </a:ext>
             </a:extLst>
           </p:cNvPr>
-          <p:cNvPicPr>
-            <a:picLocks noGrp="1" noChangeAspect="1"/>
-          </p:cNvPicPr>
+          <p:cNvSpPr>
+            <a:spLocks noGrp="1"/>
+          </p:cNvSpPr>
           <p:nvPr>
             <p:ph idx="1"/>
           </p:nvPr>
-        </p:nvPicPr>
-        <p:blipFill>
-          <a:blip r:embed="rId3"/>
-          <a:stretch>
-            <a:fillRect/>
-          </a:stretch>
-        </p:blipFill>
-        <p:spPr>
-          <a:xfrm>
-            <a:off x="1658134" y="1755419"/>
-            <a:ext cx="8392699" cy="4492981"/>
-          </a:xfrm>
-        </p:spPr>
-      </p:pic>
-      <p:sp>
-        <p:nvSpPr>
-          <p:cNvPr id="6" name="Slide Number Placeholder 5">
+        </p:nvSpPr>
+        <p:spPr/>
+        <p:txBody>
+          <a:bodyPr/>
+          <a:lstStyle/>
+          <a:p>
+            <a:pPr>
+              <a:lnSpc>
+                <a:spcPct val="200000"/>
+              </a:lnSpc>
+            </a:pPr>
+            <a:r>
+              <a:rPr lang="en-US" dirty="0"/>
+              <a:t>Non-public APIs</a:t>
+            </a:r>
+          </a:p>
+          <a:p>
+            <a:pPr>
+              <a:lnSpc>
+                <a:spcPct val="200000"/>
+              </a:lnSpc>
+            </a:pPr>
+            <a:r>
+              <a:rPr lang="en-US" dirty="0"/>
+              <a:t>Proprietary data sources</a:t>
+            </a:r>
+          </a:p>
+          <a:p>
+            <a:pPr>
+              <a:lnSpc>
+                <a:spcPct val="200000"/>
+              </a:lnSpc>
+            </a:pPr>
+            <a:r>
+              <a:rPr lang="en-US" dirty="0"/>
+              <a:t>More reliable information</a:t>
+            </a:r>
+          </a:p>
+          <a:p>
+            <a:pPr>
+              <a:lnSpc>
+                <a:spcPct val="200000"/>
+              </a:lnSpc>
+            </a:pPr>
+            <a:r>
+              <a:rPr lang="en-US" dirty="0"/>
+              <a:t>Faster development</a:t>
+            </a:r>
+          </a:p>
+        </p:txBody>
+      </p:sp>
+      <p:sp>
+        <p:nvSpPr>
+          <p:cNvPr id="4" name="Slide Number Placeholder 3">
             <a:extLst>
               <a:ext uri="{FF2B5EF4-FFF2-40B4-BE49-F238E27FC236}">
-                <a16:creationId xmlns:a16="http://schemas.microsoft.com/office/drawing/2014/main" id="{39DCA603-6987-CF18-EDBE-ADE0070E80F4}"/>
+                <a16:creationId xmlns:a16="http://schemas.microsoft.com/office/drawing/2014/main" id="{314CBE41-E7BE-8291-B8D6-48DC7563F946}"/>
               </a:ext>
             </a:extLst>
           </p:cNvPr>
@@ -17609,7 +19357,7 @@
     </p:spTree>
     <p:extLst>
       <p:ext uri="{BB962C8B-B14F-4D97-AF65-F5344CB8AC3E}">
-        <p14:creationId xmlns:p14="http://schemas.microsoft.com/office/powerpoint/2010/main" val="2121242100"/>
+        <p14:creationId xmlns:p14="http://schemas.microsoft.com/office/powerpoint/2010/main" val="3269213927"/>
       </p:ext>
     </p:extLst>
   </p:cSld>
@@ -17641,7 +19389,7 @@
           <p:cNvPr id="2" name="Title 1">
             <a:extLst>
               <a:ext uri="{FF2B5EF4-FFF2-40B4-BE49-F238E27FC236}">
-                <a16:creationId xmlns:a16="http://schemas.microsoft.com/office/drawing/2014/main" id="{5CD49317-1728-DD41-90B7-4F6B92EF33A9}"/>
+                <a16:creationId xmlns:a16="http://schemas.microsoft.com/office/drawing/2014/main" id="{AA108EDB-2FF2-CDD6-E973-64855CF73404}"/>
               </a:ext>
             </a:extLst>
           </p:cNvPr>
@@ -17659,7 +19407,7 @@
           <a:p>
             <a:r>
               <a:rPr lang="en-US" dirty="0"/>
-              <a:t>MCP Defined</a:t>
+              <a:t>Benefits</a:t>
             </a:r>
           </a:p>
         </p:txBody>
@@ -17669,7 +19417,7 @@
           <p:cNvPr id="3" name="Content Placeholder 2">
             <a:extLst>
               <a:ext uri="{FF2B5EF4-FFF2-40B4-BE49-F238E27FC236}">
-                <a16:creationId xmlns:a16="http://schemas.microsoft.com/office/drawing/2014/main" id="{1554C633-D711-656B-B9F2-3CBD0A05B2EA}"/>
+                <a16:creationId xmlns:a16="http://schemas.microsoft.com/office/drawing/2014/main" id="{2AE18243-D9F2-2827-07D2-F1A1DB98A3DD}"/>
               </a:ext>
             </a:extLst>
           </p:cNvPr>
@@ -17677,7 +19425,7 @@
             <a:spLocks noGrp="1"/>
           </p:cNvSpPr>
           <p:nvPr>
-            <p:ph sz="half" idx="1"/>
+            <p:ph idx="1"/>
           </p:nvPr>
         </p:nvSpPr>
         <p:spPr/>
@@ -17686,40 +19434,36 @@
           <a:lstStyle/>
           <a:p>
             <a:r>
-              <a:rPr lang="en-US" sz="2400" dirty="0"/>
-              <a:t>Components</a:t>
-            </a:r>
-          </a:p>
-          <a:p>
-            <a:pPr lvl="1"/>
-            <a:r>
-              <a:rPr lang="en-US" sz="2000" dirty="0"/>
-              <a:t>Application Host</a:t>
-            </a:r>
-          </a:p>
-          <a:p>
-            <a:pPr lvl="2"/>
-            <a:r>
-              <a:rPr lang="en-US" sz="1800" dirty="0"/>
-              <a:t>Client: Within Host</a:t>
-            </a:r>
-          </a:p>
-          <a:p>
-            <a:pPr lvl="1"/>
-            <a:r>
-              <a:rPr lang="en-US" sz="2000" dirty="0"/>
-              <a:t>Server</a:t>
-            </a:r>
-            <a:endParaRPr lang="en-US" dirty="0"/>
-          </a:p>
-        </p:txBody>
-      </p:sp>
-      <p:sp>
-        <p:nvSpPr>
-          <p:cNvPr id="4" name="Content Placeholder 3">
+              <a:rPr lang="en-US" dirty="0"/>
+              <a:t>Standardized communication</a:t>
+            </a:r>
+          </a:p>
+          <a:p>
+            <a:r>
+              <a:rPr lang="en-US" dirty="0"/>
+              <a:t>Client / Server benefits</a:t>
+            </a:r>
+          </a:p>
+          <a:p>
+            <a:r>
+              <a:rPr lang="en-US" dirty="0"/>
+              <a:t>Piecewise across servers</a:t>
+            </a:r>
+          </a:p>
+          <a:p>
+            <a:r>
+              <a:rPr lang="en-US" dirty="0"/>
+              <a:t>Bespoke: Additional context </a:t>
+            </a:r>
+          </a:p>
+        </p:txBody>
+      </p:sp>
+      <p:sp>
+        <p:nvSpPr>
+          <p:cNvPr id="4" name="Slide Number Placeholder 3">
             <a:extLst>
               <a:ext uri="{FF2B5EF4-FFF2-40B4-BE49-F238E27FC236}">
-                <a16:creationId xmlns:a16="http://schemas.microsoft.com/office/drawing/2014/main" id="{3EDEDE88-B98C-2314-3D6F-764A91925942}"/>
+                <a16:creationId xmlns:a16="http://schemas.microsoft.com/office/drawing/2014/main" id="{C30CC725-4065-F983-60B1-69BFD1FBDF19}"/>
               </a:ext>
             </a:extLst>
           </p:cNvPr>
@@ -17727,7 +19471,7 @@
             <a:spLocks noGrp="1"/>
           </p:cNvSpPr>
           <p:nvPr>
-            <p:ph sz="half" idx="2"/>
+            <p:ph type="sldNum" sz="quarter" idx="12"/>
           </p:nvPr>
         </p:nvSpPr>
         <p:spPr/>
@@ -17735,60 +19479,19 @@
           <a:bodyPr/>
           <a:lstStyle/>
           <a:p>
-            <a:r>
-              <a:rPr lang="en-US" sz="2400" dirty="0"/>
-              <a:t>Layers</a:t>
-            </a:r>
-          </a:p>
-          <a:p>
-            <a:pPr lvl="1"/>
-            <a:r>
-              <a:rPr lang="en-US" sz="2000" dirty="0"/>
-              <a:t>Data Layer</a:t>
-            </a:r>
-          </a:p>
-          <a:p>
-            <a:pPr lvl="1"/>
-            <a:r>
-              <a:rPr lang="en-US" sz="2000" dirty="0"/>
-              <a:t>Transport Layer</a:t>
-            </a:r>
-          </a:p>
-        </p:txBody>
-      </p:sp>
-      <p:sp>
-        <p:nvSpPr>
-          <p:cNvPr id="5" name="Slide Number Placeholder 4">
-            <a:extLst>
-              <a:ext uri="{FF2B5EF4-FFF2-40B4-BE49-F238E27FC236}">
-                <a16:creationId xmlns:a16="http://schemas.microsoft.com/office/drawing/2014/main" id="{6D3C3824-5A69-BA0F-D6D4-340E883DA20A}"/>
-              </a:ext>
-            </a:extLst>
-          </p:cNvPr>
-          <p:cNvSpPr>
-            <a:spLocks noGrp="1"/>
-          </p:cNvSpPr>
-          <p:nvPr>
-            <p:ph type="sldNum" sz="quarter" idx="12"/>
-          </p:nvPr>
-        </p:nvSpPr>
-        <p:spPr/>
-        <p:txBody>
-          <a:bodyPr/>
-          <a:lstStyle/>
-          <a:p>
             <a:fld id="{FCABE2F1-B51E-8B48-B9C1-957239623D4B}" type="slidenum">
               <a:rPr lang="en-US" smtClean="0"/>
+              <a:pPr/>
               <a:t>12</a:t>
             </a:fld>
-            <a:endParaRPr lang="en-US"/>
+            <a:endParaRPr lang="en-US" dirty="0"/>
           </a:p>
         </p:txBody>
       </p:sp>
     </p:spTree>
     <p:extLst>
       <p:ext uri="{BB962C8B-B14F-4D97-AF65-F5344CB8AC3E}">
-        <p14:creationId xmlns:p14="http://schemas.microsoft.com/office/powerpoint/2010/main" val="3375912260"/>
+        <p14:creationId xmlns:p14="http://schemas.microsoft.com/office/powerpoint/2010/main" val="3873721147"/>
       </p:ext>
     </p:extLst>
   </p:cSld>
@@ -17817,10 +19520,10 @@
       </p:grpSpPr>
       <p:sp>
         <p:nvSpPr>
-          <p:cNvPr id="6" name="Title 5">
+          <p:cNvPr id="2" name="Title 1">
             <a:extLst>
               <a:ext uri="{FF2B5EF4-FFF2-40B4-BE49-F238E27FC236}">
-                <a16:creationId xmlns:a16="http://schemas.microsoft.com/office/drawing/2014/main" id="{061E89EA-39DB-F639-8466-E2105C441B50}"/>
+                <a16:creationId xmlns:a16="http://schemas.microsoft.com/office/drawing/2014/main" id="{D5189BB1-38E0-101D-5CF3-44ADBB6E55EA}"/>
               </a:ext>
             </a:extLst>
           </p:cNvPr>
@@ -17838,49 +19541,46 @@
           <a:p>
             <a:r>
               <a:rPr lang="en-US" dirty="0"/>
-              <a:t>Aside: Client / Server Architecture</a:t>
-            </a:r>
-          </a:p>
-        </p:txBody>
-      </p:sp>
-      <p:sp>
-        <p:nvSpPr>
-          <p:cNvPr id="7" name="Content Placeholder 6">
+              <a:t>MCP Diagram</a:t>
+            </a:r>
+          </a:p>
+        </p:txBody>
+      </p:sp>
+      <p:pic>
+        <p:nvPicPr>
+          <p:cNvPr id="5" name="Content Placeholder 4">
             <a:extLst>
               <a:ext uri="{FF2B5EF4-FFF2-40B4-BE49-F238E27FC236}">
-                <a16:creationId xmlns:a16="http://schemas.microsoft.com/office/drawing/2014/main" id="{1CF811E6-1466-87E7-F19B-144C5362173F}"/>
+                <a16:creationId xmlns:a16="http://schemas.microsoft.com/office/drawing/2014/main" id="{03EE3933-8229-9CDB-F48B-E8B93F923B68}"/>
               </a:ext>
             </a:extLst>
           </p:cNvPr>
-          <p:cNvSpPr>
-            <a:spLocks noGrp="1"/>
-          </p:cNvSpPr>
+          <p:cNvPicPr>
+            <a:picLocks noGrp="1" noChangeAspect="1"/>
+          </p:cNvPicPr>
           <p:nvPr>
             <p:ph idx="1"/>
           </p:nvPr>
-        </p:nvSpPr>
-        <p:spPr/>
-        <p:txBody>
-          <a:bodyPr/>
-          <a:lstStyle/>
-          <a:p>
-            <a:r>
-              <a:rPr lang="en-US" u="sng" dirty="0"/>
-              <a:t>Client / Server Architecture</a:t>
-            </a:r>
-            <a:r>
-              <a:rPr lang="en-US" dirty="0"/>
-              <a:t> – A distributed compute model in which the client(s) request data from a server: ask / answer</a:t>
-            </a:r>
-          </a:p>
-        </p:txBody>
-      </p:sp>
-      <p:sp>
-        <p:nvSpPr>
-          <p:cNvPr id="5" name="Slide Number Placeholder 4">
+        </p:nvPicPr>
+        <p:blipFill>
+          <a:blip r:embed="rId3"/>
+          <a:stretch>
+            <a:fillRect/>
+          </a:stretch>
+        </p:blipFill>
+        <p:spPr>
+          <a:xfrm>
+            <a:off x="1658134" y="1755419"/>
+            <a:ext cx="8392699" cy="4492981"/>
+          </a:xfrm>
+        </p:spPr>
+      </p:pic>
+      <p:sp>
+        <p:nvSpPr>
+          <p:cNvPr id="6" name="Slide Number Placeholder 5">
             <a:extLst>
               <a:ext uri="{FF2B5EF4-FFF2-40B4-BE49-F238E27FC236}">
-                <a16:creationId xmlns:a16="http://schemas.microsoft.com/office/drawing/2014/main" id="{5346CDBC-5314-6914-83D0-D749895BDFD1}"/>
+                <a16:creationId xmlns:a16="http://schemas.microsoft.com/office/drawing/2014/main" id="{39DCA603-6987-CF18-EDBE-ADE0070E80F4}"/>
               </a:ext>
             </a:extLst>
           </p:cNvPr>
@@ -17907,7 +19607,7 @@
     </p:spTree>
     <p:extLst>
       <p:ext uri="{BB962C8B-B14F-4D97-AF65-F5344CB8AC3E}">
-        <p14:creationId xmlns:p14="http://schemas.microsoft.com/office/powerpoint/2010/main" val="588370795"/>
+        <p14:creationId xmlns:p14="http://schemas.microsoft.com/office/powerpoint/2010/main" val="2121242100"/>
       </p:ext>
     </p:extLst>
   </p:cSld>
@@ -17939,7 +19639,7 @@
           <p:cNvPr id="2" name="Title 1">
             <a:extLst>
               <a:ext uri="{FF2B5EF4-FFF2-40B4-BE49-F238E27FC236}">
-                <a16:creationId xmlns:a16="http://schemas.microsoft.com/office/drawing/2014/main" id="{C19FEBEA-5B6E-0C3A-2B2A-2AF3BE8B070B}"/>
+                <a16:creationId xmlns:a16="http://schemas.microsoft.com/office/drawing/2014/main" id="{5CD49317-1728-DD41-90B7-4F6B92EF33A9}"/>
               </a:ext>
             </a:extLst>
           </p:cNvPr>
@@ -17957,7 +19657,7 @@
           <a:p>
             <a:r>
               <a:rPr lang="en-US" dirty="0"/>
-              <a:t>MCP Components: Application Host</a:t>
+              <a:t>MCP Defined</a:t>
             </a:r>
           </a:p>
         </p:txBody>
@@ -17967,7 +19667,7 @@
           <p:cNvPr id="3" name="Content Placeholder 2">
             <a:extLst>
               <a:ext uri="{FF2B5EF4-FFF2-40B4-BE49-F238E27FC236}">
-                <a16:creationId xmlns:a16="http://schemas.microsoft.com/office/drawing/2014/main" id="{2C636F98-6CDE-CD59-F230-A0DF6E25E528}"/>
+                <a16:creationId xmlns:a16="http://schemas.microsoft.com/office/drawing/2014/main" id="{1554C633-D711-656B-B9F2-3CBD0A05B2EA}"/>
               </a:ext>
             </a:extLst>
           </p:cNvPr>
@@ -17975,54 +19675,49 @@
             <a:spLocks noGrp="1"/>
           </p:cNvSpPr>
           <p:nvPr>
-            <p:ph idx="1"/>
-          </p:nvPr>
-        </p:nvSpPr>
-        <p:spPr/>
-        <p:txBody>
-          <a:bodyPr>
-            <a:normAutofit/>
-          </a:bodyPr>
+            <p:ph sz="half" idx="1"/>
+          </p:nvPr>
+        </p:nvSpPr>
+        <p:spPr/>
+        <p:txBody>
+          <a:bodyPr/>
           <a:lstStyle/>
           <a:p>
             <a:r>
-              <a:rPr lang="en-US" u="sng" dirty="0"/>
+              <a:rPr lang="en-US" sz="2400" dirty="0"/>
+              <a:t>Components</a:t>
+            </a:r>
+          </a:p>
+          <a:p>
+            <a:pPr lvl="1"/>
+            <a:r>
+              <a:rPr lang="en-US" sz="2000" dirty="0"/>
               <a:t>Application Host</a:t>
             </a:r>
-            <a:r>
-              <a:rPr lang="en-US" dirty="0"/>
-              <a:t> – The application that the user interacts with. </a:t>
+          </a:p>
+          <a:p>
+            <a:pPr lvl="2"/>
+            <a:r>
+              <a:rPr lang="en-US" sz="1800" dirty="0"/>
+              <a:t>Client: Within Host</a:t>
             </a:r>
           </a:p>
           <a:p>
             <a:pPr lvl="1"/>
             <a:r>
-              <a:rPr lang="en-US" dirty="0"/>
-              <a:t>Controls user input</a:t>
-            </a:r>
-          </a:p>
-          <a:p>
-            <a:pPr lvl="1"/>
-            <a:r>
-              <a:rPr lang="en-US" dirty="0"/>
-              <a:t>Examples: Claude desktop</a:t>
-            </a:r>
-          </a:p>
-          <a:p>
-            <a:pPr lvl="1"/>
-            <a:r>
-              <a:rPr lang="en-US" dirty="0"/>
-              <a:t>Sometimes termed “client” interchangeably</a:t>
-            </a:r>
-          </a:p>
-        </p:txBody>
-      </p:sp>
-      <p:sp>
-        <p:nvSpPr>
-          <p:cNvPr id="4" name="Slide Number Placeholder 3">
+              <a:rPr lang="en-US" sz="2000" dirty="0"/>
+              <a:t>Server</a:t>
+            </a:r>
+            <a:endParaRPr lang="en-US" dirty="0"/>
+          </a:p>
+        </p:txBody>
+      </p:sp>
+      <p:sp>
+        <p:nvSpPr>
+          <p:cNvPr id="4" name="Content Placeholder 3">
             <a:extLst>
               <a:ext uri="{FF2B5EF4-FFF2-40B4-BE49-F238E27FC236}">
-                <a16:creationId xmlns:a16="http://schemas.microsoft.com/office/drawing/2014/main" id="{FF754053-4D2E-74E8-96E6-C298DCD0E8C7}"/>
+                <a16:creationId xmlns:a16="http://schemas.microsoft.com/office/drawing/2014/main" id="{3EDEDE88-B98C-2314-3D6F-764A91925942}"/>
               </a:ext>
             </a:extLst>
           </p:cNvPr>
@@ -18030,7 +19725,7 @@
             <a:spLocks noGrp="1"/>
           </p:cNvSpPr>
           <p:nvPr>
-            <p:ph type="sldNum" sz="quarter" idx="12"/>
+            <p:ph sz="half" idx="2"/>
           </p:nvPr>
         </p:nvSpPr>
         <p:spPr/>
@@ -18038,19 +19733,60 @@
           <a:bodyPr/>
           <a:lstStyle/>
           <a:p>
+            <a:r>
+              <a:rPr lang="en-US" sz="2400" dirty="0"/>
+              <a:t>Layers</a:t>
+            </a:r>
+          </a:p>
+          <a:p>
+            <a:pPr lvl="1"/>
+            <a:r>
+              <a:rPr lang="en-US" sz="2000" dirty="0"/>
+              <a:t>Data Layer</a:t>
+            </a:r>
+          </a:p>
+          <a:p>
+            <a:pPr lvl="1"/>
+            <a:r>
+              <a:rPr lang="en-US" sz="2000" dirty="0"/>
+              <a:t>Transport Layer</a:t>
+            </a:r>
+          </a:p>
+        </p:txBody>
+      </p:sp>
+      <p:sp>
+        <p:nvSpPr>
+          <p:cNvPr id="5" name="Slide Number Placeholder 4">
+            <a:extLst>
+              <a:ext uri="{FF2B5EF4-FFF2-40B4-BE49-F238E27FC236}">
+                <a16:creationId xmlns:a16="http://schemas.microsoft.com/office/drawing/2014/main" id="{6D3C3824-5A69-BA0F-D6D4-340E883DA20A}"/>
+              </a:ext>
+            </a:extLst>
+          </p:cNvPr>
+          <p:cNvSpPr>
+            <a:spLocks noGrp="1"/>
+          </p:cNvSpPr>
+          <p:nvPr>
+            <p:ph type="sldNum" sz="quarter" idx="12"/>
+          </p:nvPr>
+        </p:nvSpPr>
+        <p:spPr/>
+        <p:txBody>
+          <a:bodyPr/>
+          <a:lstStyle/>
+          <a:p>
             <a:fld id="{FCABE2F1-B51E-8B48-B9C1-957239623D4B}" type="slidenum">
               <a:rPr lang="en-US" smtClean="0"/>
-              <a:pPr/>
               <a:t>14</a:t>
             </a:fld>
-            <a:endParaRPr lang="en-US" dirty="0"/>
+            <a:endParaRPr lang="en-US"/>
           </a:p>
         </p:txBody>
       </p:sp>
     </p:spTree>
     <p:extLst>
       <p:ext uri="{BB962C8B-B14F-4D97-AF65-F5344CB8AC3E}">
-        <p14:creationId xmlns:p14="http://schemas.microsoft.com/office/powerpoint/2010/main" val="26426767"/>
+        <p14:creationId xmlns:p14="http://schemas.microsoft.com/office/powerpoint/2010/main" val="3375912260"/>
       </p:ext>
     </p:extLst>
   </p:cSld>
@@ -18079,10 +19815,10 @@
       </p:grpSpPr>
       <p:sp>
         <p:nvSpPr>
-          <p:cNvPr id="2" name="Title 1">
+          <p:cNvPr id="6" name="Title 5">
             <a:extLst>
               <a:ext uri="{FF2B5EF4-FFF2-40B4-BE49-F238E27FC236}">
-                <a16:creationId xmlns:a16="http://schemas.microsoft.com/office/drawing/2014/main" id="{36EEEAA2-FB1D-EFC6-C926-E3FFC834AE05}"/>
+                <a16:creationId xmlns:a16="http://schemas.microsoft.com/office/drawing/2014/main" id="{061E89EA-39DB-F639-8466-E2105C441B50}"/>
               </a:ext>
             </a:extLst>
           </p:cNvPr>
@@ -18100,17 +19836,17 @@
           <a:p>
             <a:r>
               <a:rPr lang="en-US" dirty="0"/>
-              <a:t>MCP Components: MCP Client</a:t>
-            </a:r>
-          </a:p>
-        </p:txBody>
-      </p:sp>
-      <p:sp>
-        <p:nvSpPr>
-          <p:cNvPr id="3" name="Content Placeholder 2">
+              <a:t>Aside: Client / Server Architecture</a:t>
+            </a:r>
+          </a:p>
+        </p:txBody>
+      </p:sp>
+      <p:sp>
+        <p:nvSpPr>
+          <p:cNvPr id="7" name="Content Placeholder 6">
             <a:extLst>
               <a:ext uri="{FF2B5EF4-FFF2-40B4-BE49-F238E27FC236}">
-                <a16:creationId xmlns:a16="http://schemas.microsoft.com/office/drawing/2014/main" id="{A27D9E4D-3B1D-51D1-1F8F-9C6B36623C44}"/>
+                <a16:creationId xmlns:a16="http://schemas.microsoft.com/office/drawing/2014/main" id="{1CF811E6-1466-87E7-F19B-144C5362173F}"/>
               </a:ext>
             </a:extLst>
           </p:cNvPr>
@@ -18123,49 +19859,26 @@
         </p:nvSpPr>
         <p:spPr/>
         <p:txBody>
-          <a:bodyPr>
-            <a:normAutofit/>
-          </a:bodyPr>
+          <a:bodyPr/>
           <a:lstStyle/>
           <a:p>
             <a:r>
               <a:rPr lang="en-US" u="sng" dirty="0"/>
-              <a:t>MCP Client</a:t>
-            </a:r>
-            <a:r>
-              <a:rPr lang="en-US" dirty="0"/>
-              <a:t> – Piece of code within application host that negotiates communication with a server</a:t>
-            </a:r>
-          </a:p>
-          <a:p>
-            <a:pPr lvl="1"/>
-            <a:r>
-              <a:rPr lang="en-US" dirty="0"/>
-              <a:t>1:1 relationship with client</a:t>
-            </a:r>
-          </a:p>
-          <a:p>
-            <a:pPr lvl="1"/>
-            <a:r>
-              <a:rPr lang="en-US" dirty="0"/>
-              <a:t>Spawned within application host</a:t>
-            </a:r>
-          </a:p>
-          <a:p>
-            <a:pPr lvl="1"/>
-            <a:r>
-              <a:rPr lang="en-US" dirty="0"/>
-              <a:t>Stateful needed for context</a:t>
-            </a:r>
-          </a:p>
-        </p:txBody>
-      </p:sp>
-      <p:sp>
-        <p:nvSpPr>
-          <p:cNvPr id="4" name="Slide Number Placeholder 3">
+              <a:t>Client / Server Architecture</a:t>
+            </a:r>
+            <a:r>
+              <a:rPr lang="en-US" dirty="0"/>
+              <a:t> – A distributed compute model in which the client(s) request data from a server: ask / answer</a:t>
+            </a:r>
+          </a:p>
+        </p:txBody>
+      </p:sp>
+      <p:sp>
+        <p:nvSpPr>
+          <p:cNvPr id="5" name="Slide Number Placeholder 4">
             <a:extLst>
               <a:ext uri="{FF2B5EF4-FFF2-40B4-BE49-F238E27FC236}">
-                <a16:creationId xmlns:a16="http://schemas.microsoft.com/office/drawing/2014/main" id="{BEAF2B3F-5E8B-AF59-0A8A-34CF932284E0}"/>
+                <a16:creationId xmlns:a16="http://schemas.microsoft.com/office/drawing/2014/main" id="{5346CDBC-5314-6914-83D0-D749895BDFD1}"/>
               </a:ext>
             </a:extLst>
           </p:cNvPr>
@@ -18183,17 +19896,16 @@
           <a:p>
             <a:fld id="{FCABE2F1-B51E-8B48-B9C1-957239623D4B}" type="slidenum">
               <a:rPr lang="en-US" smtClean="0"/>
-              <a:pPr/>
               <a:t>15</a:t>
             </a:fld>
-            <a:endParaRPr lang="en-US" dirty="0"/>
+            <a:endParaRPr lang="en-US"/>
           </a:p>
         </p:txBody>
       </p:sp>
     </p:spTree>
     <p:extLst>
       <p:ext uri="{BB962C8B-B14F-4D97-AF65-F5344CB8AC3E}">
-        <p14:creationId xmlns:p14="http://schemas.microsoft.com/office/powerpoint/2010/main" val="2250465709"/>
+        <p14:creationId xmlns:p14="http://schemas.microsoft.com/office/powerpoint/2010/main" val="588370795"/>
       </p:ext>
     </p:extLst>
   </p:cSld>
@@ -18225,7 +19937,7 @@
           <p:cNvPr id="2" name="Title 1">
             <a:extLst>
               <a:ext uri="{FF2B5EF4-FFF2-40B4-BE49-F238E27FC236}">
-                <a16:creationId xmlns:a16="http://schemas.microsoft.com/office/drawing/2014/main" id="{583B4F47-2E07-CB6E-4AC2-C8BE49D5CF70}"/>
+                <a16:creationId xmlns:a16="http://schemas.microsoft.com/office/drawing/2014/main" id="{C19FEBEA-5B6E-0C3A-2B2A-2AF3BE8B070B}"/>
               </a:ext>
             </a:extLst>
           </p:cNvPr>
@@ -18243,7 +19955,7 @@
           <a:p>
             <a:r>
               <a:rPr lang="en-US" dirty="0"/>
-              <a:t>MCP Components: Client Lifecycle</a:t>
+              <a:t>MCP Components: Application Host</a:t>
             </a:r>
           </a:p>
         </p:txBody>
@@ -18253,7 +19965,7 @@
           <p:cNvPr id="3" name="Content Placeholder 2">
             <a:extLst>
               <a:ext uri="{FF2B5EF4-FFF2-40B4-BE49-F238E27FC236}">
-                <a16:creationId xmlns:a16="http://schemas.microsoft.com/office/drawing/2014/main" id="{F30A8D86-F4B1-A4A6-0A06-59CB31220413}"/>
+                <a16:creationId xmlns:a16="http://schemas.microsoft.com/office/drawing/2014/main" id="{2C636F98-6CDE-CD59-F230-A0DF6E25E528}"/>
               </a:ext>
             </a:extLst>
           </p:cNvPr>
@@ -18261,119 +19973,33 @@
             <a:spLocks noGrp="1"/>
           </p:cNvSpPr>
           <p:nvPr>
-            <p:ph sz="half" idx="1"/>
+            <p:ph idx="1"/>
           </p:nvPr>
         </p:nvSpPr>
         <p:spPr/>
         <p:txBody>
           <a:bodyPr>
-            <a:normAutofit fontScale="92500"/>
+            <a:normAutofit/>
           </a:bodyPr>
           <a:lstStyle/>
           <a:p>
-            <a:pPr marL="457200" indent="-457200">
-              <a:buFont typeface="+mj-lt"/>
-              <a:buAutoNum type="arabicPeriod"/>
-            </a:pPr>
-            <a:r>
-              <a:rPr lang="en-US" dirty="0"/>
-              <a:t>Initialization</a:t>
-            </a:r>
-          </a:p>
-          <a:p>
-            <a:pPr marL="857250" lvl="1" indent="-457200">
-              <a:buFont typeface="+mj-lt"/>
-              <a:buAutoNum type="arabicPeriod"/>
-            </a:pPr>
-            <a:r>
-              <a:rPr lang="en-US" dirty="0"/>
-              <a:t>Negotiate capabilities</a:t>
-            </a:r>
-          </a:p>
-          <a:p>
-            <a:pPr marL="857250" lvl="1" indent="-457200">
-              <a:buFont typeface="+mj-lt"/>
-              <a:buAutoNum type="arabicPeriod"/>
-            </a:pPr>
-            <a:r>
-              <a:rPr lang="en-US" dirty="0"/>
-              <a:t>Initiated by client as standalone</a:t>
-            </a:r>
-          </a:p>
-          <a:p>
-            <a:pPr marL="457200" indent="-457200">
-              <a:buFont typeface="+mj-lt"/>
-              <a:buAutoNum type="arabicPeriod"/>
-            </a:pPr>
-            <a:r>
-              <a:rPr lang="en-US" dirty="0"/>
-              <a:t>Operation</a:t>
-            </a:r>
-          </a:p>
-          <a:p>
-            <a:pPr marL="457200" indent="-457200">
-              <a:buFont typeface="+mj-lt"/>
-              <a:buAutoNum type="arabicPeriod"/>
-            </a:pPr>
-            <a:r>
-              <a:rPr lang="en-US" dirty="0"/>
-              <a:t>Shutdown</a:t>
-            </a:r>
-          </a:p>
-          <a:p>
-            <a:pPr marL="857250" lvl="1" indent="-457200">
-              <a:buFont typeface="+mj-lt"/>
-              <a:buAutoNum type="arabicPeriod"/>
-            </a:pPr>
-            <a:r>
-              <a:rPr lang="en-US" dirty="0"/>
-              <a:t>Initiated by client</a:t>
-            </a:r>
-          </a:p>
-          <a:p>
-            <a:pPr marL="457200" indent="-457200">
-              <a:buFont typeface="+mj-lt"/>
-              <a:buAutoNum type="arabicPeriod"/>
-            </a:pPr>
-            <a:endParaRPr lang="en-US" dirty="0"/>
-          </a:p>
-        </p:txBody>
-      </p:sp>
-      <p:pic>
-        <p:nvPicPr>
-          <p:cNvPr id="7" name="Content Placeholder 6">
-            <a:extLst>
-              <a:ext uri="{FF2B5EF4-FFF2-40B4-BE49-F238E27FC236}">
-                <a16:creationId xmlns:a16="http://schemas.microsoft.com/office/drawing/2014/main" id="{081EC237-262B-BDF1-1258-876A8E6ABEEC}"/>
-              </a:ext>
-            </a:extLst>
-          </p:cNvPr>
-          <p:cNvPicPr>
-            <a:picLocks noGrp="1" noChangeAspect="1"/>
-          </p:cNvPicPr>
-          <p:nvPr>
-            <p:ph sz="half" idx="2"/>
-          </p:nvPr>
-        </p:nvPicPr>
-        <p:blipFill>
-          <a:blip r:embed="rId2"/>
-          <a:stretch>
-            <a:fillRect/>
-          </a:stretch>
-        </p:blipFill>
-        <p:spPr>
-          <a:xfrm>
-            <a:off x="7191353" y="1606288"/>
-            <a:ext cx="3161187" cy="4650050"/>
-          </a:xfrm>
-        </p:spPr>
-      </p:pic>
+            <a:r>
+              <a:rPr lang="en-US" u="sng" dirty="0"/>
+              <a:t>Application Host</a:t>
+            </a:r>
+            <a:r>
+              <a:rPr lang="en-US" dirty="0"/>
+              <a:t> – The application that the user interacts with. </a:t>
+            </a:r>
+          </a:p>
+        </p:txBody>
+      </p:sp>
       <p:sp>
         <p:nvSpPr>
           <p:cNvPr id="4" name="Slide Number Placeholder 3">
             <a:extLst>
               <a:ext uri="{FF2B5EF4-FFF2-40B4-BE49-F238E27FC236}">
-                <a16:creationId xmlns:a16="http://schemas.microsoft.com/office/drawing/2014/main" id="{ABCE7C6C-C159-61CD-9740-E09B1C4760B0}"/>
+                <a16:creationId xmlns:a16="http://schemas.microsoft.com/office/drawing/2014/main" id="{FF754053-4D2E-74E8-96E6-C298DCD0E8C7}"/>
               </a:ext>
             </a:extLst>
           </p:cNvPr>
@@ -18401,7 +20027,7 @@
     </p:spTree>
     <p:extLst>
       <p:ext uri="{BB962C8B-B14F-4D97-AF65-F5344CB8AC3E}">
-        <p14:creationId xmlns:p14="http://schemas.microsoft.com/office/powerpoint/2010/main" val="3599134754"/>
+        <p14:creationId xmlns:p14="http://schemas.microsoft.com/office/powerpoint/2010/main" val="26426767"/>
       </p:ext>
     </p:extLst>
   </p:cSld>
@@ -18416,7 +20042,13 @@
   <p:cSld>
     <p:spTree>
       <p:nvGrpSpPr>
-        <p:cNvPr id="1" name=""/>
+        <p:cNvPr id="1" name="">
+          <a:extLst>
+            <a:ext uri="{FF2B5EF4-FFF2-40B4-BE49-F238E27FC236}">
+              <a16:creationId xmlns:a16="http://schemas.microsoft.com/office/drawing/2014/main" id="{9699D76C-5944-1ED4-ACDD-8BA28B846D54}"/>
+            </a:ext>
+          </a:extLst>
+        </p:cNvPr>
         <p:cNvGrpSpPr/>
         <p:nvPr/>
       </p:nvGrpSpPr>
@@ -18433,7 +20065,7 @@
           <p:cNvPr id="2" name="Title 1">
             <a:extLst>
               <a:ext uri="{FF2B5EF4-FFF2-40B4-BE49-F238E27FC236}">
-                <a16:creationId xmlns:a16="http://schemas.microsoft.com/office/drawing/2014/main" id="{EABAE0FB-246D-DFE3-02B4-7E61678144D6}"/>
+                <a16:creationId xmlns:a16="http://schemas.microsoft.com/office/drawing/2014/main" id="{073D1F42-6AF9-5998-34FB-D9EC2AA63AEE}"/>
               </a:ext>
             </a:extLst>
           </p:cNvPr>
@@ -18451,72 +20083,46 @@
           <a:p>
             <a:r>
               <a:rPr lang="en-US" dirty="0"/>
-              <a:t>MCP Components: Client Functionality</a:t>
-            </a:r>
-          </a:p>
-        </p:txBody>
-      </p:sp>
-      <p:sp>
-        <p:nvSpPr>
-          <p:cNvPr id="3" name="Content Placeholder 2">
+              <a:t>MCP Diagram</a:t>
+            </a:r>
+          </a:p>
+        </p:txBody>
+      </p:sp>
+      <p:pic>
+        <p:nvPicPr>
+          <p:cNvPr id="5" name="Content Placeholder 4">
             <a:extLst>
               <a:ext uri="{FF2B5EF4-FFF2-40B4-BE49-F238E27FC236}">
-                <a16:creationId xmlns:a16="http://schemas.microsoft.com/office/drawing/2014/main" id="{CD2FE9C5-835D-9EA3-CA27-7CEC6A097EFC}"/>
+                <a16:creationId xmlns:a16="http://schemas.microsoft.com/office/drawing/2014/main" id="{3E759F8B-18B0-5852-0DC7-22BD93B1F96F}"/>
               </a:ext>
             </a:extLst>
           </p:cNvPr>
-          <p:cNvSpPr>
-            <a:spLocks noGrp="1"/>
-          </p:cNvSpPr>
+          <p:cNvPicPr>
+            <a:picLocks noGrp="1" noChangeAspect="1"/>
+          </p:cNvPicPr>
           <p:nvPr>
             <p:ph idx="1"/>
           </p:nvPr>
-        </p:nvSpPr>
-        <p:spPr/>
-        <p:txBody>
-          <a:bodyPr>
-            <a:normAutofit/>
-          </a:bodyPr>
-          <a:lstStyle/>
-          <a:p>
-            <a:r>
-              <a:rPr lang="en-US" u="sng" dirty="0"/>
-              <a:t>Sampling</a:t>
-            </a:r>
-            <a:r>
-              <a:rPr lang="en-US" dirty="0"/>
-              <a:t> – Servers requesting completions from clients</a:t>
-            </a:r>
-          </a:p>
-          <a:p>
-            <a:r>
-              <a:rPr lang="en-US" u="sng" dirty="0"/>
-              <a:t>Roots</a:t>
-            </a:r>
-            <a:r>
-              <a:rPr lang="en-US" dirty="0"/>
-              <a:t> – Specify files</a:t>
-            </a:r>
-          </a:p>
-          <a:p>
-            <a:r>
-              <a:rPr lang="en-US" u="sng" dirty="0"/>
-              <a:t>Elicitation</a:t>
-            </a:r>
-            <a:r>
-              <a:rPr lang="en-US" dirty="0"/>
-              <a:t> – Request specific information from end user during execution</a:t>
-            </a:r>
-            <a:endParaRPr lang="en-US" u="sng" dirty="0"/>
-          </a:p>
-        </p:txBody>
-      </p:sp>
-      <p:sp>
-        <p:nvSpPr>
-          <p:cNvPr id="4" name="Slide Number Placeholder 3">
+        </p:nvPicPr>
+        <p:blipFill>
+          <a:blip r:embed="rId3"/>
+          <a:stretch>
+            <a:fillRect/>
+          </a:stretch>
+        </p:blipFill>
+        <p:spPr>
+          <a:xfrm>
+            <a:off x="1658134" y="1755419"/>
+            <a:ext cx="8392699" cy="4492981"/>
+          </a:xfrm>
+        </p:spPr>
+      </p:pic>
+      <p:sp>
+        <p:nvSpPr>
+          <p:cNvPr id="6" name="Slide Number Placeholder 5">
             <a:extLst>
               <a:ext uri="{FF2B5EF4-FFF2-40B4-BE49-F238E27FC236}">
-                <a16:creationId xmlns:a16="http://schemas.microsoft.com/office/drawing/2014/main" id="{00F3113D-9C97-1F82-19D6-30AF5EB684DE}"/>
+                <a16:creationId xmlns:a16="http://schemas.microsoft.com/office/drawing/2014/main" id="{E426E0B2-E9AF-A330-5B9A-85C4E65BA98E}"/>
               </a:ext>
             </a:extLst>
           </p:cNvPr>
@@ -18534,17 +20140,16 @@
           <a:p>
             <a:fld id="{FCABE2F1-B51E-8B48-B9C1-957239623D4B}" type="slidenum">
               <a:rPr lang="en-US" smtClean="0"/>
-              <a:pPr/>
               <a:t>17</a:t>
             </a:fld>
-            <a:endParaRPr lang="en-US" dirty="0"/>
+            <a:endParaRPr lang="en-US"/>
           </a:p>
         </p:txBody>
       </p:sp>
     </p:spTree>
     <p:extLst>
       <p:ext uri="{BB962C8B-B14F-4D97-AF65-F5344CB8AC3E}">
-        <p14:creationId xmlns:p14="http://schemas.microsoft.com/office/powerpoint/2010/main" val="3444940634"/>
+        <p14:creationId xmlns:p14="http://schemas.microsoft.com/office/powerpoint/2010/main" val="171346074"/>
       </p:ext>
     </p:extLst>
   </p:cSld>
@@ -18576,7 +20181,7 @@
           <p:cNvPr id="2" name="Title 1">
             <a:extLst>
               <a:ext uri="{FF2B5EF4-FFF2-40B4-BE49-F238E27FC236}">
-                <a16:creationId xmlns:a16="http://schemas.microsoft.com/office/drawing/2014/main" id="{52CE7E72-6732-150E-2FF0-3232B071F2EB}"/>
+                <a16:creationId xmlns:a16="http://schemas.microsoft.com/office/drawing/2014/main" id="{36EEEAA2-FB1D-EFC6-C926-E3FFC834AE05}"/>
               </a:ext>
             </a:extLst>
           </p:cNvPr>
@@ -18594,17 +20199,17 @@
           <a:p>
             <a:r>
               <a:rPr lang="en-US" dirty="0"/>
-              <a:t>Client code sample</a:t>
-            </a:r>
-          </a:p>
-        </p:txBody>
-      </p:sp>
-      <p:sp>
-        <p:nvSpPr>
-          <p:cNvPr id="5" name="Text Placeholder 4">
+              <a:t>MCP Components: MCP Client</a:t>
+            </a:r>
+          </a:p>
+        </p:txBody>
+      </p:sp>
+      <p:sp>
+        <p:nvSpPr>
+          <p:cNvPr id="3" name="Content Placeholder 2">
             <a:extLst>
               <a:ext uri="{FF2B5EF4-FFF2-40B4-BE49-F238E27FC236}">
-                <a16:creationId xmlns:a16="http://schemas.microsoft.com/office/drawing/2014/main" id="{B8301C19-C0E7-C8A4-1D0A-92529D80B960}"/>
+                <a16:creationId xmlns:a16="http://schemas.microsoft.com/office/drawing/2014/main" id="{A27D9E4D-3B1D-51D1-1F8F-9C6B36623C44}"/>
               </a:ext>
             </a:extLst>
           </p:cNvPr>
@@ -18612,15 +20217,38 @@
             <a:spLocks noGrp="1"/>
           </p:cNvSpPr>
           <p:nvPr>
-            <p:ph type="body" idx="1"/>
-          </p:nvPr>
-        </p:nvSpPr>
-        <p:spPr/>
-        <p:txBody>
-          <a:bodyPr/>
+            <p:ph idx="1"/>
+          </p:nvPr>
+        </p:nvSpPr>
+        <p:spPr/>
+        <p:txBody>
+          <a:bodyPr>
+            <a:normAutofit/>
+          </a:bodyPr>
           <a:lstStyle/>
           <a:p>
-            <a:endParaRPr lang="en-US"/>
+            <a:r>
+              <a:rPr lang="en-US" u="sng" dirty="0"/>
+              <a:t>MCP Client</a:t>
+            </a:r>
+            <a:r>
+              <a:rPr lang="en-US" dirty="0"/>
+              <a:t> – Piece of code within application host that negotiates communication with a server</a:t>
+            </a:r>
+          </a:p>
+          <a:p>
+            <a:pPr lvl="1"/>
+            <a:r>
+              <a:rPr lang="en-US" dirty="0"/>
+              <a:t>1:1 relationship with server</a:t>
+            </a:r>
+          </a:p>
+          <a:p>
+            <a:pPr lvl="1"/>
+            <a:r>
+              <a:rPr lang="en-US" dirty="0"/>
+              <a:t>Spawned within application host</a:t>
+            </a:r>
           </a:p>
         </p:txBody>
       </p:sp>
@@ -18629,7 +20257,7 @@
           <p:cNvPr id="4" name="Slide Number Placeholder 3">
             <a:extLst>
               <a:ext uri="{FF2B5EF4-FFF2-40B4-BE49-F238E27FC236}">
-                <a16:creationId xmlns:a16="http://schemas.microsoft.com/office/drawing/2014/main" id="{7665BCA6-D898-6143-8976-1C8217F8561C}"/>
+                <a16:creationId xmlns:a16="http://schemas.microsoft.com/office/drawing/2014/main" id="{BEAF2B3F-5E8B-AF59-0A8A-34CF932284E0}"/>
               </a:ext>
             </a:extLst>
           </p:cNvPr>
@@ -18657,7 +20285,7 @@
     </p:spTree>
     <p:extLst>
       <p:ext uri="{BB962C8B-B14F-4D97-AF65-F5344CB8AC3E}">
-        <p14:creationId xmlns:p14="http://schemas.microsoft.com/office/powerpoint/2010/main" val="3925569073"/>
+        <p14:creationId xmlns:p14="http://schemas.microsoft.com/office/powerpoint/2010/main" val="2250465709"/>
       </p:ext>
     </p:extLst>
   </p:cSld>
@@ -18675,7 +20303,7 @@
         <p:cNvPr id="1" name="">
           <a:extLst>
             <a:ext uri="{FF2B5EF4-FFF2-40B4-BE49-F238E27FC236}">
-              <a16:creationId xmlns:a16="http://schemas.microsoft.com/office/drawing/2014/main" id="{422E99FE-C591-AA31-589D-DB03FBA950B8}"/>
+              <a16:creationId xmlns:a16="http://schemas.microsoft.com/office/drawing/2014/main" id="{7B038D05-891F-B2CA-5E89-657E75CEA740}"/>
             </a:ext>
           </a:extLst>
         </p:cNvPr>
@@ -18695,7 +20323,7 @@
           <p:cNvPr id="2" name="Title 1">
             <a:extLst>
               <a:ext uri="{FF2B5EF4-FFF2-40B4-BE49-F238E27FC236}">
-                <a16:creationId xmlns:a16="http://schemas.microsoft.com/office/drawing/2014/main" id="{1D9AC164-56C5-16FC-22C5-4B09E99D7417}"/>
+                <a16:creationId xmlns:a16="http://schemas.microsoft.com/office/drawing/2014/main" id="{77CF2ACC-5ED3-7F82-DEE2-987845B6626F}"/>
               </a:ext>
             </a:extLst>
           </p:cNvPr>
@@ -18713,56 +20341,46 @@
           <a:p>
             <a:r>
               <a:rPr lang="en-US" dirty="0"/>
-              <a:t>MCP Components: MCP Server</a:t>
-            </a:r>
-          </a:p>
-        </p:txBody>
-      </p:sp>
-      <p:sp>
-        <p:nvSpPr>
-          <p:cNvPr id="3" name="Content Placeholder 2">
+              <a:t>MCP Diagram</a:t>
+            </a:r>
+          </a:p>
+        </p:txBody>
+      </p:sp>
+      <p:pic>
+        <p:nvPicPr>
+          <p:cNvPr id="5" name="Content Placeholder 4">
             <a:extLst>
               <a:ext uri="{FF2B5EF4-FFF2-40B4-BE49-F238E27FC236}">
-                <a16:creationId xmlns:a16="http://schemas.microsoft.com/office/drawing/2014/main" id="{9BE3E8D7-BAFA-5D44-6AF7-3C09696DA8A8}"/>
+                <a16:creationId xmlns:a16="http://schemas.microsoft.com/office/drawing/2014/main" id="{75FB4AD3-362C-13BD-C4C2-9834F24D5A68}"/>
               </a:ext>
             </a:extLst>
           </p:cNvPr>
-          <p:cNvSpPr>
-            <a:spLocks noGrp="1"/>
-          </p:cNvSpPr>
+          <p:cNvPicPr>
+            <a:picLocks noGrp="1" noChangeAspect="1"/>
+          </p:cNvPicPr>
           <p:nvPr>
             <p:ph idx="1"/>
           </p:nvPr>
-        </p:nvSpPr>
-        <p:spPr/>
-        <p:txBody>
-          <a:bodyPr/>
-          <a:lstStyle/>
-          <a:p>
-            <a:r>
-              <a:rPr lang="en-US" u="sng" dirty="0"/>
-              <a:t>MCP Server</a:t>
-            </a:r>
-            <a:r>
-              <a:rPr lang="en-US" dirty="0"/>
-              <a:t> – Expose the AI model to outside functionality</a:t>
-            </a:r>
-          </a:p>
-          <a:p>
-            <a:pPr lvl="1"/>
-            <a:r>
-              <a:rPr lang="en-US" dirty="0"/>
-              <a:t>Authentication sometimes needed</a:t>
-            </a:r>
-          </a:p>
-        </p:txBody>
-      </p:sp>
-      <p:sp>
-        <p:nvSpPr>
-          <p:cNvPr id="4" name="Slide Number Placeholder 3">
+        </p:nvPicPr>
+        <p:blipFill>
+          <a:blip r:embed="rId3"/>
+          <a:stretch>
+            <a:fillRect/>
+          </a:stretch>
+        </p:blipFill>
+        <p:spPr>
+          <a:xfrm>
+            <a:off x="1658134" y="1755419"/>
+            <a:ext cx="8392699" cy="4492981"/>
+          </a:xfrm>
+        </p:spPr>
+      </p:pic>
+      <p:sp>
+        <p:nvSpPr>
+          <p:cNvPr id="6" name="Slide Number Placeholder 5">
             <a:extLst>
               <a:ext uri="{FF2B5EF4-FFF2-40B4-BE49-F238E27FC236}">
-                <a16:creationId xmlns:a16="http://schemas.microsoft.com/office/drawing/2014/main" id="{9179D24F-6D70-5A63-91A7-059C3A25DF73}"/>
+                <a16:creationId xmlns:a16="http://schemas.microsoft.com/office/drawing/2014/main" id="{0DA0B8CD-C089-EAC3-18AC-A958635438C5}"/>
               </a:ext>
             </a:extLst>
           </p:cNvPr>
@@ -18780,17 +20398,16 @@
           <a:p>
             <a:fld id="{FCABE2F1-B51E-8B48-B9C1-957239623D4B}" type="slidenum">
               <a:rPr lang="en-US" smtClean="0"/>
-              <a:pPr/>
               <a:t>19</a:t>
             </a:fld>
-            <a:endParaRPr lang="en-US" dirty="0"/>
+            <a:endParaRPr lang="en-US"/>
           </a:p>
         </p:txBody>
       </p:sp>
     </p:spTree>
     <p:extLst>
       <p:ext uri="{BB962C8B-B14F-4D97-AF65-F5344CB8AC3E}">
-        <p14:creationId xmlns:p14="http://schemas.microsoft.com/office/powerpoint/2010/main" val="2373842606"/>
+        <p14:creationId xmlns:p14="http://schemas.microsoft.com/office/powerpoint/2010/main" val="2109144675"/>
       </p:ext>
     </p:extLst>
   </p:cSld>
@@ -18801,7 +20418,7 @@
 </file>
 
 <file path=ppt/slides/slide2.xml><?xml version="1.0" encoding="utf-8"?>
-<p:sld xmlns:a="http://schemas.openxmlformats.org/drawingml/2006/main" xmlns:r="http://schemas.openxmlformats.org/officeDocument/2006/relationships" xmlns:p="http://schemas.openxmlformats.org/presentationml/2006/main">
+<p:sld xmlns:a="http://schemas.openxmlformats.org/drawingml/2006/main" xmlns:r="http://schemas.openxmlformats.org/officeDocument/2006/relationships" xmlns:p="http://schemas.openxmlformats.org/presentationml/2006/main" show="0">
   <p:cSld>
     <p:spTree>
       <p:nvGrpSpPr>
@@ -18973,7 +20590,7 @@
           <p:cNvPr id="2" name="Title 1">
             <a:extLst>
               <a:ext uri="{FF2B5EF4-FFF2-40B4-BE49-F238E27FC236}">
-                <a16:creationId xmlns:a16="http://schemas.microsoft.com/office/drawing/2014/main" id="{98CB17A0-9810-F2D6-A033-C373F197C7D3}"/>
+                <a16:creationId xmlns:a16="http://schemas.microsoft.com/office/drawing/2014/main" id="{583B4F47-2E07-CB6E-4AC2-C8BE49D5CF70}"/>
               </a:ext>
             </a:extLst>
           </p:cNvPr>
@@ -18991,7 +20608,7 @@
           <a:p>
             <a:r>
               <a:rPr lang="en-US" dirty="0"/>
-              <a:t>MCP Server Functionality</a:t>
+              <a:t>MCP Components: Client Lifecycle</a:t>
             </a:r>
           </a:p>
         </p:txBody>
@@ -19001,7 +20618,7 @@
           <p:cNvPr id="3" name="Content Placeholder 2">
             <a:extLst>
               <a:ext uri="{FF2B5EF4-FFF2-40B4-BE49-F238E27FC236}">
-                <a16:creationId xmlns:a16="http://schemas.microsoft.com/office/drawing/2014/main" id="{91FAE1CC-1ECF-E94B-5249-BB5090ADBBB4}"/>
+                <a16:creationId xmlns:a16="http://schemas.microsoft.com/office/drawing/2014/main" id="{F30A8D86-F4B1-A4A6-0A06-59CB31220413}"/>
               </a:ext>
             </a:extLst>
           </p:cNvPr>
@@ -19009,53 +20626,119 @@
             <a:spLocks noGrp="1"/>
           </p:cNvSpPr>
           <p:nvPr>
-            <p:ph idx="1"/>
+            <p:ph sz="half" idx="1"/>
           </p:nvPr>
         </p:nvSpPr>
         <p:spPr/>
         <p:txBody>
           <a:bodyPr>
-            <a:normAutofit/>
+            <a:normAutofit fontScale="92500"/>
           </a:bodyPr>
           <a:lstStyle/>
           <a:p>
-            <a:r>
-              <a:rPr lang="en-US" u="sng" dirty="0"/>
-              <a:t>Tools</a:t>
-            </a:r>
-            <a:r>
-              <a:rPr lang="en-US" dirty="0"/>
-              <a:t> – Functions that can be called by the LLM</a:t>
-            </a:r>
-          </a:p>
-          <a:p>
-            <a:r>
-              <a:rPr lang="en-US" u="sng" dirty="0"/>
-              <a:t>Prompts</a:t>
-            </a:r>
-            <a:r>
-              <a:rPr lang="en-US" dirty="0"/>
-              <a:t> – Templates called by the user stored on server</a:t>
-            </a:r>
-          </a:p>
-          <a:p>
-            <a:r>
-              <a:rPr lang="en-US" u="sng" dirty="0"/>
-              <a:t>Resources</a:t>
-            </a:r>
-            <a:r>
-              <a:rPr lang="en-US" dirty="0"/>
-              <a:t> – Read-only data sources for additional context. Controlled by application</a:t>
-            </a:r>
-          </a:p>
-        </p:txBody>
-      </p:sp>
+            <a:pPr marL="457200" indent="-457200">
+              <a:buFont typeface="+mj-lt"/>
+              <a:buAutoNum type="arabicPeriod"/>
+            </a:pPr>
+            <a:r>
+              <a:rPr lang="en-US" dirty="0"/>
+              <a:t>Initialization</a:t>
+            </a:r>
+          </a:p>
+          <a:p>
+            <a:pPr marL="857250" lvl="1" indent="-457200">
+              <a:buFont typeface="+mj-lt"/>
+              <a:buAutoNum type="arabicPeriod"/>
+            </a:pPr>
+            <a:r>
+              <a:rPr lang="en-US" dirty="0"/>
+              <a:t>Negotiate capabilities</a:t>
+            </a:r>
+          </a:p>
+          <a:p>
+            <a:pPr marL="857250" lvl="1" indent="-457200">
+              <a:buFont typeface="+mj-lt"/>
+              <a:buAutoNum type="arabicPeriod"/>
+            </a:pPr>
+            <a:r>
+              <a:rPr lang="en-US" dirty="0"/>
+              <a:t>Initiated by client as standalone</a:t>
+            </a:r>
+          </a:p>
+          <a:p>
+            <a:pPr marL="457200" indent="-457200">
+              <a:buFont typeface="+mj-lt"/>
+              <a:buAutoNum type="arabicPeriod"/>
+            </a:pPr>
+            <a:r>
+              <a:rPr lang="en-US" dirty="0"/>
+              <a:t>Operation</a:t>
+            </a:r>
+          </a:p>
+          <a:p>
+            <a:pPr marL="457200" indent="-457200">
+              <a:buFont typeface="+mj-lt"/>
+              <a:buAutoNum type="arabicPeriod"/>
+            </a:pPr>
+            <a:r>
+              <a:rPr lang="en-US" dirty="0"/>
+              <a:t>Shutdown</a:t>
+            </a:r>
+          </a:p>
+          <a:p>
+            <a:pPr marL="857250" lvl="1" indent="-457200">
+              <a:buFont typeface="+mj-lt"/>
+              <a:buAutoNum type="arabicPeriod"/>
+            </a:pPr>
+            <a:r>
+              <a:rPr lang="en-US" dirty="0"/>
+              <a:t>Initiated by client</a:t>
+            </a:r>
+          </a:p>
+          <a:p>
+            <a:pPr marL="457200" indent="-457200">
+              <a:buFont typeface="+mj-lt"/>
+              <a:buAutoNum type="arabicPeriod"/>
+            </a:pPr>
+            <a:endParaRPr lang="en-US" dirty="0"/>
+          </a:p>
+        </p:txBody>
+      </p:sp>
+      <p:pic>
+        <p:nvPicPr>
+          <p:cNvPr id="7" name="Content Placeholder 6">
+            <a:extLst>
+              <a:ext uri="{FF2B5EF4-FFF2-40B4-BE49-F238E27FC236}">
+                <a16:creationId xmlns:a16="http://schemas.microsoft.com/office/drawing/2014/main" id="{081EC237-262B-BDF1-1258-876A8E6ABEEC}"/>
+              </a:ext>
+            </a:extLst>
+          </p:cNvPr>
+          <p:cNvPicPr>
+            <a:picLocks noGrp="1" noChangeAspect="1"/>
+          </p:cNvPicPr>
+          <p:nvPr>
+            <p:ph sz="half" idx="2"/>
+          </p:nvPr>
+        </p:nvPicPr>
+        <p:blipFill>
+          <a:blip r:embed="rId3"/>
+          <a:stretch>
+            <a:fillRect/>
+          </a:stretch>
+        </p:blipFill>
+        <p:spPr>
+          <a:xfrm>
+            <a:off x="7191353" y="1606288"/>
+            <a:ext cx="3161187" cy="4650050"/>
+          </a:xfrm>
+        </p:spPr>
+      </p:pic>
       <p:sp>
         <p:nvSpPr>
           <p:cNvPr id="4" name="Slide Number Placeholder 3">
             <a:extLst>
               <a:ext uri="{FF2B5EF4-FFF2-40B4-BE49-F238E27FC236}">
-                <a16:creationId xmlns:a16="http://schemas.microsoft.com/office/drawing/2014/main" id="{44A0BA9E-C5D9-4E38-64B5-11A9C62612B5}"/>
+                <a16:creationId xmlns:a16="http://schemas.microsoft.com/office/drawing/2014/main" id="{ABCE7C6C-C159-61CD-9740-E09B1C4760B0}"/>
               </a:ext>
             </a:extLst>
           </p:cNvPr>
@@ -19073,16 +20756,17 @@
           <a:p>
             <a:fld id="{FCABE2F1-B51E-8B48-B9C1-957239623D4B}" type="slidenum">
               <a:rPr lang="en-US" smtClean="0"/>
+              <a:pPr/>
               <a:t>20</a:t>
             </a:fld>
-            <a:endParaRPr lang="en-US"/>
+            <a:endParaRPr lang="en-US" dirty="0"/>
           </a:p>
         </p:txBody>
       </p:sp>
     </p:spTree>
     <p:extLst>
       <p:ext uri="{BB962C8B-B14F-4D97-AF65-F5344CB8AC3E}">
-        <p14:creationId xmlns:p14="http://schemas.microsoft.com/office/powerpoint/2010/main" val="88852162"/>
+        <p14:creationId xmlns:p14="http://schemas.microsoft.com/office/powerpoint/2010/main" val="3599134754"/>
       </p:ext>
     </p:extLst>
   </p:cSld>
@@ -19114,7 +20798,7 @@
           <p:cNvPr id="2" name="Title 1">
             <a:extLst>
               <a:ext uri="{FF2B5EF4-FFF2-40B4-BE49-F238E27FC236}">
-                <a16:creationId xmlns:a16="http://schemas.microsoft.com/office/drawing/2014/main" id="{70A6E7B8-228A-9AD9-81DD-555C59118925}"/>
+                <a16:creationId xmlns:a16="http://schemas.microsoft.com/office/drawing/2014/main" id="{EABAE0FB-246D-DFE3-02B4-7E61678144D6}"/>
               </a:ext>
             </a:extLst>
           </p:cNvPr>
@@ -19132,7 +20816,7 @@
           <a:p>
             <a:r>
               <a:rPr lang="en-US" dirty="0"/>
-              <a:t>Aside: RAG vs. MCP</a:t>
+              <a:t>MCP Components: Client Functionality</a:t>
             </a:r>
           </a:p>
         </p:txBody>
@@ -19142,7 +20826,7 @@
           <p:cNvPr id="3" name="Content Placeholder 2">
             <a:extLst>
               <a:ext uri="{FF2B5EF4-FFF2-40B4-BE49-F238E27FC236}">
-                <a16:creationId xmlns:a16="http://schemas.microsoft.com/office/drawing/2014/main" id="{9CA3A70B-4452-1056-D57B-08DB1247ECD5}"/>
+                <a16:creationId xmlns:a16="http://schemas.microsoft.com/office/drawing/2014/main" id="{CD2FE9C5-835D-9EA3-CA27-7CEC6A097EFC}"/>
               </a:ext>
             </a:extLst>
           </p:cNvPr>
@@ -19155,19 +20839,40 @@
         </p:nvSpPr>
         <p:spPr/>
         <p:txBody>
-          <a:bodyPr/>
+          <a:bodyPr>
+            <a:normAutofit/>
+          </a:bodyPr>
           <a:lstStyle/>
           <a:p>
             <a:r>
-              <a:rPr lang="en-US" dirty="0"/>
-              <a:t>Enhancement vs. Protocol</a:t>
-            </a:r>
-          </a:p>
-          <a:p>
-            <a:r>
-              <a:rPr lang="en-US" dirty="0"/>
-              <a:t>Neighbors in different industries</a:t>
-            </a:r>
+              <a:rPr lang="en-US" u="sng" dirty="0"/>
+              <a:t>Sampling</a:t>
+            </a:r>
+            <a:r>
+              <a:rPr lang="en-US" dirty="0"/>
+              <a:t> – Servers requesting completions from clients</a:t>
+            </a:r>
+          </a:p>
+          <a:p>
+            <a:r>
+              <a:rPr lang="en-US" u="sng" dirty="0"/>
+              <a:t>Roots</a:t>
+            </a:r>
+            <a:r>
+              <a:rPr lang="en-US" dirty="0"/>
+              <a:t> – Specify files</a:t>
+            </a:r>
+          </a:p>
+          <a:p>
+            <a:r>
+              <a:rPr lang="en-US" u="sng" dirty="0"/>
+              <a:t>Elicitation</a:t>
+            </a:r>
+            <a:r>
+              <a:rPr lang="en-US" dirty="0"/>
+              <a:t> – Request specific information from end user during execution</a:t>
+            </a:r>
+            <a:endParaRPr lang="en-US" u="sng" dirty="0"/>
           </a:p>
         </p:txBody>
       </p:sp>
@@ -19176,7 +20881,7 @@
           <p:cNvPr id="4" name="Slide Number Placeholder 3">
             <a:extLst>
               <a:ext uri="{FF2B5EF4-FFF2-40B4-BE49-F238E27FC236}">
-                <a16:creationId xmlns:a16="http://schemas.microsoft.com/office/drawing/2014/main" id="{1D7B7769-39E3-A07C-84F9-0867A8C5A4B1}"/>
+                <a16:creationId xmlns:a16="http://schemas.microsoft.com/office/drawing/2014/main" id="{00F3113D-9C97-1F82-19D6-30AF5EB684DE}"/>
               </a:ext>
             </a:extLst>
           </p:cNvPr>
@@ -19204,7 +20909,7 @@
     </p:spTree>
     <p:extLst>
       <p:ext uri="{BB962C8B-B14F-4D97-AF65-F5344CB8AC3E}">
-        <p14:creationId xmlns:p14="http://schemas.microsoft.com/office/powerpoint/2010/main" val="3697074740"/>
+        <p14:creationId xmlns:p14="http://schemas.microsoft.com/office/powerpoint/2010/main" val="3444940634"/>
       </p:ext>
     </p:extLst>
   </p:cSld>
@@ -19236,7 +20941,7 @@
           <p:cNvPr id="2" name="Title 1">
             <a:extLst>
               <a:ext uri="{FF2B5EF4-FFF2-40B4-BE49-F238E27FC236}">
-                <a16:creationId xmlns:a16="http://schemas.microsoft.com/office/drawing/2014/main" id="{7B947956-8787-6A09-EE6D-F4CDE3CA6C18}"/>
+                <a16:creationId xmlns:a16="http://schemas.microsoft.com/office/drawing/2014/main" id="{52CE7E72-6732-150E-2FF0-3232B071F2EB}"/>
               </a:ext>
             </a:extLst>
           </p:cNvPr>
@@ -19254,17 +20959,17 @@
           <a:p>
             <a:r>
               <a:rPr lang="en-US" dirty="0"/>
-              <a:t>MCP Layers: Data Layer</a:t>
-            </a:r>
-          </a:p>
-        </p:txBody>
-      </p:sp>
-      <p:sp>
-        <p:nvSpPr>
-          <p:cNvPr id="3" name="Content Placeholder 2">
+              <a:t>Client code sample</a:t>
+            </a:r>
+          </a:p>
+        </p:txBody>
+      </p:sp>
+      <p:sp>
+        <p:nvSpPr>
+          <p:cNvPr id="5" name="Text Placeholder 4">
             <a:extLst>
               <a:ext uri="{FF2B5EF4-FFF2-40B4-BE49-F238E27FC236}">
-                <a16:creationId xmlns:a16="http://schemas.microsoft.com/office/drawing/2014/main" id="{375EAFC0-1877-04DA-5DB5-B81239D68897}"/>
+                <a16:creationId xmlns:a16="http://schemas.microsoft.com/office/drawing/2014/main" id="{B8301C19-C0E7-C8A4-1D0A-92529D80B960}"/>
               </a:ext>
             </a:extLst>
           </p:cNvPr>
@@ -19272,7 +20977,7 @@
             <a:spLocks noGrp="1"/>
           </p:cNvSpPr>
           <p:nvPr>
-            <p:ph idx="1"/>
+            <p:ph type="body" idx="1"/>
           </p:nvPr>
         </p:nvSpPr>
         <p:spPr/>
@@ -19280,26 +20985,7 @@
           <a:bodyPr/>
           <a:lstStyle/>
           <a:p>
-            <a:r>
-              <a:rPr lang="en-US" u="sng" dirty="0"/>
-              <a:t>Data Layer Protocol</a:t>
-            </a:r>
-            <a:r>
-              <a:rPr lang="en-US" dirty="0"/>
-              <a:t> – Message structure and semantics between client and server</a:t>
-            </a:r>
-          </a:p>
-          <a:p>
-            <a:r>
-              <a:rPr lang="en-US" dirty="0"/>
-              <a:t>Server: list / call</a:t>
-            </a:r>
-          </a:p>
-          <a:p>
-            <a:r>
-              <a:rPr lang="en-US" dirty="0"/>
-              <a:t>Client: </a:t>
-            </a:r>
+            <a:endParaRPr lang="en-US"/>
           </a:p>
         </p:txBody>
       </p:sp>
@@ -19308,7 +20994,7 @@
           <p:cNvPr id="4" name="Slide Number Placeholder 3">
             <a:extLst>
               <a:ext uri="{FF2B5EF4-FFF2-40B4-BE49-F238E27FC236}">
-                <a16:creationId xmlns:a16="http://schemas.microsoft.com/office/drawing/2014/main" id="{23D75CA0-80B0-B91F-D59E-C6B5E405876A}"/>
+                <a16:creationId xmlns:a16="http://schemas.microsoft.com/office/drawing/2014/main" id="{7665BCA6-D898-6143-8976-1C8217F8561C}"/>
               </a:ext>
             </a:extLst>
           </p:cNvPr>
@@ -19336,7 +21022,7 @@
     </p:spTree>
     <p:extLst>
       <p:ext uri="{BB962C8B-B14F-4D97-AF65-F5344CB8AC3E}">
-        <p14:creationId xmlns:p14="http://schemas.microsoft.com/office/powerpoint/2010/main" val="340475259"/>
+        <p14:creationId xmlns:p14="http://schemas.microsoft.com/office/powerpoint/2010/main" val="3925569073"/>
       </p:ext>
     </p:extLst>
   </p:cSld>
@@ -19347,6 +21033,139 @@
 </file>
 
 <file path=ppt/slides/slide23.xml><?xml version="1.0" encoding="utf-8"?>
+<p:sld xmlns:a="http://schemas.openxmlformats.org/drawingml/2006/main" xmlns:r="http://schemas.openxmlformats.org/officeDocument/2006/relationships" xmlns:p="http://schemas.openxmlformats.org/presentationml/2006/main">
+  <p:cSld>
+    <p:spTree>
+      <p:nvGrpSpPr>
+        <p:cNvPr id="1" name="">
+          <a:extLst>
+            <a:ext uri="{FF2B5EF4-FFF2-40B4-BE49-F238E27FC236}">
+              <a16:creationId xmlns:a16="http://schemas.microsoft.com/office/drawing/2014/main" id="{422E99FE-C591-AA31-589D-DB03FBA950B8}"/>
+            </a:ext>
+          </a:extLst>
+        </p:cNvPr>
+        <p:cNvGrpSpPr/>
+        <p:nvPr/>
+      </p:nvGrpSpPr>
+      <p:grpSpPr>
+        <a:xfrm>
+          <a:off x="0" y="0"/>
+          <a:ext cx="0" cy="0"/>
+          <a:chOff x="0" y="0"/>
+          <a:chExt cx="0" cy="0"/>
+        </a:xfrm>
+      </p:grpSpPr>
+      <p:sp>
+        <p:nvSpPr>
+          <p:cNvPr id="2" name="Title 1">
+            <a:extLst>
+              <a:ext uri="{FF2B5EF4-FFF2-40B4-BE49-F238E27FC236}">
+                <a16:creationId xmlns:a16="http://schemas.microsoft.com/office/drawing/2014/main" id="{1D9AC164-56C5-16FC-22C5-4B09E99D7417}"/>
+              </a:ext>
+            </a:extLst>
+          </p:cNvPr>
+          <p:cNvSpPr>
+            <a:spLocks noGrp="1"/>
+          </p:cNvSpPr>
+          <p:nvPr>
+            <p:ph type="title"/>
+          </p:nvPr>
+        </p:nvSpPr>
+        <p:spPr/>
+        <p:txBody>
+          <a:bodyPr/>
+          <a:lstStyle/>
+          <a:p>
+            <a:r>
+              <a:rPr lang="en-US" dirty="0"/>
+              <a:t>MCP Components: MCP Server</a:t>
+            </a:r>
+          </a:p>
+        </p:txBody>
+      </p:sp>
+      <p:sp>
+        <p:nvSpPr>
+          <p:cNvPr id="3" name="Content Placeholder 2">
+            <a:extLst>
+              <a:ext uri="{FF2B5EF4-FFF2-40B4-BE49-F238E27FC236}">
+                <a16:creationId xmlns:a16="http://schemas.microsoft.com/office/drawing/2014/main" id="{9BE3E8D7-BAFA-5D44-6AF7-3C09696DA8A8}"/>
+              </a:ext>
+            </a:extLst>
+          </p:cNvPr>
+          <p:cNvSpPr>
+            <a:spLocks noGrp="1"/>
+          </p:cNvSpPr>
+          <p:nvPr>
+            <p:ph idx="1"/>
+          </p:nvPr>
+        </p:nvSpPr>
+        <p:spPr/>
+        <p:txBody>
+          <a:bodyPr/>
+          <a:lstStyle/>
+          <a:p>
+            <a:r>
+              <a:rPr lang="en-US" u="sng" dirty="0"/>
+              <a:t>MCP Server</a:t>
+            </a:r>
+            <a:r>
+              <a:rPr lang="en-US" dirty="0"/>
+              <a:t> – Expose the AI model to outside functionality</a:t>
+            </a:r>
+          </a:p>
+          <a:p>
+            <a:pPr lvl="1"/>
+            <a:r>
+              <a:rPr lang="en-US" dirty="0"/>
+              <a:t>Authentication sometimes needed</a:t>
+            </a:r>
+          </a:p>
+        </p:txBody>
+      </p:sp>
+      <p:sp>
+        <p:nvSpPr>
+          <p:cNvPr id="4" name="Slide Number Placeholder 3">
+            <a:extLst>
+              <a:ext uri="{FF2B5EF4-FFF2-40B4-BE49-F238E27FC236}">
+                <a16:creationId xmlns:a16="http://schemas.microsoft.com/office/drawing/2014/main" id="{9179D24F-6D70-5A63-91A7-059C3A25DF73}"/>
+              </a:ext>
+            </a:extLst>
+          </p:cNvPr>
+          <p:cNvSpPr>
+            <a:spLocks noGrp="1"/>
+          </p:cNvSpPr>
+          <p:nvPr>
+            <p:ph type="sldNum" sz="quarter" idx="12"/>
+          </p:nvPr>
+        </p:nvSpPr>
+        <p:spPr/>
+        <p:txBody>
+          <a:bodyPr/>
+          <a:lstStyle/>
+          <a:p>
+            <a:fld id="{FCABE2F1-B51E-8B48-B9C1-957239623D4B}" type="slidenum">
+              <a:rPr lang="en-US" smtClean="0"/>
+              <a:pPr/>
+              <a:t>23</a:t>
+            </a:fld>
+            <a:endParaRPr lang="en-US" dirty="0"/>
+          </a:p>
+        </p:txBody>
+      </p:sp>
+    </p:spTree>
+    <p:extLst>
+      <p:ext uri="{BB962C8B-B14F-4D97-AF65-F5344CB8AC3E}">
+        <p14:creationId xmlns:p14="http://schemas.microsoft.com/office/powerpoint/2010/main" val="2373842606"/>
+      </p:ext>
+    </p:extLst>
+  </p:cSld>
+  <p:clrMapOvr>
+    <a:masterClrMapping/>
+  </p:clrMapOvr>
+</p:sld>
+</file>
+
+<file path=ppt/slides/slide24.xml><?xml version="1.0" encoding="utf-8"?>
 <p:sld xmlns:a="http://schemas.openxmlformats.org/drawingml/2006/main" xmlns:r="http://schemas.openxmlformats.org/officeDocument/2006/relationships" xmlns:p="http://schemas.openxmlformats.org/presentationml/2006/main">
   <p:cSld>
     <p:spTree>
@@ -19368,7 +21187,7 @@
           <p:cNvPr id="2" name="Title 1">
             <a:extLst>
               <a:ext uri="{FF2B5EF4-FFF2-40B4-BE49-F238E27FC236}">
-                <a16:creationId xmlns:a16="http://schemas.microsoft.com/office/drawing/2014/main" id="{DE7FFD86-3D10-BB3B-A9FF-087AE0D5A0F2}"/>
+                <a16:creationId xmlns:a16="http://schemas.microsoft.com/office/drawing/2014/main" id="{98CB17A0-9810-F2D6-A033-C373F197C7D3}"/>
               </a:ext>
             </a:extLst>
           </p:cNvPr>
@@ -19386,48 +21205,71 @@
           <a:p>
             <a:r>
               <a:rPr lang="en-US" dirty="0"/>
-              <a:t>MCP Data Layer Reference</a:t>
-            </a:r>
-          </a:p>
-        </p:txBody>
-      </p:sp>
-      <p:graphicFrame>
-        <p:nvGraphicFramePr>
-          <p:cNvPr id="5" name="Content Placeholder 4">
+              <a:t>MCP Server Functionality</a:t>
+            </a:r>
+          </a:p>
+        </p:txBody>
+      </p:sp>
+      <p:sp>
+        <p:nvSpPr>
+          <p:cNvPr id="3" name="Content Placeholder 2">
             <a:extLst>
               <a:ext uri="{FF2B5EF4-FFF2-40B4-BE49-F238E27FC236}">
-                <a16:creationId xmlns:a16="http://schemas.microsoft.com/office/drawing/2014/main" id="{A4C4C509-A098-AC9F-E2D0-4BF5FF249A50}"/>
+                <a16:creationId xmlns:a16="http://schemas.microsoft.com/office/drawing/2014/main" id="{91FAE1CC-1ECF-E94B-5249-BB5090ADBBB4}"/>
               </a:ext>
             </a:extLst>
           </p:cNvPr>
-          <p:cNvGraphicFramePr>
-            <a:graphicFrameLocks noGrp="1"/>
-          </p:cNvGraphicFramePr>
+          <p:cNvSpPr>
+            <a:spLocks noGrp="1"/>
+          </p:cNvSpPr>
           <p:nvPr>
             <p:ph idx="1"/>
-            <p:extLst>
-              <p:ext uri="{D42A27DB-BD31-4B8C-83A1-F6EECF244321}">
-                <p14:modId xmlns:p14="http://schemas.microsoft.com/office/powerpoint/2010/main" val="3016534063"/>
-              </p:ext>
-            </p:extLst>
-          </p:nvPr>
-        </p:nvGraphicFramePr>
-        <p:xfrm>
-          <a:off x="1103313" y="2052638"/>
-          <a:ext cx="8947150" cy="4195762"/>
-        </p:xfrm>
-        <a:graphic>
-          <a:graphicData uri="http://schemas.openxmlformats.org/drawingml/2006/diagram">
-            <dgm:relIds xmlns:dgm="http://schemas.openxmlformats.org/drawingml/2006/diagram" xmlns:r="http://schemas.openxmlformats.org/officeDocument/2006/relationships" r:dm="rId3" r:lo="rId4" r:qs="rId5" r:cs="rId6"/>
-          </a:graphicData>
-        </a:graphic>
-      </p:graphicFrame>
+          </p:nvPr>
+        </p:nvSpPr>
+        <p:spPr/>
+        <p:txBody>
+          <a:bodyPr>
+            <a:normAutofit/>
+          </a:bodyPr>
+          <a:lstStyle/>
+          <a:p>
+            <a:r>
+              <a:rPr lang="en-US" u="sng" dirty="0"/>
+              <a:t>Tools</a:t>
+            </a:r>
+            <a:r>
+              <a:rPr lang="en-US" dirty="0"/>
+              <a:t> – Functions that can be called by the LLM</a:t>
+            </a:r>
+          </a:p>
+          <a:p>
+            <a:r>
+              <a:rPr lang="en-US" u="sng" dirty="0"/>
+              <a:t>Prompts</a:t>
+            </a:r>
+            <a:r>
+              <a:rPr lang="en-US" dirty="0"/>
+              <a:t> – Templates called by the user stored on server</a:t>
+            </a:r>
+          </a:p>
+          <a:p>
+            <a:r>
+              <a:rPr lang="en-US" u="sng" dirty="0"/>
+              <a:t>Resources</a:t>
+            </a:r>
+            <a:r>
+              <a:rPr lang="en-US" dirty="0"/>
+              <a:t> – Read-only data sources for additional context. Controlled by application</a:t>
+            </a:r>
+          </a:p>
+        </p:txBody>
+      </p:sp>
       <p:sp>
         <p:nvSpPr>
           <p:cNvPr id="4" name="Slide Number Placeholder 3">
             <a:extLst>
               <a:ext uri="{FF2B5EF4-FFF2-40B4-BE49-F238E27FC236}">
-                <a16:creationId xmlns:a16="http://schemas.microsoft.com/office/drawing/2014/main" id="{B09F5355-91F5-BC13-0308-A888A5395FF1}"/>
+                <a16:creationId xmlns:a16="http://schemas.microsoft.com/office/drawing/2014/main" id="{44A0BA9E-C5D9-4E38-64B5-11A9C62612B5}"/>
               </a:ext>
             </a:extLst>
           </p:cNvPr>
@@ -19445,161 +21287,16 @@
           <a:p>
             <a:fld id="{FCABE2F1-B51E-8B48-B9C1-957239623D4B}" type="slidenum">
               <a:rPr lang="en-US" smtClean="0"/>
-              <a:pPr/>
-              <a:t>23</a:t>
+              <a:t>24</a:t>
             </a:fld>
-            <a:endParaRPr lang="en-US" dirty="0"/>
+            <a:endParaRPr lang="en-US"/>
           </a:p>
         </p:txBody>
       </p:sp>
     </p:spTree>
     <p:extLst>
       <p:ext uri="{BB962C8B-B14F-4D97-AF65-F5344CB8AC3E}">
-        <p14:creationId xmlns:p14="http://schemas.microsoft.com/office/powerpoint/2010/main" val="4271904628"/>
-      </p:ext>
-    </p:extLst>
-  </p:cSld>
-  <p:clrMapOvr>
-    <a:masterClrMapping/>
-  </p:clrMapOvr>
-</p:sld>
-</file>
-
-<file path=ppt/slides/slide24.xml><?xml version="1.0" encoding="utf-8"?>
-<p:sld xmlns:a="http://schemas.openxmlformats.org/drawingml/2006/main" xmlns:r="http://schemas.openxmlformats.org/officeDocument/2006/relationships" xmlns:p="http://schemas.openxmlformats.org/presentationml/2006/main">
-  <p:cSld>
-    <p:spTree>
-      <p:nvGrpSpPr>
-        <p:cNvPr id="1" name="">
-          <a:extLst>
-            <a:ext uri="{FF2B5EF4-FFF2-40B4-BE49-F238E27FC236}">
-              <a16:creationId xmlns:a16="http://schemas.microsoft.com/office/drawing/2014/main" id="{B86D13FF-D4D0-2A4C-A743-6B4FA2524AE4}"/>
-            </a:ext>
-          </a:extLst>
-        </p:cNvPr>
-        <p:cNvGrpSpPr/>
-        <p:nvPr/>
-      </p:nvGrpSpPr>
-      <p:grpSpPr>
-        <a:xfrm>
-          <a:off x="0" y="0"/>
-          <a:ext cx="0" cy="0"/>
-          <a:chOff x="0" y="0"/>
-          <a:chExt cx="0" cy="0"/>
-        </a:xfrm>
-      </p:grpSpPr>
-      <p:sp>
-        <p:nvSpPr>
-          <p:cNvPr id="2" name="Title 1">
-            <a:extLst>
-              <a:ext uri="{FF2B5EF4-FFF2-40B4-BE49-F238E27FC236}">
-                <a16:creationId xmlns:a16="http://schemas.microsoft.com/office/drawing/2014/main" id="{7F30C1E2-EB87-A348-2461-ECA8B8E4BF2D}"/>
-              </a:ext>
-            </a:extLst>
-          </p:cNvPr>
-          <p:cNvSpPr>
-            <a:spLocks noGrp="1"/>
-          </p:cNvSpPr>
-          <p:nvPr>
-            <p:ph type="title"/>
-          </p:nvPr>
-        </p:nvSpPr>
-        <p:spPr/>
-        <p:txBody>
-          <a:bodyPr/>
-          <a:lstStyle/>
-          <a:p>
-            <a:r>
-              <a:rPr lang="en-US" dirty="0"/>
-              <a:t>MCP Layers: Transport Layer</a:t>
-            </a:r>
-          </a:p>
-        </p:txBody>
-      </p:sp>
-      <p:sp>
-        <p:nvSpPr>
-          <p:cNvPr id="3" name="Content Placeholder 2">
-            <a:extLst>
-              <a:ext uri="{FF2B5EF4-FFF2-40B4-BE49-F238E27FC236}">
-                <a16:creationId xmlns:a16="http://schemas.microsoft.com/office/drawing/2014/main" id="{D97A947C-A043-6279-CEB8-04A010CF7165}"/>
-              </a:ext>
-            </a:extLst>
-          </p:cNvPr>
-          <p:cNvSpPr>
-            <a:spLocks noGrp="1"/>
-          </p:cNvSpPr>
-          <p:nvPr>
-            <p:ph idx="1"/>
-          </p:nvPr>
-        </p:nvSpPr>
-        <p:spPr/>
-        <p:txBody>
-          <a:bodyPr/>
-          <a:lstStyle/>
-          <a:p>
-            <a:r>
-              <a:rPr lang="en-US" u="sng" dirty="0"/>
-              <a:t>Transport Layer </a:t>
-            </a:r>
-            <a:r>
-              <a:rPr lang="en-US" dirty="0"/>
-              <a:t>– Connection establishment and security, “the how”</a:t>
-            </a:r>
-          </a:p>
-          <a:p>
-            <a:pPr lvl="1"/>
-            <a:r>
-              <a:rPr lang="en-US" dirty="0" err="1"/>
-              <a:t>Stdio</a:t>
-            </a:r>
-            <a:r>
-              <a:rPr lang="en-US" dirty="0"/>
-              <a:t> transport: Local</a:t>
-            </a:r>
-          </a:p>
-          <a:p>
-            <a:pPr lvl="1"/>
-            <a:r>
-              <a:rPr lang="en-US" dirty="0"/>
-              <a:t>Http: POST with standard authorization</a:t>
-            </a:r>
-          </a:p>
-        </p:txBody>
-      </p:sp>
-      <p:sp>
-        <p:nvSpPr>
-          <p:cNvPr id="4" name="Slide Number Placeholder 3">
-            <a:extLst>
-              <a:ext uri="{FF2B5EF4-FFF2-40B4-BE49-F238E27FC236}">
-                <a16:creationId xmlns:a16="http://schemas.microsoft.com/office/drawing/2014/main" id="{70258B25-0862-4203-C525-32DFA48CB43A}"/>
-              </a:ext>
-            </a:extLst>
-          </p:cNvPr>
-          <p:cNvSpPr>
-            <a:spLocks noGrp="1"/>
-          </p:cNvSpPr>
-          <p:nvPr>
-            <p:ph type="sldNum" sz="quarter" idx="12"/>
-          </p:nvPr>
-        </p:nvSpPr>
-        <p:spPr/>
-        <p:txBody>
-          <a:bodyPr/>
-          <a:lstStyle/>
-          <a:p>
-            <a:fld id="{FCABE2F1-B51E-8B48-B9C1-957239623D4B}" type="slidenum">
-              <a:rPr lang="en-US" smtClean="0"/>
-              <a:pPr/>
-              <a:t>24</a:t>
-            </a:fld>
-            <a:endParaRPr lang="en-US" dirty="0"/>
-          </a:p>
-        </p:txBody>
-      </p:sp>
-    </p:spTree>
-    <p:extLst>
-      <p:ext uri="{BB962C8B-B14F-4D97-AF65-F5344CB8AC3E}">
-        <p14:creationId xmlns:p14="http://schemas.microsoft.com/office/powerpoint/2010/main" val="2519340703"/>
+        <p14:creationId xmlns:p14="http://schemas.microsoft.com/office/powerpoint/2010/main" val="88852162"/>
       </p:ext>
     </p:extLst>
   </p:cSld>
@@ -19631,7 +21328,7 @@
           <p:cNvPr id="2" name="Title 1">
             <a:extLst>
               <a:ext uri="{FF2B5EF4-FFF2-40B4-BE49-F238E27FC236}">
-                <a16:creationId xmlns:a16="http://schemas.microsoft.com/office/drawing/2014/main" id="{B10DAF38-4CE9-C4F4-8F4C-E0E0901C331A}"/>
+                <a16:creationId xmlns:a16="http://schemas.microsoft.com/office/drawing/2014/main" id="{7488A6CF-88A2-FE1B-1B52-52E2F0B05C93}"/>
               </a:ext>
             </a:extLst>
           </p:cNvPr>
@@ -19649,17 +21346,17 @@
           <a:p>
             <a:r>
               <a:rPr lang="en-US" dirty="0"/>
-              <a:t>Code Demo</a:t>
-            </a:r>
-          </a:p>
-        </p:txBody>
-      </p:sp>
-      <p:sp>
-        <p:nvSpPr>
-          <p:cNvPr id="3" name="Text Placeholder 2">
+              <a:t>MCP Server Architecture</a:t>
+            </a:r>
+          </a:p>
+        </p:txBody>
+      </p:sp>
+      <p:sp>
+        <p:nvSpPr>
+          <p:cNvPr id="3" name="Content Placeholder 2">
             <a:extLst>
               <a:ext uri="{FF2B5EF4-FFF2-40B4-BE49-F238E27FC236}">
-                <a16:creationId xmlns:a16="http://schemas.microsoft.com/office/drawing/2014/main" id="{D39F6C3E-ABB4-FD0E-8997-22D939DAFA18}"/>
+                <a16:creationId xmlns:a16="http://schemas.microsoft.com/office/drawing/2014/main" id="{AC2CCAD6-C602-924F-109F-409AD72CFF8C}"/>
               </a:ext>
             </a:extLst>
           </p:cNvPr>
@@ -19667,7 +21364,7 @@
             <a:spLocks noGrp="1"/>
           </p:cNvSpPr>
           <p:nvPr>
-            <p:ph type="body" idx="1"/>
+            <p:ph sz="half" idx="1"/>
           </p:nvPr>
         </p:nvSpPr>
         <p:spPr/>
@@ -19675,16 +21372,54 @@
           <a:bodyPr/>
           <a:lstStyle/>
           <a:p>
-            <a:endParaRPr lang="en-US"/>
-          </a:p>
-        </p:txBody>
-      </p:sp>
-      <p:sp>
-        <p:nvSpPr>
-          <p:cNvPr id="4" name="Slide Number Placeholder 3">
+            <a:r>
+              <a:rPr lang="en-US" dirty="0"/>
+              <a:t>Separation of concerns</a:t>
+            </a:r>
+          </a:p>
+          <a:p>
+            <a:r>
+              <a:rPr lang="en-US" dirty="0"/>
+              <a:t>Single responsibility</a:t>
+            </a:r>
+          </a:p>
+        </p:txBody>
+      </p:sp>
+      <p:pic>
+        <p:nvPicPr>
+          <p:cNvPr id="7" name="Content Placeholder 6">
             <a:extLst>
               <a:ext uri="{FF2B5EF4-FFF2-40B4-BE49-F238E27FC236}">
-                <a16:creationId xmlns:a16="http://schemas.microsoft.com/office/drawing/2014/main" id="{FCCE1753-0A8F-0566-C43D-D84E7D819DBA}"/>
+                <a16:creationId xmlns:a16="http://schemas.microsoft.com/office/drawing/2014/main" id="{8BA7A00B-A398-75CE-91B1-086E4219A707}"/>
+              </a:ext>
+            </a:extLst>
+          </p:cNvPr>
+          <p:cNvPicPr>
+            <a:picLocks noGrp="1" noChangeAspect="1"/>
+          </p:cNvPicPr>
+          <p:nvPr>
+            <p:ph sz="half" idx="2"/>
+          </p:nvPr>
+        </p:nvPicPr>
+        <p:blipFill>
+          <a:blip r:embed="rId3"/>
+          <a:stretch>
+            <a:fillRect/>
+          </a:stretch>
+        </p:blipFill>
+        <p:spPr>
+          <a:xfrm>
+            <a:off x="6131719" y="2143125"/>
+            <a:ext cx="3441700" cy="4025900"/>
+          </a:xfrm>
+        </p:spPr>
+      </p:pic>
+      <p:sp>
+        <p:nvSpPr>
+          <p:cNvPr id="5" name="Slide Number Placeholder 4">
+            <a:extLst>
+              <a:ext uri="{FF2B5EF4-FFF2-40B4-BE49-F238E27FC236}">
+                <a16:creationId xmlns:a16="http://schemas.microsoft.com/office/drawing/2014/main" id="{187EC7F6-9489-726E-167F-E6DECAC191FE}"/>
               </a:ext>
             </a:extLst>
           </p:cNvPr>
@@ -19711,7 +21446,7 @@
     </p:spTree>
     <p:extLst>
       <p:ext uri="{BB962C8B-B14F-4D97-AF65-F5344CB8AC3E}">
-        <p14:creationId xmlns:p14="http://schemas.microsoft.com/office/powerpoint/2010/main" val="2319900314"/>
+        <p14:creationId xmlns:p14="http://schemas.microsoft.com/office/powerpoint/2010/main" val="807040830"/>
       </p:ext>
     </p:extLst>
   </p:cSld>
@@ -19722,17 +21457,11 @@
 </file>
 
 <file path=ppt/slides/slide26.xml><?xml version="1.0" encoding="utf-8"?>
-<p:sld xmlns:a="http://schemas.openxmlformats.org/drawingml/2006/main" xmlns:r="http://schemas.openxmlformats.org/officeDocument/2006/relationships" xmlns:p="http://schemas.openxmlformats.org/presentationml/2006/main">
+<p:sld xmlns:a="http://schemas.openxmlformats.org/drawingml/2006/main" xmlns:r="http://schemas.openxmlformats.org/officeDocument/2006/relationships" xmlns:p="http://schemas.openxmlformats.org/presentationml/2006/main" show="0">
   <p:cSld>
     <p:spTree>
       <p:nvGrpSpPr>
-        <p:cNvPr id="1" name="">
-          <a:extLst>
-            <a:ext uri="{FF2B5EF4-FFF2-40B4-BE49-F238E27FC236}">
-              <a16:creationId xmlns:a16="http://schemas.microsoft.com/office/drawing/2014/main" id="{43431B3C-57FE-55B2-7CB5-609733C51409}"/>
-            </a:ext>
-          </a:extLst>
-        </p:cNvPr>
+        <p:cNvPr id="1" name=""/>
         <p:cNvGrpSpPr/>
         <p:nvPr/>
       </p:nvGrpSpPr>
@@ -19749,7 +21478,7 @@
           <p:cNvPr id="2" name="Title 1">
             <a:extLst>
               <a:ext uri="{FF2B5EF4-FFF2-40B4-BE49-F238E27FC236}">
-                <a16:creationId xmlns:a16="http://schemas.microsoft.com/office/drawing/2014/main" id="{95DDB673-301B-EE38-1CBA-B90F1EA69FC4}"/>
+                <a16:creationId xmlns:a16="http://schemas.microsoft.com/office/drawing/2014/main" id="{70A6E7B8-228A-9AD9-81DD-555C59118925}"/>
               </a:ext>
             </a:extLst>
           </p:cNvPr>
@@ -19767,48 +21496,51 @@
           <a:p>
             <a:r>
               <a:rPr lang="en-US" dirty="0"/>
-              <a:t>MCP Execution Steps</a:t>
-            </a:r>
-          </a:p>
-        </p:txBody>
-      </p:sp>
-      <p:graphicFrame>
-        <p:nvGraphicFramePr>
-          <p:cNvPr id="5" name="Content Placeholder 4">
+              <a:t>Aside: RAG vs. MCP</a:t>
+            </a:r>
+          </a:p>
+        </p:txBody>
+      </p:sp>
+      <p:sp>
+        <p:nvSpPr>
+          <p:cNvPr id="3" name="Content Placeholder 2">
             <a:extLst>
               <a:ext uri="{FF2B5EF4-FFF2-40B4-BE49-F238E27FC236}">
-                <a16:creationId xmlns:a16="http://schemas.microsoft.com/office/drawing/2014/main" id="{971A5B47-DC98-7BBB-ACA8-B2E32658ACF8}"/>
+                <a16:creationId xmlns:a16="http://schemas.microsoft.com/office/drawing/2014/main" id="{9CA3A70B-4452-1056-D57B-08DB1247ECD5}"/>
               </a:ext>
             </a:extLst>
           </p:cNvPr>
-          <p:cNvGraphicFramePr>
-            <a:graphicFrameLocks noGrp="1"/>
-          </p:cNvGraphicFramePr>
+          <p:cNvSpPr>
+            <a:spLocks noGrp="1"/>
+          </p:cNvSpPr>
           <p:nvPr>
             <p:ph idx="1"/>
-            <p:extLst>
-              <p:ext uri="{D42A27DB-BD31-4B8C-83A1-F6EECF244321}">
-                <p14:modId xmlns:p14="http://schemas.microsoft.com/office/powerpoint/2010/main" val="1415944764"/>
-              </p:ext>
-            </p:extLst>
-          </p:nvPr>
-        </p:nvGraphicFramePr>
-        <p:xfrm>
-          <a:off x="1103313" y="2052638"/>
-          <a:ext cx="8947150" cy="4195762"/>
-        </p:xfrm>
-        <a:graphic>
-          <a:graphicData uri="http://schemas.openxmlformats.org/drawingml/2006/diagram">
-            <dgm:relIds xmlns:dgm="http://schemas.openxmlformats.org/drawingml/2006/diagram" xmlns:r="http://schemas.openxmlformats.org/officeDocument/2006/relationships" r:dm="rId2" r:lo="rId3" r:qs="rId4" r:cs="rId5"/>
-          </a:graphicData>
-        </a:graphic>
-      </p:graphicFrame>
+          </p:nvPr>
+        </p:nvSpPr>
+        <p:spPr/>
+        <p:txBody>
+          <a:bodyPr/>
+          <a:lstStyle/>
+          <a:p>
+            <a:r>
+              <a:rPr lang="en-US" dirty="0"/>
+              <a:t>Enhancement vs. Protocol</a:t>
+            </a:r>
+          </a:p>
+          <a:p>
+            <a:r>
+              <a:rPr lang="en-US" dirty="0"/>
+              <a:t>Neighbors in different industries</a:t>
+            </a:r>
+          </a:p>
+        </p:txBody>
+      </p:sp>
       <p:sp>
         <p:nvSpPr>
           <p:cNvPr id="4" name="Slide Number Placeholder 3">
             <a:extLst>
               <a:ext uri="{FF2B5EF4-FFF2-40B4-BE49-F238E27FC236}">
-                <a16:creationId xmlns:a16="http://schemas.microsoft.com/office/drawing/2014/main" id="{DBBC97C3-3392-9778-B473-27B5DC796CCA}"/>
+                <a16:creationId xmlns:a16="http://schemas.microsoft.com/office/drawing/2014/main" id="{1D7B7769-39E3-A07C-84F9-0867A8C5A4B1}"/>
               </a:ext>
             </a:extLst>
           </p:cNvPr>
@@ -19836,7 +21568,7 @@
     </p:spTree>
     <p:extLst>
       <p:ext uri="{BB962C8B-B14F-4D97-AF65-F5344CB8AC3E}">
-        <p14:creationId xmlns:p14="http://schemas.microsoft.com/office/powerpoint/2010/main" val="2346981348"/>
+        <p14:creationId xmlns:p14="http://schemas.microsoft.com/office/powerpoint/2010/main" val="3697074740"/>
       </p:ext>
     </p:extLst>
   </p:cSld>
@@ -19868,7 +21600,7 @@
           <p:cNvPr id="2" name="Title 1">
             <a:extLst>
               <a:ext uri="{FF2B5EF4-FFF2-40B4-BE49-F238E27FC236}">
-                <a16:creationId xmlns:a16="http://schemas.microsoft.com/office/drawing/2014/main" id="{C23D9F59-3222-4597-98F2-D55FEB984361}"/>
+                <a16:creationId xmlns:a16="http://schemas.microsoft.com/office/drawing/2014/main" id="{7B947956-8787-6A09-EE6D-F4CDE3CA6C18}"/>
               </a:ext>
             </a:extLst>
           </p:cNvPr>
@@ -19886,7 +21618,7 @@
           <a:p>
             <a:r>
               <a:rPr lang="en-US" dirty="0"/>
-              <a:t>Step 4 Zoom-In: Tools &amp; Resources</a:t>
+              <a:t>MCP Layers: Data Layer</a:t>
             </a:r>
           </a:p>
         </p:txBody>
@@ -19896,7 +21628,7 @@
           <p:cNvPr id="3" name="Content Placeholder 2">
             <a:extLst>
               <a:ext uri="{FF2B5EF4-FFF2-40B4-BE49-F238E27FC236}">
-                <a16:creationId xmlns:a16="http://schemas.microsoft.com/office/drawing/2014/main" id="{9177B0F1-BE16-0837-336B-4B899B8DE189}"/>
+                <a16:creationId xmlns:a16="http://schemas.microsoft.com/office/drawing/2014/main" id="{375EAFC0-1877-04DA-5DB5-B81239D68897}"/>
               </a:ext>
             </a:extLst>
           </p:cNvPr>
@@ -19909,48 +21641,17 @@
         </p:nvSpPr>
         <p:spPr/>
         <p:txBody>
-          <a:bodyPr>
-            <a:normAutofit/>
-          </a:bodyPr>
+          <a:bodyPr/>
           <a:lstStyle/>
           <a:p>
             <a:r>
-              <a:rPr lang="en-US" dirty="0"/>
-              <a:t>Tools / Resources defined as follows:</a:t>
-            </a:r>
-          </a:p>
-          <a:p>
-            <a:pPr lvl="1"/>
-            <a:r>
-              <a:rPr lang="en-US" dirty="0"/>
-              <a:t>Name: Primary key for execution</a:t>
-            </a:r>
-          </a:p>
-          <a:p>
-            <a:pPr lvl="1"/>
-            <a:r>
-              <a:rPr lang="en-US" dirty="0"/>
-              <a:t>Title: Human-readable</a:t>
-            </a:r>
-          </a:p>
-          <a:p>
-            <a:pPr lvl="1"/>
-            <a:r>
-              <a:rPr lang="en-US" dirty="0"/>
-              <a:t>Description: Primarily used to determine usefulness</a:t>
-            </a:r>
-          </a:p>
-          <a:p>
-            <a:pPr lvl="1"/>
-            <a:r>
-              <a:rPr lang="en-US" dirty="0"/>
-              <a:t>(Tools only): Input and output </a:t>
-            </a:r>
-            <a:r>
-              <a:rPr lang="en-US" dirty="0" err="1"/>
-              <a:t>specificaiton</a:t>
-            </a:r>
-            <a:endParaRPr lang="en-US" dirty="0"/>
+              <a:rPr lang="en-US" u="sng" dirty="0"/>
+              <a:t>Data Layer Protocol</a:t>
+            </a:r>
+            <a:r>
+              <a:rPr lang="en-US" dirty="0"/>
+              <a:t> – Message structure and semantics between client and server</a:t>
+            </a:r>
           </a:p>
         </p:txBody>
       </p:sp>
@@ -19959,7 +21660,7 @@
           <p:cNvPr id="4" name="Slide Number Placeholder 3">
             <a:extLst>
               <a:ext uri="{FF2B5EF4-FFF2-40B4-BE49-F238E27FC236}">
-                <a16:creationId xmlns:a16="http://schemas.microsoft.com/office/drawing/2014/main" id="{F046160D-392B-5E12-ECD7-B00760D1B70B}"/>
+                <a16:creationId xmlns:a16="http://schemas.microsoft.com/office/drawing/2014/main" id="{23D75CA0-80B0-B91F-D59E-C6B5E405876A}"/>
               </a:ext>
             </a:extLst>
           </p:cNvPr>
@@ -19987,7 +21688,7 @@
     </p:spTree>
     <p:extLst>
       <p:ext uri="{BB962C8B-B14F-4D97-AF65-F5344CB8AC3E}">
-        <p14:creationId xmlns:p14="http://schemas.microsoft.com/office/powerpoint/2010/main" val="4062775239"/>
+        <p14:creationId xmlns:p14="http://schemas.microsoft.com/office/powerpoint/2010/main" val="340475259"/>
       </p:ext>
     </p:extLst>
   </p:cSld>
@@ -20019,7 +21720,7 @@
           <p:cNvPr id="2" name="Title 1">
             <a:extLst>
               <a:ext uri="{FF2B5EF4-FFF2-40B4-BE49-F238E27FC236}">
-                <a16:creationId xmlns:a16="http://schemas.microsoft.com/office/drawing/2014/main" id="{FAA2771A-F86A-75D3-1F7F-A239BDD97716}"/>
+                <a16:creationId xmlns:a16="http://schemas.microsoft.com/office/drawing/2014/main" id="{DE7FFD86-3D10-BB3B-A9FF-087AE0D5A0F2}"/>
               </a:ext>
             </a:extLst>
           </p:cNvPr>
@@ -20037,51 +21738,48 @@
           <a:p>
             <a:r>
               <a:rPr lang="en-US" dirty="0"/>
-              <a:t>Aside: Agent vs. Workflow</a:t>
-            </a:r>
-          </a:p>
-        </p:txBody>
-      </p:sp>
-      <p:sp>
-        <p:nvSpPr>
-          <p:cNvPr id="3" name="Content Placeholder 2">
+              <a:t>MCP Data Layer Reference</a:t>
+            </a:r>
+          </a:p>
+        </p:txBody>
+      </p:sp>
+      <p:graphicFrame>
+        <p:nvGraphicFramePr>
+          <p:cNvPr id="5" name="Content Placeholder 4">
             <a:extLst>
               <a:ext uri="{FF2B5EF4-FFF2-40B4-BE49-F238E27FC236}">
-                <a16:creationId xmlns:a16="http://schemas.microsoft.com/office/drawing/2014/main" id="{BCC711CD-E212-8AF9-DB4D-8423BC0939EC}"/>
+                <a16:creationId xmlns:a16="http://schemas.microsoft.com/office/drawing/2014/main" id="{A4C4C509-A098-AC9F-E2D0-4BF5FF249A50}"/>
               </a:ext>
             </a:extLst>
           </p:cNvPr>
-          <p:cNvSpPr>
-            <a:spLocks noGrp="1"/>
-          </p:cNvSpPr>
+          <p:cNvGraphicFramePr>
+            <a:graphicFrameLocks noGrp="1"/>
+          </p:cNvGraphicFramePr>
           <p:nvPr>
             <p:ph idx="1"/>
-          </p:nvPr>
-        </p:nvSpPr>
-        <p:spPr/>
-        <p:txBody>
-          <a:bodyPr/>
-          <a:lstStyle/>
-          <a:p>
-            <a:r>
-              <a:rPr lang="en-US" dirty="0"/>
-              <a:t>Workflow - Deterministic, pre-defined</a:t>
-            </a:r>
-          </a:p>
-          <a:p>
-            <a:r>
-              <a:rPr lang="en-US" dirty="0"/>
-              <a:t>Agent – Non-deterministic, LLM as a black box</a:t>
-            </a:r>
-          </a:p>
-        </p:txBody>
-      </p:sp>
+            <p:extLst>
+              <p:ext uri="{D42A27DB-BD31-4B8C-83A1-F6EECF244321}">
+                <p14:modId xmlns:p14="http://schemas.microsoft.com/office/powerpoint/2010/main" val="3016534063"/>
+              </p:ext>
+            </p:extLst>
+          </p:nvPr>
+        </p:nvGraphicFramePr>
+        <p:xfrm>
+          <a:off x="1103313" y="2052638"/>
+          <a:ext cx="8947150" cy="4195762"/>
+        </p:xfrm>
+        <a:graphic>
+          <a:graphicData uri="http://schemas.openxmlformats.org/drawingml/2006/diagram">
+            <dgm:relIds xmlns:dgm="http://schemas.openxmlformats.org/drawingml/2006/diagram" xmlns:r="http://schemas.openxmlformats.org/officeDocument/2006/relationships" r:dm="rId3" r:lo="rId4" r:qs="rId5" r:cs="rId6"/>
+          </a:graphicData>
+        </a:graphic>
+      </p:graphicFrame>
       <p:sp>
         <p:nvSpPr>
           <p:cNvPr id="4" name="Slide Number Placeholder 3">
             <a:extLst>
               <a:ext uri="{FF2B5EF4-FFF2-40B4-BE49-F238E27FC236}">
-                <a16:creationId xmlns:a16="http://schemas.microsoft.com/office/drawing/2014/main" id="{ED77521F-BA88-C2CB-09C8-DA6A5327CFA0}"/>
+                <a16:creationId xmlns:a16="http://schemas.microsoft.com/office/drawing/2014/main" id="{B09F5355-91F5-BC13-0308-A888A5395FF1}"/>
               </a:ext>
             </a:extLst>
           </p:cNvPr>
@@ -20109,7 +21807,7 @@
     </p:spTree>
     <p:extLst>
       <p:ext uri="{BB962C8B-B14F-4D97-AF65-F5344CB8AC3E}">
-        <p14:creationId xmlns:p14="http://schemas.microsoft.com/office/powerpoint/2010/main" val="3749349831"/>
+        <p14:creationId xmlns:p14="http://schemas.microsoft.com/office/powerpoint/2010/main" val="4271904628"/>
       </p:ext>
     </p:extLst>
   </p:cSld>
@@ -20124,7 +21822,13 @@
   <p:cSld>
     <p:spTree>
       <p:nvGrpSpPr>
-        <p:cNvPr id="1" name=""/>
+        <p:cNvPr id="1" name="">
+          <a:extLst>
+            <a:ext uri="{FF2B5EF4-FFF2-40B4-BE49-F238E27FC236}">
+              <a16:creationId xmlns:a16="http://schemas.microsoft.com/office/drawing/2014/main" id="{B86D13FF-D4D0-2A4C-A743-6B4FA2524AE4}"/>
+            </a:ext>
+          </a:extLst>
+        </p:cNvPr>
         <p:cNvGrpSpPr/>
         <p:nvPr/>
       </p:nvGrpSpPr>
@@ -20141,7 +21845,7 @@
           <p:cNvPr id="2" name="Title 1">
             <a:extLst>
               <a:ext uri="{FF2B5EF4-FFF2-40B4-BE49-F238E27FC236}">
-                <a16:creationId xmlns:a16="http://schemas.microsoft.com/office/drawing/2014/main" id="{88A419CA-3DE8-9011-80F6-BCEE8FEE1503}"/>
+                <a16:creationId xmlns:a16="http://schemas.microsoft.com/office/drawing/2014/main" id="{7F30C1E2-EB87-A348-2461-ECA8B8E4BF2D}"/>
               </a:ext>
             </a:extLst>
           </p:cNvPr>
@@ -20159,17 +21863,17 @@
           <a:p>
             <a:r>
               <a:rPr lang="en-US" dirty="0"/>
-              <a:t>Demo</a:t>
-            </a:r>
-          </a:p>
-        </p:txBody>
-      </p:sp>
-      <p:sp>
-        <p:nvSpPr>
-          <p:cNvPr id="3" name="Text Placeholder 2">
+              <a:t>MCP Layers: Transport Layer</a:t>
+            </a:r>
+          </a:p>
+        </p:txBody>
+      </p:sp>
+      <p:sp>
+        <p:nvSpPr>
+          <p:cNvPr id="3" name="Content Placeholder 2">
             <a:extLst>
               <a:ext uri="{FF2B5EF4-FFF2-40B4-BE49-F238E27FC236}">
-                <a16:creationId xmlns:a16="http://schemas.microsoft.com/office/drawing/2014/main" id="{2AEF60D4-2519-42F5-8A2A-D6A114476EB8}"/>
+                <a16:creationId xmlns:a16="http://schemas.microsoft.com/office/drawing/2014/main" id="{D97A947C-A043-6279-CEB8-04A010CF7165}"/>
               </a:ext>
             </a:extLst>
           </p:cNvPr>
@@ -20177,7 +21881,7 @@
             <a:spLocks noGrp="1"/>
           </p:cNvSpPr>
           <p:nvPr>
-            <p:ph type="body" idx="1"/>
+            <p:ph idx="1"/>
           </p:nvPr>
         </p:nvSpPr>
         <p:spPr/>
@@ -20185,7 +21889,32 @@
           <a:bodyPr/>
           <a:lstStyle/>
           <a:p>
-            <a:endParaRPr lang="en-US"/>
+            <a:r>
+              <a:rPr lang="en-US" u="sng" dirty="0"/>
+              <a:t>Transport Layer </a:t>
+            </a:r>
+            <a:r>
+              <a:rPr lang="en-US" dirty="0"/>
+              <a:t>– Connection establishment and security, “the how”</a:t>
+            </a:r>
+          </a:p>
+          <a:p>
+            <a:pPr lvl="1"/>
+            <a:r>
+              <a:rPr lang="en-US" dirty="0" err="1"/>
+              <a:t>Stdio</a:t>
+            </a:r>
+            <a:r>
+              <a:rPr lang="en-US" dirty="0"/>
+              <a:t> transport: Local</a:t>
+            </a:r>
+          </a:p>
+          <a:p>
+            <a:pPr lvl="1"/>
+            <a:r>
+              <a:rPr lang="en-US" dirty="0"/>
+              <a:t>Http: POST with standard authorization</a:t>
+            </a:r>
           </a:p>
         </p:txBody>
       </p:sp>
@@ -20194,7 +21923,7 @@
           <p:cNvPr id="4" name="Slide Number Placeholder 3">
             <a:extLst>
               <a:ext uri="{FF2B5EF4-FFF2-40B4-BE49-F238E27FC236}">
-                <a16:creationId xmlns:a16="http://schemas.microsoft.com/office/drawing/2014/main" id="{4F21F863-1BBC-7061-FF32-25FDF35F84BB}"/>
+                <a16:creationId xmlns:a16="http://schemas.microsoft.com/office/drawing/2014/main" id="{70258B25-0862-4203-C525-32DFA48CB43A}"/>
               </a:ext>
             </a:extLst>
           </p:cNvPr>
@@ -20212,16 +21941,17 @@
           <a:p>
             <a:fld id="{FCABE2F1-B51E-8B48-B9C1-957239623D4B}" type="slidenum">
               <a:rPr lang="en-US" smtClean="0"/>
+              <a:pPr/>
               <a:t>29</a:t>
             </a:fld>
-            <a:endParaRPr lang="en-US"/>
+            <a:endParaRPr lang="en-US" dirty="0"/>
           </a:p>
         </p:txBody>
       </p:sp>
     </p:spTree>
     <p:extLst>
       <p:ext uri="{BB962C8B-B14F-4D97-AF65-F5344CB8AC3E}">
-        <p14:creationId xmlns:p14="http://schemas.microsoft.com/office/powerpoint/2010/main" val="100685763"/>
+        <p14:creationId xmlns:p14="http://schemas.microsoft.com/office/powerpoint/2010/main" val="2519340703"/>
       </p:ext>
     </p:extLst>
   </p:cSld>
@@ -20253,7 +21983,7 @@
           <p:cNvPr id="2" name="Title 1">
             <a:extLst>
               <a:ext uri="{FF2B5EF4-FFF2-40B4-BE49-F238E27FC236}">
-                <a16:creationId xmlns:a16="http://schemas.microsoft.com/office/drawing/2014/main" id="{D021318B-667D-756A-470B-E2A35341A30F}"/>
+                <a16:creationId xmlns:a16="http://schemas.microsoft.com/office/drawing/2014/main" id="{79A8A262-8F6D-3DC3-559E-6F612720FB48}"/>
               </a:ext>
             </a:extLst>
           </p:cNvPr>
@@ -20271,7 +22001,7 @@
           <a:p>
             <a:r>
               <a:rPr lang="en-US" dirty="0"/>
-              <a:t>Caveats</a:t>
+              <a:t>Goals</a:t>
             </a:r>
           </a:p>
         </p:txBody>
@@ -20281,7 +22011,7 @@
           <p:cNvPr id="3" name="Content Placeholder 2">
             <a:extLst>
               <a:ext uri="{FF2B5EF4-FFF2-40B4-BE49-F238E27FC236}">
-                <a16:creationId xmlns:a16="http://schemas.microsoft.com/office/drawing/2014/main" id="{4011D9E3-4CD5-D77F-2403-BE88B4F923DB}"/>
+                <a16:creationId xmlns:a16="http://schemas.microsoft.com/office/drawing/2014/main" id="{F91FB761-9737-0C3E-6AB0-85F01D8AA281}"/>
               </a:ext>
             </a:extLst>
           </p:cNvPr>
@@ -20294,27 +22024,25 @@
         </p:nvSpPr>
         <p:spPr/>
         <p:txBody>
-          <a:bodyPr>
-            <a:normAutofit/>
-          </a:bodyPr>
+          <a:bodyPr/>
           <a:lstStyle/>
           <a:p>
             <a:r>
               <a:rPr lang="en-US" dirty="0"/>
-              <a:t>LLM Specific</a:t>
-            </a:r>
-          </a:p>
-          <a:p>
-            <a:r>
-              <a:rPr lang="en-US" dirty="0"/>
-              <a:t>Released in November 2024</a:t>
-            </a:r>
-          </a:p>
-          <a:p>
-            <a:pPr marL="0" indent="0">
-              <a:buNone/>
-            </a:pPr>
-            <a:endParaRPr lang="en-US" dirty="0"/>
+              <a:t>Define MCP</a:t>
+            </a:r>
+          </a:p>
+          <a:p>
+            <a:r>
+              <a:rPr lang="en-US" dirty="0"/>
+              <a:t>MCP Components</a:t>
+            </a:r>
+          </a:p>
+          <a:p>
+            <a:r>
+              <a:rPr lang="en-US" dirty="0"/>
+              <a:t>How it works</a:t>
+            </a:r>
           </a:p>
         </p:txBody>
       </p:sp>
@@ -20323,7 +22051,7 @@
           <p:cNvPr id="4" name="Slide Number Placeholder 3">
             <a:extLst>
               <a:ext uri="{FF2B5EF4-FFF2-40B4-BE49-F238E27FC236}">
-                <a16:creationId xmlns:a16="http://schemas.microsoft.com/office/drawing/2014/main" id="{75E14FD8-0B95-29E4-91A0-F160A1154FAB}"/>
+                <a16:creationId xmlns:a16="http://schemas.microsoft.com/office/drawing/2014/main" id="{9F75B499-66D8-0475-6FC0-0BE81CD946B9}"/>
               </a:ext>
             </a:extLst>
           </p:cNvPr>
@@ -20341,16 +22069,17 @@
           <a:p>
             <a:fld id="{FCABE2F1-B51E-8B48-B9C1-957239623D4B}" type="slidenum">
               <a:rPr lang="en-US" smtClean="0"/>
+              <a:pPr/>
               <a:t>3</a:t>
             </a:fld>
-            <a:endParaRPr lang="en-US"/>
+            <a:endParaRPr lang="en-US" dirty="0"/>
           </a:p>
         </p:txBody>
       </p:sp>
     </p:spTree>
     <p:extLst>
       <p:ext uri="{BB962C8B-B14F-4D97-AF65-F5344CB8AC3E}">
-        <p14:creationId xmlns:p14="http://schemas.microsoft.com/office/powerpoint/2010/main" val="2893213864"/>
+        <p14:creationId xmlns:p14="http://schemas.microsoft.com/office/powerpoint/2010/main" val="82709792"/>
       </p:ext>
     </p:extLst>
   </p:cSld>
@@ -20382,7 +22111,7 @@
           <p:cNvPr id="2" name="Title 1">
             <a:extLst>
               <a:ext uri="{FF2B5EF4-FFF2-40B4-BE49-F238E27FC236}">
-                <a16:creationId xmlns:a16="http://schemas.microsoft.com/office/drawing/2014/main" id="{30C537E2-6613-A1ED-630E-011B91E963DC}"/>
+                <a16:creationId xmlns:a16="http://schemas.microsoft.com/office/drawing/2014/main" id="{B10DAF38-4CE9-C4F4-8F4C-E0E0901C331A}"/>
               </a:ext>
             </a:extLst>
           </p:cNvPr>
@@ -20400,17 +22129,17 @@
           <a:p>
             <a:r>
               <a:rPr lang="en-US" dirty="0"/>
-              <a:t>Recap</a:t>
-            </a:r>
-          </a:p>
-        </p:txBody>
-      </p:sp>
-      <p:sp>
-        <p:nvSpPr>
-          <p:cNvPr id="3" name="Content Placeholder 2">
+              <a:t>Code Demo</a:t>
+            </a:r>
+          </a:p>
+        </p:txBody>
+      </p:sp>
+      <p:sp>
+        <p:nvSpPr>
+          <p:cNvPr id="3" name="Text Placeholder 2">
             <a:extLst>
               <a:ext uri="{FF2B5EF4-FFF2-40B4-BE49-F238E27FC236}">
-                <a16:creationId xmlns:a16="http://schemas.microsoft.com/office/drawing/2014/main" id="{4DCC1CBA-4B30-EB1F-EDF8-6C9680744391}"/>
+                <a16:creationId xmlns:a16="http://schemas.microsoft.com/office/drawing/2014/main" id="{D39F6C3E-ABB4-FD0E-8997-22D939DAFA18}"/>
               </a:ext>
             </a:extLst>
           </p:cNvPr>
@@ -20418,47 +22147,15 @@
             <a:spLocks noGrp="1"/>
           </p:cNvSpPr>
           <p:nvPr>
-            <p:ph idx="1"/>
-          </p:nvPr>
-        </p:nvSpPr>
-        <p:spPr/>
-        <p:txBody>
-          <a:bodyPr>
-            <a:normAutofit fontScale="85000" lnSpcReduction="10000"/>
-          </a:bodyPr>
+            <p:ph type="body" idx="1"/>
+          </p:nvPr>
+        </p:nvSpPr>
+        <p:spPr/>
+        <p:txBody>
+          <a:bodyPr/>
           <a:lstStyle/>
           <a:p>
-            <a:r>
-              <a:rPr lang="en-US" dirty="0"/>
-              <a:t>MCP is a protocol that enables LLMs to access tools, resources and prompts</a:t>
-            </a:r>
-          </a:p>
-          <a:p>
-            <a:r>
-              <a:rPr lang="en-US" dirty="0"/>
-              <a:t>Agentic vs. workflow constructions</a:t>
-            </a:r>
-          </a:p>
-          <a:p>
-            <a:r>
-              <a:rPr lang="en-US" dirty="0"/>
-              <a:t>Standardization</a:t>
-            </a:r>
-          </a:p>
-          <a:p>
-            <a:r>
-              <a:rPr lang="en-US" dirty="0"/>
-              <a:t>Implementation: Server first</a:t>
-            </a:r>
-          </a:p>
-          <a:p>
-            <a:r>
-              <a:rPr lang="en-US" dirty="0"/>
-              <a:t>Client within application host</a:t>
-            </a:r>
-          </a:p>
-          <a:p>
-            <a:endParaRPr lang="en-US" dirty="0"/>
+            <a:endParaRPr lang="en-US"/>
           </a:p>
         </p:txBody>
       </p:sp>
@@ -20467,7 +22164,7 @@
           <p:cNvPr id="4" name="Slide Number Placeholder 3">
             <a:extLst>
               <a:ext uri="{FF2B5EF4-FFF2-40B4-BE49-F238E27FC236}">
-                <a16:creationId xmlns:a16="http://schemas.microsoft.com/office/drawing/2014/main" id="{63E4AB7C-97C5-B903-A278-7A3EFDFA7473}"/>
+                <a16:creationId xmlns:a16="http://schemas.microsoft.com/office/drawing/2014/main" id="{FCCE1753-0A8F-0566-C43D-D84E7D819DBA}"/>
               </a:ext>
             </a:extLst>
           </p:cNvPr>
@@ -20485,17 +22182,16 @@
           <a:p>
             <a:fld id="{FCABE2F1-B51E-8B48-B9C1-957239623D4B}" type="slidenum">
               <a:rPr lang="en-US" smtClean="0"/>
-              <a:pPr/>
               <a:t>30</a:t>
             </a:fld>
-            <a:endParaRPr lang="en-US" dirty="0"/>
+            <a:endParaRPr lang="en-US"/>
           </a:p>
         </p:txBody>
       </p:sp>
     </p:spTree>
     <p:extLst>
       <p:ext uri="{BB962C8B-B14F-4D97-AF65-F5344CB8AC3E}">
-        <p14:creationId xmlns:p14="http://schemas.microsoft.com/office/powerpoint/2010/main" val="1636703318"/>
+        <p14:creationId xmlns:p14="http://schemas.microsoft.com/office/powerpoint/2010/main" val="2319900314"/>
       </p:ext>
     </p:extLst>
   </p:cSld>
@@ -20510,7 +22206,13 @@
   <p:cSld>
     <p:spTree>
       <p:nvGrpSpPr>
-        <p:cNvPr id="1" name=""/>
+        <p:cNvPr id="1" name="">
+          <a:extLst>
+            <a:ext uri="{FF2B5EF4-FFF2-40B4-BE49-F238E27FC236}">
+              <a16:creationId xmlns:a16="http://schemas.microsoft.com/office/drawing/2014/main" id="{43431B3C-57FE-55B2-7CB5-609733C51409}"/>
+            </a:ext>
+          </a:extLst>
+        </p:cNvPr>
         <p:cNvGrpSpPr/>
         <p:nvPr/>
       </p:nvGrpSpPr>
@@ -20527,7 +22229,7 @@
           <p:cNvPr id="2" name="Title 1">
             <a:extLst>
               <a:ext uri="{FF2B5EF4-FFF2-40B4-BE49-F238E27FC236}">
-                <a16:creationId xmlns:a16="http://schemas.microsoft.com/office/drawing/2014/main" id="{25EB7EE1-D29E-E0EE-6EA1-E22BE16E9B35}"/>
+                <a16:creationId xmlns:a16="http://schemas.microsoft.com/office/drawing/2014/main" id="{95DDB673-301B-EE38-1CBA-B90F1EA69FC4}"/>
               </a:ext>
             </a:extLst>
           </p:cNvPr>
@@ -20545,69 +22247,48 @@
           <a:p>
             <a:r>
               <a:rPr lang="en-US" dirty="0"/>
-              <a:t>FAQ</a:t>
-            </a:r>
-          </a:p>
-        </p:txBody>
-      </p:sp>
-      <p:sp>
-        <p:nvSpPr>
-          <p:cNvPr id="3" name="Content Placeholder 2">
+              <a:t>MCP Execution Steps</a:t>
+            </a:r>
+          </a:p>
+        </p:txBody>
+      </p:sp>
+      <p:graphicFrame>
+        <p:nvGraphicFramePr>
+          <p:cNvPr id="5" name="Content Placeholder 4">
             <a:extLst>
               <a:ext uri="{FF2B5EF4-FFF2-40B4-BE49-F238E27FC236}">
-                <a16:creationId xmlns:a16="http://schemas.microsoft.com/office/drawing/2014/main" id="{668B7C4B-99DC-3BED-27EC-5A3A7CBF0D3E}"/>
+                <a16:creationId xmlns:a16="http://schemas.microsoft.com/office/drawing/2014/main" id="{971A5B47-DC98-7BBB-ACA8-B2E32658ACF8}"/>
               </a:ext>
             </a:extLst>
           </p:cNvPr>
-          <p:cNvSpPr>
-            <a:spLocks noGrp="1"/>
-          </p:cNvSpPr>
+          <p:cNvGraphicFramePr>
+            <a:graphicFrameLocks noGrp="1"/>
+          </p:cNvGraphicFramePr>
           <p:nvPr>
             <p:ph idx="1"/>
-          </p:nvPr>
-        </p:nvSpPr>
-        <p:spPr/>
-        <p:txBody>
-          <a:bodyPr>
-            <a:normAutofit/>
-          </a:bodyPr>
-          <a:lstStyle/>
-          <a:p>
-            <a:r>
-              <a:rPr lang="en-US" dirty="0"/>
-              <a:t>RAG vs. MCP: Location of “injection”</a:t>
-            </a:r>
-          </a:p>
-          <a:p>
-            <a:r>
-              <a:rPr lang="en-US" dirty="0"/>
-              <a:t>Necessary? No. Helpful? Yes</a:t>
-            </a:r>
-          </a:p>
-          <a:p>
-            <a:r>
-              <a:rPr lang="en-US" dirty="0"/>
-              <a:t>First move advantage</a:t>
-            </a:r>
-          </a:p>
-          <a:p>
-            <a:r>
-              <a:rPr lang="en-US" dirty="0" err="1"/>
-              <a:t>LangChain</a:t>
-            </a:r>
-            <a:r>
-              <a:rPr lang="en-US" dirty="0"/>
-              <a:t> vs. MCP: Application-side vs. Server-side</a:t>
-            </a:r>
-          </a:p>
-        </p:txBody>
-      </p:sp>
+            <p:extLst>
+              <p:ext uri="{D42A27DB-BD31-4B8C-83A1-F6EECF244321}">
+                <p14:modId xmlns:p14="http://schemas.microsoft.com/office/powerpoint/2010/main" val="1415944764"/>
+              </p:ext>
+            </p:extLst>
+          </p:nvPr>
+        </p:nvGraphicFramePr>
+        <p:xfrm>
+          <a:off x="1103313" y="2052638"/>
+          <a:ext cx="8947150" cy="4195762"/>
+        </p:xfrm>
+        <a:graphic>
+          <a:graphicData uri="http://schemas.openxmlformats.org/drawingml/2006/diagram">
+            <dgm:relIds xmlns:dgm="http://schemas.openxmlformats.org/drawingml/2006/diagram" xmlns:r="http://schemas.openxmlformats.org/officeDocument/2006/relationships" r:dm="rId2" r:lo="rId3" r:qs="rId4" r:cs="rId5"/>
+          </a:graphicData>
+        </a:graphic>
+      </p:graphicFrame>
       <p:sp>
         <p:nvSpPr>
           <p:cNvPr id="4" name="Slide Number Placeholder 3">
             <a:extLst>
               <a:ext uri="{FF2B5EF4-FFF2-40B4-BE49-F238E27FC236}">
-                <a16:creationId xmlns:a16="http://schemas.microsoft.com/office/drawing/2014/main" id="{A31D1771-83F6-18BB-01D3-26C0C09A8F3A}"/>
+                <a16:creationId xmlns:a16="http://schemas.microsoft.com/office/drawing/2014/main" id="{DBBC97C3-3392-9778-B473-27B5DC796CCA}"/>
               </a:ext>
             </a:extLst>
           </p:cNvPr>
@@ -20625,16 +22306,17 @@
           <a:p>
             <a:fld id="{FCABE2F1-B51E-8B48-B9C1-957239623D4B}" type="slidenum">
               <a:rPr lang="en-US" smtClean="0"/>
+              <a:pPr/>
               <a:t>31</a:t>
             </a:fld>
-            <a:endParaRPr lang="en-US"/>
+            <a:endParaRPr lang="en-US" dirty="0"/>
           </a:p>
         </p:txBody>
       </p:sp>
     </p:spTree>
     <p:extLst>
       <p:ext uri="{BB962C8B-B14F-4D97-AF65-F5344CB8AC3E}">
-        <p14:creationId xmlns:p14="http://schemas.microsoft.com/office/powerpoint/2010/main" val="1125975261"/>
+        <p14:creationId xmlns:p14="http://schemas.microsoft.com/office/powerpoint/2010/main" val="2346981348"/>
       </p:ext>
     </p:extLst>
   </p:cSld>
@@ -20666,7 +22348,7 @@
           <p:cNvPr id="2" name="Title 1">
             <a:extLst>
               <a:ext uri="{FF2B5EF4-FFF2-40B4-BE49-F238E27FC236}">
-                <a16:creationId xmlns:a16="http://schemas.microsoft.com/office/drawing/2014/main" id="{662C5395-ACC7-ACFC-B2DD-6BE8F8718573}"/>
+                <a16:creationId xmlns:a16="http://schemas.microsoft.com/office/drawing/2014/main" id="{C23D9F59-3222-4597-98F2-D55FEB984361}"/>
               </a:ext>
             </a:extLst>
           </p:cNvPr>
@@ -20684,17 +22366,17 @@
           <a:p>
             <a:r>
               <a:rPr lang="en-US" dirty="0"/>
-              <a:t>Questions</a:t>
-            </a:r>
-          </a:p>
-        </p:txBody>
-      </p:sp>
-      <p:sp>
-        <p:nvSpPr>
-          <p:cNvPr id="3" name="Text Placeholder 2">
+              <a:t>Step 4 Zoom-In: Tools &amp; Resources</a:t>
+            </a:r>
+          </a:p>
+        </p:txBody>
+      </p:sp>
+      <p:sp>
+        <p:nvSpPr>
+          <p:cNvPr id="3" name="Content Placeholder 2">
             <a:extLst>
               <a:ext uri="{FF2B5EF4-FFF2-40B4-BE49-F238E27FC236}">
-                <a16:creationId xmlns:a16="http://schemas.microsoft.com/office/drawing/2014/main" id="{75A24F4A-D254-FB41-2238-910EBE2C294C}"/>
+                <a16:creationId xmlns:a16="http://schemas.microsoft.com/office/drawing/2014/main" id="{9177B0F1-BE16-0837-336B-4B899B8DE189}"/>
               </a:ext>
             </a:extLst>
           </p:cNvPr>
@@ -20702,15 +22384,53 @@
             <a:spLocks noGrp="1"/>
           </p:cNvSpPr>
           <p:nvPr>
-            <p:ph type="body" idx="1"/>
-          </p:nvPr>
-        </p:nvSpPr>
-        <p:spPr/>
-        <p:txBody>
-          <a:bodyPr/>
+            <p:ph idx="1"/>
+          </p:nvPr>
+        </p:nvSpPr>
+        <p:spPr/>
+        <p:txBody>
+          <a:bodyPr>
+            <a:normAutofit/>
+          </a:bodyPr>
           <a:lstStyle/>
           <a:p>
-            <a:endParaRPr lang="en-US"/>
+            <a:r>
+              <a:rPr lang="en-US" dirty="0"/>
+              <a:t>Tools / Resources defined as follows:</a:t>
+            </a:r>
+          </a:p>
+          <a:p>
+            <a:pPr lvl="1"/>
+            <a:r>
+              <a:rPr lang="en-US" dirty="0"/>
+              <a:t>Name: Primary key for execution</a:t>
+            </a:r>
+          </a:p>
+          <a:p>
+            <a:pPr lvl="1"/>
+            <a:r>
+              <a:rPr lang="en-US" dirty="0"/>
+              <a:t>Title: Human-readable</a:t>
+            </a:r>
+          </a:p>
+          <a:p>
+            <a:pPr lvl="1"/>
+            <a:r>
+              <a:rPr lang="en-US" dirty="0"/>
+              <a:t>Description: Primarily used to determine usefulness</a:t>
+            </a:r>
+          </a:p>
+          <a:p>
+            <a:pPr lvl="1"/>
+            <a:r>
+              <a:rPr lang="en-US" dirty="0"/>
+              <a:t>(Tools only): Input and output </a:t>
+            </a:r>
+            <a:r>
+              <a:rPr lang="en-US" dirty="0" err="1"/>
+              <a:t>specificaiton</a:t>
+            </a:r>
+            <a:endParaRPr lang="en-US" dirty="0"/>
           </a:p>
         </p:txBody>
       </p:sp>
@@ -20719,7 +22439,7 @@
           <p:cNvPr id="4" name="Slide Number Placeholder 3">
             <a:extLst>
               <a:ext uri="{FF2B5EF4-FFF2-40B4-BE49-F238E27FC236}">
-                <a16:creationId xmlns:a16="http://schemas.microsoft.com/office/drawing/2014/main" id="{4ACFD90D-D3C4-5322-1C6F-9A371E7F12AE}"/>
+                <a16:creationId xmlns:a16="http://schemas.microsoft.com/office/drawing/2014/main" id="{F046160D-392B-5E12-ECD7-B00760D1B70B}"/>
               </a:ext>
             </a:extLst>
           </p:cNvPr>
@@ -20737,16 +22457,17 @@
           <a:p>
             <a:fld id="{FCABE2F1-B51E-8B48-B9C1-957239623D4B}" type="slidenum">
               <a:rPr lang="en-US" smtClean="0"/>
+              <a:pPr/>
               <a:t>32</a:t>
             </a:fld>
-            <a:endParaRPr lang="en-US"/>
+            <a:endParaRPr lang="en-US" dirty="0"/>
           </a:p>
         </p:txBody>
       </p:sp>
     </p:spTree>
     <p:extLst>
       <p:ext uri="{BB962C8B-B14F-4D97-AF65-F5344CB8AC3E}">
-        <p14:creationId xmlns:p14="http://schemas.microsoft.com/office/powerpoint/2010/main" val="1607085057"/>
+        <p14:creationId xmlns:p14="http://schemas.microsoft.com/office/powerpoint/2010/main" val="4062775239"/>
       </p:ext>
     </p:extLst>
   </p:cSld>
@@ -20778,6 +22499,636 @@
           <p:cNvPr id="2" name="Title 1">
             <a:extLst>
               <a:ext uri="{FF2B5EF4-FFF2-40B4-BE49-F238E27FC236}">
+                <a16:creationId xmlns:a16="http://schemas.microsoft.com/office/drawing/2014/main" id="{FAA2771A-F86A-75D3-1F7F-A239BDD97716}"/>
+              </a:ext>
+            </a:extLst>
+          </p:cNvPr>
+          <p:cNvSpPr>
+            <a:spLocks noGrp="1"/>
+          </p:cNvSpPr>
+          <p:nvPr>
+            <p:ph type="title"/>
+          </p:nvPr>
+        </p:nvSpPr>
+        <p:spPr/>
+        <p:txBody>
+          <a:bodyPr/>
+          <a:lstStyle/>
+          <a:p>
+            <a:r>
+              <a:rPr lang="en-US" dirty="0"/>
+              <a:t>Aside: Agent vs. Workflow</a:t>
+            </a:r>
+          </a:p>
+        </p:txBody>
+      </p:sp>
+      <p:sp>
+        <p:nvSpPr>
+          <p:cNvPr id="3" name="Content Placeholder 2">
+            <a:extLst>
+              <a:ext uri="{FF2B5EF4-FFF2-40B4-BE49-F238E27FC236}">
+                <a16:creationId xmlns:a16="http://schemas.microsoft.com/office/drawing/2014/main" id="{BCC711CD-E212-8AF9-DB4D-8423BC0939EC}"/>
+              </a:ext>
+            </a:extLst>
+          </p:cNvPr>
+          <p:cNvSpPr>
+            <a:spLocks noGrp="1"/>
+          </p:cNvSpPr>
+          <p:nvPr>
+            <p:ph idx="1"/>
+          </p:nvPr>
+        </p:nvSpPr>
+        <p:spPr/>
+        <p:txBody>
+          <a:bodyPr/>
+          <a:lstStyle/>
+          <a:p>
+            <a:r>
+              <a:rPr lang="en-US" dirty="0"/>
+              <a:t>Workflow - Deterministic, pre-defined</a:t>
+            </a:r>
+          </a:p>
+          <a:p>
+            <a:r>
+              <a:rPr lang="en-US" dirty="0"/>
+              <a:t>Agent – Non-deterministic, LLM as a black box</a:t>
+            </a:r>
+          </a:p>
+        </p:txBody>
+      </p:sp>
+      <p:sp>
+        <p:nvSpPr>
+          <p:cNvPr id="4" name="Slide Number Placeholder 3">
+            <a:extLst>
+              <a:ext uri="{FF2B5EF4-FFF2-40B4-BE49-F238E27FC236}">
+                <a16:creationId xmlns:a16="http://schemas.microsoft.com/office/drawing/2014/main" id="{ED77521F-BA88-C2CB-09C8-DA6A5327CFA0}"/>
+              </a:ext>
+            </a:extLst>
+          </p:cNvPr>
+          <p:cNvSpPr>
+            <a:spLocks noGrp="1"/>
+          </p:cNvSpPr>
+          <p:nvPr>
+            <p:ph type="sldNum" sz="quarter" idx="12"/>
+          </p:nvPr>
+        </p:nvSpPr>
+        <p:spPr/>
+        <p:txBody>
+          <a:bodyPr/>
+          <a:lstStyle/>
+          <a:p>
+            <a:fld id="{FCABE2F1-B51E-8B48-B9C1-957239623D4B}" type="slidenum">
+              <a:rPr lang="en-US" smtClean="0"/>
+              <a:pPr/>
+              <a:t>33</a:t>
+            </a:fld>
+            <a:endParaRPr lang="en-US" dirty="0"/>
+          </a:p>
+        </p:txBody>
+      </p:sp>
+    </p:spTree>
+    <p:extLst>
+      <p:ext uri="{BB962C8B-B14F-4D97-AF65-F5344CB8AC3E}">
+        <p14:creationId xmlns:p14="http://schemas.microsoft.com/office/powerpoint/2010/main" val="3749349831"/>
+      </p:ext>
+    </p:extLst>
+  </p:cSld>
+  <p:clrMapOvr>
+    <a:masterClrMapping/>
+  </p:clrMapOvr>
+</p:sld>
+</file>
+
+<file path=ppt/slides/slide34.xml><?xml version="1.0" encoding="utf-8"?>
+<p:sld xmlns:a="http://schemas.openxmlformats.org/drawingml/2006/main" xmlns:r="http://schemas.openxmlformats.org/officeDocument/2006/relationships" xmlns:p="http://schemas.openxmlformats.org/presentationml/2006/main">
+  <p:cSld>
+    <p:spTree>
+      <p:nvGrpSpPr>
+        <p:cNvPr id="1" name=""/>
+        <p:cNvGrpSpPr/>
+        <p:nvPr/>
+      </p:nvGrpSpPr>
+      <p:grpSpPr>
+        <a:xfrm>
+          <a:off x="0" y="0"/>
+          <a:ext cx="0" cy="0"/>
+          <a:chOff x="0" y="0"/>
+          <a:chExt cx="0" cy="0"/>
+        </a:xfrm>
+      </p:grpSpPr>
+      <p:sp>
+        <p:nvSpPr>
+          <p:cNvPr id="2" name="Title 1">
+            <a:extLst>
+              <a:ext uri="{FF2B5EF4-FFF2-40B4-BE49-F238E27FC236}">
+                <a16:creationId xmlns:a16="http://schemas.microsoft.com/office/drawing/2014/main" id="{88A419CA-3DE8-9011-80F6-BCEE8FEE1503}"/>
+              </a:ext>
+            </a:extLst>
+          </p:cNvPr>
+          <p:cNvSpPr>
+            <a:spLocks noGrp="1"/>
+          </p:cNvSpPr>
+          <p:nvPr>
+            <p:ph type="title"/>
+          </p:nvPr>
+        </p:nvSpPr>
+        <p:spPr/>
+        <p:txBody>
+          <a:bodyPr/>
+          <a:lstStyle/>
+          <a:p>
+            <a:r>
+              <a:rPr lang="en-US" dirty="0"/>
+              <a:t>Demo</a:t>
+            </a:r>
+          </a:p>
+        </p:txBody>
+      </p:sp>
+      <p:sp>
+        <p:nvSpPr>
+          <p:cNvPr id="3" name="Text Placeholder 2">
+            <a:extLst>
+              <a:ext uri="{FF2B5EF4-FFF2-40B4-BE49-F238E27FC236}">
+                <a16:creationId xmlns:a16="http://schemas.microsoft.com/office/drawing/2014/main" id="{2AEF60D4-2519-42F5-8A2A-D6A114476EB8}"/>
+              </a:ext>
+            </a:extLst>
+          </p:cNvPr>
+          <p:cNvSpPr>
+            <a:spLocks noGrp="1"/>
+          </p:cNvSpPr>
+          <p:nvPr>
+            <p:ph type="body" idx="1"/>
+          </p:nvPr>
+        </p:nvSpPr>
+        <p:spPr/>
+        <p:txBody>
+          <a:bodyPr/>
+          <a:lstStyle/>
+          <a:p>
+            <a:endParaRPr lang="en-US"/>
+          </a:p>
+        </p:txBody>
+      </p:sp>
+      <p:sp>
+        <p:nvSpPr>
+          <p:cNvPr id="4" name="Slide Number Placeholder 3">
+            <a:extLst>
+              <a:ext uri="{FF2B5EF4-FFF2-40B4-BE49-F238E27FC236}">
+                <a16:creationId xmlns:a16="http://schemas.microsoft.com/office/drawing/2014/main" id="{4F21F863-1BBC-7061-FF32-25FDF35F84BB}"/>
+              </a:ext>
+            </a:extLst>
+          </p:cNvPr>
+          <p:cNvSpPr>
+            <a:spLocks noGrp="1"/>
+          </p:cNvSpPr>
+          <p:nvPr>
+            <p:ph type="sldNum" sz="quarter" idx="12"/>
+          </p:nvPr>
+        </p:nvSpPr>
+        <p:spPr/>
+        <p:txBody>
+          <a:bodyPr/>
+          <a:lstStyle/>
+          <a:p>
+            <a:fld id="{FCABE2F1-B51E-8B48-B9C1-957239623D4B}" type="slidenum">
+              <a:rPr lang="en-US" smtClean="0"/>
+              <a:t>34</a:t>
+            </a:fld>
+            <a:endParaRPr lang="en-US"/>
+          </a:p>
+        </p:txBody>
+      </p:sp>
+    </p:spTree>
+    <p:extLst>
+      <p:ext uri="{BB962C8B-B14F-4D97-AF65-F5344CB8AC3E}">
+        <p14:creationId xmlns:p14="http://schemas.microsoft.com/office/powerpoint/2010/main" val="100685763"/>
+      </p:ext>
+    </p:extLst>
+  </p:cSld>
+  <p:clrMapOvr>
+    <a:masterClrMapping/>
+  </p:clrMapOvr>
+</p:sld>
+</file>
+
+<file path=ppt/slides/slide35.xml><?xml version="1.0" encoding="utf-8"?>
+<p:sld xmlns:a="http://schemas.openxmlformats.org/drawingml/2006/main" xmlns:r="http://schemas.openxmlformats.org/officeDocument/2006/relationships" xmlns:p="http://schemas.openxmlformats.org/presentationml/2006/main">
+  <p:cSld>
+    <p:spTree>
+      <p:nvGrpSpPr>
+        <p:cNvPr id="1" name=""/>
+        <p:cNvGrpSpPr/>
+        <p:nvPr/>
+      </p:nvGrpSpPr>
+      <p:grpSpPr>
+        <a:xfrm>
+          <a:off x="0" y="0"/>
+          <a:ext cx="0" cy="0"/>
+          <a:chOff x="0" y="0"/>
+          <a:chExt cx="0" cy="0"/>
+        </a:xfrm>
+      </p:grpSpPr>
+      <p:sp>
+        <p:nvSpPr>
+          <p:cNvPr id="2" name="Title 1">
+            <a:extLst>
+              <a:ext uri="{FF2B5EF4-FFF2-40B4-BE49-F238E27FC236}">
+                <a16:creationId xmlns:a16="http://schemas.microsoft.com/office/drawing/2014/main" id="{30C537E2-6613-A1ED-630E-011B91E963DC}"/>
+              </a:ext>
+            </a:extLst>
+          </p:cNvPr>
+          <p:cNvSpPr>
+            <a:spLocks noGrp="1"/>
+          </p:cNvSpPr>
+          <p:nvPr>
+            <p:ph type="title"/>
+          </p:nvPr>
+        </p:nvSpPr>
+        <p:spPr/>
+        <p:txBody>
+          <a:bodyPr/>
+          <a:lstStyle/>
+          <a:p>
+            <a:r>
+              <a:rPr lang="en-US" dirty="0"/>
+              <a:t>Recap</a:t>
+            </a:r>
+          </a:p>
+        </p:txBody>
+      </p:sp>
+      <p:sp>
+        <p:nvSpPr>
+          <p:cNvPr id="3" name="Content Placeholder 2">
+            <a:extLst>
+              <a:ext uri="{FF2B5EF4-FFF2-40B4-BE49-F238E27FC236}">
+                <a16:creationId xmlns:a16="http://schemas.microsoft.com/office/drawing/2014/main" id="{4DCC1CBA-4B30-EB1F-EDF8-6C9680744391}"/>
+              </a:ext>
+            </a:extLst>
+          </p:cNvPr>
+          <p:cNvSpPr>
+            <a:spLocks noGrp="1"/>
+          </p:cNvSpPr>
+          <p:nvPr>
+            <p:ph idx="1"/>
+          </p:nvPr>
+        </p:nvSpPr>
+        <p:spPr/>
+        <p:txBody>
+          <a:bodyPr>
+            <a:normAutofit fontScale="85000" lnSpcReduction="10000"/>
+          </a:bodyPr>
+          <a:lstStyle/>
+          <a:p>
+            <a:r>
+              <a:rPr lang="en-US" dirty="0"/>
+              <a:t>MCP is a protocol that enables LLMs to access tools, resources and prompts</a:t>
+            </a:r>
+          </a:p>
+          <a:p>
+            <a:r>
+              <a:rPr lang="en-US" dirty="0"/>
+              <a:t>Agentic vs. workflow constructions</a:t>
+            </a:r>
+          </a:p>
+          <a:p>
+            <a:r>
+              <a:rPr lang="en-US" dirty="0"/>
+              <a:t>Standardization</a:t>
+            </a:r>
+          </a:p>
+          <a:p>
+            <a:r>
+              <a:rPr lang="en-US" dirty="0"/>
+              <a:t>Implementation: Server first</a:t>
+            </a:r>
+          </a:p>
+          <a:p>
+            <a:r>
+              <a:rPr lang="en-US" dirty="0"/>
+              <a:t>Client within application host</a:t>
+            </a:r>
+          </a:p>
+          <a:p>
+            <a:endParaRPr lang="en-US" dirty="0"/>
+          </a:p>
+        </p:txBody>
+      </p:sp>
+      <p:sp>
+        <p:nvSpPr>
+          <p:cNvPr id="4" name="Slide Number Placeholder 3">
+            <a:extLst>
+              <a:ext uri="{FF2B5EF4-FFF2-40B4-BE49-F238E27FC236}">
+                <a16:creationId xmlns:a16="http://schemas.microsoft.com/office/drawing/2014/main" id="{63E4AB7C-97C5-B903-A278-7A3EFDFA7473}"/>
+              </a:ext>
+            </a:extLst>
+          </p:cNvPr>
+          <p:cNvSpPr>
+            <a:spLocks noGrp="1"/>
+          </p:cNvSpPr>
+          <p:nvPr>
+            <p:ph type="sldNum" sz="quarter" idx="12"/>
+          </p:nvPr>
+        </p:nvSpPr>
+        <p:spPr/>
+        <p:txBody>
+          <a:bodyPr/>
+          <a:lstStyle/>
+          <a:p>
+            <a:fld id="{FCABE2F1-B51E-8B48-B9C1-957239623D4B}" type="slidenum">
+              <a:rPr lang="en-US" smtClean="0"/>
+              <a:pPr/>
+              <a:t>35</a:t>
+            </a:fld>
+            <a:endParaRPr lang="en-US" dirty="0"/>
+          </a:p>
+        </p:txBody>
+      </p:sp>
+    </p:spTree>
+    <p:extLst>
+      <p:ext uri="{BB962C8B-B14F-4D97-AF65-F5344CB8AC3E}">
+        <p14:creationId xmlns:p14="http://schemas.microsoft.com/office/powerpoint/2010/main" val="1636703318"/>
+      </p:ext>
+    </p:extLst>
+  </p:cSld>
+  <p:clrMapOvr>
+    <a:masterClrMapping/>
+  </p:clrMapOvr>
+</p:sld>
+</file>
+
+<file path=ppt/slides/slide36.xml><?xml version="1.0" encoding="utf-8"?>
+<p:sld xmlns:a="http://schemas.openxmlformats.org/drawingml/2006/main" xmlns:r="http://schemas.openxmlformats.org/officeDocument/2006/relationships" xmlns:p="http://schemas.openxmlformats.org/presentationml/2006/main">
+  <p:cSld>
+    <p:spTree>
+      <p:nvGrpSpPr>
+        <p:cNvPr id="1" name=""/>
+        <p:cNvGrpSpPr/>
+        <p:nvPr/>
+      </p:nvGrpSpPr>
+      <p:grpSpPr>
+        <a:xfrm>
+          <a:off x="0" y="0"/>
+          <a:ext cx="0" cy="0"/>
+          <a:chOff x="0" y="0"/>
+          <a:chExt cx="0" cy="0"/>
+        </a:xfrm>
+      </p:grpSpPr>
+      <p:sp>
+        <p:nvSpPr>
+          <p:cNvPr id="2" name="Title 1">
+            <a:extLst>
+              <a:ext uri="{FF2B5EF4-FFF2-40B4-BE49-F238E27FC236}">
+                <a16:creationId xmlns:a16="http://schemas.microsoft.com/office/drawing/2014/main" id="{25EB7EE1-D29E-E0EE-6EA1-E22BE16E9B35}"/>
+              </a:ext>
+            </a:extLst>
+          </p:cNvPr>
+          <p:cNvSpPr>
+            <a:spLocks noGrp="1"/>
+          </p:cNvSpPr>
+          <p:nvPr>
+            <p:ph type="title"/>
+          </p:nvPr>
+        </p:nvSpPr>
+        <p:spPr/>
+        <p:txBody>
+          <a:bodyPr/>
+          <a:lstStyle/>
+          <a:p>
+            <a:r>
+              <a:rPr lang="en-US" dirty="0"/>
+              <a:t>FAQ</a:t>
+            </a:r>
+          </a:p>
+        </p:txBody>
+      </p:sp>
+      <p:sp>
+        <p:nvSpPr>
+          <p:cNvPr id="3" name="Content Placeholder 2">
+            <a:extLst>
+              <a:ext uri="{FF2B5EF4-FFF2-40B4-BE49-F238E27FC236}">
+                <a16:creationId xmlns:a16="http://schemas.microsoft.com/office/drawing/2014/main" id="{668B7C4B-99DC-3BED-27EC-5A3A7CBF0D3E}"/>
+              </a:ext>
+            </a:extLst>
+          </p:cNvPr>
+          <p:cNvSpPr>
+            <a:spLocks noGrp="1"/>
+          </p:cNvSpPr>
+          <p:nvPr>
+            <p:ph idx="1"/>
+          </p:nvPr>
+        </p:nvSpPr>
+        <p:spPr/>
+        <p:txBody>
+          <a:bodyPr>
+            <a:normAutofit/>
+          </a:bodyPr>
+          <a:lstStyle/>
+          <a:p>
+            <a:r>
+              <a:rPr lang="en-US" dirty="0"/>
+              <a:t>RAG vs. MCP: Location of “injection”</a:t>
+            </a:r>
+          </a:p>
+          <a:p>
+            <a:r>
+              <a:rPr lang="en-US" dirty="0"/>
+              <a:t>Necessary? No. Helpful? Yes</a:t>
+            </a:r>
+          </a:p>
+          <a:p>
+            <a:r>
+              <a:rPr lang="en-US" dirty="0"/>
+              <a:t>First move advantage</a:t>
+            </a:r>
+          </a:p>
+          <a:p>
+            <a:r>
+              <a:rPr lang="en-US" dirty="0" err="1"/>
+              <a:t>LangChain</a:t>
+            </a:r>
+            <a:r>
+              <a:rPr lang="en-US" dirty="0"/>
+              <a:t> vs. MCP: Application-side vs. Server-side</a:t>
+            </a:r>
+          </a:p>
+        </p:txBody>
+      </p:sp>
+      <p:sp>
+        <p:nvSpPr>
+          <p:cNvPr id="4" name="Slide Number Placeholder 3">
+            <a:extLst>
+              <a:ext uri="{FF2B5EF4-FFF2-40B4-BE49-F238E27FC236}">
+                <a16:creationId xmlns:a16="http://schemas.microsoft.com/office/drawing/2014/main" id="{A31D1771-83F6-18BB-01D3-26C0C09A8F3A}"/>
+              </a:ext>
+            </a:extLst>
+          </p:cNvPr>
+          <p:cNvSpPr>
+            <a:spLocks noGrp="1"/>
+          </p:cNvSpPr>
+          <p:nvPr>
+            <p:ph type="sldNum" sz="quarter" idx="12"/>
+          </p:nvPr>
+        </p:nvSpPr>
+        <p:spPr/>
+        <p:txBody>
+          <a:bodyPr/>
+          <a:lstStyle/>
+          <a:p>
+            <a:fld id="{FCABE2F1-B51E-8B48-B9C1-957239623D4B}" type="slidenum">
+              <a:rPr lang="en-US" smtClean="0"/>
+              <a:t>36</a:t>
+            </a:fld>
+            <a:endParaRPr lang="en-US"/>
+          </a:p>
+        </p:txBody>
+      </p:sp>
+    </p:spTree>
+    <p:extLst>
+      <p:ext uri="{BB962C8B-B14F-4D97-AF65-F5344CB8AC3E}">
+        <p14:creationId xmlns:p14="http://schemas.microsoft.com/office/powerpoint/2010/main" val="1125975261"/>
+      </p:ext>
+    </p:extLst>
+  </p:cSld>
+  <p:clrMapOvr>
+    <a:masterClrMapping/>
+  </p:clrMapOvr>
+</p:sld>
+</file>
+
+<file path=ppt/slides/slide37.xml><?xml version="1.0" encoding="utf-8"?>
+<p:sld xmlns:a="http://schemas.openxmlformats.org/drawingml/2006/main" xmlns:r="http://schemas.openxmlformats.org/officeDocument/2006/relationships" xmlns:p="http://schemas.openxmlformats.org/presentationml/2006/main">
+  <p:cSld>
+    <p:spTree>
+      <p:nvGrpSpPr>
+        <p:cNvPr id="1" name=""/>
+        <p:cNvGrpSpPr/>
+        <p:nvPr/>
+      </p:nvGrpSpPr>
+      <p:grpSpPr>
+        <a:xfrm>
+          <a:off x="0" y="0"/>
+          <a:ext cx="0" cy="0"/>
+          <a:chOff x="0" y="0"/>
+          <a:chExt cx="0" cy="0"/>
+        </a:xfrm>
+      </p:grpSpPr>
+      <p:sp>
+        <p:nvSpPr>
+          <p:cNvPr id="2" name="Title 1">
+            <a:extLst>
+              <a:ext uri="{FF2B5EF4-FFF2-40B4-BE49-F238E27FC236}">
+                <a16:creationId xmlns:a16="http://schemas.microsoft.com/office/drawing/2014/main" id="{662C5395-ACC7-ACFC-B2DD-6BE8F8718573}"/>
+              </a:ext>
+            </a:extLst>
+          </p:cNvPr>
+          <p:cNvSpPr>
+            <a:spLocks noGrp="1"/>
+          </p:cNvSpPr>
+          <p:nvPr>
+            <p:ph type="title"/>
+          </p:nvPr>
+        </p:nvSpPr>
+        <p:spPr/>
+        <p:txBody>
+          <a:bodyPr/>
+          <a:lstStyle/>
+          <a:p>
+            <a:r>
+              <a:rPr lang="en-US" dirty="0"/>
+              <a:t>Questions</a:t>
+            </a:r>
+          </a:p>
+        </p:txBody>
+      </p:sp>
+      <p:sp>
+        <p:nvSpPr>
+          <p:cNvPr id="3" name="Text Placeholder 2">
+            <a:extLst>
+              <a:ext uri="{FF2B5EF4-FFF2-40B4-BE49-F238E27FC236}">
+                <a16:creationId xmlns:a16="http://schemas.microsoft.com/office/drawing/2014/main" id="{75A24F4A-D254-FB41-2238-910EBE2C294C}"/>
+              </a:ext>
+            </a:extLst>
+          </p:cNvPr>
+          <p:cNvSpPr>
+            <a:spLocks noGrp="1"/>
+          </p:cNvSpPr>
+          <p:nvPr>
+            <p:ph type="body" idx="1"/>
+          </p:nvPr>
+        </p:nvSpPr>
+        <p:spPr/>
+        <p:txBody>
+          <a:bodyPr/>
+          <a:lstStyle/>
+          <a:p>
+            <a:endParaRPr lang="en-US"/>
+          </a:p>
+        </p:txBody>
+      </p:sp>
+      <p:sp>
+        <p:nvSpPr>
+          <p:cNvPr id="4" name="Slide Number Placeholder 3">
+            <a:extLst>
+              <a:ext uri="{FF2B5EF4-FFF2-40B4-BE49-F238E27FC236}">
+                <a16:creationId xmlns:a16="http://schemas.microsoft.com/office/drawing/2014/main" id="{4ACFD90D-D3C4-5322-1C6F-9A371E7F12AE}"/>
+              </a:ext>
+            </a:extLst>
+          </p:cNvPr>
+          <p:cNvSpPr>
+            <a:spLocks noGrp="1"/>
+          </p:cNvSpPr>
+          <p:nvPr>
+            <p:ph type="sldNum" sz="quarter" idx="12"/>
+          </p:nvPr>
+        </p:nvSpPr>
+        <p:spPr/>
+        <p:txBody>
+          <a:bodyPr/>
+          <a:lstStyle/>
+          <a:p>
+            <a:fld id="{FCABE2F1-B51E-8B48-B9C1-957239623D4B}" type="slidenum">
+              <a:rPr lang="en-US" smtClean="0"/>
+              <a:t>37</a:t>
+            </a:fld>
+            <a:endParaRPr lang="en-US"/>
+          </a:p>
+        </p:txBody>
+      </p:sp>
+    </p:spTree>
+    <p:extLst>
+      <p:ext uri="{BB962C8B-B14F-4D97-AF65-F5344CB8AC3E}">
+        <p14:creationId xmlns:p14="http://schemas.microsoft.com/office/powerpoint/2010/main" val="1607085057"/>
+      </p:ext>
+    </p:extLst>
+  </p:cSld>
+  <p:clrMapOvr>
+    <a:masterClrMapping/>
+  </p:clrMapOvr>
+</p:sld>
+</file>
+
+<file path=ppt/slides/slide38.xml><?xml version="1.0" encoding="utf-8"?>
+<p:sld xmlns:a="http://schemas.openxmlformats.org/drawingml/2006/main" xmlns:r="http://schemas.openxmlformats.org/officeDocument/2006/relationships" xmlns:p="http://schemas.openxmlformats.org/presentationml/2006/main">
+  <p:cSld>
+    <p:spTree>
+      <p:nvGrpSpPr>
+        <p:cNvPr id="1" name=""/>
+        <p:cNvGrpSpPr/>
+        <p:nvPr/>
+      </p:nvGrpSpPr>
+      <p:grpSpPr>
+        <a:xfrm>
+          <a:off x="0" y="0"/>
+          <a:ext cx="0" cy="0"/>
+          <a:chOff x="0" y="0"/>
+          <a:chExt cx="0" cy="0"/>
+        </a:xfrm>
+      </p:grpSpPr>
+      <p:sp>
+        <p:nvSpPr>
+          <p:cNvPr id="2" name="Title 1">
+            <a:extLst>
+              <a:ext uri="{FF2B5EF4-FFF2-40B4-BE49-F238E27FC236}">
                 <a16:creationId xmlns:a16="http://schemas.microsoft.com/office/drawing/2014/main" id="{91CBBD0B-AD47-A0B7-1884-9B9806FBED90}"/>
               </a:ext>
             </a:extLst>
@@ -20850,7 +23201,7 @@
             <a:fld id="{6D22F896-40B5-4ADD-8801-0D06FADFA095}" type="slidenum">
               <a:rPr lang="en-US" smtClean="0"/>
               <a:pPr/>
-              <a:t>33</a:t>
+              <a:t>38</a:t>
             </a:fld>
             <a:endParaRPr lang="en-US" dirty="0"/>
           </a:p>
@@ -20869,7 +23220,7 @@
 </p:sld>
 </file>
 
-<file path=ppt/slides/slide34.xml><?xml version="1.0" encoding="utf-8"?>
+<file path=ppt/slides/slide39.xml><?xml version="1.0" encoding="utf-8"?>
 <p:sld xmlns:a="http://schemas.openxmlformats.org/drawingml/2006/main" xmlns:r="http://schemas.openxmlformats.org/officeDocument/2006/relationships" xmlns:p="http://schemas.openxmlformats.org/presentationml/2006/main" show="0">
   <p:cSld>
     <p:spTree>
@@ -21000,7 +23351,7 @@
           <a:p>
             <a:fld id="{FCABE2F1-B51E-8B48-B9C1-957239623D4B}" type="slidenum">
               <a:rPr lang="en-US" smtClean="0"/>
-              <a:t>34</a:t>
+              <a:t>39</a:t>
             </a:fld>
             <a:endParaRPr lang="en-US"/>
           </a:p>
@@ -21010,414 +23361,6 @@
     <p:extLst>
       <p:ext uri="{BB962C8B-B14F-4D97-AF65-F5344CB8AC3E}">
         <p14:creationId xmlns:p14="http://schemas.microsoft.com/office/powerpoint/2010/main" val="450324266"/>
-      </p:ext>
-    </p:extLst>
-  </p:cSld>
-  <p:clrMapOvr>
-    <a:masterClrMapping/>
-  </p:clrMapOvr>
-</p:sld>
-</file>
-
-<file path=ppt/slides/slide35.xml><?xml version="1.0" encoding="utf-8"?>
-<p:sld xmlns:a="http://schemas.openxmlformats.org/drawingml/2006/main" xmlns:r="http://schemas.openxmlformats.org/officeDocument/2006/relationships" xmlns:p="http://schemas.openxmlformats.org/presentationml/2006/main" show="0">
-  <p:cSld>
-    <p:spTree>
-      <p:nvGrpSpPr>
-        <p:cNvPr id="1" name=""/>
-        <p:cNvGrpSpPr/>
-        <p:nvPr/>
-      </p:nvGrpSpPr>
-      <p:grpSpPr>
-        <a:xfrm>
-          <a:off x="0" y="0"/>
-          <a:ext cx="0" cy="0"/>
-          <a:chOff x="0" y="0"/>
-          <a:chExt cx="0" cy="0"/>
-        </a:xfrm>
-      </p:grpSpPr>
-      <p:sp>
-        <p:nvSpPr>
-          <p:cNvPr id="2" name="Title 1">
-            <a:extLst>
-              <a:ext uri="{FF2B5EF4-FFF2-40B4-BE49-F238E27FC236}">
-                <a16:creationId xmlns:a16="http://schemas.microsoft.com/office/drawing/2014/main" id="{B7316801-9FF4-ED10-6D10-8C95E5917711}"/>
-              </a:ext>
-            </a:extLst>
-          </p:cNvPr>
-          <p:cNvSpPr>
-            <a:spLocks noGrp="1"/>
-          </p:cNvSpPr>
-          <p:nvPr>
-            <p:ph type="title"/>
-          </p:nvPr>
-        </p:nvSpPr>
-        <p:spPr/>
-        <p:txBody>
-          <a:bodyPr/>
-          <a:lstStyle/>
-          <a:p>
-            <a:r>
-              <a:rPr lang="en-US" dirty="0"/>
-              <a:t>Zoom in</a:t>
-            </a:r>
-          </a:p>
-        </p:txBody>
-      </p:sp>
-      <p:sp>
-        <p:nvSpPr>
-          <p:cNvPr id="3" name="Content Placeholder 2">
-            <a:extLst>
-              <a:ext uri="{FF2B5EF4-FFF2-40B4-BE49-F238E27FC236}">
-                <a16:creationId xmlns:a16="http://schemas.microsoft.com/office/drawing/2014/main" id="{19307220-B5F5-0BED-71D1-06F4C9F39F9F}"/>
-              </a:ext>
-            </a:extLst>
-          </p:cNvPr>
-          <p:cNvSpPr>
-            <a:spLocks noGrp="1"/>
-          </p:cNvSpPr>
-          <p:nvPr>
-            <p:ph idx="1"/>
-          </p:nvPr>
-        </p:nvSpPr>
-        <p:spPr/>
-        <p:txBody>
-          <a:bodyPr/>
-          <a:lstStyle/>
-          <a:p>
-            <a:endParaRPr lang="en-US"/>
-          </a:p>
-        </p:txBody>
-      </p:sp>
-      <p:sp>
-        <p:nvSpPr>
-          <p:cNvPr id="4" name="Slide Number Placeholder 3">
-            <a:extLst>
-              <a:ext uri="{FF2B5EF4-FFF2-40B4-BE49-F238E27FC236}">
-                <a16:creationId xmlns:a16="http://schemas.microsoft.com/office/drawing/2014/main" id="{EFF18B94-DDFD-D43D-BA7D-964040BFE213}"/>
-              </a:ext>
-            </a:extLst>
-          </p:cNvPr>
-          <p:cNvSpPr>
-            <a:spLocks noGrp="1"/>
-          </p:cNvSpPr>
-          <p:nvPr>
-            <p:ph type="sldNum" sz="quarter" idx="12"/>
-          </p:nvPr>
-        </p:nvSpPr>
-        <p:spPr/>
-        <p:txBody>
-          <a:bodyPr/>
-          <a:lstStyle/>
-          <a:p>
-            <a:fld id="{FCABE2F1-B51E-8B48-B9C1-957239623D4B}" type="slidenum">
-              <a:rPr lang="en-US" smtClean="0"/>
-              <a:t>35</a:t>
-            </a:fld>
-            <a:endParaRPr lang="en-US"/>
-          </a:p>
-        </p:txBody>
-      </p:sp>
-    </p:spTree>
-    <p:extLst>
-      <p:ext uri="{BB962C8B-B14F-4D97-AF65-F5344CB8AC3E}">
-        <p14:creationId xmlns:p14="http://schemas.microsoft.com/office/powerpoint/2010/main" val="2090776038"/>
-      </p:ext>
-    </p:extLst>
-  </p:cSld>
-  <p:clrMapOvr>
-    <a:masterClrMapping/>
-  </p:clrMapOvr>
-</p:sld>
-</file>
-
-<file path=ppt/slides/slide36.xml><?xml version="1.0" encoding="utf-8"?>
-<p:sld xmlns:a="http://schemas.openxmlformats.org/drawingml/2006/main" xmlns:r="http://schemas.openxmlformats.org/officeDocument/2006/relationships" xmlns:p="http://schemas.openxmlformats.org/presentationml/2006/main" show="0">
-  <p:cSld>
-    <p:spTree>
-      <p:nvGrpSpPr>
-        <p:cNvPr id="1" name=""/>
-        <p:cNvGrpSpPr/>
-        <p:nvPr/>
-      </p:nvGrpSpPr>
-      <p:grpSpPr>
-        <a:xfrm>
-          <a:off x="0" y="0"/>
-          <a:ext cx="0" cy="0"/>
-          <a:chOff x="0" y="0"/>
-          <a:chExt cx="0" cy="0"/>
-        </a:xfrm>
-      </p:grpSpPr>
-      <p:sp>
-        <p:nvSpPr>
-          <p:cNvPr id="2" name="Title 1">
-            <a:extLst>
-              <a:ext uri="{FF2B5EF4-FFF2-40B4-BE49-F238E27FC236}">
-                <a16:creationId xmlns:a16="http://schemas.microsoft.com/office/drawing/2014/main" id="{C25031A4-03DE-4746-1EF6-C462812543A0}"/>
-              </a:ext>
-            </a:extLst>
-          </p:cNvPr>
-          <p:cNvSpPr>
-            <a:spLocks noGrp="1"/>
-          </p:cNvSpPr>
-          <p:nvPr>
-            <p:ph type="title"/>
-          </p:nvPr>
-        </p:nvSpPr>
-        <p:spPr/>
-        <p:txBody>
-          <a:bodyPr/>
-          <a:lstStyle/>
-          <a:p>
-            <a:r>
-              <a:rPr lang="en-US" dirty="0"/>
-              <a:t>Aside: Client / Server</a:t>
-            </a:r>
-          </a:p>
-        </p:txBody>
-      </p:sp>
-      <p:sp>
-        <p:nvSpPr>
-          <p:cNvPr id="3" name="Content Placeholder 2">
-            <a:extLst>
-              <a:ext uri="{FF2B5EF4-FFF2-40B4-BE49-F238E27FC236}">
-                <a16:creationId xmlns:a16="http://schemas.microsoft.com/office/drawing/2014/main" id="{5DB7CECA-5D8B-DDD0-EF24-B2EF1BB84971}"/>
-              </a:ext>
-            </a:extLst>
-          </p:cNvPr>
-          <p:cNvSpPr>
-            <a:spLocks noGrp="1"/>
-          </p:cNvSpPr>
-          <p:nvPr>
-            <p:ph sz="half" idx="1"/>
-          </p:nvPr>
-        </p:nvSpPr>
-        <p:spPr/>
-        <p:txBody>
-          <a:bodyPr>
-            <a:normAutofit fontScale="85000" lnSpcReduction="10000"/>
-          </a:bodyPr>
-          <a:lstStyle/>
-          <a:p>
-            <a:r>
-              <a:rPr lang="en-US" dirty="0"/>
-              <a:t>Client – Sends requests, “Ask”</a:t>
-            </a:r>
-          </a:p>
-          <a:p>
-            <a:r>
-              <a:rPr lang="en-US" dirty="0"/>
-              <a:t>Server – Sends answers, “Answer”</a:t>
-            </a:r>
-          </a:p>
-          <a:p>
-            <a:r>
-              <a:rPr lang="en-US" dirty="0"/>
-              <a:t>Benefits:</a:t>
-            </a:r>
-          </a:p>
-          <a:p>
-            <a:pPr lvl="1"/>
-            <a:r>
-              <a:rPr lang="en-US" dirty="0"/>
-              <a:t>Centralization</a:t>
-            </a:r>
-          </a:p>
-          <a:p>
-            <a:pPr lvl="1"/>
-            <a:r>
-              <a:rPr lang="en-US" dirty="0"/>
-              <a:t>Scalability</a:t>
-            </a:r>
-          </a:p>
-          <a:p>
-            <a:pPr lvl="1"/>
-            <a:r>
-              <a:rPr lang="en-US" dirty="0"/>
-              <a:t>Protection: One thing</a:t>
-            </a:r>
-          </a:p>
-          <a:p>
-            <a:pPr lvl="1"/>
-            <a:r>
-              <a:rPr lang="en-US" dirty="0"/>
-              <a:t>De-coupled</a:t>
-            </a:r>
-          </a:p>
-        </p:txBody>
-      </p:sp>
-      <p:sp>
-        <p:nvSpPr>
-          <p:cNvPr id="4" name="Content Placeholder 3">
-            <a:extLst>
-              <a:ext uri="{FF2B5EF4-FFF2-40B4-BE49-F238E27FC236}">
-                <a16:creationId xmlns:a16="http://schemas.microsoft.com/office/drawing/2014/main" id="{33B94AE0-E6A6-80C8-9204-490317374F57}"/>
-              </a:ext>
-            </a:extLst>
-          </p:cNvPr>
-          <p:cNvSpPr>
-            <a:spLocks noGrp="1"/>
-          </p:cNvSpPr>
-          <p:nvPr>
-            <p:ph sz="half" idx="2"/>
-          </p:nvPr>
-        </p:nvSpPr>
-        <p:spPr/>
-        <p:txBody>
-          <a:bodyPr>
-            <a:normAutofit fontScale="85000" lnSpcReduction="10000"/>
-          </a:bodyPr>
-          <a:lstStyle/>
-          <a:p>
-            <a:endParaRPr lang="en-US"/>
-          </a:p>
-        </p:txBody>
-      </p:sp>
-      <p:sp>
-        <p:nvSpPr>
-          <p:cNvPr id="5" name="Slide Number Placeholder 4">
-            <a:extLst>
-              <a:ext uri="{FF2B5EF4-FFF2-40B4-BE49-F238E27FC236}">
-                <a16:creationId xmlns:a16="http://schemas.microsoft.com/office/drawing/2014/main" id="{182D3D53-8FF0-1C32-DE4D-D574705EC0E1}"/>
-              </a:ext>
-            </a:extLst>
-          </p:cNvPr>
-          <p:cNvSpPr>
-            <a:spLocks noGrp="1"/>
-          </p:cNvSpPr>
-          <p:nvPr>
-            <p:ph type="sldNum" sz="quarter" idx="12"/>
-          </p:nvPr>
-        </p:nvSpPr>
-        <p:spPr/>
-        <p:txBody>
-          <a:bodyPr/>
-          <a:lstStyle/>
-          <a:p>
-            <a:fld id="{FCABE2F1-B51E-8B48-B9C1-957239623D4B}" type="slidenum">
-              <a:rPr lang="en-US" smtClean="0"/>
-              <a:t>36</a:t>
-            </a:fld>
-            <a:endParaRPr lang="en-US"/>
-          </a:p>
-        </p:txBody>
-      </p:sp>
-    </p:spTree>
-    <p:extLst>
-      <p:ext uri="{BB962C8B-B14F-4D97-AF65-F5344CB8AC3E}">
-        <p14:creationId xmlns:p14="http://schemas.microsoft.com/office/powerpoint/2010/main" val="953311829"/>
-      </p:ext>
-    </p:extLst>
-  </p:cSld>
-  <p:clrMapOvr>
-    <a:masterClrMapping/>
-  </p:clrMapOvr>
-</p:sld>
-</file>
-
-<file path=ppt/slides/slide37.xml><?xml version="1.0" encoding="utf-8"?>
-<p:sld xmlns:a="http://schemas.openxmlformats.org/drawingml/2006/main" xmlns:r="http://schemas.openxmlformats.org/officeDocument/2006/relationships" xmlns:p="http://schemas.openxmlformats.org/presentationml/2006/main" show="0">
-  <p:cSld>
-    <p:spTree>
-      <p:nvGrpSpPr>
-        <p:cNvPr id="1" name=""/>
-        <p:cNvGrpSpPr/>
-        <p:nvPr/>
-      </p:nvGrpSpPr>
-      <p:grpSpPr>
-        <a:xfrm>
-          <a:off x="0" y="0"/>
-          <a:ext cx="0" cy="0"/>
-          <a:chOff x="0" y="0"/>
-          <a:chExt cx="0" cy="0"/>
-        </a:xfrm>
-      </p:grpSpPr>
-      <p:sp>
-        <p:nvSpPr>
-          <p:cNvPr id="2" name="Title 1">
-            <a:extLst>
-              <a:ext uri="{FF2B5EF4-FFF2-40B4-BE49-F238E27FC236}">
-                <a16:creationId xmlns:a16="http://schemas.microsoft.com/office/drawing/2014/main" id="{FB066717-05D7-A8F6-496C-92ED595ABA19}"/>
-              </a:ext>
-            </a:extLst>
-          </p:cNvPr>
-          <p:cNvSpPr>
-            <a:spLocks noGrp="1"/>
-          </p:cNvSpPr>
-          <p:nvPr>
-            <p:ph type="title"/>
-          </p:nvPr>
-        </p:nvSpPr>
-        <p:spPr/>
-        <p:txBody>
-          <a:bodyPr/>
-          <a:lstStyle/>
-          <a:p>
-            <a:r>
-              <a:rPr lang="en-US" dirty="0"/>
-              <a:t>Workflow automation</a:t>
-            </a:r>
-          </a:p>
-        </p:txBody>
-      </p:sp>
-      <p:sp>
-        <p:nvSpPr>
-          <p:cNvPr id="3" name="Content Placeholder 2">
-            <a:extLst>
-              <a:ext uri="{FF2B5EF4-FFF2-40B4-BE49-F238E27FC236}">
-                <a16:creationId xmlns:a16="http://schemas.microsoft.com/office/drawing/2014/main" id="{3128CDA3-7164-E363-82B6-33E1C71F2A63}"/>
-              </a:ext>
-            </a:extLst>
-          </p:cNvPr>
-          <p:cNvSpPr>
-            <a:spLocks noGrp="1"/>
-          </p:cNvSpPr>
-          <p:nvPr>
-            <p:ph idx="1"/>
-          </p:nvPr>
-        </p:nvSpPr>
-        <p:spPr/>
-        <p:txBody>
-          <a:bodyPr/>
-          <a:lstStyle/>
-          <a:p>
-            <a:endParaRPr lang="en-US"/>
-          </a:p>
-        </p:txBody>
-      </p:sp>
-      <p:sp>
-        <p:nvSpPr>
-          <p:cNvPr id="4" name="Slide Number Placeholder 3">
-            <a:extLst>
-              <a:ext uri="{FF2B5EF4-FFF2-40B4-BE49-F238E27FC236}">
-                <a16:creationId xmlns:a16="http://schemas.microsoft.com/office/drawing/2014/main" id="{76946F2A-D9DE-76E2-637D-3C1CD4E5CFA9}"/>
-              </a:ext>
-            </a:extLst>
-          </p:cNvPr>
-          <p:cNvSpPr>
-            <a:spLocks noGrp="1"/>
-          </p:cNvSpPr>
-          <p:nvPr>
-            <p:ph type="sldNum" sz="quarter" idx="12"/>
-          </p:nvPr>
-        </p:nvSpPr>
-        <p:spPr/>
-        <p:txBody>
-          <a:bodyPr/>
-          <a:lstStyle/>
-          <a:p>
-            <a:fld id="{FCABE2F1-B51E-8B48-B9C1-957239623D4B}" type="slidenum">
-              <a:rPr lang="en-US" smtClean="0"/>
-              <a:t>37</a:t>
-            </a:fld>
-            <a:endParaRPr lang="en-US"/>
-          </a:p>
-        </p:txBody>
-      </p:sp>
-    </p:spTree>
-    <p:extLst>
-      <p:ext uri="{BB962C8B-B14F-4D97-AF65-F5344CB8AC3E}">
-        <p14:creationId xmlns:p14="http://schemas.microsoft.com/office/powerpoint/2010/main" val="1658790261"/>
       </p:ext>
     </p:extLst>
   </p:cSld>
@@ -21449,7 +23392,7 @@
           <p:cNvPr id="2" name="Title 1">
             <a:extLst>
               <a:ext uri="{FF2B5EF4-FFF2-40B4-BE49-F238E27FC236}">
-                <a16:creationId xmlns:a16="http://schemas.microsoft.com/office/drawing/2014/main" id="{B0F948D6-4880-5CD9-4EB1-8AF58C9BAD3E}"/>
+                <a16:creationId xmlns:a16="http://schemas.microsoft.com/office/drawing/2014/main" id="{D021318B-667D-756A-470B-E2A35341A30F}"/>
               </a:ext>
             </a:extLst>
           </p:cNvPr>
@@ -21467,7 +23410,7 @@
           <a:p>
             <a:r>
               <a:rPr lang="en-US" dirty="0"/>
-              <a:t>About Me</a:t>
+              <a:t>Caveats</a:t>
             </a:r>
           </a:p>
         </p:txBody>
@@ -21477,7 +23420,7 @@
           <p:cNvPr id="3" name="Content Placeholder 2">
             <a:extLst>
               <a:ext uri="{FF2B5EF4-FFF2-40B4-BE49-F238E27FC236}">
-                <a16:creationId xmlns:a16="http://schemas.microsoft.com/office/drawing/2014/main" id="{4250C8EE-A133-A773-E97A-98DA06BEFC84}"/>
+                <a16:creationId xmlns:a16="http://schemas.microsoft.com/office/drawing/2014/main" id="{4011D9E3-4CD5-D77F-2403-BE88B4F923DB}"/>
               </a:ext>
             </a:extLst>
           </p:cNvPr>
@@ -21485,112 +23428,57 @@
             <a:spLocks noGrp="1"/>
           </p:cNvSpPr>
           <p:nvPr>
-            <p:ph sz="half" idx="1"/>
+            <p:ph idx="1"/>
           </p:nvPr>
         </p:nvSpPr>
         <p:spPr/>
         <p:txBody>
           <a:bodyPr>
-            <a:normAutofit fontScale="77500" lnSpcReduction="20000"/>
+            <a:normAutofit/>
           </a:bodyPr>
           <a:lstStyle/>
           <a:p>
-            <a:pPr marL="285750" indent="-285750">
-              <a:buFont typeface="Arial" panose="020B0604020202020204" pitchFamily="34" charset="0"/>
-              <a:buChar char="•"/>
-            </a:pPr>
-            <a:r>
-              <a:rPr lang="en-US" dirty="0"/>
-              <a:t>ETL </a:t>
-            </a:r>
-            <a:r>
-              <a:rPr lang="en-US" dirty="0">
-                <a:sym typeface="Wingdings" pitchFamily="2" charset="2"/>
-              </a:rPr>
-              <a:t> Data Science  AI / Architecture</a:t>
-            </a:r>
-            <a:endParaRPr lang="en-US" dirty="0"/>
-          </a:p>
-          <a:p>
-            <a:pPr marL="285750" indent="-285750">
-              <a:buFont typeface="Arial" panose="020B0604020202020204" pitchFamily="34" charset="0"/>
-              <a:buChar char="•"/>
-            </a:pPr>
-            <a:r>
-              <a:rPr lang="en-US" dirty="0"/>
-              <a:t>Former Senior data engineer at consulting firm</a:t>
-            </a:r>
-          </a:p>
-          <a:p>
-            <a:pPr marL="285750" indent="-285750">
-              <a:buFont typeface="Arial" panose="020B0604020202020204" pitchFamily="34" charset="0"/>
-              <a:buChar char="•"/>
-            </a:pPr>
-            <a:r>
-              <a:rPr lang="en-US" dirty="0"/>
-              <a:t>$60M+ in value-add projects</a:t>
-            </a:r>
-          </a:p>
-          <a:p>
-            <a:pPr marL="285750" indent="-285750">
-              <a:buFont typeface="Arial" panose="020B0604020202020204" pitchFamily="34" charset="0"/>
-              <a:buChar char="•"/>
-            </a:pPr>
-            <a:r>
-              <a:rPr lang="en-US" dirty="0"/>
-              <a:t>Previous: MS and BS at Carnegie Mellon University</a:t>
-            </a:r>
-          </a:p>
-          <a:p>
-            <a:pPr marL="285750" indent="-285750">
-              <a:buFont typeface="Arial" panose="020B0604020202020204" pitchFamily="34" charset="0"/>
-              <a:buChar char="•"/>
-            </a:pPr>
-            <a:r>
-              <a:rPr lang="en-US" dirty="0"/>
-              <a:t>Local: Hoboken, NJ</a:t>
-            </a:r>
-          </a:p>
-          <a:p>
-            <a:endParaRPr lang="en-US" dirty="0"/>
-          </a:p>
-        </p:txBody>
-      </p:sp>
-      <p:pic>
-        <p:nvPicPr>
-          <p:cNvPr id="7" name="Content Placeholder 6">
+            <a:r>
+              <a:rPr lang="en-US" dirty="0"/>
+              <a:t>LLM Specific</a:t>
+            </a:r>
+          </a:p>
+          <a:p>
+            <a:r>
+              <a:rPr lang="en-US" dirty="0"/>
+              <a:t>Released in November 2024</a:t>
+            </a:r>
+          </a:p>
+          <a:p>
+            <a:r>
+              <a:rPr lang="en-US" dirty="0"/>
+              <a:t>https://frank-</a:t>
+            </a:r>
+            <a:r>
+              <a:rPr lang="en-US" dirty="0" err="1"/>
+              <a:t>kovacs.net</a:t>
+            </a:r>
+            <a:r>
+              <a:rPr lang="en-US" dirty="0"/>
+              <a:t>/projects/</a:t>
+            </a:r>
+            <a:r>
+              <a:rPr lang="en-US" dirty="0" err="1"/>
+              <a:t>mcp_nycr</a:t>
+            </a:r>
+            <a:r>
+              <a:rPr lang="en-US" dirty="0"/>
+              <a:t>/</a:t>
+            </a:r>
+          </a:p>
+        </p:txBody>
+      </p:sp>
+      <p:sp>
+        <p:nvSpPr>
+          <p:cNvPr id="4" name="Slide Number Placeholder 3">
             <a:extLst>
               <a:ext uri="{FF2B5EF4-FFF2-40B4-BE49-F238E27FC236}">
-                <a16:creationId xmlns:a16="http://schemas.microsoft.com/office/drawing/2014/main" id="{1835AA99-DC3E-0648-9C40-AC68DA03A041}"/>
-              </a:ext>
-            </a:extLst>
-          </p:cNvPr>
-          <p:cNvPicPr>
-            <a:picLocks noGrp="1" noChangeAspect="1"/>
-          </p:cNvPicPr>
-          <p:nvPr>
-            <p:ph sz="half" idx="2"/>
-          </p:nvPr>
-        </p:nvPicPr>
-        <p:blipFill>
-          <a:blip r:embed="rId2"/>
-          <a:stretch>
-            <a:fillRect/>
-          </a:stretch>
-        </p:blipFill>
-        <p:spPr>
-          <a:xfrm>
-            <a:off x="7609046" y="1724977"/>
-            <a:ext cx="2955925" cy="4200525"/>
-          </a:xfrm>
-        </p:spPr>
-      </p:pic>
-      <p:sp>
-        <p:nvSpPr>
-          <p:cNvPr id="5" name="Slide Number Placeholder 4">
-            <a:extLst>
-              <a:ext uri="{FF2B5EF4-FFF2-40B4-BE49-F238E27FC236}">
-                <a16:creationId xmlns:a16="http://schemas.microsoft.com/office/drawing/2014/main" id="{D0F86E54-A614-56A8-9508-D9C430E789AE}"/>
+                <a16:creationId xmlns:a16="http://schemas.microsoft.com/office/drawing/2014/main" id="{75E14FD8-0B95-29E4-91A0-F160A1154FAB}"/>
               </a:ext>
             </a:extLst>
           </p:cNvPr>
@@ -21617,7 +23505,415 @@
     </p:spTree>
     <p:extLst>
       <p:ext uri="{BB962C8B-B14F-4D97-AF65-F5344CB8AC3E}">
-        <p14:creationId xmlns:p14="http://schemas.microsoft.com/office/powerpoint/2010/main" val="2796990803"/>
+        <p14:creationId xmlns:p14="http://schemas.microsoft.com/office/powerpoint/2010/main" val="2893213864"/>
+      </p:ext>
+    </p:extLst>
+  </p:cSld>
+  <p:clrMapOvr>
+    <a:masterClrMapping/>
+  </p:clrMapOvr>
+</p:sld>
+</file>
+
+<file path=ppt/slides/slide40.xml><?xml version="1.0" encoding="utf-8"?>
+<p:sld xmlns:a="http://schemas.openxmlformats.org/drawingml/2006/main" xmlns:r="http://schemas.openxmlformats.org/officeDocument/2006/relationships" xmlns:p="http://schemas.openxmlformats.org/presentationml/2006/main" show="0">
+  <p:cSld>
+    <p:spTree>
+      <p:nvGrpSpPr>
+        <p:cNvPr id="1" name=""/>
+        <p:cNvGrpSpPr/>
+        <p:nvPr/>
+      </p:nvGrpSpPr>
+      <p:grpSpPr>
+        <a:xfrm>
+          <a:off x="0" y="0"/>
+          <a:ext cx="0" cy="0"/>
+          <a:chOff x="0" y="0"/>
+          <a:chExt cx="0" cy="0"/>
+        </a:xfrm>
+      </p:grpSpPr>
+      <p:sp>
+        <p:nvSpPr>
+          <p:cNvPr id="2" name="Title 1">
+            <a:extLst>
+              <a:ext uri="{FF2B5EF4-FFF2-40B4-BE49-F238E27FC236}">
+                <a16:creationId xmlns:a16="http://schemas.microsoft.com/office/drawing/2014/main" id="{B7316801-9FF4-ED10-6D10-8C95E5917711}"/>
+              </a:ext>
+            </a:extLst>
+          </p:cNvPr>
+          <p:cNvSpPr>
+            <a:spLocks noGrp="1"/>
+          </p:cNvSpPr>
+          <p:nvPr>
+            <p:ph type="title"/>
+          </p:nvPr>
+        </p:nvSpPr>
+        <p:spPr/>
+        <p:txBody>
+          <a:bodyPr/>
+          <a:lstStyle/>
+          <a:p>
+            <a:r>
+              <a:rPr lang="en-US" dirty="0"/>
+              <a:t>Zoom in</a:t>
+            </a:r>
+          </a:p>
+        </p:txBody>
+      </p:sp>
+      <p:sp>
+        <p:nvSpPr>
+          <p:cNvPr id="3" name="Content Placeholder 2">
+            <a:extLst>
+              <a:ext uri="{FF2B5EF4-FFF2-40B4-BE49-F238E27FC236}">
+                <a16:creationId xmlns:a16="http://schemas.microsoft.com/office/drawing/2014/main" id="{19307220-B5F5-0BED-71D1-06F4C9F39F9F}"/>
+              </a:ext>
+            </a:extLst>
+          </p:cNvPr>
+          <p:cNvSpPr>
+            <a:spLocks noGrp="1"/>
+          </p:cNvSpPr>
+          <p:nvPr>
+            <p:ph idx="1"/>
+          </p:nvPr>
+        </p:nvSpPr>
+        <p:spPr/>
+        <p:txBody>
+          <a:bodyPr/>
+          <a:lstStyle/>
+          <a:p>
+            <a:endParaRPr lang="en-US"/>
+          </a:p>
+        </p:txBody>
+      </p:sp>
+      <p:sp>
+        <p:nvSpPr>
+          <p:cNvPr id="4" name="Slide Number Placeholder 3">
+            <a:extLst>
+              <a:ext uri="{FF2B5EF4-FFF2-40B4-BE49-F238E27FC236}">
+                <a16:creationId xmlns:a16="http://schemas.microsoft.com/office/drawing/2014/main" id="{EFF18B94-DDFD-D43D-BA7D-964040BFE213}"/>
+              </a:ext>
+            </a:extLst>
+          </p:cNvPr>
+          <p:cNvSpPr>
+            <a:spLocks noGrp="1"/>
+          </p:cNvSpPr>
+          <p:nvPr>
+            <p:ph type="sldNum" sz="quarter" idx="12"/>
+          </p:nvPr>
+        </p:nvSpPr>
+        <p:spPr/>
+        <p:txBody>
+          <a:bodyPr/>
+          <a:lstStyle/>
+          <a:p>
+            <a:fld id="{FCABE2F1-B51E-8B48-B9C1-957239623D4B}" type="slidenum">
+              <a:rPr lang="en-US" smtClean="0"/>
+              <a:t>40</a:t>
+            </a:fld>
+            <a:endParaRPr lang="en-US"/>
+          </a:p>
+        </p:txBody>
+      </p:sp>
+    </p:spTree>
+    <p:extLst>
+      <p:ext uri="{BB962C8B-B14F-4D97-AF65-F5344CB8AC3E}">
+        <p14:creationId xmlns:p14="http://schemas.microsoft.com/office/powerpoint/2010/main" val="2090776038"/>
+      </p:ext>
+    </p:extLst>
+  </p:cSld>
+  <p:clrMapOvr>
+    <a:masterClrMapping/>
+  </p:clrMapOvr>
+</p:sld>
+</file>
+
+<file path=ppt/slides/slide41.xml><?xml version="1.0" encoding="utf-8"?>
+<p:sld xmlns:a="http://schemas.openxmlformats.org/drawingml/2006/main" xmlns:r="http://schemas.openxmlformats.org/officeDocument/2006/relationships" xmlns:p="http://schemas.openxmlformats.org/presentationml/2006/main" show="0">
+  <p:cSld>
+    <p:spTree>
+      <p:nvGrpSpPr>
+        <p:cNvPr id="1" name=""/>
+        <p:cNvGrpSpPr/>
+        <p:nvPr/>
+      </p:nvGrpSpPr>
+      <p:grpSpPr>
+        <a:xfrm>
+          <a:off x="0" y="0"/>
+          <a:ext cx="0" cy="0"/>
+          <a:chOff x="0" y="0"/>
+          <a:chExt cx="0" cy="0"/>
+        </a:xfrm>
+      </p:grpSpPr>
+      <p:sp>
+        <p:nvSpPr>
+          <p:cNvPr id="2" name="Title 1">
+            <a:extLst>
+              <a:ext uri="{FF2B5EF4-FFF2-40B4-BE49-F238E27FC236}">
+                <a16:creationId xmlns:a16="http://schemas.microsoft.com/office/drawing/2014/main" id="{C25031A4-03DE-4746-1EF6-C462812543A0}"/>
+              </a:ext>
+            </a:extLst>
+          </p:cNvPr>
+          <p:cNvSpPr>
+            <a:spLocks noGrp="1"/>
+          </p:cNvSpPr>
+          <p:nvPr>
+            <p:ph type="title"/>
+          </p:nvPr>
+        </p:nvSpPr>
+        <p:spPr/>
+        <p:txBody>
+          <a:bodyPr/>
+          <a:lstStyle/>
+          <a:p>
+            <a:r>
+              <a:rPr lang="en-US" dirty="0"/>
+              <a:t>Aside: Client / Server</a:t>
+            </a:r>
+          </a:p>
+        </p:txBody>
+      </p:sp>
+      <p:sp>
+        <p:nvSpPr>
+          <p:cNvPr id="3" name="Content Placeholder 2">
+            <a:extLst>
+              <a:ext uri="{FF2B5EF4-FFF2-40B4-BE49-F238E27FC236}">
+                <a16:creationId xmlns:a16="http://schemas.microsoft.com/office/drawing/2014/main" id="{5DB7CECA-5D8B-DDD0-EF24-B2EF1BB84971}"/>
+              </a:ext>
+            </a:extLst>
+          </p:cNvPr>
+          <p:cNvSpPr>
+            <a:spLocks noGrp="1"/>
+          </p:cNvSpPr>
+          <p:nvPr>
+            <p:ph sz="half" idx="1"/>
+          </p:nvPr>
+        </p:nvSpPr>
+        <p:spPr/>
+        <p:txBody>
+          <a:bodyPr>
+            <a:normAutofit fontScale="85000" lnSpcReduction="10000"/>
+          </a:bodyPr>
+          <a:lstStyle/>
+          <a:p>
+            <a:r>
+              <a:rPr lang="en-US" dirty="0"/>
+              <a:t>Client – Sends requests, “Ask”</a:t>
+            </a:r>
+          </a:p>
+          <a:p>
+            <a:r>
+              <a:rPr lang="en-US" dirty="0"/>
+              <a:t>Server – Sends answers, “Answer”</a:t>
+            </a:r>
+          </a:p>
+          <a:p>
+            <a:r>
+              <a:rPr lang="en-US" dirty="0"/>
+              <a:t>Benefits:</a:t>
+            </a:r>
+          </a:p>
+          <a:p>
+            <a:pPr lvl="1"/>
+            <a:r>
+              <a:rPr lang="en-US" dirty="0"/>
+              <a:t>Centralization</a:t>
+            </a:r>
+          </a:p>
+          <a:p>
+            <a:pPr lvl="1"/>
+            <a:r>
+              <a:rPr lang="en-US" dirty="0"/>
+              <a:t>Scalability</a:t>
+            </a:r>
+          </a:p>
+          <a:p>
+            <a:pPr lvl="1"/>
+            <a:r>
+              <a:rPr lang="en-US" dirty="0"/>
+              <a:t>Protection: One thing</a:t>
+            </a:r>
+          </a:p>
+          <a:p>
+            <a:pPr lvl="1"/>
+            <a:r>
+              <a:rPr lang="en-US" dirty="0"/>
+              <a:t>De-coupled</a:t>
+            </a:r>
+          </a:p>
+        </p:txBody>
+      </p:sp>
+      <p:sp>
+        <p:nvSpPr>
+          <p:cNvPr id="4" name="Content Placeholder 3">
+            <a:extLst>
+              <a:ext uri="{FF2B5EF4-FFF2-40B4-BE49-F238E27FC236}">
+                <a16:creationId xmlns:a16="http://schemas.microsoft.com/office/drawing/2014/main" id="{33B94AE0-E6A6-80C8-9204-490317374F57}"/>
+              </a:ext>
+            </a:extLst>
+          </p:cNvPr>
+          <p:cNvSpPr>
+            <a:spLocks noGrp="1"/>
+          </p:cNvSpPr>
+          <p:nvPr>
+            <p:ph sz="half" idx="2"/>
+          </p:nvPr>
+        </p:nvSpPr>
+        <p:spPr/>
+        <p:txBody>
+          <a:bodyPr>
+            <a:normAutofit fontScale="85000" lnSpcReduction="10000"/>
+          </a:bodyPr>
+          <a:lstStyle/>
+          <a:p>
+            <a:endParaRPr lang="en-US"/>
+          </a:p>
+        </p:txBody>
+      </p:sp>
+      <p:sp>
+        <p:nvSpPr>
+          <p:cNvPr id="5" name="Slide Number Placeholder 4">
+            <a:extLst>
+              <a:ext uri="{FF2B5EF4-FFF2-40B4-BE49-F238E27FC236}">
+                <a16:creationId xmlns:a16="http://schemas.microsoft.com/office/drawing/2014/main" id="{182D3D53-8FF0-1C32-DE4D-D574705EC0E1}"/>
+              </a:ext>
+            </a:extLst>
+          </p:cNvPr>
+          <p:cNvSpPr>
+            <a:spLocks noGrp="1"/>
+          </p:cNvSpPr>
+          <p:nvPr>
+            <p:ph type="sldNum" sz="quarter" idx="12"/>
+          </p:nvPr>
+        </p:nvSpPr>
+        <p:spPr/>
+        <p:txBody>
+          <a:bodyPr/>
+          <a:lstStyle/>
+          <a:p>
+            <a:fld id="{FCABE2F1-B51E-8B48-B9C1-957239623D4B}" type="slidenum">
+              <a:rPr lang="en-US" smtClean="0"/>
+              <a:t>41</a:t>
+            </a:fld>
+            <a:endParaRPr lang="en-US"/>
+          </a:p>
+        </p:txBody>
+      </p:sp>
+    </p:spTree>
+    <p:extLst>
+      <p:ext uri="{BB962C8B-B14F-4D97-AF65-F5344CB8AC3E}">
+        <p14:creationId xmlns:p14="http://schemas.microsoft.com/office/powerpoint/2010/main" val="953311829"/>
+      </p:ext>
+    </p:extLst>
+  </p:cSld>
+  <p:clrMapOvr>
+    <a:masterClrMapping/>
+  </p:clrMapOvr>
+</p:sld>
+</file>
+
+<file path=ppt/slides/slide42.xml><?xml version="1.0" encoding="utf-8"?>
+<p:sld xmlns:a="http://schemas.openxmlformats.org/drawingml/2006/main" xmlns:r="http://schemas.openxmlformats.org/officeDocument/2006/relationships" xmlns:p="http://schemas.openxmlformats.org/presentationml/2006/main" show="0">
+  <p:cSld>
+    <p:spTree>
+      <p:nvGrpSpPr>
+        <p:cNvPr id="1" name=""/>
+        <p:cNvGrpSpPr/>
+        <p:nvPr/>
+      </p:nvGrpSpPr>
+      <p:grpSpPr>
+        <a:xfrm>
+          <a:off x="0" y="0"/>
+          <a:ext cx="0" cy="0"/>
+          <a:chOff x="0" y="0"/>
+          <a:chExt cx="0" cy="0"/>
+        </a:xfrm>
+      </p:grpSpPr>
+      <p:sp>
+        <p:nvSpPr>
+          <p:cNvPr id="2" name="Title 1">
+            <a:extLst>
+              <a:ext uri="{FF2B5EF4-FFF2-40B4-BE49-F238E27FC236}">
+                <a16:creationId xmlns:a16="http://schemas.microsoft.com/office/drawing/2014/main" id="{FB066717-05D7-A8F6-496C-92ED595ABA19}"/>
+              </a:ext>
+            </a:extLst>
+          </p:cNvPr>
+          <p:cNvSpPr>
+            <a:spLocks noGrp="1"/>
+          </p:cNvSpPr>
+          <p:nvPr>
+            <p:ph type="title"/>
+          </p:nvPr>
+        </p:nvSpPr>
+        <p:spPr/>
+        <p:txBody>
+          <a:bodyPr/>
+          <a:lstStyle/>
+          <a:p>
+            <a:r>
+              <a:rPr lang="en-US" dirty="0"/>
+              <a:t>Workflow automation</a:t>
+            </a:r>
+          </a:p>
+        </p:txBody>
+      </p:sp>
+      <p:sp>
+        <p:nvSpPr>
+          <p:cNvPr id="3" name="Content Placeholder 2">
+            <a:extLst>
+              <a:ext uri="{FF2B5EF4-FFF2-40B4-BE49-F238E27FC236}">
+                <a16:creationId xmlns:a16="http://schemas.microsoft.com/office/drawing/2014/main" id="{3128CDA3-7164-E363-82B6-33E1C71F2A63}"/>
+              </a:ext>
+            </a:extLst>
+          </p:cNvPr>
+          <p:cNvSpPr>
+            <a:spLocks noGrp="1"/>
+          </p:cNvSpPr>
+          <p:nvPr>
+            <p:ph idx="1"/>
+          </p:nvPr>
+        </p:nvSpPr>
+        <p:spPr/>
+        <p:txBody>
+          <a:bodyPr/>
+          <a:lstStyle/>
+          <a:p>
+            <a:endParaRPr lang="en-US"/>
+          </a:p>
+        </p:txBody>
+      </p:sp>
+      <p:sp>
+        <p:nvSpPr>
+          <p:cNvPr id="4" name="Slide Number Placeholder 3">
+            <a:extLst>
+              <a:ext uri="{FF2B5EF4-FFF2-40B4-BE49-F238E27FC236}">
+                <a16:creationId xmlns:a16="http://schemas.microsoft.com/office/drawing/2014/main" id="{76946F2A-D9DE-76E2-637D-3C1CD4E5CFA9}"/>
+              </a:ext>
+            </a:extLst>
+          </p:cNvPr>
+          <p:cNvSpPr>
+            <a:spLocks noGrp="1"/>
+          </p:cNvSpPr>
+          <p:nvPr>
+            <p:ph type="sldNum" sz="quarter" idx="12"/>
+          </p:nvPr>
+        </p:nvSpPr>
+        <p:spPr/>
+        <p:txBody>
+          <a:bodyPr/>
+          <a:lstStyle/>
+          <a:p>
+            <a:fld id="{FCABE2F1-B51E-8B48-B9C1-957239623D4B}" type="slidenum">
+              <a:rPr lang="en-US" smtClean="0"/>
+              <a:t>42</a:t>
+            </a:fld>
+            <a:endParaRPr lang="en-US"/>
+          </a:p>
+        </p:txBody>
+      </p:sp>
+    </p:spTree>
+    <p:extLst>
+      <p:ext uri="{BB962C8B-B14F-4D97-AF65-F5344CB8AC3E}">
+        <p14:creationId xmlns:p14="http://schemas.microsoft.com/office/powerpoint/2010/main" val="1658790261"/>
       </p:ext>
     </p:extLst>
   </p:cSld>
@@ -21649,7 +23945,7 @@
           <p:cNvPr id="2" name="Title 1">
             <a:extLst>
               <a:ext uri="{FF2B5EF4-FFF2-40B4-BE49-F238E27FC236}">
-                <a16:creationId xmlns:a16="http://schemas.microsoft.com/office/drawing/2014/main" id="{A506A1F7-4EA7-CCFE-9D28-3687C67866A6}"/>
+                <a16:creationId xmlns:a16="http://schemas.microsoft.com/office/drawing/2014/main" id="{B0F948D6-4880-5CD9-4EB1-8AF58C9BAD3E}"/>
               </a:ext>
             </a:extLst>
           </p:cNvPr>
@@ -21667,7 +23963,7 @@
           <a:p>
             <a:r>
               <a:rPr lang="en-US" dirty="0"/>
-              <a:t>Framing</a:t>
+              <a:t>About Me</a:t>
             </a:r>
           </a:p>
         </p:txBody>
@@ -21677,7 +23973,7 @@
           <p:cNvPr id="3" name="Content Placeholder 2">
             <a:extLst>
               <a:ext uri="{FF2B5EF4-FFF2-40B4-BE49-F238E27FC236}">
-                <a16:creationId xmlns:a16="http://schemas.microsoft.com/office/drawing/2014/main" id="{0789D652-9AC4-E7BA-0128-35C3BF7FF107}"/>
+                <a16:creationId xmlns:a16="http://schemas.microsoft.com/office/drawing/2014/main" id="{4250C8EE-A133-A773-E97A-98DA06BEFC84}"/>
               </a:ext>
             </a:extLst>
           </p:cNvPr>
@@ -21685,35 +23981,112 @@
             <a:spLocks noGrp="1"/>
           </p:cNvSpPr>
           <p:nvPr>
-            <p:ph idx="1"/>
+            <p:ph sz="half" idx="1"/>
           </p:nvPr>
         </p:nvSpPr>
         <p:spPr/>
         <p:txBody>
           <a:bodyPr>
-            <a:normAutofit fontScale="92500"/>
+            <a:normAutofit fontScale="77500" lnSpcReduction="20000"/>
           </a:bodyPr>
           <a:lstStyle/>
           <a:p>
-            <a:r>
-              <a:rPr lang="en-US" dirty="0"/>
-              <a:t>“The true power of AI lies not in replacing humans, but in working alongside us to achieve what neither can do alone. ” -Sebastian Thurn</a:t>
-            </a:r>
-          </a:p>
-          <a:p>
-            <a:r>
-              <a:rPr lang="en-US" dirty="0"/>
-              <a:t>“Surprisingly, we find that when developers use AI tools, they take 19% longer than without—AI makes them slower.” (Becker, Rush, Barnes and Rein, 2025)</a:t>
-            </a:r>
-          </a:p>
-        </p:txBody>
-      </p:sp>
-      <p:sp>
-        <p:nvSpPr>
-          <p:cNvPr id="4" name="Slide Number Placeholder 3">
+            <a:pPr marL="285750" indent="-285750">
+              <a:buFont typeface="Arial" panose="020B0604020202020204" pitchFamily="34" charset="0"/>
+              <a:buChar char="•"/>
+            </a:pPr>
+            <a:r>
+              <a:rPr lang="en-US" dirty="0"/>
+              <a:t>ETL </a:t>
+            </a:r>
+            <a:r>
+              <a:rPr lang="en-US" dirty="0">
+                <a:sym typeface="Wingdings" pitchFamily="2" charset="2"/>
+              </a:rPr>
+              <a:t> Data Science  AI / Architecture</a:t>
+            </a:r>
+            <a:endParaRPr lang="en-US" dirty="0"/>
+          </a:p>
+          <a:p>
+            <a:pPr marL="285750" indent="-285750">
+              <a:buFont typeface="Arial" panose="020B0604020202020204" pitchFamily="34" charset="0"/>
+              <a:buChar char="•"/>
+            </a:pPr>
+            <a:r>
+              <a:rPr lang="en-US" dirty="0"/>
+              <a:t>Former Senior data engineer at consulting firm</a:t>
+            </a:r>
+          </a:p>
+          <a:p>
+            <a:pPr marL="285750" indent="-285750">
+              <a:buFont typeface="Arial" panose="020B0604020202020204" pitchFamily="34" charset="0"/>
+              <a:buChar char="•"/>
+            </a:pPr>
+            <a:r>
+              <a:rPr lang="en-US" dirty="0"/>
+              <a:t>$60M+ in value-add projects</a:t>
+            </a:r>
+          </a:p>
+          <a:p>
+            <a:pPr marL="285750" indent="-285750">
+              <a:buFont typeface="Arial" panose="020B0604020202020204" pitchFamily="34" charset="0"/>
+              <a:buChar char="•"/>
+            </a:pPr>
+            <a:r>
+              <a:rPr lang="en-US" dirty="0"/>
+              <a:t>Previous: MS and BS at Carnegie Mellon University</a:t>
+            </a:r>
+          </a:p>
+          <a:p>
+            <a:pPr marL="285750" indent="-285750">
+              <a:buFont typeface="Arial" panose="020B0604020202020204" pitchFamily="34" charset="0"/>
+              <a:buChar char="•"/>
+            </a:pPr>
+            <a:r>
+              <a:rPr lang="en-US" dirty="0"/>
+              <a:t>Local: Hoboken, NJ</a:t>
+            </a:r>
+          </a:p>
+          <a:p>
+            <a:endParaRPr lang="en-US" dirty="0"/>
+          </a:p>
+        </p:txBody>
+      </p:sp>
+      <p:pic>
+        <p:nvPicPr>
+          <p:cNvPr id="7" name="Content Placeholder 6">
             <a:extLst>
               <a:ext uri="{FF2B5EF4-FFF2-40B4-BE49-F238E27FC236}">
-                <a16:creationId xmlns:a16="http://schemas.microsoft.com/office/drawing/2014/main" id="{762BF91D-BD3A-6F78-63EB-E18257FDD76E}"/>
+                <a16:creationId xmlns:a16="http://schemas.microsoft.com/office/drawing/2014/main" id="{1835AA99-DC3E-0648-9C40-AC68DA03A041}"/>
+              </a:ext>
+            </a:extLst>
+          </p:cNvPr>
+          <p:cNvPicPr>
+            <a:picLocks noGrp="1" noChangeAspect="1"/>
+          </p:cNvPicPr>
+          <p:nvPr>
+            <p:ph sz="half" idx="2"/>
+          </p:nvPr>
+        </p:nvPicPr>
+        <p:blipFill>
+          <a:blip r:embed="rId2"/>
+          <a:stretch>
+            <a:fillRect/>
+          </a:stretch>
+        </p:blipFill>
+        <p:spPr>
+          <a:xfrm>
+            <a:off x="7609046" y="1724977"/>
+            <a:ext cx="2955925" cy="4200525"/>
+          </a:xfrm>
+        </p:spPr>
+      </p:pic>
+      <p:sp>
+        <p:nvSpPr>
+          <p:cNvPr id="5" name="Slide Number Placeholder 4">
+            <a:extLst>
+              <a:ext uri="{FF2B5EF4-FFF2-40B4-BE49-F238E27FC236}">
+                <a16:creationId xmlns:a16="http://schemas.microsoft.com/office/drawing/2014/main" id="{D0F86E54-A614-56A8-9508-D9C430E789AE}"/>
               </a:ext>
             </a:extLst>
           </p:cNvPr>
@@ -21740,7 +24113,7 @@
     </p:spTree>
     <p:extLst>
       <p:ext uri="{BB962C8B-B14F-4D97-AF65-F5344CB8AC3E}">
-        <p14:creationId xmlns:p14="http://schemas.microsoft.com/office/powerpoint/2010/main" val="2139893772"/>
+        <p14:creationId xmlns:p14="http://schemas.microsoft.com/office/powerpoint/2010/main" val="2796990803"/>
       </p:ext>
     </p:extLst>
   </p:cSld>
@@ -21772,6 +24145,129 @@
           <p:cNvPr id="2" name="Title 1">
             <a:extLst>
               <a:ext uri="{FF2B5EF4-FFF2-40B4-BE49-F238E27FC236}">
+                <a16:creationId xmlns:a16="http://schemas.microsoft.com/office/drawing/2014/main" id="{A506A1F7-4EA7-CCFE-9D28-3687C67866A6}"/>
+              </a:ext>
+            </a:extLst>
+          </p:cNvPr>
+          <p:cNvSpPr>
+            <a:spLocks noGrp="1"/>
+          </p:cNvSpPr>
+          <p:nvPr>
+            <p:ph type="title"/>
+          </p:nvPr>
+        </p:nvSpPr>
+        <p:spPr/>
+        <p:txBody>
+          <a:bodyPr/>
+          <a:lstStyle/>
+          <a:p>
+            <a:r>
+              <a:rPr lang="en-US" dirty="0"/>
+              <a:t>Framing</a:t>
+            </a:r>
+          </a:p>
+        </p:txBody>
+      </p:sp>
+      <p:sp>
+        <p:nvSpPr>
+          <p:cNvPr id="3" name="Content Placeholder 2">
+            <a:extLst>
+              <a:ext uri="{FF2B5EF4-FFF2-40B4-BE49-F238E27FC236}">
+                <a16:creationId xmlns:a16="http://schemas.microsoft.com/office/drawing/2014/main" id="{0789D652-9AC4-E7BA-0128-35C3BF7FF107}"/>
+              </a:ext>
+            </a:extLst>
+          </p:cNvPr>
+          <p:cNvSpPr>
+            <a:spLocks noGrp="1"/>
+          </p:cNvSpPr>
+          <p:nvPr>
+            <p:ph idx="1"/>
+          </p:nvPr>
+        </p:nvSpPr>
+        <p:spPr/>
+        <p:txBody>
+          <a:bodyPr>
+            <a:normAutofit fontScale="92500"/>
+          </a:bodyPr>
+          <a:lstStyle/>
+          <a:p>
+            <a:r>
+              <a:rPr lang="en-US" dirty="0"/>
+              <a:t>“The true power of AI lies not in replacing humans, but in working alongside us to achieve what neither can do alone. ” -Sebastian Thurn</a:t>
+            </a:r>
+          </a:p>
+          <a:p>
+            <a:r>
+              <a:rPr lang="en-US" dirty="0"/>
+              <a:t>“Surprisingly, we find that when developers use AI tools, they take 19% longer than without—AI makes them slower.” (Becker, Rush, Barnes and Rein, 2025)</a:t>
+            </a:r>
+          </a:p>
+        </p:txBody>
+      </p:sp>
+      <p:sp>
+        <p:nvSpPr>
+          <p:cNvPr id="4" name="Slide Number Placeholder 3">
+            <a:extLst>
+              <a:ext uri="{FF2B5EF4-FFF2-40B4-BE49-F238E27FC236}">
+                <a16:creationId xmlns:a16="http://schemas.microsoft.com/office/drawing/2014/main" id="{762BF91D-BD3A-6F78-63EB-E18257FDD76E}"/>
+              </a:ext>
+            </a:extLst>
+          </p:cNvPr>
+          <p:cNvSpPr>
+            <a:spLocks noGrp="1"/>
+          </p:cNvSpPr>
+          <p:nvPr>
+            <p:ph type="sldNum" sz="quarter" idx="12"/>
+          </p:nvPr>
+        </p:nvSpPr>
+        <p:spPr/>
+        <p:txBody>
+          <a:bodyPr/>
+          <a:lstStyle/>
+          <a:p>
+            <a:fld id="{FCABE2F1-B51E-8B48-B9C1-957239623D4B}" type="slidenum">
+              <a:rPr lang="en-US" smtClean="0"/>
+              <a:t>6</a:t>
+            </a:fld>
+            <a:endParaRPr lang="en-US"/>
+          </a:p>
+        </p:txBody>
+      </p:sp>
+    </p:spTree>
+    <p:extLst>
+      <p:ext uri="{BB962C8B-B14F-4D97-AF65-F5344CB8AC3E}">
+        <p14:creationId xmlns:p14="http://schemas.microsoft.com/office/powerpoint/2010/main" val="2139893772"/>
+      </p:ext>
+    </p:extLst>
+  </p:cSld>
+  <p:clrMapOvr>
+    <a:masterClrMapping/>
+  </p:clrMapOvr>
+</p:sld>
+</file>
+
+<file path=ppt/slides/slide7.xml><?xml version="1.0" encoding="utf-8"?>
+<p:sld xmlns:a="http://schemas.openxmlformats.org/drawingml/2006/main" xmlns:r="http://schemas.openxmlformats.org/officeDocument/2006/relationships" xmlns:p="http://schemas.openxmlformats.org/presentationml/2006/main">
+  <p:cSld>
+    <p:spTree>
+      <p:nvGrpSpPr>
+        <p:cNvPr id="1" name=""/>
+        <p:cNvGrpSpPr/>
+        <p:nvPr/>
+      </p:nvGrpSpPr>
+      <p:grpSpPr>
+        <a:xfrm>
+          <a:off x="0" y="0"/>
+          <a:ext cx="0" cy="0"/>
+          <a:chOff x="0" y="0"/>
+          <a:chExt cx="0" cy="0"/>
+        </a:xfrm>
+      </p:grpSpPr>
+      <p:sp>
+        <p:nvSpPr>
+          <p:cNvPr id="2" name="Title 1">
+            <a:extLst>
+              <a:ext uri="{FF2B5EF4-FFF2-40B4-BE49-F238E27FC236}">
                 <a16:creationId xmlns:a16="http://schemas.microsoft.com/office/drawing/2014/main" id="{F8C8D372-0062-6563-61EA-922CB5B511F4}"/>
               </a:ext>
             </a:extLst>
@@ -21885,7 +24381,7 @@
           <a:p>
             <a:fld id="{FCABE2F1-B51E-8B48-B9C1-957239623D4B}" type="slidenum">
               <a:rPr lang="en-US" smtClean="0"/>
-              <a:t>6</a:t>
+              <a:t>7</a:t>
             </a:fld>
             <a:endParaRPr lang="en-US"/>
           </a:p>
@@ -21904,7 +24400,7 @@
 </p:sld>
 </file>
 
-<file path=ppt/slides/slide7.xml><?xml version="1.0" encoding="utf-8"?>
+<file path=ppt/slides/slide8.xml><?xml version="1.0" encoding="utf-8"?>
 <p:sld xmlns:a="http://schemas.openxmlformats.org/drawingml/2006/main" xmlns:r="http://schemas.openxmlformats.org/officeDocument/2006/relationships" xmlns:p="http://schemas.openxmlformats.org/presentationml/2006/main">
   <p:cSld>
     <p:spTree>
@@ -22004,61 +24500,6 @@
       </p:sp>
       <p:sp>
         <p:nvSpPr>
-          <p:cNvPr id="3" name="Content Placeholder 2">
-            <a:extLst>
-              <a:ext uri="{FF2B5EF4-FFF2-40B4-BE49-F238E27FC236}">
-                <a16:creationId xmlns:a16="http://schemas.microsoft.com/office/drawing/2014/main" id="{4F0A8794-139E-5BCC-14B2-7893C46975E8}"/>
-              </a:ext>
-            </a:extLst>
-          </p:cNvPr>
-          <p:cNvSpPr>
-            <a:spLocks noGrp="1"/>
-          </p:cNvSpPr>
-          <p:nvPr>
-            <p:ph sz="half" idx="2"/>
-          </p:nvPr>
-        </p:nvSpPr>
-        <p:spPr/>
-        <p:txBody>
-          <a:bodyPr/>
-          <a:lstStyle/>
-          <a:p>
-            <a:pPr>
-              <a:lnSpc>
-                <a:spcPct val="200000"/>
-              </a:lnSpc>
-            </a:pPr>
-            <a:r>
-              <a:rPr lang="en-US" dirty="0"/>
-              <a:t>Time-consuming</a:t>
-            </a:r>
-          </a:p>
-          <a:p>
-            <a:pPr>
-              <a:lnSpc>
-                <a:spcPct val="200000"/>
-              </a:lnSpc>
-            </a:pPr>
-            <a:r>
-              <a:rPr lang="en-US" dirty="0"/>
-              <a:t>Dubious security</a:t>
-            </a:r>
-          </a:p>
-          <a:p>
-            <a:pPr>
-              <a:lnSpc>
-                <a:spcPct val="200000"/>
-              </a:lnSpc>
-            </a:pPr>
-            <a:r>
-              <a:rPr lang="en-US" dirty="0"/>
-              <a:t>Labor-intensive: N by M Integration Problem</a:t>
-            </a:r>
-          </a:p>
-        </p:txBody>
-      </p:sp>
-      <p:sp>
-        <p:nvSpPr>
           <p:cNvPr id="5" name="Slide Number Placeholder 4">
             <a:extLst>
               <a:ext uri="{FF2B5EF4-FFF2-40B4-BE49-F238E27FC236}">
@@ -22080,8 +24521,33 @@
           <a:p>
             <a:fld id="{FCABE2F1-B51E-8B48-B9C1-957239623D4B}" type="slidenum">
               <a:rPr lang="en-US" smtClean="0"/>
-              <a:t>7</a:t>
+              <a:t>8</a:t>
             </a:fld>
+            <a:endParaRPr lang="en-US"/>
+          </a:p>
+        </p:txBody>
+      </p:sp>
+      <p:sp>
+        <p:nvSpPr>
+          <p:cNvPr id="7" name="Content Placeholder 6">
+            <a:extLst>
+              <a:ext uri="{FF2B5EF4-FFF2-40B4-BE49-F238E27FC236}">
+                <a16:creationId xmlns:a16="http://schemas.microsoft.com/office/drawing/2014/main" id="{B6C110B7-F4B7-3635-7E3B-5675D5E2F3C0}"/>
+              </a:ext>
+            </a:extLst>
+          </p:cNvPr>
+          <p:cNvSpPr>
+            <a:spLocks noGrp="1"/>
+          </p:cNvSpPr>
+          <p:nvPr>
+            <p:ph sz="half" idx="2"/>
+          </p:nvPr>
+        </p:nvSpPr>
+        <p:spPr/>
+        <p:txBody>
+          <a:bodyPr/>
+          <a:lstStyle/>
+          <a:p>
             <a:endParaRPr lang="en-US"/>
           </a:p>
         </p:txBody>
@@ -22090,165 +24556,6 @@
     <p:extLst>
       <p:ext uri="{BB962C8B-B14F-4D97-AF65-F5344CB8AC3E}">
         <p14:creationId xmlns:p14="http://schemas.microsoft.com/office/powerpoint/2010/main" val="3595035626"/>
-      </p:ext>
-    </p:extLst>
-  </p:cSld>
-  <p:clrMapOvr>
-    <a:masterClrMapping/>
-  </p:clrMapOvr>
-</p:sld>
-</file>
-
-<file path=ppt/slides/slide8.xml><?xml version="1.0" encoding="utf-8"?>
-<p:sld xmlns:a="http://schemas.openxmlformats.org/drawingml/2006/main" xmlns:r="http://schemas.openxmlformats.org/officeDocument/2006/relationships" xmlns:p="http://schemas.openxmlformats.org/presentationml/2006/main">
-  <p:cSld>
-    <p:spTree>
-      <p:nvGrpSpPr>
-        <p:cNvPr id="1" name=""/>
-        <p:cNvGrpSpPr/>
-        <p:nvPr/>
-      </p:nvGrpSpPr>
-      <p:grpSpPr>
-        <a:xfrm>
-          <a:off x="0" y="0"/>
-          <a:ext cx="0" cy="0"/>
-          <a:chOff x="0" y="0"/>
-          <a:chExt cx="0" cy="0"/>
-        </a:xfrm>
-      </p:grpSpPr>
-      <p:sp>
-        <p:nvSpPr>
-          <p:cNvPr id="2" name="Title 1">
-            <a:extLst>
-              <a:ext uri="{FF2B5EF4-FFF2-40B4-BE49-F238E27FC236}">
-                <a16:creationId xmlns:a16="http://schemas.microsoft.com/office/drawing/2014/main" id="{87F28541-D033-F2B5-B25C-9A99C393ADE0}"/>
-              </a:ext>
-            </a:extLst>
-          </p:cNvPr>
-          <p:cNvSpPr>
-            <a:spLocks noGrp="1"/>
-          </p:cNvSpPr>
-          <p:nvPr>
-            <p:ph type="title"/>
-          </p:nvPr>
-        </p:nvSpPr>
-        <p:spPr/>
-        <p:txBody>
-          <a:bodyPr/>
-          <a:lstStyle/>
-          <a:p>
-            <a:r>
-              <a:rPr lang="en-US" dirty="0"/>
-              <a:t>Definitions</a:t>
-            </a:r>
-          </a:p>
-        </p:txBody>
-      </p:sp>
-      <p:sp>
-        <p:nvSpPr>
-          <p:cNvPr id="3" name="Content Placeholder 2">
-            <a:extLst>
-              <a:ext uri="{FF2B5EF4-FFF2-40B4-BE49-F238E27FC236}">
-                <a16:creationId xmlns:a16="http://schemas.microsoft.com/office/drawing/2014/main" id="{E8E6DF8C-E326-167A-272A-EEA4A1CAAE32}"/>
-              </a:ext>
-            </a:extLst>
-          </p:cNvPr>
-          <p:cNvSpPr>
-            <a:spLocks noGrp="1"/>
-          </p:cNvSpPr>
-          <p:nvPr>
-            <p:ph idx="1"/>
-          </p:nvPr>
-        </p:nvSpPr>
-        <p:spPr/>
-        <p:txBody>
-          <a:bodyPr>
-            <a:normAutofit fontScale="92500"/>
-          </a:bodyPr>
-          <a:lstStyle/>
-          <a:p>
-            <a:pPr>
-              <a:lnSpc>
-                <a:spcPct val="200000"/>
-              </a:lnSpc>
-            </a:pPr>
-            <a:r>
-              <a:rPr lang="en-US" u="sng" dirty="0"/>
-              <a:t>Model Context Protocol</a:t>
-            </a:r>
-            <a:r>
-              <a:rPr lang="en-US" dirty="0"/>
-              <a:t> – An extension of the client / server architecture pattern that provides a standardized way for models to interact with functions and static resources.</a:t>
-            </a:r>
-          </a:p>
-          <a:p>
-            <a:pPr lvl="1">
-              <a:lnSpc>
-                <a:spcPct val="200000"/>
-              </a:lnSpc>
-            </a:pPr>
-            <a:r>
-              <a:rPr lang="en-US" dirty="0"/>
-              <a:t>Protocol – Implements a standard for communication</a:t>
-            </a:r>
-          </a:p>
-          <a:p>
-            <a:pPr lvl="1">
-              <a:lnSpc>
-                <a:spcPct val="200000"/>
-              </a:lnSpc>
-            </a:pPr>
-            <a:r>
-              <a:rPr lang="en-US" dirty="0"/>
-              <a:t>Inspired by Language Server Protocol</a:t>
-            </a:r>
-          </a:p>
-          <a:p>
-            <a:pPr lvl="1">
-              <a:lnSpc>
-                <a:spcPct val="200000"/>
-              </a:lnSpc>
-            </a:pPr>
-            <a:r>
-              <a:rPr lang="en-US" dirty="0"/>
-              <a:t>Stateful</a:t>
-            </a:r>
-          </a:p>
-        </p:txBody>
-      </p:sp>
-      <p:sp>
-        <p:nvSpPr>
-          <p:cNvPr id="4" name="Slide Number Placeholder 3">
-            <a:extLst>
-              <a:ext uri="{FF2B5EF4-FFF2-40B4-BE49-F238E27FC236}">
-                <a16:creationId xmlns:a16="http://schemas.microsoft.com/office/drawing/2014/main" id="{3F675AD7-F6FC-E38C-06A0-A84A949B520D}"/>
-              </a:ext>
-            </a:extLst>
-          </p:cNvPr>
-          <p:cNvSpPr>
-            <a:spLocks noGrp="1"/>
-          </p:cNvSpPr>
-          <p:nvPr>
-            <p:ph type="sldNum" sz="quarter" idx="12"/>
-          </p:nvPr>
-        </p:nvSpPr>
-        <p:spPr/>
-        <p:txBody>
-          <a:bodyPr/>
-          <a:lstStyle/>
-          <a:p>
-            <a:fld id="{FCABE2F1-B51E-8B48-B9C1-957239623D4B}" type="slidenum">
-              <a:rPr lang="en-US" smtClean="0"/>
-              <a:t>8</a:t>
-            </a:fld>
-            <a:endParaRPr lang="en-US"/>
-          </a:p>
-        </p:txBody>
-      </p:sp>
-    </p:spTree>
-    <p:extLst>
-      <p:ext uri="{BB962C8B-B14F-4D97-AF65-F5344CB8AC3E}">
-        <p14:creationId xmlns:p14="http://schemas.microsoft.com/office/powerpoint/2010/main" val="2451246933"/>
       </p:ext>
     </p:extLst>
   </p:cSld>
@@ -22263,7 +24570,13 @@
   <p:cSld>
     <p:spTree>
       <p:nvGrpSpPr>
-        <p:cNvPr id="1" name=""/>
+        <p:cNvPr id="1" name="">
+          <a:extLst>
+            <a:ext uri="{FF2B5EF4-FFF2-40B4-BE49-F238E27FC236}">
+              <a16:creationId xmlns:a16="http://schemas.microsoft.com/office/drawing/2014/main" id="{C631AC36-C3FC-95B1-02D6-D796795E7B1B}"/>
+            </a:ext>
+          </a:extLst>
+        </p:cNvPr>
         <p:cNvGrpSpPr/>
         <p:nvPr/>
       </p:nvGrpSpPr>
@@ -22280,7 +24593,7 @@
           <p:cNvPr id="2" name="Title 1">
             <a:extLst>
               <a:ext uri="{FF2B5EF4-FFF2-40B4-BE49-F238E27FC236}">
-                <a16:creationId xmlns:a16="http://schemas.microsoft.com/office/drawing/2014/main" id="{A1FF4E99-EA91-33F8-32E6-7C38E6621453}"/>
+                <a16:creationId xmlns:a16="http://schemas.microsoft.com/office/drawing/2014/main" id="{F69E1FED-644D-A004-CC80-427262DC764C}"/>
               </a:ext>
             </a:extLst>
           </p:cNvPr>
@@ -22298,17 +24611,17 @@
           <a:p>
             <a:r>
               <a:rPr lang="en-US" dirty="0"/>
-              <a:t>Use cases</a:t>
-            </a:r>
-          </a:p>
-        </p:txBody>
-      </p:sp>
-      <p:sp>
-        <p:nvSpPr>
-          <p:cNvPr id="3" name="Content Placeholder 2">
+              <a:t>Example LLM Workflow: Basic Drawbacks</a:t>
+            </a:r>
+          </a:p>
+        </p:txBody>
+      </p:sp>
+      <p:sp>
+        <p:nvSpPr>
+          <p:cNvPr id="4" name="Content Placeholder 3">
             <a:extLst>
               <a:ext uri="{FF2B5EF4-FFF2-40B4-BE49-F238E27FC236}">
-                <a16:creationId xmlns:a16="http://schemas.microsoft.com/office/drawing/2014/main" id="{90838CFE-C818-E11D-68B3-484B7A297B9F}"/>
+                <a16:creationId xmlns:a16="http://schemas.microsoft.com/office/drawing/2014/main" id="{12DE276D-84BA-DE44-4F93-528BD007EC48}"/>
               </a:ext>
             </a:extLst>
           </p:cNvPr>
@@ -22316,7 +24629,7 @@
             <a:spLocks noGrp="1"/>
           </p:cNvSpPr>
           <p:nvPr>
-            <p:ph idx="1"/>
+            <p:ph sz="half" idx="1"/>
           </p:nvPr>
         </p:nvSpPr>
         <p:spPr/>
@@ -22331,7 +24644,7 @@
             </a:pPr>
             <a:r>
               <a:rPr lang="en-US" dirty="0"/>
-              <a:t>Non-public APIs</a:t>
+              <a:t>Tool Specification</a:t>
             </a:r>
           </a:p>
           <a:p>
@@ -22342,9 +24655,34 @@
             </a:pPr>
             <a:r>
               <a:rPr lang="en-US" dirty="0"/>
-              <a:t>Proprietary data sources</a:t>
-            </a:r>
-          </a:p>
+              <a:t>Knowledge cutoff</a:t>
+            </a:r>
+            <a:endParaRPr lang="en-US" dirty="0">
+              <a:sym typeface="Wingdings" pitchFamily="2" charset="2"/>
+            </a:endParaRPr>
+          </a:p>
+        </p:txBody>
+      </p:sp>
+      <p:sp>
+        <p:nvSpPr>
+          <p:cNvPr id="3" name="Content Placeholder 2">
+            <a:extLst>
+              <a:ext uri="{FF2B5EF4-FFF2-40B4-BE49-F238E27FC236}">
+                <a16:creationId xmlns:a16="http://schemas.microsoft.com/office/drawing/2014/main" id="{D37403E8-3E9E-ACEA-90B3-847E4B1C03CC}"/>
+              </a:ext>
+            </a:extLst>
+          </p:cNvPr>
+          <p:cNvSpPr>
+            <a:spLocks noGrp="1"/>
+          </p:cNvSpPr>
+          <p:nvPr>
+            <p:ph sz="half" idx="2"/>
+          </p:nvPr>
+        </p:nvSpPr>
+        <p:spPr/>
+        <p:txBody>
+          <a:bodyPr/>
+          <a:lstStyle/>
           <a:p>
             <a:pPr>
               <a:lnSpc>
@@ -22353,7 +24691,7 @@
             </a:pPr>
             <a:r>
               <a:rPr lang="en-US" dirty="0"/>
-              <a:t>More reliable information</a:t>
+              <a:t>Time-consuming</a:t>
             </a:r>
           </a:p>
           <a:p>
@@ -22364,17 +24702,28 @@
             </a:pPr>
             <a:r>
               <a:rPr lang="en-US" dirty="0"/>
-              <a:t>Faster development</a:t>
-            </a:r>
-          </a:p>
-        </p:txBody>
-      </p:sp>
-      <p:sp>
-        <p:nvSpPr>
-          <p:cNvPr id="4" name="Slide Number Placeholder 3">
+              <a:t>Dubious security</a:t>
+            </a:r>
+          </a:p>
+          <a:p>
+            <a:pPr>
+              <a:lnSpc>
+                <a:spcPct val="200000"/>
+              </a:lnSpc>
+            </a:pPr>
+            <a:r>
+              <a:rPr lang="en-US" dirty="0"/>
+              <a:t>Labor-intensive: N by M Integration Problem</a:t>
+            </a:r>
+          </a:p>
+        </p:txBody>
+      </p:sp>
+      <p:sp>
+        <p:nvSpPr>
+          <p:cNvPr id="5" name="Slide Number Placeholder 4">
             <a:extLst>
               <a:ext uri="{FF2B5EF4-FFF2-40B4-BE49-F238E27FC236}">
-                <a16:creationId xmlns:a16="http://schemas.microsoft.com/office/drawing/2014/main" id="{314CBE41-E7BE-8291-B8D6-48DC7563F946}"/>
+                <a16:creationId xmlns:a16="http://schemas.microsoft.com/office/drawing/2014/main" id="{3C08D430-F53F-1918-16DB-9F61870DF1C3}"/>
               </a:ext>
             </a:extLst>
           </p:cNvPr>
@@ -22401,7 +24750,7 @@
     </p:spTree>
     <p:extLst>
       <p:ext uri="{BB962C8B-B14F-4D97-AF65-F5344CB8AC3E}">
-        <p14:creationId xmlns:p14="http://schemas.microsoft.com/office/powerpoint/2010/main" val="3269213927"/>
+        <p14:creationId xmlns:p14="http://schemas.microsoft.com/office/powerpoint/2010/main" val="1063963147"/>
       </p:ext>
     </p:extLst>
   </p:cSld>

--- a/slides/mcp_slides.pptx
+++ b/slides/mcp_slides.pptx
@@ -2363,7 +2363,7 @@
         <a:bodyPr/>
         <a:lstStyle/>
         <a:p>
-          <a:endParaRPr lang="en-US"/>
+          <a:endParaRPr lang="en-US" dirty="0"/>
         </a:p>
       </dgm:t>
     </dgm:pt>
@@ -2399,7 +2399,7 @@
         <a:bodyPr/>
         <a:lstStyle/>
         <a:p>
-          <a:endParaRPr lang="en-US"/>
+          <a:endParaRPr lang="en-US" dirty="0"/>
         </a:p>
       </dgm:t>
     </dgm:pt>
@@ -2435,7 +2435,7 @@
         <a:bodyPr/>
         <a:lstStyle/>
         <a:p>
-          <a:endParaRPr lang="en-US"/>
+          <a:endParaRPr lang="en-US" dirty="0"/>
         </a:p>
       </dgm:t>
     </dgm:pt>
@@ -2471,7 +2471,7 @@
         <a:bodyPr/>
         <a:lstStyle/>
         <a:p>
-          <a:endParaRPr lang="en-US"/>
+          <a:endParaRPr lang="en-US" dirty="0"/>
         </a:p>
       </dgm:t>
     </dgm:pt>
@@ -2507,7 +2507,7 @@
         <a:bodyPr/>
         <a:lstStyle/>
         <a:p>
-          <a:endParaRPr lang="en-US"/>
+          <a:endParaRPr lang="en-US" dirty="0"/>
         </a:p>
       </dgm:t>
     </dgm:pt>
@@ -2543,7 +2543,7 @@
         <a:bodyPr/>
         <a:lstStyle/>
         <a:p>
-          <a:endParaRPr lang="en-US"/>
+          <a:endParaRPr lang="en-US" dirty="0"/>
         </a:p>
       </dgm:t>
     </dgm:pt>
@@ -2579,7 +2579,7 @@
         <a:bodyPr/>
         <a:lstStyle/>
         <a:p>
-          <a:endParaRPr lang="en-US"/>
+          <a:endParaRPr lang="en-US" dirty="0"/>
         </a:p>
       </dgm:t>
     </dgm:pt>
@@ -2608,7 +2608,7 @@
         <a:bodyPr/>
         <a:lstStyle/>
         <a:p>
-          <a:endParaRPr lang="en-US"/>
+          <a:endParaRPr lang="en-US" dirty="0"/>
         </a:p>
       </dgm:t>
     </dgm:pt>
@@ -2637,7 +2637,7 @@
         <a:bodyPr/>
         <a:lstStyle/>
         <a:p>
-          <a:endParaRPr lang="en-US"/>
+          <a:endParaRPr lang="en-US" dirty="0"/>
         </a:p>
       </dgm:t>
     </dgm:pt>
@@ -2666,7 +2666,7 @@
         <a:bodyPr/>
         <a:lstStyle/>
         <a:p>
-          <a:endParaRPr lang="en-US"/>
+          <a:endParaRPr lang="en-US" dirty="0"/>
         </a:p>
       </dgm:t>
     </dgm:pt>
@@ -2695,7 +2695,7 @@
         <a:bodyPr/>
         <a:lstStyle/>
         <a:p>
-          <a:endParaRPr lang="en-US"/>
+          <a:endParaRPr lang="en-US" dirty="0"/>
         </a:p>
       </dgm:t>
     </dgm:pt>
@@ -4609,7 +4609,7 @@
             </a:spcAft>
             <a:buNone/>
           </a:pPr>
-          <a:endParaRPr lang="en-US" sz="500" kern="1200"/>
+          <a:endParaRPr lang="en-US" sz="500" kern="1200" dirty="0"/>
         </a:p>
       </dsp:txBody>
       <dsp:txXfrm>
@@ -4768,7 +4768,7 @@
             </a:spcAft>
             <a:buNone/>
           </a:pPr>
-          <a:endParaRPr lang="en-US" sz="500" kern="1200"/>
+          <a:endParaRPr lang="en-US" sz="500" kern="1200" dirty="0"/>
         </a:p>
       </dsp:txBody>
       <dsp:txXfrm>
@@ -4927,7 +4927,7 @@
             </a:spcAft>
             <a:buNone/>
           </a:pPr>
-          <a:endParaRPr lang="en-US" sz="500" kern="1200"/>
+          <a:endParaRPr lang="en-US" sz="500" kern="1200" dirty="0"/>
         </a:p>
       </dsp:txBody>
       <dsp:txXfrm>
@@ -5086,7 +5086,7 @@
             </a:spcAft>
             <a:buNone/>
           </a:pPr>
-          <a:endParaRPr lang="en-US" sz="500" kern="1200"/>
+          <a:endParaRPr lang="en-US" sz="500" kern="1200" dirty="0"/>
         </a:p>
       </dsp:txBody>
       <dsp:txXfrm>
@@ -5245,7 +5245,7 @@
             </a:spcAft>
             <a:buNone/>
           </a:pPr>
-          <a:endParaRPr lang="en-US" sz="500" kern="1200"/>
+          <a:endParaRPr lang="en-US" sz="500" kern="1200" dirty="0"/>
         </a:p>
       </dsp:txBody>
       <dsp:txXfrm>
@@ -5404,7 +5404,7 @@
             </a:spcAft>
             <a:buNone/>
           </a:pPr>
-          <a:endParaRPr lang="en-US" sz="500" kern="1200"/>
+          <a:endParaRPr lang="en-US" sz="500" kern="1200" dirty="0"/>
         </a:p>
       </dsp:txBody>
       <dsp:txXfrm>
@@ -5563,7 +5563,7 @@
             </a:spcAft>
             <a:buNone/>
           </a:pPr>
-          <a:endParaRPr lang="en-US" sz="500" kern="1200"/>
+          <a:endParaRPr lang="en-US" sz="500" kern="1200" dirty="0"/>
         </a:p>
       </dsp:txBody>
       <dsp:txXfrm>
@@ -5722,7 +5722,7 @@
             </a:spcAft>
             <a:buNone/>
           </a:pPr>
-          <a:endParaRPr lang="en-US" sz="500" kern="1200"/>
+          <a:endParaRPr lang="en-US" sz="500" kern="1200" dirty="0"/>
         </a:p>
       </dsp:txBody>
       <dsp:txXfrm>
@@ -5881,7 +5881,7 @@
             </a:spcAft>
             <a:buNone/>
           </a:pPr>
-          <a:endParaRPr lang="en-US" sz="500" kern="1200"/>
+          <a:endParaRPr lang="en-US" sz="500" kern="1200" dirty="0"/>
         </a:p>
       </dsp:txBody>
       <dsp:txXfrm>
@@ -6040,7 +6040,7 @@
             </a:spcAft>
             <a:buNone/>
           </a:pPr>
-          <a:endParaRPr lang="en-US" sz="500" kern="1200"/>
+          <a:endParaRPr lang="en-US" sz="500" kern="1200" dirty="0"/>
         </a:p>
       </dsp:txBody>
       <dsp:txXfrm>
@@ -6199,7 +6199,7 @@
             </a:spcAft>
             <a:buNone/>
           </a:pPr>
-          <a:endParaRPr lang="en-US" sz="500" kern="1200"/>
+          <a:endParaRPr lang="en-US" sz="500" kern="1200" dirty="0"/>
         </a:p>
       </dsp:txBody>
       <dsp:txXfrm>
@@ -9019,7 +9019,7 @@
             </a:lvl1pPr>
           </a:lstStyle>
           <a:p>
-            <a:endParaRPr lang="en-US"/>
+            <a:endParaRPr lang="en-US" dirty="0"/>
           </a:p>
         </p:txBody>
       </p:sp>
@@ -9054,7 +9054,7 @@
               <a:rPr lang="en-US" smtClean="0"/>
               <a:t>9/17/25</a:t>
             </a:fld>
-            <a:endParaRPr lang="en-US"/>
+            <a:endParaRPr lang="en-US" dirty="0"/>
           </a:p>
         </p:txBody>
       </p:sp>
@@ -9087,7 +9087,7 @@
           <a:bodyPr vert="horz" lIns="91440" tIns="45720" rIns="91440" bIns="45720" rtlCol="0" anchor="ctr"/>
           <a:lstStyle/>
           <a:p>
-            <a:endParaRPr lang="en-US"/>
+            <a:endParaRPr lang="en-US" dirty="0"/>
           </a:p>
         </p:txBody>
       </p:sp>
@@ -9177,7 +9177,7 @@
             </a:lvl1pPr>
           </a:lstStyle>
           <a:p>
-            <a:endParaRPr lang="en-US"/>
+            <a:endParaRPr lang="en-US" dirty="0"/>
           </a:p>
         </p:txBody>
       </p:sp>
@@ -9212,7 +9212,7 @@
               <a:rPr lang="en-US" smtClean="0"/>
               <a:t>‹#›</a:t>
             </a:fld>
-            <a:endParaRPr lang="en-US"/>
+            <a:endParaRPr lang="en-US" dirty="0"/>
           </a:p>
         </p:txBody>
       </p:sp>
@@ -9407,7 +9407,7 @@
               <a:rPr lang="en-US" smtClean="0"/>
               <a:t>1</a:t>
             </a:fld>
-            <a:endParaRPr lang="en-US"/>
+            <a:endParaRPr lang="en-US" dirty="0"/>
           </a:p>
         </p:txBody>
       </p:sp>
@@ -9494,7 +9494,7 @@
               <a:rPr lang="en-US" smtClean="0"/>
               <a:t>12</a:t>
             </a:fld>
-            <a:endParaRPr lang="en-US"/>
+            <a:endParaRPr lang="en-US" dirty="0"/>
           </a:p>
         </p:txBody>
       </p:sp>
@@ -9614,7 +9614,7 @@
               <a:rPr lang="en-US" smtClean="0"/>
               <a:t>13</a:t>
             </a:fld>
-            <a:endParaRPr lang="en-US"/>
+            <a:endParaRPr lang="en-US" dirty="0"/>
           </a:p>
         </p:txBody>
       </p:sp>
@@ -9707,7 +9707,7 @@
               <a:rPr lang="en-US" smtClean="0"/>
               <a:t>14</a:t>
             </a:fld>
-            <a:endParaRPr lang="en-US"/>
+            <a:endParaRPr lang="en-US" dirty="0"/>
           </a:p>
         </p:txBody>
       </p:sp>
@@ -9778,79 +9778,7 @@
                 <a:ea typeface="+mn-ea"/>
                 <a:cs typeface="+mn-cs"/>
               </a:rPr>
-              <a:t>The client is a software component/module that interacts with the </a:t>
-            </a:r>
-            <a:r>
-              <a:rPr lang="en-US" sz="1200" b="0" i="0" u="none" strike="noStrike" kern="1200" dirty="0" err="1">
-                <a:solidFill>
-                  <a:schemeClr val="tx1"/>
-                </a:solidFill>
-                <a:effectLst/>
-                <a:latin typeface="+mn-lt"/>
-                <a:ea typeface="+mn-ea"/>
-                <a:cs typeface="+mn-cs"/>
-              </a:rPr>
-              <a:t>mcp</a:t>
-            </a:r>
-            <a:r>
-              <a:rPr lang="en-US" sz="1200" b="0" i="0" u="none" strike="noStrike" kern="1200" dirty="0">
-                <a:solidFill>
-                  <a:schemeClr val="tx1"/>
-                </a:solidFill>
-                <a:effectLst/>
-                <a:latin typeface="+mn-lt"/>
-                <a:ea typeface="+mn-ea"/>
-                <a:cs typeface="+mn-cs"/>
-              </a:rPr>
-              <a:t> </a:t>
-            </a:r>
-            <a:r>
-              <a:rPr lang="en-US" sz="1200" b="0" i="0" u="none" strike="noStrike" kern="1200" dirty="0" err="1">
-                <a:solidFill>
-                  <a:schemeClr val="tx1"/>
-                </a:solidFill>
-                <a:effectLst/>
-                <a:latin typeface="+mn-lt"/>
-                <a:ea typeface="+mn-ea"/>
-                <a:cs typeface="+mn-cs"/>
-              </a:rPr>
-              <a:t>sdk</a:t>
-            </a:r>
-            <a:r>
-              <a:rPr lang="en-US" sz="1200" b="0" i="0" u="none" strike="noStrike" kern="1200" dirty="0">
-                <a:solidFill>
-                  <a:schemeClr val="tx1"/>
-                </a:solidFill>
-                <a:effectLst/>
-                <a:latin typeface="+mn-lt"/>
-                <a:ea typeface="+mn-ea"/>
-                <a:cs typeface="+mn-cs"/>
-              </a:rPr>
-              <a:t>. The host is all the other application code, e.g. a desktop app or browser extension. A host could have one to many </a:t>
-            </a:r>
-            <a:r>
-              <a:rPr lang="en-US" sz="1200" b="0" i="0" u="none" strike="noStrike" kern="1200" dirty="0" err="1">
-                <a:solidFill>
-                  <a:schemeClr val="tx1"/>
-                </a:solidFill>
-                <a:effectLst/>
-                <a:latin typeface="+mn-lt"/>
-                <a:ea typeface="+mn-ea"/>
-                <a:cs typeface="+mn-cs"/>
-              </a:rPr>
-              <a:t>mcp</a:t>
-            </a:r>
-            <a:r>
-              <a:rPr lang="en-US" sz="1200" b="0" i="0" u="none" strike="noStrike" kern="1200" dirty="0">
-                <a:solidFill>
-                  <a:schemeClr val="tx1"/>
-                </a:solidFill>
-                <a:effectLst/>
-                <a:latin typeface="+mn-lt"/>
-                <a:ea typeface="+mn-ea"/>
-                <a:cs typeface="+mn-cs"/>
-              </a:rPr>
-              <a:t> clients</a:t>
+              <a:t>The client is a software component/module that interacts with the mcp sdk. The host is all the other application code, e.g. a desktop app or browser extension. A host could have one to many mcp clients</a:t>
             </a:r>
             <a:endParaRPr lang="en-US" dirty="0"/>
           </a:p>
@@ -9875,7 +9803,7 @@
               <a:rPr lang="en-US" smtClean="0"/>
               <a:t>15</a:t>
             </a:fld>
-            <a:endParaRPr lang="en-US"/>
+            <a:endParaRPr lang="en-US" dirty="0"/>
           </a:p>
         </p:txBody>
       </p:sp>
@@ -9938,27 +9866,14 @@
           <a:p>
             <a:r>
               <a:rPr lang="en-US" dirty="0"/>
-              <a:t>Example: </a:t>
-            </a:r>
-            <a:r>
-              <a:rPr lang="en-US" dirty="0" err="1"/>
-              <a:t>claude</a:t>
-            </a:r>
-            <a:r>
-              <a:rPr lang="en-US" dirty="0"/>
-              <a:t> desktop</a:t>
-            </a:r>
-          </a:p>
-          <a:p>
-            <a:r>
-              <a:rPr lang="en-US" dirty="0"/>
-              <a:t>Sometimes using the term “client” </a:t>
-            </a:r>
-            <a:r>
-              <a:rPr lang="en-US" dirty="0" err="1"/>
-              <a:t>interchangeab;y</a:t>
-            </a:r>
-            <a:endParaRPr lang="en-US" dirty="0"/>
+              <a:t>Example: claude desktop</a:t>
+            </a:r>
+          </a:p>
+          <a:p>
+            <a:r>
+              <a:rPr lang="en-US" dirty="0"/>
+              <a:t>Sometimes using the term “client” interchangeab;y</a:t>
+            </a:r>
           </a:p>
           <a:p>
             <a:r>
@@ -10016,7 +9931,7 @@
               <a:rPr lang="en-US" smtClean="0"/>
               <a:t>16</a:t>
             </a:fld>
-            <a:endParaRPr lang="en-US"/>
+            <a:endParaRPr lang="en-US" dirty="0"/>
           </a:p>
         </p:txBody>
       </p:sp>
@@ -10133,7 +10048,7 @@
               <a:rPr lang="en-US" smtClean="0"/>
               <a:t>17</a:t>
             </a:fld>
-            <a:endParaRPr lang="en-US"/>
+            <a:endParaRPr lang="en-US" dirty="0"/>
           </a:p>
         </p:txBody>
       </p:sp>
@@ -10202,15 +10117,7 @@
           <a:p>
             <a:r>
               <a:rPr lang="en-US" dirty="0"/>
-              <a:t>1:1 </a:t>
-            </a:r>
-            <a:r>
-              <a:rPr lang="en-US" dirty="0" err="1"/>
-              <a:t>relationsjip</a:t>
-            </a:r>
-            <a:r>
-              <a:rPr lang="en-US" dirty="0"/>
-              <a:t> with server </a:t>
+              <a:t>1:1 relationsjip with server </a:t>
             </a:r>
           </a:p>
           <a:p>
@@ -10246,7 +10153,7 @@
               <a:rPr lang="en-US" smtClean="0"/>
               <a:t>18</a:t>
             </a:fld>
-            <a:endParaRPr lang="en-US"/>
+            <a:endParaRPr lang="en-US" dirty="0"/>
           </a:p>
         </p:txBody>
       </p:sp>
@@ -10357,7 +10264,7 @@
               <a:rPr lang="en-US" smtClean="0"/>
               <a:t>19</a:t>
             </a:fld>
-            <a:endParaRPr lang="en-US"/>
+            <a:endParaRPr lang="en-US" dirty="0"/>
           </a:p>
         </p:txBody>
       </p:sp>
@@ -10450,7 +10357,7 @@
               <a:rPr lang="en-US" smtClean="0"/>
               <a:t>20</a:t>
             </a:fld>
-            <a:endParaRPr lang="en-US"/>
+            <a:endParaRPr lang="en-US" dirty="0"/>
           </a:p>
         </p:txBody>
       </p:sp>
@@ -10519,15 +10426,7 @@
           <a:p>
             <a:r>
               <a:rPr lang="en-US" dirty="0"/>
-              <a:t>Not of super concern due to the fact that </a:t>
-            </a:r>
-            <a:r>
-              <a:rPr lang="en-US" dirty="0" err="1"/>
-              <a:t>te</a:t>
-            </a:r>
-            <a:r>
-              <a:rPr lang="en-US" dirty="0"/>
-              <a:t> client is typically spawned from the application host</a:t>
+              <a:t>Not of super concern due to the fact that te client is typically spawned from the application host</a:t>
             </a:r>
           </a:p>
           <a:p>
@@ -10557,7 +10456,7 @@
               <a:rPr lang="en-US" smtClean="0"/>
               <a:t>21</a:t>
             </a:fld>
-            <a:endParaRPr lang="en-US"/>
+            <a:endParaRPr lang="en-US" dirty="0"/>
           </a:p>
         </p:txBody>
       </p:sp>
@@ -10656,7 +10555,7 @@
               <a:rPr lang="en-US" smtClean="0"/>
               <a:t>3</a:t>
             </a:fld>
-            <a:endParaRPr lang="en-US"/>
+            <a:endParaRPr lang="en-US" dirty="0"/>
           </a:p>
         </p:txBody>
       </p:sp>
@@ -10749,7 +10648,7 @@
               <a:rPr lang="en-US" smtClean="0"/>
               <a:t>22</a:t>
             </a:fld>
-            <a:endParaRPr lang="en-US"/>
+            <a:endParaRPr lang="en-US" dirty="0"/>
           </a:p>
         </p:txBody>
       </p:sp>
@@ -10875,7 +10774,7 @@
               <a:rPr lang="en-US" smtClean="0"/>
               <a:t>23</a:t>
             </a:fld>
-            <a:endParaRPr lang="en-US"/>
+            <a:endParaRPr lang="en-US" dirty="0"/>
           </a:p>
         </p:txBody>
       </p:sp>
@@ -10944,15 +10843,7 @@
           <a:p>
             <a:r>
               <a:rPr lang="en-US" dirty="0"/>
-              <a:t>Tools: Interact with specific software </a:t>
-            </a:r>
-            <a:r>
-              <a:rPr lang="en-US" dirty="0" err="1"/>
-              <a:t>pacakges</a:t>
-            </a:r>
-            <a:r>
-              <a:rPr lang="en-US" dirty="0"/>
-              <a:t> and APIs. If it can be construed in a python function it is fair game</a:t>
+              <a:t>Tools: Interact with specific software pacakges and APIs. If it can be construed in a python function it is fair game</a:t>
             </a:r>
           </a:p>
           <a:p>
@@ -11015,7 +10906,7 @@
               <a:rPr lang="en-US" smtClean="0"/>
               <a:t>24</a:t>
             </a:fld>
-            <a:endParaRPr lang="en-US"/>
+            <a:endParaRPr lang="en-US" dirty="0"/>
           </a:p>
         </p:txBody>
       </p:sp>
@@ -11099,7 +10990,7 @@
               <a:rPr lang="en-US" smtClean="0"/>
               <a:t>25</a:t>
             </a:fld>
-            <a:endParaRPr lang="en-US"/>
+            <a:endParaRPr lang="en-US" dirty="0"/>
           </a:p>
         </p:txBody>
       </p:sp>
@@ -11207,7 +11098,7 @@
               <a:rPr lang="en-US" smtClean="0"/>
               <a:t>27</a:t>
             </a:fld>
-            <a:endParaRPr lang="en-US"/>
+            <a:endParaRPr lang="en-US" dirty="0"/>
           </a:p>
         </p:txBody>
       </p:sp>
@@ -11351,7 +11242,7 @@
               <a:rPr lang="en-US" smtClean="0"/>
               <a:t>28</a:t>
             </a:fld>
-            <a:endParaRPr lang="en-US"/>
+            <a:endParaRPr lang="en-US" dirty="0"/>
           </a:p>
         </p:txBody>
       </p:sp>
@@ -11437,22 +11328,14 @@
           </a:p>
           <a:p>
             <a:r>
-              <a:rPr lang="en-US" dirty="0" err="1"/>
-              <a:t>Stdio</a:t>
-            </a:r>
-            <a:r>
-              <a:rPr lang="en-US" dirty="0"/>
-              <a:t> is for local development. A number of these can run locally and do not need sophisticated authentication</a:t>
-            </a:r>
-          </a:p>
-          <a:p>
-            <a:r>
-              <a:rPr lang="en-US" dirty="0" err="1"/>
-              <a:t>Streamable</a:t>
-            </a:r>
-            <a:r>
-              <a:rPr lang="en-US" dirty="0"/>
-              <a:t> http is standard for remote servers</a:t>
+              <a:rPr lang="en-US" dirty="0"/>
+              <a:t>Stdio is for local development. A number of these can run locally and do not need sophisticated authentication</a:t>
+            </a:r>
+          </a:p>
+          <a:p>
+            <a:r>
+              <a:rPr lang="en-US" dirty="0"/>
+              <a:t>Streamable http is standard for remote servers</a:t>
             </a:r>
           </a:p>
           <a:p>
@@ -11495,7 +11378,7 @@
               <a:rPr lang="en-US" smtClean="0"/>
               <a:t>29</a:t>
             </a:fld>
-            <a:endParaRPr lang="en-US"/>
+            <a:endParaRPr lang="en-US" dirty="0"/>
           </a:p>
         </p:txBody>
       </p:sp>
@@ -11582,7 +11465,7 @@
               <a:rPr lang="en-US" smtClean="0"/>
               <a:t>33</a:t>
             </a:fld>
-            <a:endParaRPr lang="en-US"/>
+            <a:endParaRPr lang="en-US" dirty="0"/>
           </a:p>
         </p:txBody>
       </p:sp>
@@ -11669,7 +11552,7 @@
               <a:rPr lang="en-US" smtClean="0"/>
               <a:t>34</a:t>
             </a:fld>
-            <a:endParaRPr lang="en-US"/>
+            <a:endParaRPr lang="en-US" dirty="0"/>
           </a:p>
         </p:txBody>
       </p:sp>
@@ -11730,45 +11613,26 @@
           <a:bodyPr/>
           <a:lstStyle/>
           <a:p>
-            <a:r>
-              <a:rPr lang="en-US" dirty="0"/>
-              <a:t>Downside is that crafting the prompt to provide the CONTEXT takes a long time and requires a lot of work on the end user.</a:t>
-            </a:r>
-          </a:p>
-          <a:p>
-            <a:r>
-              <a:rPr lang="en-US" dirty="0"/>
-              <a:t>Takes a lot of time, lot of effort but gives us good results. </a:t>
-            </a:r>
-          </a:p>
-          <a:p>
-            <a:r>
-              <a:rPr lang="en-US" dirty="0"/>
-              <a:t>We can also give the LLM access to resources not included in the prompt. For example we can directly integrate it with access to sources such as google drive. That takes time and often has some lift on the LLM side. We need to manually register the LLM</a:t>
-            </a:r>
-          </a:p>
-          <a:p>
-            <a:endParaRPr lang="en-US" dirty="0"/>
-          </a:p>
-          <a:p>
-            <a:r>
-              <a:rPr lang="en-US" dirty="0"/>
-              <a:t>Functions need to be registered with an LLM</a:t>
-            </a:r>
-          </a:p>
-          <a:p>
-            <a:endParaRPr lang="en-US" dirty="0"/>
-          </a:p>
-          <a:p>
-            <a:r>
-              <a:rPr lang="en-US" dirty="0"/>
-              <a:t>What if we were to shift these to the other side of the diagram? What if we were able to standardize how we can give this context to the model automagically?</a:t>
-            </a:r>
-          </a:p>
-          <a:p>
-            <a:r>
-              <a:rPr lang="en-US" dirty="0"/>
-              <a:t>This is where model context protocol comes in</a:t>
+            <a:pPr marL="0" marR="0" lvl="0" indent="0" algn="l" defTabSz="914400" rtl="0" eaLnBrk="1" fontAlgn="auto" latinLnBrk="0" hangingPunct="1">
+              <a:lnSpc>
+                <a:spcPct val="100000"/>
+              </a:lnSpc>
+              <a:spcBef>
+                <a:spcPts val="0"/>
+              </a:spcBef>
+              <a:spcAft>
+                <a:spcPts val="0"/>
+              </a:spcAft>
+              <a:buClrTx/>
+              <a:buSzTx/>
+              <a:buFontTx/>
+              <a:buNone/>
+              <a:tabLst/>
+              <a:defRPr/>
+            </a:pPr>
+            <a:r>
+              <a:rPr lang="en-US" dirty="0"/>
+              <a:t>LangChain vs. MCP: Application-side vs. Server-side</a:t>
             </a:r>
           </a:p>
           <a:p>
@@ -11793,16 +11657,16 @@
           <a:p>
             <a:fld id="{59758792-16F5-7043-A9DC-706F41594F88}" type="slidenum">
               <a:rPr lang="en-US" smtClean="0"/>
-              <a:t>40</a:t>
+              <a:t>36</a:t>
             </a:fld>
-            <a:endParaRPr lang="en-US"/>
+            <a:endParaRPr lang="en-US" dirty="0"/>
           </a:p>
         </p:txBody>
       </p:sp>
     </p:spTree>
     <p:extLst>
       <p:ext uri="{BB962C8B-B14F-4D97-AF65-F5344CB8AC3E}">
-        <p14:creationId xmlns:p14="http://schemas.microsoft.com/office/powerpoint/2010/main" val="1514641147"/>
+        <p14:creationId xmlns:p14="http://schemas.microsoft.com/office/powerpoint/2010/main" val="3757643149"/>
       </p:ext>
     </p:extLst>
   </p:cSld>
@@ -11864,15 +11728,7 @@
           <a:p>
             <a:r>
               <a:rPr lang="en-US" dirty="0"/>
-              <a:t>LLM specific. </a:t>
-            </a:r>
-            <a:r>
-              <a:rPr lang="en-US" dirty="0" err="1"/>
-              <a:t>Frameowkr</a:t>
-            </a:r>
-            <a:r>
-              <a:rPr lang="en-US" dirty="0"/>
-              <a:t> can be adapted for workflow automations</a:t>
+              <a:t>LLM specific. Frameowkr can be adapted for workflow automations</a:t>
             </a:r>
           </a:p>
           <a:p>
@@ -11902,7 +11758,7 @@
               <a:rPr lang="en-US" smtClean="0"/>
               <a:t>4</a:t>
             </a:fld>
-            <a:endParaRPr lang="en-US"/>
+            <a:endParaRPr lang="en-US" dirty="0"/>
           </a:p>
         </p:txBody>
       </p:sp>
@@ -11965,8 +11821,47 @@
           <a:p>
             <a:r>
               <a:rPr lang="en-US" dirty="0"/>
-              <a:t>As an aside, we will be using the terms client and server </a:t>
-            </a:r>
+              <a:t>Downside is that crafting the prompt to provide the CONTEXT takes a long time and requires a lot of work on the end user.</a:t>
+            </a:r>
+          </a:p>
+          <a:p>
+            <a:r>
+              <a:rPr lang="en-US" dirty="0"/>
+              <a:t>Takes a lot of time, lot of effort but gives us good results. </a:t>
+            </a:r>
+          </a:p>
+          <a:p>
+            <a:r>
+              <a:rPr lang="en-US" dirty="0"/>
+              <a:t>We can also give the LLM access to resources not included in the prompt. For example we can directly integrate it with access to sources such as google drive. That takes time and often has some lift on the LLM side. We need to manually register the LLM</a:t>
+            </a:r>
+          </a:p>
+          <a:p>
+            <a:endParaRPr lang="en-US" dirty="0"/>
+          </a:p>
+          <a:p>
+            <a:r>
+              <a:rPr lang="en-US" dirty="0"/>
+              <a:t>Functions need to be registered with an LLM</a:t>
+            </a:r>
+          </a:p>
+          <a:p>
+            <a:endParaRPr lang="en-US" dirty="0"/>
+          </a:p>
+          <a:p>
+            <a:r>
+              <a:rPr lang="en-US" dirty="0"/>
+              <a:t>What if we were to shift these to the other side of the diagram? What if we were able to standardize how we can give this context to the model automagically?</a:t>
+            </a:r>
+          </a:p>
+          <a:p>
+            <a:r>
+              <a:rPr lang="en-US" dirty="0"/>
+              <a:t>This is where model context protocol comes in</a:t>
+            </a:r>
+          </a:p>
+          <a:p>
+            <a:endParaRPr lang="en-US" dirty="0"/>
           </a:p>
         </p:txBody>
       </p:sp>
@@ -11987,16 +11882,16 @@
           <a:p>
             <a:fld id="{59758792-16F5-7043-A9DC-706F41594F88}" type="slidenum">
               <a:rPr lang="en-US" smtClean="0"/>
-              <a:t>41</a:t>
+              <a:t>40</a:t>
             </a:fld>
-            <a:endParaRPr lang="en-US"/>
+            <a:endParaRPr lang="en-US" dirty="0"/>
           </a:p>
         </p:txBody>
       </p:sp>
     </p:spTree>
     <p:extLst>
       <p:ext uri="{BB962C8B-B14F-4D97-AF65-F5344CB8AC3E}">
-        <p14:creationId xmlns:p14="http://schemas.microsoft.com/office/powerpoint/2010/main" val="1354800457"/>
+        <p14:creationId xmlns:p14="http://schemas.microsoft.com/office/powerpoint/2010/main" val="1514641147"/>
       </p:ext>
     </p:extLst>
   </p:cSld>
@@ -12052,6 +11947,93 @@
           <a:p>
             <a:r>
               <a:rPr lang="en-US" dirty="0"/>
+              <a:t>As an aside, we will be using the terms client and server </a:t>
+            </a:r>
+          </a:p>
+        </p:txBody>
+      </p:sp>
+      <p:sp>
+        <p:nvSpPr>
+          <p:cNvPr id="4" name="Slide Number Placeholder 3"/>
+          <p:cNvSpPr>
+            <a:spLocks noGrp="1"/>
+          </p:cNvSpPr>
+          <p:nvPr>
+            <p:ph type="sldNum" sz="quarter" idx="5"/>
+          </p:nvPr>
+        </p:nvSpPr>
+        <p:spPr/>
+        <p:txBody>
+          <a:bodyPr/>
+          <a:lstStyle/>
+          <a:p>
+            <a:fld id="{59758792-16F5-7043-A9DC-706F41594F88}" type="slidenum">
+              <a:rPr lang="en-US" smtClean="0"/>
+              <a:t>41</a:t>
+            </a:fld>
+            <a:endParaRPr lang="en-US" dirty="0"/>
+          </a:p>
+        </p:txBody>
+      </p:sp>
+    </p:spTree>
+    <p:extLst>
+      <p:ext uri="{BB962C8B-B14F-4D97-AF65-F5344CB8AC3E}">
+        <p14:creationId xmlns:p14="http://schemas.microsoft.com/office/powerpoint/2010/main" val="1354800457"/>
+      </p:ext>
+    </p:extLst>
+  </p:cSld>
+  <p:clrMapOvr>
+    <a:masterClrMapping/>
+  </p:clrMapOvr>
+</p:notes>
+</file>
+
+<file path=ppt/notesSlides/notesSlide32.xml><?xml version="1.0" encoding="utf-8"?>
+<p:notes xmlns:a="http://schemas.openxmlformats.org/drawingml/2006/main" xmlns:r="http://schemas.openxmlformats.org/officeDocument/2006/relationships" xmlns:p="http://schemas.openxmlformats.org/presentationml/2006/main">
+  <p:cSld>
+    <p:spTree>
+      <p:nvGrpSpPr>
+        <p:cNvPr id="1" name=""/>
+        <p:cNvGrpSpPr/>
+        <p:nvPr/>
+      </p:nvGrpSpPr>
+      <p:grpSpPr>
+        <a:xfrm>
+          <a:off x="0" y="0"/>
+          <a:ext cx="0" cy="0"/>
+          <a:chOff x="0" y="0"/>
+          <a:chExt cx="0" cy="0"/>
+        </a:xfrm>
+      </p:grpSpPr>
+      <p:sp>
+        <p:nvSpPr>
+          <p:cNvPr id="2" name="Slide Image Placeholder 1"/>
+          <p:cNvSpPr>
+            <a:spLocks noGrp="1" noRot="1" noChangeAspect="1"/>
+          </p:cNvSpPr>
+          <p:nvPr>
+            <p:ph type="sldImg"/>
+          </p:nvPr>
+        </p:nvSpPr>
+        <p:spPr/>
+      </p:sp>
+      <p:sp>
+        <p:nvSpPr>
+          <p:cNvPr id="3" name="Notes Placeholder 2"/>
+          <p:cNvSpPr>
+            <a:spLocks noGrp="1"/>
+          </p:cNvSpPr>
+          <p:nvPr>
+            <p:ph type="body" idx="1"/>
+          </p:nvPr>
+        </p:nvSpPr>
+        <p:spPr/>
+        <p:txBody>
+          <a:bodyPr/>
+          <a:lstStyle/>
+          <a:p>
+            <a:r>
+              <a:rPr lang="en-US" dirty="0"/>
               <a:t>Aka agentic AI</a:t>
             </a:r>
           </a:p>
@@ -12103,7 +12085,7 @@
               <a:rPr lang="en-US" smtClean="0"/>
               <a:t>42</a:t>
             </a:fld>
-            <a:endParaRPr lang="en-US"/>
+            <a:endParaRPr lang="en-US" dirty="0"/>
           </a:p>
         </p:txBody>
       </p:sp>
@@ -12190,15 +12172,7 @@
           <a:p>
             <a:r>
               <a:rPr lang="en-US" dirty="0"/>
-              <a:t>Study sponsored by RAND shows that seasoned open-source </a:t>
-            </a:r>
-            <a:r>
-              <a:rPr lang="en-US" dirty="0" err="1"/>
-              <a:t>devs</a:t>
-            </a:r>
-            <a:r>
-              <a:rPr lang="en-US" dirty="0"/>
-              <a:t> </a:t>
+              <a:t>Study sponsored by RAND shows that seasoned open-source devs </a:t>
             </a:r>
           </a:p>
           <a:p>
@@ -12243,7 +12217,7 @@
               <a:rPr lang="en-US" smtClean="0"/>
               <a:t>6</a:t>
             </a:fld>
-            <a:endParaRPr lang="en-US"/>
+            <a:endParaRPr lang="en-US" dirty="0"/>
           </a:p>
         </p:txBody>
       </p:sp>
@@ -12351,7 +12325,7 @@
               <a:rPr lang="en-US" smtClean="0"/>
               <a:t>7</a:t>
             </a:fld>
-            <a:endParaRPr lang="en-US"/>
+            <a:endParaRPr lang="en-US" dirty="0"/>
           </a:p>
         </p:txBody>
       </p:sp>
@@ -12476,12 +12450,8 @@
           </a:p>
           <a:p>
             <a:r>
-              <a:rPr lang="en-US" dirty="0" err="1"/>
-              <a:t>Drwabacks</a:t>
-            </a:r>
-            <a:r>
-              <a:rPr lang="en-US" dirty="0"/>
-              <a:t> are fixable but annoying</a:t>
+              <a:rPr lang="en-US" dirty="0"/>
+              <a:t>Drwabacks are fixable but annoying</a:t>
             </a:r>
           </a:p>
           <a:p>
@@ -12514,7 +12484,7 @@
               <a:rPr lang="en-US" smtClean="0"/>
               <a:t>8</a:t>
             </a:fld>
-            <a:endParaRPr lang="en-US"/>
+            <a:endParaRPr lang="en-US" dirty="0"/>
           </a:p>
         </p:txBody>
       </p:sp>
@@ -12639,12 +12609,8 @@
           </a:p>
           <a:p>
             <a:r>
-              <a:rPr lang="en-US" dirty="0" err="1"/>
-              <a:t>Drwabacks</a:t>
-            </a:r>
-            <a:r>
-              <a:rPr lang="en-US" dirty="0"/>
-              <a:t> are fixable but annoying</a:t>
+              <a:rPr lang="en-US" dirty="0"/>
+              <a:t>Drwabacks are fixable but annoying</a:t>
             </a:r>
           </a:p>
           <a:p>
@@ -12677,7 +12643,7 @@
               <a:rPr lang="en-US" smtClean="0"/>
               <a:t>9</a:t>
             </a:fld>
-            <a:endParaRPr lang="en-US"/>
+            <a:endParaRPr lang="en-US" dirty="0"/>
           </a:p>
         </p:txBody>
       </p:sp>
@@ -12781,15 +12747,7 @@
           <a:p>
             <a:r>
               <a:rPr lang="en-US" dirty="0"/>
-              <a:t>Aking to </a:t>
-            </a:r>
-            <a:r>
-              <a:rPr lang="en-US" dirty="0" err="1"/>
-              <a:t>ReSTFUL</a:t>
-            </a:r>
-            <a:r>
-              <a:rPr lang="en-US" dirty="0"/>
-              <a:t> APIs and HTTP, a way of doing things</a:t>
+              <a:t>Aking to ReSTFUL APIs and HTTP, a way of doing things</a:t>
             </a:r>
           </a:p>
           <a:p>
@@ -12857,7 +12815,7 @@
               <a:rPr lang="en-US" smtClean="0"/>
               <a:t>10</a:t>
             </a:fld>
-            <a:endParaRPr lang="en-US"/>
+            <a:endParaRPr lang="en-US" dirty="0"/>
           </a:p>
         </p:txBody>
       </p:sp>
@@ -12920,31 +12878,7 @@
           <a:p>
             <a:r>
               <a:rPr lang="en-US" dirty="0"/>
-              <a:t>Reliable information: Use latitude / </a:t>
-            </a:r>
-            <a:r>
-              <a:rPr lang="en-US" dirty="0" err="1"/>
-              <a:t>longiture</a:t>
-            </a:r>
-            <a:r>
-              <a:rPr lang="en-US" dirty="0"/>
-              <a:t> geolocate example for small places. When I put my high school into </a:t>
-            </a:r>
-            <a:r>
-              <a:rPr lang="en-US" dirty="0" err="1"/>
-              <a:t>claude</a:t>
-            </a:r>
-            <a:r>
-              <a:rPr lang="en-US" dirty="0"/>
-              <a:t> it extracted the </a:t>
-            </a:r>
-            <a:r>
-              <a:rPr lang="en-US" dirty="0" err="1"/>
-              <a:t>lat</a:t>
-            </a:r>
-            <a:r>
-              <a:rPr lang="en-US" dirty="0"/>
-              <a:t> long from Wikipedia. </a:t>
+              <a:t>Reliable information: Use latitude / longiture geolocate example for small places. When I put my high school into claude it extracted the lat long from Wikipedia. </a:t>
             </a:r>
           </a:p>
           <a:p>
@@ -12986,7 +12920,7 @@
               <a:rPr lang="en-US" smtClean="0"/>
               <a:t>11</a:t>
             </a:fld>
-            <a:endParaRPr lang="en-US"/>
+            <a:endParaRPr lang="en-US" dirty="0"/>
           </a:p>
         </p:txBody>
       </p:sp>
@@ -13384,10 +13318,9 @@
           </a:lstStyle>
           <a:p>
             <a:r>
-              <a:rPr lang="en-US"/>
+              <a:rPr lang="en-US" dirty="0"/>
               <a:t>Click icon to add picture</a:t>
             </a:r>
-            <a:endParaRPr lang="en-US" dirty="0"/>
           </a:p>
         </p:txBody>
       </p:sp>
@@ -13477,7 +13410,7 @@
               <a:rPr lang="en-US" smtClean="0"/>
               <a:t>9/17/25</a:t>
             </a:fld>
-            <a:endParaRPr lang="en-US"/>
+            <a:endParaRPr lang="en-US" dirty="0"/>
           </a:p>
         </p:txBody>
       </p:sp>
@@ -13496,7 +13429,7 @@
           <a:bodyPr/>
           <a:lstStyle/>
           <a:p>
-            <a:endParaRPr lang="en-US"/>
+            <a:endParaRPr lang="en-US" dirty="0"/>
           </a:p>
         </p:txBody>
       </p:sp>
@@ -13673,7 +13606,7 @@
               <a:rPr lang="en-US" smtClean="0"/>
               <a:t>9/17/25</a:t>
             </a:fld>
-            <a:endParaRPr lang="en-US"/>
+            <a:endParaRPr lang="en-US" dirty="0"/>
           </a:p>
         </p:txBody>
       </p:sp>
@@ -13692,7 +13625,7 @@
           <a:bodyPr/>
           <a:lstStyle/>
           <a:p>
-            <a:endParaRPr lang="en-US"/>
+            <a:endParaRPr lang="en-US" dirty="0"/>
           </a:p>
         </p:txBody>
       </p:sp>
@@ -13943,7 +13876,7 @@
               <a:rPr lang="en-US" smtClean="0"/>
               <a:t>9/17/25</a:t>
             </a:fld>
-            <a:endParaRPr lang="en-US"/>
+            <a:endParaRPr lang="en-US" dirty="0"/>
           </a:p>
         </p:txBody>
       </p:sp>
@@ -13962,7 +13895,7 @@
           <a:bodyPr/>
           <a:lstStyle/>
           <a:p>
-            <a:endParaRPr lang="en-US"/>
+            <a:endParaRPr lang="en-US" dirty="0"/>
           </a:p>
         </p:txBody>
       </p:sp>
@@ -14277,7 +14210,7 @@
               <a:rPr lang="en-US" smtClean="0"/>
               <a:t>9/17/25</a:t>
             </a:fld>
-            <a:endParaRPr lang="en-US"/>
+            <a:endParaRPr lang="en-US" dirty="0"/>
           </a:p>
         </p:txBody>
       </p:sp>
@@ -14296,7 +14229,7 @@
           <a:bodyPr/>
           <a:lstStyle/>
           <a:p>
-            <a:endParaRPr lang="en-US"/>
+            <a:endParaRPr lang="en-US" dirty="0"/>
           </a:p>
         </p:txBody>
       </p:sp>
@@ -14889,7 +14822,7 @@
               <a:rPr lang="en-US" smtClean="0"/>
               <a:t>9/17/25</a:t>
             </a:fld>
-            <a:endParaRPr lang="en-US"/>
+            <a:endParaRPr lang="en-US" dirty="0"/>
           </a:p>
         </p:txBody>
       </p:sp>
@@ -14908,7 +14841,7 @@
           <a:bodyPr/>
           <a:lstStyle/>
           <a:p>
-            <a:endParaRPr lang="en-US"/>
+            <a:endParaRPr lang="en-US" dirty="0"/>
           </a:p>
         </p:txBody>
       </p:sp>
@@ -15137,10 +15070,9 @@
           </a:lstStyle>
           <a:p>
             <a:r>
-              <a:rPr lang="en-US"/>
+              <a:rPr lang="en-US" dirty="0"/>
               <a:t>Click icon to add picture</a:t>
             </a:r>
-            <a:endParaRPr lang="en-US" dirty="0"/>
           </a:p>
         </p:txBody>
       </p:sp>
@@ -15354,10 +15286,9 @@
           </a:lstStyle>
           <a:p>
             <a:r>
-              <a:rPr lang="en-US"/>
+              <a:rPr lang="en-US" dirty="0"/>
               <a:t>Click icon to add picture</a:t>
             </a:r>
-            <a:endParaRPr lang="en-US" dirty="0"/>
           </a:p>
         </p:txBody>
       </p:sp>
@@ -15571,10 +15502,9 @@
           </a:lstStyle>
           <a:p>
             <a:r>
-              <a:rPr lang="en-US"/>
+              <a:rPr lang="en-US" dirty="0"/>
               <a:t>Click icon to add picture</a:t>
             </a:r>
-            <a:endParaRPr lang="en-US" dirty="0"/>
           </a:p>
         </p:txBody>
       </p:sp>
@@ -15738,7 +15668,7 @@
               <a:rPr lang="en-US" smtClean="0"/>
               <a:t>9/17/25</a:t>
             </a:fld>
-            <a:endParaRPr lang="en-US"/>
+            <a:endParaRPr lang="en-US" dirty="0"/>
           </a:p>
         </p:txBody>
       </p:sp>
@@ -15757,7 +15687,7 @@
           <a:bodyPr/>
           <a:lstStyle/>
           <a:p>
-            <a:endParaRPr lang="en-US"/>
+            <a:endParaRPr lang="en-US" dirty="0"/>
           </a:p>
         </p:txBody>
       </p:sp>
@@ -15910,7 +15840,7 @@
               <a:rPr lang="en-US" smtClean="0"/>
               <a:t>9/17/25</a:t>
             </a:fld>
-            <a:endParaRPr lang="en-US"/>
+            <a:endParaRPr lang="en-US" dirty="0"/>
           </a:p>
         </p:txBody>
       </p:sp>
@@ -15929,7 +15859,7 @@
           <a:bodyPr/>
           <a:lstStyle/>
           <a:p>
-            <a:endParaRPr lang="en-US"/>
+            <a:endParaRPr lang="en-US" dirty="0"/>
           </a:p>
         </p:txBody>
       </p:sp>
@@ -16092,7 +16022,7 @@
               <a:rPr lang="en-US" smtClean="0"/>
               <a:t>9/17/25</a:t>
             </a:fld>
-            <a:endParaRPr lang="en-US"/>
+            <a:endParaRPr lang="en-US" dirty="0"/>
           </a:p>
         </p:txBody>
       </p:sp>
@@ -16111,7 +16041,7 @@
           <a:bodyPr/>
           <a:lstStyle/>
           <a:p>
-            <a:endParaRPr lang="en-US"/>
+            <a:endParaRPr lang="en-US" dirty="0"/>
           </a:p>
         </p:txBody>
       </p:sp>
@@ -16264,7 +16194,7 @@
               <a:rPr lang="en-US" smtClean="0"/>
               <a:t>9/17/25</a:t>
             </a:fld>
-            <a:endParaRPr lang="en-US"/>
+            <a:endParaRPr lang="en-US" dirty="0"/>
           </a:p>
         </p:txBody>
       </p:sp>
@@ -16520,7 +16450,7 @@
               <a:rPr lang="en-US" smtClean="0"/>
               <a:t>9/17/25</a:t>
             </a:fld>
-            <a:endParaRPr lang="en-US"/>
+            <a:endParaRPr lang="en-US" dirty="0"/>
           </a:p>
         </p:txBody>
       </p:sp>
@@ -16539,7 +16469,7 @@
           <a:bodyPr/>
           <a:lstStyle/>
           <a:p>
-            <a:endParaRPr lang="en-US"/>
+            <a:endParaRPr lang="en-US" dirty="0"/>
           </a:p>
         </p:txBody>
       </p:sp>
@@ -16562,7 +16492,7 @@
               <a:rPr lang="en-US" smtClean="0"/>
               <a:t>‹#›</a:t>
             </a:fld>
-            <a:endParaRPr lang="en-US"/>
+            <a:endParaRPr lang="en-US" dirty="0"/>
           </a:p>
         </p:txBody>
       </p:sp>
@@ -16812,7 +16742,7 @@
               <a:rPr lang="en-US" smtClean="0"/>
               <a:t>9/17/25</a:t>
             </a:fld>
-            <a:endParaRPr lang="en-US"/>
+            <a:endParaRPr lang="en-US" dirty="0"/>
           </a:p>
         </p:txBody>
       </p:sp>
@@ -16831,7 +16761,7 @@
           <a:bodyPr/>
           <a:lstStyle/>
           <a:p>
-            <a:endParaRPr lang="en-US"/>
+            <a:endParaRPr lang="en-US" dirty="0"/>
           </a:p>
         </p:txBody>
       </p:sp>
@@ -16854,7 +16784,7 @@
               <a:rPr lang="en-US" smtClean="0"/>
               <a:t>‹#›</a:t>
             </a:fld>
-            <a:endParaRPr lang="en-US"/>
+            <a:endParaRPr lang="en-US" dirty="0"/>
           </a:p>
         </p:txBody>
       </p:sp>
@@ -17250,7 +17180,7 @@
               <a:rPr lang="en-US" smtClean="0"/>
               <a:t>9/17/25</a:t>
             </a:fld>
-            <a:endParaRPr lang="en-US"/>
+            <a:endParaRPr lang="en-US" dirty="0"/>
           </a:p>
         </p:txBody>
       </p:sp>
@@ -17269,7 +17199,7 @@
           <a:bodyPr/>
           <a:lstStyle/>
           <a:p>
-            <a:endParaRPr lang="en-US"/>
+            <a:endParaRPr lang="en-US" dirty="0"/>
           </a:p>
         </p:txBody>
       </p:sp>
@@ -17370,7 +17300,7 @@
               <a:rPr lang="en-US" smtClean="0"/>
               <a:t>9/17/25</a:t>
             </a:fld>
-            <a:endParaRPr lang="en-US"/>
+            <a:endParaRPr lang="en-US" dirty="0"/>
           </a:p>
         </p:txBody>
       </p:sp>
@@ -17389,7 +17319,7 @@
           <a:bodyPr/>
           <a:lstStyle/>
           <a:p>
-            <a:endParaRPr lang="en-US"/>
+            <a:endParaRPr lang="en-US" dirty="0"/>
           </a:p>
         </p:txBody>
       </p:sp>
@@ -17467,7 +17397,7 @@
               <a:rPr lang="en-US" smtClean="0"/>
               <a:t>9/17/25</a:t>
             </a:fld>
-            <a:endParaRPr lang="en-US"/>
+            <a:endParaRPr lang="en-US" dirty="0"/>
           </a:p>
         </p:txBody>
       </p:sp>
@@ -17486,7 +17416,7 @@
           <a:bodyPr/>
           <a:lstStyle/>
           <a:p>
-            <a:endParaRPr lang="en-US"/>
+            <a:endParaRPr lang="en-US" dirty="0"/>
           </a:p>
         </p:txBody>
       </p:sp>
@@ -17748,7 +17678,7 @@
               <a:rPr lang="en-US" smtClean="0"/>
               <a:t>9/17/25</a:t>
             </a:fld>
-            <a:endParaRPr lang="en-US"/>
+            <a:endParaRPr lang="en-US" dirty="0"/>
           </a:p>
         </p:txBody>
       </p:sp>
@@ -17767,7 +17697,7 @@
           <a:bodyPr/>
           <a:lstStyle/>
           <a:p>
-            <a:endParaRPr lang="en-US"/>
+            <a:endParaRPr lang="en-US" dirty="0"/>
           </a:p>
         </p:txBody>
       </p:sp>
@@ -17932,10 +17862,9 @@
           </a:lstStyle>
           <a:p>
             <a:r>
-              <a:rPr lang="en-US"/>
+              <a:rPr lang="en-US" dirty="0"/>
               <a:t>Click icon to add picture</a:t>
             </a:r>
-            <a:endParaRPr lang="en-US" dirty="0"/>
           </a:p>
         </p:txBody>
       </p:sp>
@@ -18025,7 +17954,7 @@
               <a:rPr lang="en-US" smtClean="0"/>
               <a:t>9/17/25</a:t>
             </a:fld>
-            <a:endParaRPr lang="en-US"/>
+            <a:endParaRPr lang="en-US" dirty="0"/>
           </a:p>
         </p:txBody>
       </p:sp>
@@ -18044,7 +17973,7 @@
           <a:bodyPr/>
           <a:lstStyle/>
           <a:p>
-            <a:endParaRPr lang="en-US"/>
+            <a:endParaRPr lang="en-US" dirty="0"/>
           </a:p>
         </p:txBody>
       </p:sp>
@@ -18456,7 +18385,7 @@
               <a:rPr lang="en-US" smtClean="0"/>
               <a:t>9/17/25</a:t>
             </a:fld>
-            <a:endParaRPr lang="en-US"/>
+            <a:endParaRPr lang="en-US" dirty="0"/>
           </a:p>
         </p:txBody>
       </p:sp>
@@ -18494,7 +18423,7 @@
             </a:lvl1pPr>
           </a:lstStyle>
           <a:p>
-            <a:endParaRPr lang="en-US"/>
+            <a:endParaRPr lang="en-US" dirty="0"/>
           </a:p>
         </p:txBody>
       </p:sp>
@@ -19028,21 +18957,8 @@
           <a:p>
             <a:r>
               <a:rPr lang="en-US" dirty="0"/>
-              <a:t>Frank Kovacs   @</a:t>
-            </a:r>
-            <a:r>
-              <a:rPr lang="en-US" dirty="0" err="1"/>
-              <a:t>statkovacs</a:t>
-            </a:r>
-            <a:r>
-              <a:rPr lang="en-US" dirty="0"/>
-              <a:t>   frank-</a:t>
-            </a:r>
-            <a:r>
-              <a:rPr lang="en-US" dirty="0" err="1"/>
-              <a:t>Kovacs.net</a:t>
-            </a:r>
-            <a:endParaRPr lang="en-US" dirty="0"/>
+              <a:t>Frank Kovacs   @statkovacs   frank-Kovacs.net</a:t>
+            </a:r>
           </a:p>
         </p:txBody>
       </p:sp>
@@ -19197,7 +19113,7 @@
               <a:rPr lang="en-US" smtClean="0"/>
               <a:t>10</a:t>
             </a:fld>
-            <a:endParaRPr lang="en-US"/>
+            <a:endParaRPr lang="en-US" dirty="0"/>
           </a:p>
         </p:txBody>
       </p:sp>
@@ -19350,7 +19266,7 @@
               <a:rPr lang="en-US" smtClean="0"/>
               <a:t>11</a:t>
             </a:fld>
-            <a:endParaRPr lang="en-US"/>
+            <a:endParaRPr lang="en-US" dirty="0"/>
           </a:p>
         </p:txBody>
       </p:sp>
@@ -19600,7 +19516,7 @@
               <a:rPr lang="en-US" smtClean="0"/>
               <a:t>13</a:t>
             </a:fld>
-            <a:endParaRPr lang="en-US"/>
+            <a:endParaRPr lang="en-US" dirty="0"/>
           </a:p>
         </p:txBody>
       </p:sp>
@@ -19779,7 +19695,7 @@
               <a:rPr lang="en-US" smtClean="0"/>
               <a:t>14</a:t>
             </a:fld>
-            <a:endParaRPr lang="en-US"/>
+            <a:endParaRPr lang="en-US" dirty="0"/>
           </a:p>
         </p:txBody>
       </p:sp>
@@ -19898,7 +19814,7 @@
               <a:rPr lang="en-US" smtClean="0"/>
               <a:t>15</a:t>
             </a:fld>
-            <a:endParaRPr lang="en-US"/>
+            <a:endParaRPr lang="en-US" dirty="0"/>
           </a:p>
         </p:txBody>
       </p:sp>
@@ -20142,7 +20058,7 @@
               <a:rPr lang="en-US" smtClean="0"/>
               <a:t>17</a:t>
             </a:fld>
-            <a:endParaRPr lang="en-US"/>
+            <a:endParaRPr lang="en-US" dirty="0"/>
           </a:p>
         </p:txBody>
       </p:sp>
@@ -20400,7 +20316,7 @@
               <a:rPr lang="en-US" smtClean="0"/>
               <a:t>19</a:t>
             </a:fld>
-            <a:endParaRPr lang="en-US"/>
+            <a:endParaRPr lang="en-US" dirty="0"/>
           </a:p>
         </p:txBody>
       </p:sp>
@@ -20551,7 +20467,7 @@
               <a:rPr lang="en-US" smtClean="0"/>
               <a:t>2</a:t>
             </a:fld>
-            <a:endParaRPr lang="en-US"/>
+            <a:endParaRPr lang="en-US" dirty="0"/>
           </a:p>
         </p:txBody>
       </p:sp>
@@ -20985,7 +20901,7 @@
           <a:bodyPr/>
           <a:lstStyle/>
           <a:p>
-            <a:endParaRPr lang="en-US"/>
+            <a:endParaRPr lang="en-US" dirty="0"/>
           </a:p>
         </p:txBody>
       </p:sp>
@@ -21289,7 +21205,7 @@
               <a:rPr lang="en-US" smtClean="0"/>
               <a:t>24</a:t>
             </a:fld>
-            <a:endParaRPr lang="en-US"/>
+            <a:endParaRPr lang="en-US" dirty="0"/>
           </a:p>
         </p:txBody>
       </p:sp>
@@ -21439,7 +21355,7 @@
               <a:rPr lang="en-US" smtClean="0"/>
               <a:t>25</a:t>
             </a:fld>
-            <a:endParaRPr lang="en-US"/>
+            <a:endParaRPr lang="en-US" dirty="0"/>
           </a:p>
         </p:txBody>
       </p:sp>
@@ -21901,12 +21817,8 @@
           <a:p>
             <a:pPr lvl="1"/>
             <a:r>
-              <a:rPr lang="en-US" dirty="0" err="1"/>
-              <a:t>Stdio</a:t>
-            </a:r>
-            <a:r>
-              <a:rPr lang="en-US" dirty="0"/>
-              <a:t> transport: Local</a:t>
+              <a:rPr lang="en-US" dirty="0"/>
+              <a:t>Stdio transport: Local</a:t>
             </a:r>
           </a:p>
           <a:p>
@@ -22155,7 +22067,7 @@
           <a:bodyPr/>
           <a:lstStyle/>
           <a:p>
-            <a:endParaRPr lang="en-US"/>
+            <a:endParaRPr lang="en-US" dirty="0"/>
           </a:p>
         </p:txBody>
       </p:sp>
@@ -22184,7 +22096,7 @@
               <a:rPr lang="en-US" smtClean="0"/>
               <a:t>30</a:t>
             </a:fld>
-            <a:endParaRPr lang="en-US"/>
+            <a:endParaRPr lang="en-US" dirty="0"/>
           </a:p>
         </p:txBody>
       </p:sp>
@@ -22424,11 +22336,11 @@
             <a:pPr lvl="1"/>
             <a:r>
               <a:rPr lang="en-US" dirty="0"/>
-              <a:t>(Tools only): Input and output </a:t>
-            </a:r>
-            <a:r>
-              <a:rPr lang="en-US" dirty="0" err="1"/>
-              <a:t>specificaiton</a:t>
+              <a:t>(Tools only): Input and </a:t>
+            </a:r>
+            <a:r>
+              <a:rPr lang="en-US"/>
+              <a:t>output specification </a:t>
             </a:r>
             <a:endParaRPr lang="en-US" dirty="0"/>
           </a:p>
@@ -22665,7 +22577,7 @@
           <a:bodyPr/>
           <a:lstStyle/>
           <a:p>
-            <a:endParaRPr lang="en-US"/>
+            <a:endParaRPr lang="en-US" dirty="0"/>
           </a:p>
         </p:txBody>
       </p:sp>
@@ -22694,7 +22606,7 @@
               <a:rPr lang="en-US" smtClean="0"/>
               <a:t>34</a:t>
             </a:fld>
-            <a:endParaRPr lang="en-US"/>
+            <a:endParaRPr lang="en-US" dirty="0"/>
           </a:p>
         </p:txBody>
       </p:sp>
@@ -22926,7 +22838,7 @@
           <a:p>
             <a:r>
               <a:rPr lang="en-US" dirty="0"/>
-              <a:t>RAG vs. MCP: Location of “injection”</a:t>
+              <a:t>RAG vs. MCP: Two different ballgames</a:t>
             </a:r>
           </a:p>
           <a:p>
@@ -22939,16 +22851,6 @@
             <a:r>
               <a:rPr lang="en-US" dirty="0"/>
               <a:t>First move advantage</a:t>
-            </a:r>
-          </a:p>
-          <a:p>
-            <a:r>
-              <a:rPr lang="en-US" dirty="0" err="1"/>
-              <a:t>LangChain</a:t>
-            </a:r>
-            <a:r>
-              <a:rPr lang="en-US" dirty="0"/>
-              <a:t> vs. MCP: Application-side vs. Server-side</a:t>
             </a:r>
           </a:p>
         </p:txBody>
@@ -22978,7 +22880,7 @@
               <a:rPr lang="en-US" smtClean="0"/>
               <a:t>36</a:t>
             </a:fld>
-            <a:endParaRPr lang="en-US"/>
+            <a:endParaRPr lang="en-US" dirty="0"/>
           </a:p>
         </p:txBody>
       </p:sp>
@@ -23061,7 +22963,7 @@
           <a:bodyPr/>
           <a:lstStyle/>
           <a:p>
-            <a:endParaRPr lang="en-US"/>
+            <a:endParaRPr lang="en-US" dirty="0"/>
           </a:p>
         </p:txBody>
       </p:sp>
@@ -23090,7 +22992,7 @@
               <a:rPr lang="en-US" smtClean="0"/>
               <a:t>37</a:t>
             </a:fld>
-            <a:endParaRPr lang="en-US"/>
+            <a:endParaRPr lang="en-US" dirty="0"/>
           </a:p>
         </p:txBody>
       </p:sp>
@@ -23173,7 +23075,7 @@
           <a:bodyPr/>
           <a:lstStyle/>
           <a:p>
-            <a:endParaRPr lang="en-US"/>
+            <a:endParaRPr lang="en-US" dirty="0"/>
           </a:p>
         </p:txBody>
       </p:sp>
@@ -23353,7 +23255,7 @@
               <a:rPr lang="en-US" smtClean="0"/>
               <a:t>39</a:t>
             </a:fld>
-            <a:endParaRPr lang="en-US"/>
+            <a:endParaRPr lang="en-US" dirty="0"/>
           </a:p>
         </p:txBody>
       </p:sp>
@@ -23452,23 +23354,7 @@
           <a:p>
             <a:r>
               <a:rPr lang="en-US" dirty="0"/>
-              <a:t>https://frank-</a:t>
-            </a:r>
-            <a:r>
-              <a:rPr lang="en-US" dirty="0" err="1"/>
-              <a:t>kovacs.net</a:t>
-            </a:r>
-            <a:r>
-              <a:rPr lang="en-US" dirty="0"/>
-              <a:t>/projects/</a:t>
-            </a:r>
-            <a:r>
-              <a:rPr lang="en-US" dirty="0" err="1"/>
-              <a:t>mcp_nycr</a:t>
-            </a:r>
-            <a:r>
-              <a:rPr lang="en-US" dirty="0"/>
-              <a:t>/</a:t>
+              <a:t>https://frank-kovacs.net/projects/mcp_nycr/</a:t>
             </a:r>
           </a:p>
         </p:txBody>
@@ -23498,7 +23384,7 @@
               <a:rPr lang="en-US" smtClean="0"/>
               <a:t>4</a:t>
             </a:fld>
-            <a:endParaRPr lang="en-US"/>
+            <a:endParaRPr lang="en-US" dirty="0"/>
           </a:p>
         </p:txBody>
       </p:sp>
@@ -23581,7 +23467,7 @@
           <a:bodyPr/>
           <a:lstStyle/>
           <a:p>
-            <a:endParaRPr lang="en-US"/>
+            <a:endParaRPr lang="en-US" dirty="0"/>
           </a:p>
         </p:txBody>
       </p:sp>
@@ -23610,7 +23496,7 @@
               <a:rPr lang="en-US" smtClean="0"/>
               <a:t>40</a:t>
             </a:fld>
-            <a:endParaRPr lang="en-US"/>
+            <a:endParaRPr lang="en-US" dirty="0"/>
           </a:p>
         </p:txBody>
       </p:sp>
@@ -23765,7 +23651,7 @@
           </a:bodyPr>
           <a:lstStyle/>
           <a:p>
-            <a:endParaRPr lang="en-US"/>
+            <a:endParaRPr lang="en-US" dirty="0"/>
           </a:p>
         </p:txBody>
       </p:sp>
@@ -23794,7 +23680,7 @@
               <a:rPr lang="en-US" smtClean="0"/>
               <a:t>41</a:t>
             </a:fld>
-            <a:endParaRPr lang="en-US"/>
+            <a:endParaRPr lang="en-US" dirty="0"/>
           </a:p>
         </p:txBody>
       </p:sp>
@@ -23877,7 +23763,7 @@
           <a:bodyPr/>
           <a:lstStyle/>
           <a:p>
-            <a:endParaRPr lang="en-US"/>
+            <a:endParaRPr lang="en-US" dirty="0"/>
           </a:p>
         </p:txBody>
       </p:sp>
@@ -23906,7 +23792,7 @@
               <a:rPr lang="en-US" smtClean="0"/>
               <a:t>42</a:t>
             </a:fld>
-            <a:endParaRPr lang="en-US"/>
+            <a:endParaRPr lang="en-US" dirty="0"/>
           </a:p>
         </p:txBody>
       </p:sp>
@@ -24106,7 +23992,7 @@
               <a:rPr lang="en-US" smtClean="0"/>
               <a:t>5</a:t>
             </a:fld>
-            <a:endParaRPr lang="en-US"/>
+            <a:endParaRPr lang="en-US" dirty="0"/>
           </a:p>
         </p:txBody>
       </p:sp>
@@ -24229,7 +24115,7 @@
               <a:rPr lang="en-US" smtClean="0"/>
               <a:t>6</a:t>
             </a:fld>
-            <a:endParaRPr lang="en-US"/>
+            <a:endParaRPr lang="en-US" dirty="0"/>
           </a:p>
         </p:txBody>
       </p:sp>
@@ -24354,7 +24240,7 @@
           <a:bodyPr/>
           <a:lstStyle/>
           <a:p>
-            <a:endParaRPr lang="en-US"/>
+            <a:endParaRPr lang="en-US" dirty="0"/>
           </a:p>
         </p:txBody>
       </p:sp>
@@ -24383,7 +24269,7 @@
               <a:rPr lang="en-US" smtClean="0"/>
               <a:t>7</a:t>
             </a:fld>
-            <a:endParaRPr lang="en-US"/>
+            <a:endParaRPr lang="en-US" dirty="0"/>
           </a:p>
         </p:txBody>
       </p:sp>
@@ -24523,7 +24409,7 @@
               <a:rPr lang="en-US" smtClean="0"/>
               <a:t>8</a:t>
             </a:fld>
-            <a:endParaRPr lang="en-US"/>
+            <a:endParaRPr lang="en-US" dirty="0"/>
           </a:p>
         </p:txBody>
       </p:sp>
@@ -24548,7 +24434,7 @@
           <a:bodyPr/>
           <a:lstStyle/>
           <a:p>
-            <a:endParaRPr lang="en-US"/>
+            <a:endParaRPr lang="en-US" dirty="0"/>
           </a:p>
         </p:txBody>
       </p:sp>
@@ -24743,7 +24629,7 @@
               <a:rPr lang="en-US" smtClean="0"/>
               <a:t>9</a:t>
             </a:fld>
-            <a:endParaRPr lang="en-US"/>
+            <a:endParaRPr lang="en-US" dirty="0"/>
           </a:p>
         </p:txBody>
       </p:sp>

--- a/slides/mcp_slides.pptx
+++ b/slides/mcp_slides.pptx
@@ -5,7 +5,7 @@
     <p:sldMasterId id="2147483870" r:id="rId1"/>
   </p:sldMasterIdLst>
   <p:notesMasterIdLst>
-    <p:notesMasterId r:id="rId44"/>
+    <p:notesMasterId r:id="rId45"/>
   </p:notesMasterIdLst>
   <p:sldIdLst>
     <p:sldId id="256" r:id="rId2"/>
@@ -40,16 +40,17 @@
     <p:sldId id="307" r:id="rId31"/>
     <p:sldId id="312" r:id="rId32"/>
     <p:sldId id="313" r:id="rId33"/>
-    <p:sldId id="314" r:id="rId34"/>
-    <p:sldId id="316" r:id="rId35"/>
-    <p:sldId id="317" r:id="rId36"/>
-    <p:sldId id="276" r:id="rId37"/>
-    <p:sldId id="318" r:id="rId38"/>
-    <p:sldId id="315" r:id="rId39"/>
-    <p:sldId id="289" r:id="rId40"/>
-    <p:sldId id="269" r:id="rId41"/>
-    <p:sldId id="270" r:id="rId42"/>
-    <p:sldId id="284" r:id="rId43"/>
+    <p:sldId id="327" r:id="rId34"/>
+    <p:sldId id="314" r:id="rId35"/>
+    <p:sldId id="316" r:id="rId36"/>
+    <p:sldId id="317" r:id="rId37"/>
+    <p:sldId id="276" r:id="rId38"/>
+    <p:sldId id="318" r:id="rId39"/>
+    <p:sldId id="315" r:id="rId40"/>
+    <p:sldId id="289" r:id="rId41"/>
+    <p:sldId id="269" r:id="rId42"/>
+    <p:sldId id="270" r:id="rId43"/>
+    <p:sldId id="284" r:id="rId44"/>
   </p:sldIdLst>
   <p:sldSz cx="12192000" cy="6858000"/>
   <p:notesSz cx="6858000" cy="9144000"/>
@@ -11463,7 +11464,7 @@
           <a:p>
             <a:fld id="{59758792-16F5-7043-A9DC-706F41594F88}" type="slidenum">
               <a:rPr lang="en-US" smtClean="0"/>
-              <a:t>33</a:t>
+              <a:t>34</a:t>
             </a:fld>
             <a:endParaRPr lang="en-US" dirty="0"/>
           </a:p>
@@ -11550,7 +11551,7 @@
           <a:p>
             <a:fld id="{59758792-16F5-7043-A9DC-706F41594F88}" type="slidenum">
               <a:rPr lang="en-US" smtClean="0"/>
-              <a:t>34</a:t>
+              <a:t>35</a:t>
             </a:fld>
             <a:endParaRPr lang="en-US" dirty="0"/>
           </a:p>
@@ -11657,7 +11658,7 @@
           <a:p>
             <a:fld id="{59758792-16F5-7043-A9DC-706F41594F88}" type="slidenum">
               <a:rPr lang="en-US" smtClean="0"/>
-              <a:t>36</a:t>
+              <a:t>37</a:t>
             </a:fld>
             <a:endParaRPr lang="en-US" dirty="0"/>
           </a:p>
@@ -11882,7 +11883,7 @@
           <a:p>
             <a:fld id="{59758792-16F5-7043-A9DC-706F41594F88}" type="slidenum">
               <a:rPr lang="en-US" smtClean="0"/>
-              <a:t>40</a:t>
+              <a:t>41</a:t>
             </a:fld>
             <a:endParaRPr lang="en-US" dirty="0"/>
           </a:p>
@@ -11969,7 +11970,7 @@
           <a:p>
             <a:fld id="{59758792-16F5-7043-A9DC-706F41594F88}" type="slidenum">
               <a:rPr lang="en-US" smtClean="0"/>
-              <a:t>41</a:t>
+              <a:t>42</a:t>
             </a:fld>
             <a:endParaRPr lang="en-US" dirty="0"/>
           </a:p>
@@ -12083,7 +12084,7 @@
           <a:p>
             <a:fld id="{59758792-16F5-7043-A9DC-706F41594F88}" type="slidenum">
               <a:rPr lang="en-US" smtClean="0"/>
-              <a:t>42</a:t>
+              <a:t>43</a:t>
             </a:fld>
             <a:endParaRPr lang="en-US" dirty="0"/>
           </a:p>
@@ -22336,13 +22337,8 @@
             <a:pPr lvl="1"/>
             <a:r>
               <a:rPr lang="en-US" dirty="0"/>
-              <a:t>(Tools only): Input and </a:t>
-            </a:r>
-            <a:r>
-              <a:rPr lang="en-US"/>
-              <a:t>output specification </a:t>
-            </a:r>
-            <a:endParaRPr lang="en-US" dirty="0"/>
+              <a:t>(Tools only): Input and output specification </a:t>
+            </a:r>
           </a:p>
         </p:txBody>
       </p:sp>
@@ -22411,7 +22407,7 @@
           <p:cNvPr id="2" name="Title 1">
             <a:extLst>
               <a:ext uri="{FF2B5EF4-FFF2-40B4-BE49-F238E27FC236}">
-                <a16:creationId xmlns:a16="http://schemas.microsoft.com/office/drawing/2014/main" id="{FAA2771A-F86A-75D3-1F7F-A239BDD97716}"/>
+                <a16:creationId xmlns:a16="http://schemas.microsoft.com/office/drawing/2014/main" id="{BF9B1952-AE8E-006C-CB77-08A100BE6F27}"/>
               </a:ext>
             </a:extLst>
           </p:cNvPr>
@@ -22429,51 +22425,46 @@
           <a:p>
             <a:r>
               <a:rPr lang="en-US" dirty="0"/>
-              <a:t>Aside: Agent vs. Workflow</a:t>
-            </a:r>
-          </a:p>
-        </p:txBody>
-      </p:sp>
-      <p:sp>
-        <p:nvSpPr>
-          <p:cNvPr id="3" name="Content Placeholder 2">
+              <a:t>Step 4 Example</a:t>
+            </a:r>
+          </a:p>
+        </p:txBody>
+      </p:sp>
+      <p:pic>
+        <p:nvPicPr>
+          <p:cNvPr id="6" name="Content Placeholder 5">
             <a:extLst>
               <a:ext uri="{FF2B5EF4-FFF2-40B4-BE49-F238E27FC236}">
-                <a16:creationId xmlns:a16="http://schemas.microsoft.com/office/drawing/2014/main" id="{BCC711CD-E212-8AF9-DB4D-8423BC0939EC}"/>
+                <a16:creationId xmlns:a16="http://schemas.microsoft.com/office/drawing/2014/main" id="{031CBA4C-66D4-EA5F-086C-EF0C4A0EBF82}"/>
               </a:ext>
             </a:extLst>
           </p:cNvPr>
-          <p:cNvSpPr>
-            <a:spLocks noGrp="1"/>
-          </p:cNvSpPr>
+          <p:cNvPicPr>
+            <a:picLocks noGrp="1" noChangeAspect="1"/>
+          </p:cNvPicPr>
           <p:nvPr>
             <p:ph idx="1"/>
           </p:nvPr>
-        </p:nvSpPr>
-        <p:spPr/>
-        <p:txBody>
-          <a:bodyPr/>
-          <a:lstStyle/>
-          <a:p>
-            <a:r>
-              <a:rPr lang="en-US" dirty="0"/>
-              <a:t>Workflow - Deterministic, pre-defined</a:t>
-            </a:r>
-          </a:p>
-          <a:p>
-            <a:r>
-              <a:rPr lang="en-US" dirty="0"/>
-              <a:t>Agent – Non-deterministic, LLM as a black box</a:t>
-            </a:r>
-          </a:p>
-        </p:txBody>
-      </p:sp>
+        </p:nvPicPr>
+        <p:blipFill>
+          <a:blip r:embed="rId2"/>
+          <a:stretch>
+            <a:fillRect/>
+          </a:stretch>
+        </p:blipFill>
+        <p:spPr>
+          <a:xfrm>
+            <a:off x="2785220" y="2052638"/>
+            <a:ext cx="5583336" cy="4195762"/>
+          </a:xfrm>
+        </p:spPr>
+      </p:pic>
       <p:sp>
         <p:nvSpPr>
           <p:cNvPr id="4" name="Slide Number Placeholder 3">
             <a:extLst>
               <a:ext uri="{FF2B5EF4-FFF2-40B4-BE49-F238E27FC236}">
-                <a16:creationId xmlns:a16="http://schemas.microsoft.com/office/drawing/2014/main" id="{ED77521F-BA88-C2CB-09C8-DA6A5327CFA0}"/>
+                <a16:creationId xmlns:a16="http://schemas.microsoft.com/office/drawing/2014/main" id="{D36652A2-BD3E-EF19-771E-45C2191578CE}"/>
               </a:ext>
             </a:extLst>
           </p:cNvPr>
@@ -22501,7 +22492,7 @@
     </p:spTree>
     <p:extLst>
       <p:ext uri="{BB962C8B-B14F-4D97-AF65-F5344CB8AC3E}">
-        <p14:creationId xmlns:p14="http://schemas.microsoft.com/office/powerpoint/2010/main" val="3749349831"/>
+        <p14:creationId xmlns:p14="http://schemas.microsoft.com/office/powerpoint/2010/main" val="4192355904"/>
       </p:ext>
     </p:extLst>
   </p:cSld>
@@ -22533,7 +22524,7 @@
           <p:cNvPr id="2" name="Title 1">
             <a:extLst>
               <a:ext uri="{FF2B5EF4-FFF2-40B4-BE49-F238E27FC236}">
-                <a16:creationId xmlns:a16="http://schemas.microsoft.com/office/drawing/2014/main" id="{88A419CA-3DE8-9011-80F6-BCEE8FEE1503}"/>
+                <a16:creationId xmlns:a16="http://schemas.microsoft.com/office/drawing/2014/main" id="{FAA2771A-F86A-75D3-1F7F-A239BDD97716}"/>
               </a:ext>
             </a:extLst>
           </p:cNvPr>
@@ -22551,17 +22542,17 @@
           <a:p>
             <a:r>
               <a:rPr lang="en-US" dirty="0"/>
-              <a:t>Demo</a:t>
-            </a:r>
-          </a:p>
-        </p:txBody>
-      </p:sp>
-      <p:sp>
-        <p:nvSpPr>
-          <p:cNvPr id="3" name="Text Placeholder 2">
+              <a:t>Aside: Agent vs. Workflow</a:t>
+            </a:r>
+          </a:p>
+        </p:txBody>
+      </p:sp>
+      <p:sp>
+        <p:nvSpPr>
+          <p:cNvPr id="3" name="Content Placeholder 2">
             <a:extLst>
               <a:ext uri="{FF2B5EF4-FFF2-40B4-BE49-F238E27FC236}">
-                <a16:creationId xmlns:a16="http://schemas.microsoft.com/office/drawing/2014/main" id="{2AEF60D4-2519-42F5-8A2A-D6A114476EB8}"/>
+                <a16:creationId xmlns:a16="http://schemas.microsoft.com/office/drawing/2014/main" id="{BCC711CD-E212-8AF9-DB4D-8423BC0939EC}"/>
               </a:ext>
             </a:extLst>
           </p:cNvPr>
@@ -22569,7 +22560,7 @@
             <a:spLocks noGrp="1"/>
           </p:cNvSpPr>
           <p:nvPr>
-            <p:ph type="body" idx="1"/>
+            <p:ph idx="1"/>
           </p:nvPr>
         </p:nvSpPr>
         <p:spPr/>
@@ -22577,7 +22568,16 @@
           <a:bodyPr/>
           <a:lstStyle/>
           <a:p>
-            <a:endParaRPr lang="en-US" dirty="0"/>
+            <a:r>
+              <a:rPr lang="en-US" dirty="0"/>
+              <a:t>Workflow - Deterministic, pre-defined</a:t>
+            </a:r>
+          </a:p>
+          <a:p>
+            <a:r>
+              <a:rPr lang="en-US" dirty="0"/>
+              <a:t>Agent – Non-deterministic, LLM as a black box</a:t>
+            </a:r>
           </a:p>
         </p:txBody>
       </p:sp>
@@ -22586,7 +22586,7 @@
           <p:cNvPr id="4" name="Slide Number Placeholder 3">
             <a:extLst>
               <a:ext uri="{FF2B5EF4-FFF2-40B4-BE49-F238E27FC236}">
-                <a16:creationId xmlns:a16="http://schemas.microsoft.com/office/drawing/2014/main" id="{4F21F863-1BBC-7061-FF32-25FDF35F84BB}"/>
+                <a16:creationId xmlns:a16="http://schemas.microsoft.com/office/drawing/2014/main" id="{ED77521F-BA88-C2CB-09C8-DA6A5327CFA0}"/>
               </a:ext>
             </a:extLst>
           </p:cNvPr>
@@ -22604,6 +22604,7 @@
           <a:p>
             <a:fld id="{FCABE2F1-B51E-8B48-B9C1-957239623D4B}" type="slidenum">
               <a:rPr lang="en-US" smtClean="0"/>
+              <a:pPr/>
               <a:t>34</a:t>
             </a:fld>
             <a:endParaRPr lang="en-US" dirty="0"/>
@@ -22613,7 +22614,7 @@
     </p:spTree>
     <p:extLst>
       <p:ext uri="{BB962C8B-B14F-4D97-AF65-F5344CB8AC3E}">
-        <p14:creationId xmlns:p14="http://schemas.microsoft.com/office/powerpoint/2010/main" val="100685763"/>
+        <p14:creationId xmlns:p14="http://schemas.microsoft.com/office/powerpoint/2010/main" val="3749349831"/>
       </p:ext>
     </p:extLst>
   </p:cSld>
@@ -22645,7 +22646,7 @@
           <p:cNvPr id="2" name="Title 1">
             <a:extLst>
               <a:ext uri="{FF2B5EF4-FFF2-40B4-BE49-F238E27FC236}">
-                <a16:creationId xmlns:a16="http://schemas.microsoft.com/office/drawing/2014/main" id="{30C537E2-6613-A1ED-630E-011B91E963DC}"/>
+                <a16:creationId xmlns:a16="http://schemas.microsoft.com/office/drawing/2014/main" id="{88A419CA-3DE8-9011-80F6-BCEE8FEE1503}"/>
               </a:ext>
             </a:extLst>
           </p:cNvPr>
@@ -22663,17 +22664,17 @@
           <a:p>
             <a:r>
               <a:rPr lang="en-US" dirty="0"/>
-              <a:t>Recap</a:t>
-            </a:r>
-          </a:p>
-        </p:txBody>
-      </p:sp>
-      <p:sp>
-        <p:nvSpPr>
-          <p:cNvPr id="3" name="Content Placeholder 2">
+              <a:t>Demo</a:t>
+            </a:r>
+          </a:p>
+        </p:txBody>
+      </p:sp>
+      <p:sp>
+        <p:nvSpPr>
+          <p:cNvPr id="3" name="Text Placeholder 2">
             <a:extLst>
               <a:ext uri="{FF2B5EF4-FFF2-40B4-BE49-F238E27FC236}">
-                <a16:creationId xmlns:a16="http://schemas.microsoft.com/office/drawing/2014/main" id="{4DCC1CBA-4B30-EB1F-EDF8-6C9680744391}"/>
+                <a16:creationId xmlns:a16="http://schemas.microsoft.com/office/drawing/2014/main" id="{2AEF60D4-2519-42F5-8A2A-D6A114476EB8}"/>
               </a:ext>
             </a:extLst>
           </p:cNvPr>
@@ -22681,45 +22682,13 @@
             <a:spLocks noGrp="1"/>
           </p:cNvSpPr>
           <p:nvPr>
-            <p:ph idx="1"/>
-          </p:nvPr>
-        </p:nvSpPr>
-        <p:spPr/>
-        <p:txBody>
-          <a:bodyPr>
-            <a:normAutofit fontScale="85000" lnSpcReduction="10000"/>
-          </a:bodyPr>
+            <p:ph type="body" idx="1"/>
+          </p:nvPr>
+        </p:nvSpPr>
+        <p:spPr/>
+        <p:txBody>
+          <a:bodyPr/>
           <a:lstStyle/>
-          <a:p>
-            <a:r>
-              <a:rPr lang="en-US" dirty="0"/>
-              <a:t>MCP is a protocol that enables LLMs to access tools, resources and prompts</a:t>
-            </a:r>
-          </a:p>
-          <a:p>
-            <a:r>
-              <a:rPr lang="en-US" dirty="0"/>
-              <a:t>Agentic vs. workflow constructions</a:t>
-            </a:r>
-          </a:p>
-          <a:p>
-            <a:r>
-              <a:rPr lang="en-US" dirty="0"/>
-              <a:t>Standardization</a:t>
-            </a:r>
-          </a:p>
-          <a:p>
-            <a:r>
-              <a:rPr lang="en-US" dirty="0"/>
-              <a:t>Implementation: Server first</a:t>
-            </a:r>
-          </a:p>
-          <a:p>
-            <a:r>
-              <a:rPr lang="en-US" dirty="0"/>
-              <a:t>Client within application host</a:t>
-            </a:r>
-          </a:p>
           <a:p>
             <a:endParaRPr lang="en-US" dirty="0"/>
           </a:p>
@@ -22730,7 +22699,7 @@
           <p:cNvPr id="4" name="Slide Number Placeholder 3">
             <a:extLst>
               <a:ext uri="{FF2B5EF4-FFF2-40B4-BE49-F238E27FC236}">
-                <a16:creationId xmlns:a16="http://schemas.microsoft.com/office/drawing/2014/main" id="{63E4AB7C-97C5-B903-A278-7A3EFDFA7473}"/>
+                <a16:creationId xmlns:a16="http://schemas.microsoft.com/office/drawing/2014/main" id="{4F21F863-1BBC-7061-FF32-25FDF35F84BB}"/>
               </a:ext>
             </a:extLst>
           </p:cNvPr>
@@ -22748,7 +22717,6 @@
           <a:p>
             <a:fld id="{FCABE2F1-B51E-8B48-B9C1-957239623D4B}" type="slidenum">
               <a:rPr lang="en-US" smtClean="0"/>
-              <a:pPr/>
               <a:t>35</a:t>
             </a:fld>
             <a:endParaRPr lang="en-US" dirty="0"/>
@@ -22758,7 +22726,7 @@
     </p:spTree>
     <p:extLst>
       <p:ext uri="{BB962C8B-B14F-4D97-AF65-F5344CB8AC3E}">
-        <p14:creationId xmlns:p14="http://schemas.microsoft.com/office/powerpoint/2010/main" val="1636703318"/>
+        <p14:creationId xmlns:p14="http://schemas.microsoft.com/office/powerpoint/2010/main" val="100685763"/>
       </p:ext>
     </p:extLst>
   </p:cSld>
@@ -22790,7 +22758,7 @@
           <p:cNvPr id="2" name="Title 1">
             <a:extLst>
               <a:ext uri="{FF2B5EF4-FFF2-40B4-BE49-F238E27FC236}">
-                <a16:creationId xmlns:a16="http://schemas.microsoft.com/office/drawing/2014/main" id="{25EB7EE1-D29E-E0EE-6EA1-E22BE16E9B35}"/>
+                <a16:creationId xmlns:a16="http://schemas.microsoft.com/office/drawing/2014/main" id="{30C537E2-6613-A1ED-630E-011B91E963DC}"/>
               </a:ext>
             </a:extLst>
           </p:cNvPr>
@@ -22808,7 +22776,7 @@
           <a:p>
             <a:r>
               <a:rPr lang="en-US" dirty="0"/>
-              <a:t>FAQ</a:t>
+              <a:t>Recap</a:t>
             </a:r>
           </a:p>
         </p:txBody>
@@ -22818,7 +22786,7 @@
           <p:cNvPr id="3" name="Content Placeholder 2">
             <a:extLst>
               <a:ext uri="{FF2B5EF4-FFF2-40B4-BE49-F238E27FC236}">
-                <a16:creationId xmlns:a16="http://schemas.microsoft.com/office/drawing/2014/main" id="{668B7C4B-99DC-3BED-27EC-5A3A7CBF0D3E}"/>
+                <a16:creationId xmlns:a16="http://schemas.microsoft.com/office/drawing/2014/main" id="{4DCC1CBA-4B30-EB1F-EDF8-6C9680744391}"/>
               </a:ext>
             </a:extLst>
           </p:cNvPr>
@@ -22832,26 +22800,41 @@
         <p:spPr/>
         <p:txBody>
           <a:bodyPr>
-            <a:normAutofit/>
+            <a:normAutofit fontScale="85000" lnSpcReduction="10000"/>
           </a:bodyPr>
           <a:lstStyle/>
           <a:p>
             <a:r>
               <a:rPr lang="en-US" dirty="0"/>
-              <a:t>RAG vs. MCP: Two different ballgames</a:t>
-            </a:r>
-          </a:p>
-          <a:p>
-            <a:r>
-              <a:rPr lang="en-US" dirty="0"/>
-              <a:t>Necessary? No. Helpful? Yes</a:t>
-            </a:r>
-          </a:p>
-          <a:p>
-            <a:r>
-              <a:rPr lang="en-US" dirty="0"/>
-              <a:t>First move advantage</a:t>
-            </a:r>
+              <a:t>MCP is a protocol that enables LLMs to access tools, resources and prompts</a:t>
+            </a:r>
+          </a:p>
+          <a:p>
+            <a:r>
+              <a:rPr lang="en-US" dirty="0"/>
+              <a:t>Agentic vs. workflow constructions</a:t>
+            </a:r>
+          </a:p>
+          <a:p>
+            <a:r>
+              <a:rPr lang="en-US" dirty="0"/>
+              <a:t>Standardization</a:t>
+            </a:r>
+          </a:p>
+          <a:p>
+            <a:r>
+              <a:rPr lang="en-US" dirty="0"/>
+              <a:t>Implementation: Server first</a:t>
+            </a:r>
+          </a:p>
+          <a:p>
+            <a:r>
+              <a:rPr lang="en-US" dirty="0"/>
+              <a:t>Client within application host</a:t>
+            </a:r>
+          </a:p>
+          <a:p>
+            <a:endParaRPr lang="en-US" dirty="0"/>
           </a:p>
         </p:txBody>
       </p:sp>
@@ -22860,7 +22843,7 @@
           <p:cNvPr id="4" name="Slide Number Placeholder 3">
             <a:extLst>
               <a:ext uri="{FF2B5EF4-FFF2-40B4-BE49-F238E27FC236}">
-                <a16:creationId xmlns:a16="http://schemas.microsoft.com/office/drawing/2014/main" id="{A31D1771-83F6-18BB-01D3-26C0C09A8F3A}"/>
+                <a16:creationId xmlns:a16="http://schemas.microsoft.com/office/drawing/2014/main" id="{63E4AB7C-97C5-B903-A278-7A3EFDFA7473}"/>
               </a:ext>
             </a:extLst>
           </p:cNvPr>
@@ -22878,6 +22861,7 @@
           <a:p>
             <a:fld id="{FCABE2F1-B51E-8B48-B9C1-957239623D4B}" type="slidenum">
               <a:rPr lang="en-US" smtClean="0"/>
+              <a:pPr/>
               <a:t>36</a:t>
             </a:fld>
             <a:endParaRPr lang="en-US" dirty="0"/>
@@ -22887,7 +22871,7 @@
     </p:spTree>
     <p:extLst>
       <p:ext uri="{BB962C8B-B14F-4D97-AF65-F5344CB8AC3E}">
-        <p14:creationId xmlns:p14="http://schemas.microsoft.com/office/powerpoint/2010/main" val="1125975261"/>
+        <p14:creationId xmlns:p14="http://schemas.microsoft.com/office/powerpoint/2010/main" val="1636703318"/>
       </p:ext>
     </p:extLst>
   </p:cSld>
@@ -22919,7 +22903,7 @@
           <p:cNvPr id="2" name="Title 1">
             <a:extLst>
               <a:ext uri="{FF2B5EF4-FFF2-40B4-BE49-F238E27FC236}">
-                <a16:creationId xmlns:a16="http://schemas.microsoft.com/office/drawing/2014/main" id="{662C5395-ACC7-ACFC-B2DD-6BE8F8718573}"/>
+                <a16:creationId xmlns:a16="http://schemas.microsoft.com/office/drawing/2014/main" id="{25EB7EE1-D29E-E0EE-6EA1-E22BE16E9B35}"/>
               </a:ext>
             </a:extLst>
           </p:cNvPr>
@@ -22937,17 +22921,17 @@
           <a:p>
             <a:r>
               <a:rPr lang="en-US" dirty="0"/>
-              <a:t>Questions</a:t>
-            </a:r>
-          </a:p>
-        </p:txBody>
-      </p:sp>
-      <p:sp>
-        <p:nvSpPr>
-          <p:cNvPr id="3" name="Text Placeholder 2">
+              <a:t>FAQ</a:t>
+            </a:r>
+          </a:p>
+        </p:txBody>
+      </p:sp>
+      <p:sp>
+        <p:nvSpPr>
+          <p:cNvPr id="3" name="Content Placeholder 2">
             <a:extLst>
               <a:ext uri="{FF2B5EF4-FFF2-40B4-BE49-F238E27FC236}">
-                <a16:creationId xmlns:a16="http://schemas.microsoft.com/office/drawing/2014/main" id="{75A24F4A-D254-FB41-2238-910EBE2C294C}"/>
+                <a16:creationId xmlns:a16="http://schemas.microsoft.com/office/drawing/2014/main" id="{668B7C4B-99DC-3BED-27EC-5A3A7CBF0D3E}"/>
               </a:ext>
             </a:extLst>
           </p:cNvPr>
@@ -22955,15 +22939,32 @@
             <a:spLocks noGrp="1"/>
           </p:cNvSpPr>
           <p:nvPr>
-            <p:ph type="body" idx="1"/>
-          </p:nvPr>
-        </p:nvSpPr>
-        <p:spPr/>
-        <p:txBody>
-          <a:bodyPr/>
+            <p:ph idx="1"/>
+          </p:nvPr>
+        </p:nvSpPr>
+        <p:spPr/>
+        <p:txBody>
+          <a:bodyPr>
+            <a:normAutofit/>
+          </a:bodyPr>
           <a:lstStyle/>
           <a:p>
-            <a:endParaRPr lang="en-US" dirty="0"/>
+            <a:r>
+              <a:rPr lang="en-US" dirty="0"/>
+              <a:t>RAG vs. MCP: Two different ballgames</a:t>
+            </a:r>
+          </a:p>
+          <a:p>
+            <a:r>
+              <a:rPr lang="en-US" dirty="0"/>
+              <a:t>Necessary? No. Helpful? Yes</a:t>
+            </a:r>
+          </a:p>
+          <a:p>
+            <a:r>
+              <a:rPr lang="en-US" dirty="0"/>
+              <a:t>First move advantage</a:t>
+            </a:r>
           </a:p>
         </p:txBody>
       </p:sp>
@@ -22972,7 +22973,7 @@
           <p:cNvPr id="4" name="Slide Number Placeholder 3">
             <a:extLst>
               <a:ext uri="{FF2B5EF4-FFF2-40B4-BE49-F238E27FC236}">
-                <a16:creationId xmlns:a16="http://schemas.microsoft.com/office/drawing/2014/main" id="{4ACFD90D-D3C4-5322-1C6F-9A371E7F12AE}"/>
+                <a16:creationId xmlns:a16="http://schemas.microsoft.com/office/drawing/2014/main" id="{A31D1771-83F6-18BB-01D3-26C0C09A8F3A}"/>
               </a:ext>
             </a:extLst>
           </p:cNvPr>
@@ -22999,7 +23000,7 @@
     </p:spTree>
     <p:extLst>
       <p:ext uri="{BB962C8B-B14F-4D97-AF65-F5344CB8AC3E}">
-        <p14:creationId xmlns:p14="http://schemas.microsoft.com/office/powerpoint/2010/main" val="1607085057"/>
+        <p14:creationId xmlns:p14="http://schemas.microsoft.com/office/powerpoint/2010/main" val="1125975261"/>
       </p:ext>
     </p:extLst>
   </p:cSld>
@@ -23031,7 +23032,7 @@
           <p:cNvPr id="2" name="Title 1">
             <a:extLst>
               <a:ext uri="{FF2B5EF4-FFF2-40B4-BE49-F238E27FC236}">
-                <a16:creationId xmlns:a16="http://schemas.microsoft.com/office/drawing/2014/main" id="{91CBBD0B-AD47-A0B7-1884-9B9806FBED90}"/>
+                <a16:creationId xmlns:a16="http://schemas.microsoft.com/office/drawing/2014/main" id="{662C5395-ACC7-ACFC-B2DD-6BE8F8718573}"/>
               </a:ext>
             </a:extLst>
           </p:cNvPr>
@@ -23039,7 +23040,7 @@
             <a:spLocks noGrp="1"/>
           </p:cNvSpPr>
           <p:nvPr>
-            <p:ph type="ctrTitle"/>
+            <p:ph type="title"/>
           </p:nvPr>
         </p:nvSpPr>
         <p:spPr/>
@@ -23049,17 +23050,17 @@
           <a:p>
             <a:r>
               <a:rPr lang="en-US" dirty="0"/>
-              <a:t>Thank you!</a:t>
-            </a:r>
-          </a:p>
-        </p:txBody>
-      </p:sp>
-      <p:sp>
-        <p:nvSpPr>
-          <p:cNvPr id="3" name="Subtitle 2">
+              <a:t>Questions</a:t>
+            </a:r>
+          </a:p>
+        </p:txBody>
+      </p:sp>
+      <p:sp>
+        <p:nvSpPr>
+          <p:cNvPr id="3" name="Text Placeholder 2">
             <a:extLst>
               <a:ext uri="{FF2B5EF4-FFF2-40B4-BE49-F238E27FC236}">
-                <a16:creationId xmlns:a16="http://schemas.microsoft.com/office/drawing/2014/main" id="{CAFCBEE3-BC81-B90F-EF66-3B248E4610D4}"/>
+                <a16:creationId xmlns:a16="http://schemas.microsoft.com/office/drawing/2014/main" id="{75A24F4A-D254-FB41-2238-910EBE2C294C}"/>
               </a:ext>
             </a:extLst>
           </p:cNvPr>
@@ -23067,7 +23068,7 @@
             <a:spLocks noGrp="1"/>
           </p:cNvSpPr>
           <p:nvPr>
-            <p:ph type="subTitle" idx="1"/>
+            <p:ph type="body" idx="1"/>
           </p:nvPr>
         </p:nvSpPr>
         <p:spPr/>
@@ -23084,7 +23085,7 @@
           <p:cNvPr id="4" name="Slide Number Placeholder 3">
             <a:extLst>
               <a:ext uri="{FF2B5EF4-FFF2-40B4-BE49-F238E27FC236}">
-                <a16:creationId xmlns:a16="http://schemas.microsoft.com/office/drawing/2014/main" id="{92571B58-ACF9-75DD-8C02-90EB00B35EF1}"/>
+                <a16:creationId xmlns:a16="http://schemas.microsoft.com/office/drawing/2014/main" id="{4ACFD90D-D3C4-5322-1C6F-9A371E7F12AE}"/>
               </a:ext>
             </a:extLst>
           </p:cNvPr>
@@ -23100,9 +23101,8 @@
           <a:bodyPr/>
           <a:lstStyle/>
           <a:p>
-            <a:fld id="{6D22F896-40B5-4ADD-8801-0D06FADFA095}" type="slidenum">
+            <a:fld id="{FCABE2F1-B51E-8B48-B9C1-957239623D4B}" type="slidenum">
               <a:rPr lang="en-US" smtClean="0"/>
-              <a:pPr/>
               <a:t>38</a:t>
             </a:fld>
             <a:endParaRPr lang="en-US" dirty="0"/>
@@ -23112,7 +23112,7 @@
     </p:spTree>
     <p:extLst>
       <p:ext uri="{BB962C8B-B14F-4D97-AF65-F5344CB8AC3E}">
-        <p14:creationId xmlns:p14="http://schemas.microsoft.com/office/powerpoint/2010/main" val="2079992339"/>
+        <p14:creationId xmlns:p14="http://schemas.microsoft.com/office/powerpoint/2010/main" val="1607085057"/>
       </p:ext>
     </p:extLst>
   </p:cSld>
@@ -23123,7 +23123,7 @@
 </file>
 
 <file path=ppt/slides/slide39.xml><?xml version="1.0" encoding="utf-8"?>
-<p:sld xmlns:a="http://schemas.openxmlformats.org/drawingml/2006/main" xmlns:r="http://schemas.openxmlformats.org/officeDocument/2006/relationships" xmlns:p="http://schemas.openxmlformats.org/presentationml/2006/main" show="0">
+<p:sld xmlns:a="http://schemas.openxmlformats.org/drawingml/2006/main" xmlns:r="http://schemas.openxmlformats.org/officeDocument/2006/relationships" xmlns:p="http://schemas.openxmlformats.org/presentationml/2006/main">
   <p:cSld>
     <p:spTree>
       <p:nvGrpSpPr>
@@ -23144,7 +23144,7 @@
           <p:cNvPr id="2" name="Title 1">
             <a:extLst>
               <a:ext uri="{FF2B5EF4-FFF2-40B4-BE49-F238E27FC236}">
-                <a16:creationId xmlns:a16="http://schemas.microsoft.com/office/drawing/2014/main" id="{C9643BBB-1701-EE90-7E53-65E3875DD2F1}"/>
+                <a16:creationId xmlns:a16="http://schemas.microsoft.com/office/drawing/2014/main" id="{91CBBD0B-AD47-A0B7-1884-9B9806FBED90}"/>
               </a:ext>
             </a:extLst>
           </p:cNvPr>
@@ -23152,7 +23152,7 @@
             <a:spLocks noGrp="1"/>
           </p:cNvSpPr>
           <p:nvPr>
-            <p:ph type="title"/>
+            <p:ph type="ctrTitle"/>
           </p:nvPr>
         </p:nvSpPr>
         <p:spPr/>
@@ -23162,17 +23162,17 @@
           <a:p>
             <a:r>
               <a:rPr lang="en-US" dirty="0"/>
-              <a:t>Other Definitions</a:t>
-            </a:r>
-          </a:p>
-        </p:txBody>
-      </p:sp>
-      <p:sp>
-        <p:nvSpPr>
-          <p:cNvPr id="3" name="Content Placeholder 2">
+              <a:t>Thank you!</a:t>
+            </a:r>
+          </a:p>
+        </p:txBody>
+      </p:sp>
+      <p:sp>
+        <p:nvSpPr>
+          <p:cNvPr id="3" name="Subtitle 2">
             <a:extLst>
               <a:ext uri="{FF2B5EF4-FFF2-40B4-BE49-F238E27FC236}">
-                <a16:creationId xmlns:a16="http://schemas.microsoft.com/office/drawing/2014/main" id="{C479F34E-42CF-59EC-29A8-F36D1B9777E9}"/>
+                <a16:creationId xmlns:a16="http://schemas.microsoft.com/office/drawing/2014/main" id="{CAFCBEE3-BC81-B90F-EF66-3B248E4610D4}"/>
               </a:ext>
             </a:extLst>
           </p:cNvPr>
@@ -23180,51 +23180,13 @@
             <a:spLocks noGrp="1"/>
           </p:cNvSpPr>
           <p:nvPr>
-            <p:ph idx="1"/>
-          </p:nvPr>
-        </p:nvSpPr>
-        <p:spPr/>
-        <p:txBody>
-          <a:bodyPr>
-            <a:normAutofit/>
-          </a:bodyPr>
+            <p:ph type="subTitle" idx="1"/>
+          </p:nvPr>
+        </p:nvSpPr>
+        <p:spPr/>
+        <p:txBody>
+          <a:bodyPr/>
           <a:lstStyle/>
-          <a:p>
-            <a:r>
-              <a:rPr lang="en-US" dirty="0">
-                <a:hlinkClick r:id="rId2"/>
-              </a:rPr>
-              <a:t>Anthropic</a:t>
-            </a:r>
-            <a:r>
-              <a:rPr lang="en-US" dirty="0"/>
-              <a:t>: “USB-C for AI”</a:t>
-            </a:r>
-          </a:p>
-          <a:p>
-            <a:r>
-              <a:rPr lang="en-US" dirty="0">
-                <a:hlinkClick r:id="rId3"/>
-              </a:rPr>
-              <a:t>AWS</a:t>
-            </a:r>
-            <a:r>
-              <a:rPr lang="en-US" dirty="0"/>
-              <a:t>: “Universal language for AI systems to communicate with external data sources”</a:t>
-            </a:r>
-          </a:p>
-          <a:p>
-            <a:r>
-              <a:rPr lang="en-US" dirty="0">
-                <a:hlinkClick r:id="rId4"/>
-              </a:rPr>
-              <a:t>Google</a:t>
-            </a:r>
-            <a:r>
-              <a:rPr lang="en-US" dirty="0"/>
-              <a:t>: “Language for LLMs to communicate with external data…”</a:t>
-            </a:r>
-          </a:p>
           <a:p>
             <a:endParaRPr lang="en-US" dirty="0"/>
           </a:p>
@@ -23235,7 +23197,7 @@
           <p:cNvPr id="4" name="Slide Number Placeholder 3">
             <a:extLst>
               <a:ext uri="{FF2B5EF4-FFF2-40B4-BE49-F238E27FC236}">
-                <a16:creationId xmlns:a16="http://schemas.microsoft.com/office/drawing/2014/main" id="{86362D84-411F-FF1E-72DA-8D5EABA09BAB}"/>
+                <a16:creationId xmlns:a16="http://schemas.microsoft.com/office/drawing/2014/main" id="{92571B58-ACF9-75DD-8C02-90EB00B35EF1}"/>
               </a:ext>
             </a:extLst>
           </p:cNvPr>
@@ -23251,8 +23213,9 @@
           <a:bodyPr/>
           <a:lstStyle/>
           <a:p>
-            <a:fld id="{FCABE2F1-B51E-8B48-B9C1-957239623D4B}" type="slidenum">
+            <a:fld id="{6D22F896-40B5-4ADD-8801-0D06FADFA095}" type="slidenum">
               <a:rPr lang="en-US" smtClean="0"/>
+              <a:pPr/>
               <a:t>39</a:t>
             </a:fld>
             <a:endParaRPr lang="en-US" dirty="0"/>
@@ -23262,7 +23225,7 @@
     </p:spTree>
     <p:extLst>
       <p:ext uri="{BB962C8B-B14F-4D97-AF65-F5344CB8AC3E}">
-        <p14:creationId xmlns:p14="http://schemas.microsoft.com/office/powerpoint/2010/main" val="450324266"/>
+        <p14:creationId xmlns:p14="http://schemas.microsoft.com/office/powerpoint/2010/main" val="2079992339"/>
       </p:ext>
     </p:extLst>
   </p:cSld>
@@ -23423,7 +23386,7 @@
           <p:cNvPr id="2" name="Title 1">
             <a:extLst>
               <a:ext uri="{FF2B5EF4-FFF2-40B4-BE49-F238E27FC236}">
-                <a16:creationId xmlns:a16="http://schemas.microsoft.com/office/drawing/2014/main" id="{B7316801-9FF4-ED10-6D10-8C95E5917711}"/>
+                <a16:creationId xmlns:a16="http://schemas.microsoft.com/office/drawing/2014/main" id="{C9643BBB-1701-EE90-7E53-65E3875DD2F1}"/>
               </a:ext>
             </a:extLst>
           </p:cNvPr>
@@ -23441,7 +23404,7 @@
           <a:p>
             <a:r>
               <a:rPr lang="en-US" dirty="0"/>
-              <a:t>Zoom in</a:t>
+              <a:t>Other Definitions</a:t>
             </a:r>
           </a:p>
         </p:txBody>
@@ -23451,7 +23414,7 @@
           <p:cNvPr id="3" name="Content Placeholder 2">
             <a:extLst>
               <a:ext uri="{FF2B5EF4-FFF2-40B4-BE49-F238E27FC236}">
-                <a16:creationId xmlns:a16="http://schemas.microsoft.com/office/drawing/2014/main" id="{19307220-B5F5-0BED-71D1-06F4C9F39F9F}"/>
+                <a16:creationId xmlns:a16="http://schemas.microsoft.com/office/drawing/2014/main" id="{C479F34E-42CF-59EC-29A8-F36D1B9777E9}"/>
               </a:ext>
             </a:extLst>
           </p:cNvPr>
@@ -23464,8 +23427,46 @@
         </p:nvSpPr>
         <p:spPr/>
         <p:txBody>
-          <a:bodyPr/>
+          <a:bodyPr>
+            <a:normAutofit/>
+          </a:bodyPr>
           <a:lstStyle/>
+          <a:p>
+            <a:r>
+              <a:rPr lang="en-US" dirty="0">
+                <a:hlinkClick r:id="rId2"/>
+              </a:rPr>
+              <a:t>Anthropic</a:t>
+            </a:r>
+            <a:r>
+              <a:rPr lang="en-US" dirty="0"/>
+              <a:t>: “USB-C for AI”</a:t>
+            </a:r>
+          </a:p>
+          <a:p>
+            <a:r>
+              <a:rPr lang="en-US" dirty="0">
+                <a:hlinkClick r:id="rId3"/>
+              </a:rPr>
+              <a:t>AWS</a:t>
+            </a:r>
+            <a:r>
+              <a:rPr lang="en-US" dirty="0"/>
+              <a:t>: “Universal language for AI systems to communicate with external data sources”</a:t>
+            </a:r>
+          </a:p>
+          <a:p>
+            <a:r>
+              <a:rPr lang="en-US" dirty="0">
+                <a:hlinkClick r:id="rId4"/>
+              </a:rPr>
+              <a:t>Google</a:t>
+            </a:r>
+            <a:r>
+              <a:rPr lang="en-US" dirty="0"/>
+              <a:t>: “Language for LLMs to communicate with external data…”</a:t>
+            </a:r>
+          </a:p>
           <a:p>
             <a:endParaRPr lang="en-US" dirty="0"/>
           </a:p>
@@ -23476,7 +23477,7 @@
           <p:cNvPr id="4" name="Slide Number Placeholder 3">
             <a:extLst>
               <a:ext uri="{FF2B5EF4-FFF2-40B4-BE49-F238E27FC236}">
-                <a16:creationId xmlns:a16="http://schemas.microsoft.com/office/drawing/2014/main" id="{EFF18B94-DDFD-D43D-BA7D-964040BFE213}"/>
+                <a16:creationId xmlns:a16="http://schemas.microsoft.com/office/drawing/2014/main" id="{86362D84-411F-FF1E-72DA-8D5EABA09BAB}"/>
               </a:ext>
             </a:extLst>
           </p:cNvPr>
@@ -23503,7 +23504,7 @@
     </p:spTree>
     <p:extLst>
       <p:ext uri="{BB962C8B-B14F-4D97-AF65-F5344CB8AC3E}">
-        <p14:creationId xmlns:p14="http://schemas.microsoft.com/office/powerpoint/2010/main" val="2090776038"/>
+        <p14:creationId xmlns:p14="http://schemas.microsoft.com/office/powerpoint/2010/main" val="450324266"/>
       </p:ext>
     </p:extLst>
   </p:cSld>
@@ -23535,7 +23536,7 @@
           <p:cNvPr id="2" name="Title 1">
             <a:extLst>
               <a:ext uri="{FF2B5EF4-FFF2-40B4-BE49-F238E27FC236}">
-                <a16:creationId xmlns:a16="http://schemas.microsoft.com/office/drawing/2014/main" id="{C25031A4-03DE-4746-1EF6-C462812543A0}"/>
+                <a16:creationId xmlns:a16="http://schemas.microsoft.com/office/drawing/2014/main" id="{B7316801-9FF4-ED10-6D10-8C95E5917711}"/>
               </a:ext>
             </a:extLst>
           </p:cNvPr>
@@ -23553,7 +23554,7 @@
           <a:p>
             <a:r>
               <a:rPr lang="en-US" dirty="0"/>
-              <a:t>Aside: Client / Server</a:t>
+              <a:t>Zoom in</a:t>
             </a:r>
           </a:p>
         </p:txBody>
@@ -23563,7 +23564,7 @@
           <p:cNvPr id="3" name="Content Placeholder 2">
             <a:extLst>
               <a:ext uri="{FF2B5EF4-FFF2-40B4-BE49-F238E27FC236}">
-                <a16:creationId xmlns:a16="http://schemas.microsoft.com/office/drawing/2014/main" id="{5DB7CECA-5D8B-DDD0-EF24-B2EF1BB84971}"/>
+                <a16:creationId xmlns:a16="http://schemas.microsoft.com/office/drawing/2014/main" id="{19307220-B5F5-0BED-71D1-06F4C9F39F9F}"/>
               </a:ext>
             </a:extLst>
           </p:cNvPr>
@@ -23571,96 +23572,24 @@
             <a:spLocks noGrp="1"/>
           </p:cNvSpPr>
           <p:nvPr>
-            <p:ph sz="half" idx="1"/>
-          </p:nvPr>
-        </p:nvSpPr>
-        <p:spPr/>
-        <p:txBody>
-          <a:bodyPr>
-            <a:normAutofit fontScale="85000" lnSpcReduction="10000"/>
-          </a:bodyPr>
+            <p:ph idx="1"/>
+          </p:nvPr>
+        </p:nvSpPr>
+        <p:spPr/>
+        <p:txBody>
+          <a:bodyPr/>
           <a:lstStyle/>
           <a:p>
-            <a:r>
-              <a:rPr lang="en-US" dirty="0"/>
-              <a:t>Client – Sends requests, “Ask”</a:t>
-            </a:r>
-          </a:p>
-          <a:p>
-            <a:r>
-              <a:rPr lang="en-US" dirty="0"/>
-              <a:t>Server – Sends answers, “Answer”</a:t>
-            </a:r>
-          </a:p>
-          <a:p>
-            <a:r>
-              <a:rPr lang="en-US" dirty="0"/>
-              <a:t>Benefits:</a:t>
-            </a:r>
-          </a:p>
-          <a:p>
-            <a:pPr lvl="1"/>
-            <a:r>
-              <a:rPr lang="en-US" dirty="0"/>
-              <a:t>Centralization</a:t>
-            </a:r>
-          </a:p>
-          <a:p>
-            <a:pPr lvl="1"/>
-            <a:r>
-              <a:rPr lang="en-US" dirty="0"/>
-              <a:t>Scalability</a:t>
-            </a:r>
-          </a:p>
-          <a:p>
-            <a:pPr lvl="1"/>
-            <a:r>
-              <a:rPr lang="en-US" dirty="0"/>
-              <a:t>Protection: One thing</a:t>
-            </a:r>
-          </a:p>
-          <a:p>
-            <a:pPr lvl="1"/>
-            <a:r>
-              <a:rPr lang="en-US" dirty="0"/>
-              <a:t>De-coupled</a:t>
-            </a:r>
-          </a:p>
-        </p:txBody>
-      </p:sp>
-      <p:sp>
-        <p:nvSpPr>
-          <p:cNvPr id="4" name="Content Placeholder 3">
+            <a:endParaRPr lang="en-US" dirty="0"/>
+          </a:p>
+        </p:txBody>
+      </p:sp>
+      <p:sp>
+        <p:nvSpPr>
+          <p:cNvPr id="4" name="Slide Number Placeholder 3">
             <a:extLst>
               <a:ext uri="{FF2B5EF4-FFF2-40B4-BE49-F238E27FC236}">
-                <a16:creationId xmlns:a16="http://schemas.microsoft.com/office/drawing/2014/main" id="{33B94AE0-E6A6-80C8-9204-490317374F57}"/>
-              </a:ext>
-            </a:extLst>
-          </p:cNvPr>
-          <p:cNvSpPr>
-            <a:spLocks noGrp="1"/>
-          </p:cNvSpPr>
-          <p:nvPr>
-            <p:ph sz="half" idx="2"/>
-          </p:nvPr>
-        </p:nvSpPr>
-        <p:spPr/>
-        <p:txBody>
-          <a:bodyPr>
-            <a:normAutofit fontScale="85000" lnSpcReduction="10000"/>
-          </a:bodyPr>
-          <a:lstStyle/>
-          <a:p>
-            <a:endParaRPr lang="en-US" dirty="0"/>
-          </a:p>
-        </p:txBody>
-      </p:sp>
-      <p:sp>
-        <p:nvSpPr>
-          <p:cNvPr id="5" name="Slide Number Placeholder 4">
-            <a:extLst>
-              <a:ext uri="{FF2B5EF4-FFF2-40B4-BE49-F238E27FC236}">
-                <a16:creationId xmlns:a16="http://schemas.microsoft.com/office/drawing/2014/main" id="{182D3D53-8FF0-1C32-DE4D-D574705EC0E1}"/>
+                <a16:creationId xmlns:a16="http://schemas.microsoft.com/office/drawing/2014/main" id="{EFF18B94-DDFD-D43D-BA7D-964040BFE213}"/>
               </a:ext>
             </a:extLst>
           </p:cNvPr>
@@ -23687,7 +23616,7 @@
     </p:spTree>
     <p:extLst>
       <p:ext uri="{BB962C8B-B14F-4D97-AF65-F5344CB8AC3E}">
-        <p14:creationId xmlns:p14="http://schemas.microsoft.com/office/powerpoint/2010/main" val="953311829"/>
+        <p14:creationId xmlns:p14="http://schemas.microsoft.com/office/powerpoint/2010/main" val="2090776038"/>
       </p:ext>
     </p:extLst>
   </p:cSld>
@@ -23719,6 +23648,190 @@
           <p:cNvPr id="2" name="Title 1">
             <a:extLst>
               <a:ext uri="{FF2B5EF4-FFF2-40B4-BE49-F238E27FC236}">
+                <a16:creationId xmlns:a16="http://schemas.microsoft.com/office/drawing/2014/main" id="{C25031A4-03DE-4746-1EF6-C462812543A0}"/>
+              </a:ext>
+            </a:extLst>
+          </p:cNvPr>
+          <p:cNvSpPr>
+            <a:spLocks noGrp="1"/>
+          </p:cNvSpPr>
+          <p:nvPr>
+            <p:ph type="title"/>
+          </p:nvPr>
+        </p:nvSpPr>
+        <p:spPr/>
+        <p:txBody>
+          <a:bodyPr/>
+          <a:lstStyle/>
+          <a:p>
+            <a:r>
+              <a:rPr lang="en-US" dirty="0"/>
+              <a:t>Aside: Client / Server</a:t>
+            </a:r>
+          </a:p>
+        </p:txBody>
+      </p:sp>
+      <p:sp>
+        <p:nvSpPr>
+          <p:cNvPr id="3" name="Content Placeholder 2">
+            <a:extLst>
+              <a:ext uri="{FF2B5EF4-FFF2-40B4-BE49-F238E27FC236}">
+                <a16:creationId xmlns:a16="http://schemas.microsoft.com/office/drawing/2014/main" id="{5DB7CECA-5D8B-DDD0-EF24-B2EF1BB84971}"/>
+              </a:ext>
+            </a:extLst>
+          </p:cNvPr>
+          <p:cNvSpPr>
+            <a:spLocks noGrp="1"/>
+          </p:cNvSpPr>
+          <p:nvPr>
+            <p:ph sz="half" idx="1"/>
+          </p:nvPr>
+        </p:nvSpPr>
+        <p:spPr/>
+        <p:txBody>
+          <a:bodyPr>
+            <a:normAutofit fontScale="85000" lnSpcReduction="10000"/>
+          </a:bodyPr>
+          <a:lstStyle/>
+          <a:p>
+            <a:r>
+              <a:rPr lang="en-US" dirty="0"/>
+              <a:t>Client – Sends requests, “Ask”</a:t>
+            </a:r>
+          </a:p>
+          <a:p>
+            <a:r>
+              <a:rPr lang="en-US" dirty="0"/>
+              <a:t>Server – Sends answers, “Answer”</a:t>
+            </a:r>
+          </a:p>
+          <a:p>
+            <a:r>
+              <a:rPr lang="en-US" dirty="0"/>
+              <a:t>Benefits:</a:t>
+            </a:r>
+          </a:p>
+          <a:p>
+            <a:pPr lvl="1"/>
+            <a:r>
+              <a:rPr lang="en-US" dirty="0"/>
+              <a:t>Centralization</a:t>
+            </a:r>
+          </a:p>
+          <a:p>
+            <a:pPr lvl="1"/>
+            <a:r>
+              <a:rPr lang="en-US" dirty="0"/>
+              <a:t>Scalability</a:t>
+            </a:r>
+          </a:p>
+          <a:p>
+            <a:pPr lvl="1"/>
+            <a:r>
+              <a:rPr lang="en-US" dirty="0"/>
+              <a:t>Protection: One thing</a:t>
+            </a:r>
+          </a:p>
+          <a:p>
+            <a:pPr lvl="1"/>
+            <a:r>
+              <a:rPr lang="en-US" dirty="0"/>
+              <a:t>De-coupled</a:t>
+            </a:r>
+          </a:p>
+        </p:txBody>
+      </p:sp>
+      <p:sp>
+        <p:nvSpPr>
+          <p:cNvPr id="4" name="Content Placeholder 3">
+            <a:extLst>
+              <a:ext uri="{FF2B5EF4-FFF2-40B4-BE49-F238E27FC236}">
+                <a16:creationId xmlns:a16="http://schemas.microsoft.com/office/drawing/2014/main" id="{33B94AE0-E6A6-80C8-9204-490317374F57}"/>
+              </a:ext>
+            </a:extLst>
+          </p:cNvPr>
+          <p:cNvSpPr>
+            <a:spLocks noGrp="1"/>
+          </p:cNvSpPr>
+          <p:nvPr>
+            <p:ph sz="half" idx="2"/>
+          </p:nvPr>
+        </p:nvSpPr>
+        <p:spPr/>
+        <p:txBody>
+          <a:bodyPr>
+            <a:normAutofit fontScale="85000" lnSpcReduction="10000"/>
+          </a:bodyPr>
+          <a:lstStyle/>
+          <a:p>
+            <a:endParaRPr lang="en-US" dirty="0"/>
+          </a:p>
+        </p:txBody>
+      </p:sp>
+      <p:sp>
+        <p:nvSpPr>
+          <p:cNvPr id="5" name="Slide Number Placeholder 4">
+            <a:extLst>
+              <a:ext uri="{FF2B5EF4-FFF2-40B4-BE49-F238E27FC236}">
+                <a16:creationId xmlns:a16="http://schemas.microsoft.com/office/drawing/2014/main" id="{182D3D53-8FF0-1C32-DE4D-D574705EC0E1}"/>
+              </a:ext>
+            </a:extLst>
+          </p:cNvPr>
+          <p:cNvSpPr>
+            <a:spLocks noGrp="1"/>
+          </p:cNvSpPr>
+          <p:nvPr>
+            <p:ph type="sldNum" sz="quarter" idx="12"/>
+          </p:nvPr>
+        </p:nvSpPr>
+        <p:spPr/>
+        <p:txBody>
+          <a:bodyPr/>
+          <a:lstStyle/>
+          <a:p>
+            <a:fld id="{FCABE2F1-B51E-8B48-B9C1-957239623D4B}" type="slidenum">
+              <a:rPr lang="en-US" smtClean="0"/>
+              <a:t>42</a:t>
+            </a:fld>
+            <a:endParaRPr lang="en-US" dirty="0"/>
+          </a:p>
+        </p:txBody>
+      </p:sp>
+    </p:spTree>
+    <p:extLst>
+      <p:ext uri="{BB962C8B-B14F-4D97-AF65-F5344CB8AC3E}">
+        <p14:creationId xmlns:p14="http://schemas.microsoft.com/office/powerpoint/2010/main" val="953311829"/>
+      </p:ext>
+    </p:extLst>
+  </p:cSld>
+  <p:clrMapOvr>
+    <a:masterClrMapping/>
+  </p:clrMapOvr>
+</p:sld>
+</file>
+
+<file path=ppt/slides/slide43.xml><?xml version="1.0" encoding="utf-8"?>
+<p:sld xmlns:a="http://schemas.openxmlformats.org/drawingml/2006/main" xmlns:r="http://schemas.openxmlformats.org/officeDocument/2006/relationships" xmlns:p="http://schemas.openxmlformats.org/presentationml/2006/main" show="0">
+  <p:cSld>
+    <p:spTree>
+      <p:nvGrpSpPr>
+        <p:cNvPr id="1" name=""/>
+        <p:cNvGrpSpPr/>
+        <p:nvPr/>
+      </p:nvGrpSpPr>
+      <p:grpSpPr>
+        <a:xfrm>
+          <a:off x="0" y="0"/>
+          <a:ext cx="0" cy="0"/>
+          <a:chOff x="0" y="0"/>
+          <a:chExt cx="0" cy="0"/>
+        </a:xfrm>
+      </p:grpSpPr>
+      <p:sp>
+        <p:nvSpPr>
+          <p:cNvPr id="2" name="Title 1">
+            <a:extLst>
+              <a:ext uri="{FF2B5EF4-FFF2-40B4-BE49-F238E27FC236}">
                 <a16:creationId xmlns:a16="http://schemas.microsoft.com/office/drawing/2014/main" id="{FB066717-05D7-A8F6-496C-92ED595ABA19}"/>
               </a:ext>
             </a:extLst>
@@ -23790,7 +23903,7 @@
           <a:p>
             <a:fld id="{FCABE2F1-B51E-8B48-B9C1-957239623D4B}" type="slidenum">
               <a:rPr lang="en-US" smtClean="0"/>
-              <a:t>42</a:t>
+              <a:t>43</a:t>
             </a:fld>
             <a:endParaRPr lang="en-US" dirty="0"/>
           </a:p>

--- a/slides/mcp_slides.pptx
+++ b/slides/mcp_slides.pptx
@@ -5,7 +5,7 @@
     <p:sldMasterId id="2147483870" r:id="rId1"/>
   </p:sldMasterIdLst>
   <p:notesMasterIdLst>
-    <p:notesMasterId r:id="rId45"/>
+    <p:notesMasterId r:id="rId46"/>
   </p:notesMasterIdLst>
   <p:sldIdLst>
     <p:sldId id="256" r:id="rId2"/>
@@ -37,20 +37,21 @@
     <p:sldId id="298" r:id="rId28"/>
     <p:sldId id="320" r:id="rId29"/>
     <p:sldId id="310" r:id="rId30"/>
-    <p:sldId id="307" r:id="rId31"/>
-    <p:sldId id="312" r:id="rId32"/>
-    <p:sldId id="313" r:id="rId33"/>
-    <p:sldId id="327" r:id="rId34"/>
-    <p:sldId id="314" r:id="rId35"/>
-    <p:sldId id="316" r:id="rId36"/>
-    <p:sldId id="317" r:id="rId37"/>
-    <p:sldId id="276" r:id="rId38"/>
-    <p:sldId id="318" r:id="rId39"/>
-    <p:sldId id="315" r:id="rId40"/>
-    <p:sldId id="289" r:id="rId41"/>
-    <p:sldId id="269" r:id="rId42"/>
-    <p:sldId id="270" r:id="rId43"/>
-    <p:sldId id="284" r:id="rId44"/>
+    <p:sldId id="328" r:id="rId31"/>
+    <p:sldId id="307" r:id="rId32"/>
+    <p:sldId id="312" r:id="rId33"/>
+    <p:sldId id="313" r:id="rId34"/>
+    <p:sldId id="327" r:id="rId35"/>
+    <p:sldId id="314" r:id="rId36"/>
+    <p:sldId id="316" r:id="rId37"/>
+    <p:sldId id="317" r:id="rId38"/>
+    <p:sldId id="276" r:id="rId39"/>
+    <p:sldId id="318" r:id="rId40"/>
+    <p:sldId id="315" r:id="rId41"/>
+    <p:sldId id="289" r:id="rId42"/>
+    <p:sldId id="269" r:id="rId43"/>
+    <p:sldId id="270" r:id="rId44"/>
+    <p:sldId id="284" r:id="rId45"/>
   </p:sldIdLst>
   <p:sldSz cx="12192000" cy="6858000"/>
   <p:notesSz cx="6858000" cy="9144000"/>
@@ -9889,6 +9890,23 @@
             </a:r>
           </a:p>
           <a:p>
+            <a:r>
+              <a:rPr lang="en-US" dirty="0"/>
+              <a:t>	This is critical as it allows us to determine what is what</a:t>
+            </a:r>
+          </a:p>
+          <a:p>
+            <a:r>
+              <a:rPr lang="en-US" dirty="0"/>
+              <a:t>	Example: Input tool calls from application </a:t>
+            </a:r>
+            <a:r>
+              <a:rPr lang="en-US"/>
+              <a:t>host side</a:t>
+            </a:r>
+            <a:endParaRPr lang="en-US" dirty="0"/>
+          </a:p>
+          <a:p>
             <a:pPr lvl="1"/>
             <a:r>
               <a:rPr lang="en-US" dirty="0"/>
@@ -9909,6 +9927,12 @@
             <a:r>
               <a:rPr lang="en-US" dirty="0"/>
               <a:t>Balance is not needed. This portion is typically handled for free</a:t>
+            </a:r>
+          </a:p>
+          <a:p>
+            <a:r>
+              <a:rPr lang="en-US" dirty="0"/>
+              <a:t>LLM usage must be handled here</a:t>
             </a:r>
           </a:p>
         </p:txBody>
@@ -11401,7 +11425,13 @@
   <p:cSld>
     <p:spTree>
       <p:nvGrpSpPr>
-        <p:cNvPr id="1" name=""/>
+        <p:cNvPr id="1" name="">
+          <a:extLst>
+            <a:ext uri="{FF2B5EF4-FFF2-40B4-BE49-F238E27FC236}">
+              <a16:creationId xmlns:a16="http://schemas.microsoft.com/office/drawing/2014/main" id="{5750474B-1853-198C-9099-1803822F0A6A}"/>
+            </a:ext>
+          </a:extLst>
+        </p:cNvPr>
         <p:cNvGrpSpPr/>
         <p:nvPr/>
       </p:nvGrpSpPr>
@@ -11415,7 +11445,13 @@
       </p:grpSpPr>
       <p:sp>
         <p:nvSpPr>
-          <p:cNvPr id="2" name="Slide Image Placeholder 1"/>
+          <p:cNvPr id="2" name="Slide Image Placeholder 1">
+            <a:extLst>
+              <a:ext uri="{FF2B5EF4-FFF2-40B4-BE49-F238E27FC236}">
+                <a16:creationId xmlns:a16="http://schemas.microsoft.com/office/drawing/2014/main" id="{8043CCE6-5BBC-CFB4-CEA6-8C312EAF7F91}"/>
+              </a:ext>
+            </a:extLst>
+          </p:cNvPr>
           <p:cNvSpPr>
             <a:spLocks noGrp="1" noRot="1" noChangeAspect="1"/>
           </p:cNvSpPr>
@@ -11427,7 +11463,13 @@
       </p:sp>
       <p:sp>
         <p:nvSpPr>
-          <p:cNvPr id="3" name="Notes Placeholder 2"/>
+          <p:cNvPr id="3" name="Notes Placeholder 2">
+            <a:extLst>
+              <a:ext uri="{FF2B5EF4-FFF2-40B4-BE49-F238E27FC236}">
+                <a16:creationId xmlns:a16="http://schemas.microsoft.com/office/drawing/2014/main" id="{909381BA-8B68-3E4C-85CB-56DF4A9D29B0}"/>
+              </a:ext>
+            </a:extLst>
+          </p:cNvPr>
           <p:cNvSpPr>
             <a:spLocks noGrp="1"/>
           </p:cNvSpPr>
@@ -11442,14 +11484,20 @@
           <a:p>
             <a:r>
               <a:rPr lang="en-US" dirty="0"/>
-              <a:t>In our example the ultimate decision to use tools falls on the LLM. </a:t>
-            </a:r>
-          </a:p>
-        </p:txBody>
-      </p:sp>
-      <p:sp>
-        <p:nvSpPr>
-          <p:cNvPr id="4" name="Slide Number Placeholder 3"/>
+              <a:t>In this case we see the </a:t>
+            </a:r>
+          </a:p>
+        </p:txBody>
+      </p:sp>
+      <p:sp>
+        <p:nvSpPr>
+          <p:cNvPr id="4" name="Slide Number Placeholder 3">
+            <a:extLst>
+              <a:ext uri="{FF2B5EF4-FFF2-40B4-BE49-F238E27FC236}">
+                <a16:creationId xmlns:a16="http://schemas.microsoft.com/office/drawing/2014/main" id="{F2EFB44F-A3D0-BA0D-E359-CE10860071A8}"/>
+              </a:ext>
+            </a:extLst>
+          </p:cNvPr>
           <p:cNvSpPr>
             <a:spLocks noGrp="1"/>
           </p:cNvSpPr>
@@ -11464,7 +11512,7 @@
           <a:p>
             <a:fld id="{59758792-16F5-7043-A9DC-706F41594F88}" type="slidenum">
               <a:rPr lang="en-US" smtClean="0"/>
-              <a:t>34</a:t>
+              <a:t>30</a:t>
             </a:fld>
             <a:endParaRPr lang="en-US" dirty="0"/>
           </a:p>
@@ -11473,7 +11521,7 @@
     </p:spTree>
     <p:extLst>
       <p:ext uri="{BB962C8B-B14F-4D97-AF65-F5344CB8AC3E}">
-        <p14:creationId xmlns:p14="http://schemas.microsoft.com/office/powerpoint/2010/main" val="257091241"/>
+        <p14:creationId xmlns:p14="http://schemas.microsoft.com/office/powerpoint/2010/main" val="3773164016"/>
       </p:ext>
     </p:extLst>
   </p:cSld>
@@ -11529,7 +11577,7 @@
           <a:p>
             <a:r>
               <a:rPr lang="en-US" dirty="0"/>
-              <a:t>GitHub Repo</a:t>
+              <a:t>In our example the ultimate decision to use tools falls on the LLM. </a:t>
             </a:r>
           </a:p>
         </p:txBody>
@@ -11560,7 +11608,7 @@
     </p:spTree>
     <p:extLst>
       <p:ext uri="{BB962C8B-B14F-4D97-AF65-F5344CB8AC3E}">
-        <p14:creationId xmlns:p14="http://schemas.microsoft.com/office/powerpoint/2010/main" val="1648972628"/>
+        <p14:creationId xmlns:p14="http://schemas.microsoft.com/office/powerpoint/2010/main" val="257091241"/>
       </p:ext>
     </p:extLst>
   </p:cSld>
@@ -11614,30 +11662,10 @@
           <a:bodyPr/>
           <a:lstStyle/>
           <a:p>
-            <a:pPr marL="0" marR="0" lvl="0" indent="0" algn="l" defTabSz="914400" rtl="0" eaLnBrk="1" fontAlgn="auto" latinLnBrk="0" hangingPunct="1">
-              <a:lnSpc>
-                <a:spcPct val="100000"/>
-              </a:lnSpc>
-              <a:spcBef>
-                <a:spcPts val="0"/>
-              </a:spcBef>
-              <a:spcAft>
-                <a:spcPts val="0"/>
-              </a:spcAft>
-              <a:buClrTx/>
-              <a:buSzTx/>
-              <a:buFontTx/>
-              <a:buNone/>
-              <a:tabLst/>
-              <a:defRPr/>
-            </a:pPr>
-            <a:r>
-              <a:rPr lang="en-US" dirty="0"/>
-              <a:t>LangChain vs. MCP: Application-side vs. Server-side</a:t>
-            </a:r>
-          </a:p>
-          <a:p>
-            <a:endParaRPr lang="en-US" dirty="0"/>
+            <a:r>
+              <a:rPr lang="en-US" dirty="0"/>
+              <a:t>GitHub Repo</a:t>
+            </a:r>
           </a:p>
         </p:txBody>
       </p:sp>
@@ -11658,7 +11686,7 @@
           <a:p>
             <a:fld id="{59758792-16F5-7043-A9DC-706F41594F88}" type="slidenum">
               <a:rPr lang="en-US" smtClean="0"/>
-              <a:t>37</a:t>
+              <a:t>36</a:t>
             </a:fld>
             <a:endParaRPr lang="en-US" dirty="0"/>
           </a:p>
@@ -11667,7 +11695,7 @@
     </p:spTree>
     <p:extLst>
       <p:ext uri="{BB962C8B-B14F-4D97-AF65-F5344CB8AC3E}">
-        <p14:creationId xmlns:p14="http://schemas.microsoft.com/office/powerpoint/2010/main" val="3757643149"/>
+        <p14:creationId xmlns:p14="http://schemas.microsoft.com/office/powerpoint/2010/main" val="1648972628"/>
       </p:ext>
     </p:extLst>
   </p:cSld>
@@ -11820,45 +11848,26 @@
           <a:bodyPr/>
           <a:lstStyle/>
           <a:p>
-            <a:r>
-              <a:rPr lang="en-US" dirty="0"/>
-              <a:t>Downside is that crafting the prompt to provide the CONTEXT takes a long time and requires a lot of work on the end user.</a:t>
-            </a:r>
-          </a:p>
-          <a:p>
-            <a:r>
-              <a:rPr lang="en-US" dirty="0"/>
-              <a:t>Takes a lot of time, lot of effort but gives us good results. </a:t>
-            </a:r>
-          </a:p>
-          <a:p>
-            <a:r>
-              <a:rPr lang="en-US" dirty="0"/>
-              <a:t>We can also give the LLM access to resources not included in the prompt. For example we can directly integrate it with access to sources such as google drive. That takes time and often has some lift on the LLM side. We need to manually register the LLM</a:t>
-            </a:r>
-          </a:p>
-          <a:p>
-            <a:endParaRPr lang="en-US" dirty="0"/>
-          </a:p>
-          <a:p>
-            <a:r>
-              <a:rPr lang="en-US" dirty="0"/>
-              <a:t>Functions need to be registered with an LLM</a:t>
-            </a:r>
-          </a:p>
-          <a:p>
-            <a:endParaRPr lang="en-US" dirty="0"/>
-          </a:p>
-          <a:p>
-            <a:r>
-              <a:rPr lang="en-US" dirty="0"/>
-              <a:t>What if we were to shift these to the other side of the diagram? What if we were able to standardize how we can give this context to the model automagically?</a:t>
-            </a:r>
-          </a:p>
-          <a:p>
-            <a:r>
-              <a:rPr lang="en-US" dirty="0"/>
-              <a:t>This is where model context protocol comes in</a:t>
+            <a:pPr marL="0" marR="0" lvl="0" indent="0" algn="l" defTabSz="914400" rtl="0" eaLnBrk="1" fontAlgn="auto" latinLnBrk="0" hangingPunct="1">
+              <a:lnSpc>
+                <a:spcPct val="100000"/>
+              </a:lnSpc>
+              <a:spcBef>
+                <a:spcPts val="0"/>
+              </a:spcBef>
+              <a:spcAft>
+                <a:spcPts val="0"/>
+              </a:spcAft>
+              <a:buClrTx/>
+              <a:buSzTx/>
+              <a:buFontTx/>
+              <a:buNone/>
+              <a:tabLst/>
+              <a:defRPr/>
+            </a:pPr>
+            <a:r>
+              <a:rPr lang="en-US" dirty="0"/>
+              <a:t>LangChain vs. MCP: Application-side vs. Server-side</a:t>
             </a:r>
           </a:p>
           <a:p>
@@ -11883,7 +11892,7 @@
           <a:p>
             <a:fld id="{59758792-16F5-7043-A9DC-706F41594F88}" type="slidenum">
               <a:rPr lang="en-US" smtClean="0"/>
-              <a:t>41</a:t>
+              <a:t>38</a:t>
             </a:fld>
             <a:endParaRPr lang="en-US" dirty="0"/>
           </a:p>
@@ -11892,7 +11901,7 @@
     </p:spTree>
     <p:extLst>
       <p:ext uri="{BB962C8B-B14F-4D97-AF65-F5344CB8AC3E}">
-        <p14:creationId xmlns:p14="http://schemas.microsoft.com/office/powerpoint/2010/main" val="1514641147"/>
+        <p14:creationId xmlns:p14="http://schemas.microsoft.com/office/powerpoint/2010/main" val="3757643149"/>
       </p:ext>
     </p:extLst>
   </p:cSld>
@@ -11948,8 +11957,47 @@
           <a:p>
             <a:r>
               <a:rPr lang="en-US" dirty="0"/>
-              <a:t>As an aside, we will be using the terms client and server </a:t>
-            </a:r>
+              <a:t>Downside is that crafting the prompt to provide the CONTEXT takes a long time and requires a lot of work on the end user.</a:t>
+            </a:r>
+          </a:p>
+          <a:p>
+            <a:r>
+              <a:rPr lang="en-US" dirty="0"/>
+              <a:t>Takes a lot of time, lot of effort but gives us good results. </a:t>
+            </a:r>
+          </a:p>
+          <a:p>
+            <a:r>
+              <a:rPr lang="en-US" dirty="0"/>
+              <a:t>We can also give the LLM access to resources not included in the prompt. For example we can directly integrate it with access to sources such as google drive. That takes time and often has some lift on the LLM side. We need to manually register the LLM</a:t>
+            </a:r>
+          </a:p>
+          <a:p>
+            <a:endParaRPr lang="en-US" dirty="0"/>
+          </a:p>
+          <a:p>
+            <a:r>
+              <a:rPr lang="en-US" dirty="0"/>
+              <a:t>Functions need to be registered with an LLM</a:t>
+            </a:r>
+          </a:p>
+          <a:p>
+            <a:endParaRPr lang="en-US" dirty="0"/>
+          </a:p>
+          <a:p>
+            <a:r>
+              <a:rPr lang="en-US" dirty="0"/>
+              <a:t>What if we were to shift these to the other side of the diagram? What if we were able to standardize how we can give this context to the model automagically?</a:t>
+            </a:r>
+          </a:p>
+          <a:p>
+            <a:r>
+              <a:rPr lang="en-US" dirty="0"/>
+              <a:t>This is where model context protocol comes in</a:t>
+            </a:r>
+          </a:p>
+          <a:p>
+            <a:endParaRPr lang="en-US" dirty="0"/>
           </a:p>
         </p:txBody>
       </p:sp>
@@ -11979,7 +12027,7 @@
     </p:spTree>
     <p:extLst>
       <p:ext uri="{BB962C8B-B14F-4D97-AF65-F5344CB8AC3E}">
-        <p14:creationId xmlns:p14="http://schemas.microsoft.com/office/powerpoint/2010/main" val="1354800457"/>
+        <p14:creationId xmlns:p14="http://schemas.microsoft.com/office/powerpoint/2010/main" val="1514641147"/>
       </p:ext>
     </p:extLst>
   </p:cSld>
@@ -12035,34 +12083,7 @@
           <a:p>
             <a:r>
               <a:rPr lang="en-US" dirty="0"/>
-              <a:t>Aka agentic AI</a:t>
-            </a:r>
-          </a:p>
-          <a:p>
-            <a:r>
-              <a:rPr lang="en-US" dirty="0"/>
-              <a:t>Workflow automation is calling specific tools with little code</a:t>
-            </a:r>
-          </a:p>
-          <a:p>
-            <a:endParaRPr lang="en-US" dirty="0"/>
-          </a:p>
-          <a:p>
-            <a:r>
-              <a:rPr lang="en-US" dirty="0"/>
-              <a:t>Difference is in pattern </a:t>
-            </a:r>
-          </a:p>
-          <a:p>
-            <a:r>
-              <a:rPr lang="en-US" dirty="0"/>
-              <a:t>MCP is how they interact, Automation is agentic</a:t>
-            </a:r>
-          </a:p>
-          <a:p>
-            <a:r>
-              <a:rPr lang="en-US" dirty="0"/>
-              <a:t>MCP emphasizes LLM integration</a:t>
+              <a:t>As an aside, we will be using the terms client and server </a:t>
             </a:r>
           </a:p>
         </p:txBody>
@@ -12085,6 +12106,120 @@
             <a:fld id="{59758792-16F5-7043-A9DC-706F41594F88}" type="slidenum">
               <a:rPr lang="en-US" smtClean="0"/>
               <a:t>43</a:t>
+            </a:fld>
+            <a:endParaRPr lang="en-US" dirty="0"/>
+          </a:p>
+        </p:txBody>
+      </p:sp>
+    </p:spTree>
+    <p:extLst>
+      <p:ext uri="{BB962C8B-B14F-4D97-AF65-F5344CB8AC3E}">
+        <p14:creationId xmlns:p14="http://schemas.microsoft.com/office/powerpoint/2010/main" val="1354800457"/>
+      </p:ext>
+    </p:extLst>
+  </p:cSld>
+  <p:clrMapOvr>
+    <a:masterClrMapping/>
+  </p:clrMapOvr>
+</p:notes>
+</file>
+
+<file path=ppt/notesSlides/notesSlide33.xml><?xml version="1.0" encoding="utf-8"?>
+<p:notes xmlns:a="http://schemas.openxmlformats.org/drawingml/2006/main" xmlns:r="http://schemas.openxmlformats.org/officeDocument/2006/relationships" xmlns:p="http://schemas.openxmlformats.org/presentationml/2006/main">
+  <p:cSld>
+    <p:spTree>
+      <p:nvGrpSpPr>
+        <p:cNvPr id="1" name=""/>
+        <p:cNvGrpSpPr/>
+        <p:nvPr/>
+      </p:nvGrpSpPr>
+      <p:grpSpPr>
+        <a:xfrm>
+          <a:off x="0" y="0"/>
+          <a:ext cx="0" cy="0"/>
+          <a:chOff x="0" y="0"/>
+          <a:chExt cx="0" cy="0"/>
+        </a:xfrm>
+      </p:grpSpPr>
+      <p:sp>
+        <p:nvSpPr>
+          <p:cNvPr id="2" name="Slide Image Placeholder 1"/>
+          <p:cNvSpPr>
+            <a:spLocks noGrp="1" noRot="1" noChangeAspect="1"/>
+          </p:cNvSpPr>
+          <p:nvPr>
+            <p:ph type="sldImg"/>
+          </p:nvPr>
+        </p:nvSpPr>
+        <p:spPr/>
+      </p:sp>
+      <p:sp>
+        <p:nvSpPr>
+          <p:cNvPr id="3" name="Notes Placeholder 2"/>
+          <p:cNvSpPr>
+            <a:spLocks noGrp="1"/>
+          </p:cNvSpPr>
+          <p:nvPr>
+            <p:ph type="body" idx="1"/>
+          </p:nvPr>
+        </p:nvSpPr>
+        <p:spPr/>
+        <p:txBody>
+          <a:bodyPr/>
+          <a:lstStyle/>
+          <a:p>
+            <a:r>
+              <a:rPr lang="en-US" dirty="0"/>
+              <a:t>Aka agentic AI</a:t>
+            </a:r>
+          </a:p>
+          <a:p>
+            <a:r>
+              <a:rPr lang="en-US" dirty="0"/>
+              <a:t>Workflow automation is calling specific tools with little code</a:t>
+            </a:r>
+          </a:p>
+          <a:p>
+            <a:endParaRPr lang="en-US" dirty="0"/>
+          </a:p>
+          <a:p>
+            <a:r>
+              <a:rPr lang="en-US" dirty="0"/>
+              <a:t>Difference is in pattern </a:t>
+            </a:r>
+          </a:p>
+          <a:p>
+            <a:r>
+              <a:rPr lang="en-US" dirty="0"/>
+              <a:t>MCP is how they interact, Automation is agentic</a:t>
+            </a:r>
+          </a:p>
+          <a:p>
+            <a:r>
+              <a:rPr lang="en-US" dirty="0"/>
+              <a:t>MCP emphasizes LLM integration</a:t>
+            </a:r>
+          </a:p>
+        </p:txBody>
+      </p:sp>
+      <p:sp>
+        <p:nvSpPr>
+          <p:cNvPr id="4" name="Slide Number Placeholder 3"/>
+          <p:cNvSpPr>
+            <a:spLocks noGrp="1"/>
+          </p:cNvSpPr>
+          <p:nvPr>
+            <p:ph type="sldNum" sz="quarter" idx="5"/>
+          </p:nvPr>
+        </p:nvSpPr>
+        <p:spPr/>
+        <p:txBody>
+          <a:bodyPr/>
+          <a:lstStyle/>
+          <a:p>
+            <a:fld id="{59758792-16F5-7043-A9DC-706F41594F88}" type="slidenum">
+              <a:rPr lang="en-US" smtClean="0"/>
+              <a:t>44</a:t>
             </a:fld>
             <a:endParaRPr lang="en-US" dirty="0"/>
           </a:p>
@@ -22007,6 +22142,128 @@
   <p:cSld>
     <p:spTree>
       <p:nvGrpSpPr>
+        <p:cNvPr id="1" name="">
+          <a:extLst>
+            <a:ext uri="{FF2B5EF4-FFF2-40B4-BE49-F238E27FC236}">
+              <a16:creationId xmlns:a16="http://schemas.microsoft.com/office/drawing/2014/main" id="{E0ACCB81-0AF0-BB2A-4A4B-3B059966C440}"/>
+            </a:ext>
+          </a:extLst>
+        </p:cNvPr>
+        <p:cNvGrpSpPr/>
+        <p:nvPr/>
+      </p:nvGrpSpPr>
+      <p:grpSpPr>
+        <a:xfrm>
+          <a:off x="0" y="0"/>
+          <a:ext cx="0" cy="0"/>
+          <a:chOff x="0" y="0"/>
+          <a:chExt cx="0" cy="0"/>
+        </a:xfrm>
+      </p:grpSpPr>
+      <p:sp>
+        <p:nvSpPr>
+          <p:cNvPr id="2" name="Title 1">
+            <a:extLst>
+              <a:ext uri="{FF2B5EF4-FFF2-40B4-BE49-F238E27FC236}">
+                <a16:creationId xmlns:a16="http://schemas.microsoft.com/office/drawing/2014/main" id="{EDF8A480-6829-263F-2CA6-FD584CBC6453}"/>
+              </a:ext>
+            </a:extLst>
+          </p:cNvPr>
+          <p:cNvSpPr>
+            <a:spLocks noGrp="1"/>
+          </p:cNvSpPr>
+          <p:nvPr>
+            <p:ph type="title"/>
+          </p:nvPr>
+        </p:nvSpPr>
+        <p:spPr/>
+        <p:txBody>
+          <a:bodyPr/>
+          <a:lstStyle/>
+          <a:p>
+            <a:r>
+              <a:rPr lang="en-US" dirty="0"/>
+              <a:t>MCP Diagram</a:t>
+            </a:r>
+          </a:p>
+        </p:txBody>
+      </p:sp>
+      <p:pic>
+        <p:nvPicPr>
+          <p:cNvPr id="5" name="Content Placeholder 4">
+            <a:extLst>
+              <a:ext uri="{FF2B5EF4-FFF2-40B4-BE49-F238E27FC236}">
+                <a16:creationId xmlns:a16="http://schemas.microsoft.com/office/drawing/2014/main" id="{FD154F79-1E87-FE21-2AD8-6D4068109DCF}"/>
+              </a:ext>
+            </a:extLst>
+          </p:cNvPr>
+          <p:cNvPicPr>
+            <a:picLocks noGrp="1" noChangeAspect="1"/>
+          </p:cNvPicPr>
+          <p:nvPr>
+            <p:ph idx="1"/>
+          </p:nvPr>
+        </p:nvPicPr>
+        <p:blipFill>
+          <a:blip r:embed="rId3"/>
+          <a:stretch>
+            <a:fillRect/>
+          </a:stretch>
+        </p:blipFill>
+        <p:spPr>
+          <a:xfrm>
+            <a:off x="1658134" y="1755419"/>
+            <a:ext cx="8392699" cy="4492981"/>
+          </a:xfrm>
+        </p:spPr>
+      </p:pic>
+      <p:sp>
+        <p:nvSpPr>
+          <p:cNvPr id="6" name="Slide Number Placeholder 5">
+            <a:extLst>
+              <a:ext uri="{FF2B5EF4-FFF2-40B4-BE49-F238E27FC236}">
+                <a16:creationId xmlns:a16="http://schemas.microsoft.com/office/drawing/2014/main" id="{0D8C4D9B-22EE-2932-8330-4860BB863953}"/>
+              </a:ext>
+            </a:extLst>
+          </p:cNvPr>
+          <p:cNvSpPr>
+            <a:spLocks noGrp="1"/>
+          </p:cNvSpPr>
+          <p:nvPr>
+            <p:ph type="sldNum" sz="quarter" idx="12"/>
+          </p:nvPr>
+        </p:nvSpPr>
+        <p:spPr/>
+        <p:txBody>
+          <a:bodyPr/>
+          <a:lstStyle/>
+          <a:p>
+            <a:fld id="{FCABE2F1-B51E-8B48-B9C1-957239623D4B}" type="slidenum">
+              <a:rPr lang="en-US" smtClean="0"/>
+              <a:t>30</a:t>
+            </a:fld>
+            <a:endParaRPr lang="en-US" dirty="0"/>
+          </a:p>
+        </p:txBody>
+      </p:sp>
+    </p:spTree>
+    <p:extLst>
+      <p:ext uri="{BB962C8B-B14F-4D97-AF65-F5344CB8AC3E}">
+        <p14:creationId xmlns:p14="http://schemas.microsoft.com/office/powerpoint/2010/main" val="926361236"/>
+      </p:ext>
+    </p:extLst>
+  </p:cSld>
+  <p:clrMapOvr>
+    <a:masterClrMapping/>
+  </p:clrMapOvr>
+</p:sld>
+</file>
+
+<file path=ppt/slides/slide31.xml><?xml version="1.0" encoding="utf-8"?>
+<p:sld xmlns:a="http://schemas.openxmlformats.org/drawingml/2006/main" xmlns:r="http://schemas.openxmlformats.org/officeDocument/2006/relationships" xmlns:p="http://schemas.openxmlformats.org/presentationml/2006/main">
+  <p:cSld>
+    <p:spTree>
+      <p:nvGrpSpPr>
         <p:cNvPr id="1" name=""/>
         <p:cNvGrpSpPr/>
         <p:nvPr/>
@@ -22095,7 +22352,7 @@
           <a:p>
             <a:fld id="{FCABE2F1-B51E-8B48-B9C1-957239623D4B}" type="slidenum">
               <a:rPr lang="en-US" smtClean="0"/>
-              <a:t>30</a:t>
+              <a:t>31</a:t>
             </a:fld>
             <a:endParaRPr lang="en-US" dirty="0"/>
           </a:p>
@@ -22114,7 +22371,7 @@
 </p:sld>
 </file>
 
-<file path=ppt/slides/slide31.xml><?xml version="1.0" encoding="utf-8"?>
+<file path=ppt/slides/slide32.xml><?xml version="1.0" encoding="utf-8"?>
 <p:sld xmlns:a="http://schemas.openxmlformats.org/drawingml/2006/main" xmlns:r="http://schemas.openxmlformats.org/officeDocument/2006/relationships" xmlns:p="http://schemas.openxmlformats.org/presentationml/2006/main">
   <p:cSld>
     <p:spTree>
@@ -22220,7 +22477,7 @@
             <a:fld id="{FCABE2F1-B51E-8B48-B9C1-957239623D4B}" type="slidenum">
               <a:rPr lang="en-US" smtClean="0"/>
               <a:pPr/>
-              <a:t>31</a:t>
+              <a:t>32</a:t>
             </a:fld>
             <a:endParaRPr lang="en-US" dirty="0"/>
           </a:p>
@@ -22230,152 +22487,6 @@
     <p:extLst>
       <p:ext uri="{BB962C8B-B14F-4D97-AF65-F5344CB8AC3E}">
         <p14:creationId xmlns:p14="http://schemas.microsoft.com/office/powerpoint/2010/main" val="2346981348"/>
-      </p:ext>
-    </p:extLst>
-  </p:cSld>
-  <p:clrMapOvr>
-    <a:masterClrMapping/>
-  </p:clrMapOvr>
-</p:sld>
-</file>
-
-<file path=ppt/slides/slide32.xml><?xml version="1.0" encoding="utf-8"?>
-<p:sld xmlns:a="http://schemas.openxmlformats.org/drawingml/2006/main" xmlns:r="http://schemas.openxmlformats.org/officeDocument/2006/relationships" xmlns:p="http://schemas.openxmlformats.org/presentationml/2006/main">
-  <p:cSld>
-    <p:spTree>
-      <p:nvGrpSpPr>
-        <p:cNvPr id="1" name=""/>
-        <p:cNvGrpSpPr/>
-        <p:nvPr/>
-      </p:nvGrpSpPr>
-      <p:grpSpPr>
-        <a:xfrm>
-          <a:off x="0" y="0"/>
-          <a:ext cx="0" cy="0"/>
-          <a:chOff x="0" y="0"/>
-          <a:chExt cx="0" cy="0"/>
-        </a:xfrm>
-      </p:grpSpPr>
-      <p:sp>
-        <p:nvSpPr>
-          <p:cNvPr id="2" name="Title 1">
-            <a:extLst>
-              <a:ext uri="{FF2B5EF4-FFF2-40B4-BE49-F238E27FC236}">
-                <a16:creationId xmlns:a16="http://schemas.microsoft.com/office/drawing/2014/main" id="{C23D9F59-3222-4597-98F2-D55FEB984361}"/>
-              </a:ext>
-            </a:extLst>
-          </p:cNvPr>
-          <p:cNvSpPr>
-            <a:spLocks noGrp="1"/>
-          </p:cNvSpPr>
-          <p:nvPr>
-            <p:ph type="title"/>
-          </p:nvPr>
-        </p:nvSpPr>
-        <p:spPr/>
-        <p:txBody>
-          <a:bodyPr/>
-          <a:lstStyle/>
-          <a:p>
-            <a:r>
-              <a:rPr lang="en-US" dirty="0"/>
-              <a:t>Step 4 Zoom-In: Tools &amp; Resources</a:t>
-            </a:r>
-          </a:p>
-        </p:txBody>
-      </p:sp>
-      <p:sp>
-        <p:nvSpPr>
-          <p:cNvPr id="3" name="Content Placeholder 2">
-            <a:extLst>
-              <a:ext uri="{FF2B5EF4-FFF2-40B4-BE49-F238E27FC236}">
-                <a16:creationId xmlns:a16="http://schemas.microsoft.com/office/drawing/2014/main" id="{9177B0F1-BE16-0837-336B-4B899B8DE189}"/>
-              </a:ext>
-            </a:extLst>
-          </p:cNvPr>
-          <p:cNvSpPr>
-            <a:spLocks noGrp="1"/>
-          </p:cNvSpPr>
-          <p:nvPr>
-            <p:ph idx="1"/>
-          </p:nvPr>
-        </p:nvSpPr>
-        <p:spPr/>
-        <p:txBody>
-          <a:bodyPr>
-            <a:normAutofit/>
-          </a:bodyPr>
-          <a:lstStyle/>
-          <a:p>
-            <a:r>
-              <a:rPr lang="en-US" dirty="0"/>
-              <a:t>Tools / Resources defined as follows:</a:t>
-            </a:r>
-          </a:p>
-          <a:p>
-            <a:pPr lvl="1"/>
-            <a:r>
-              <a:rPr lang="en-US" dirty="0"/>
-              <a:t>Name: Primary key for execution</a:t>
-            </a:r>
-          </a:p>
-          <a:p>
-            <a:pPr lvl="1"/>
-            <a:r>
-              <a:rPr lang="en-US" dirty="0"/>
-              <a:t>Title: Human-readable</a:t>
-            </a:r>
-          </a:p>
-          <a:p>
-            <a:pPr lvl="1"/>
-            <a:r>
-              <a:rPr lang="en-US" dirty="0"/>
-              <a:t>Description: Primarily used to determine usefulness</a:t>
-            </a:r>
-          </a:p>
-          <a:p>
-            <a:pPr lvl="1"/>
-            <a:r>
-              <a:rPr lang="en-US" dirty="0"/>
-              <a:t>(Tools only): Input and output specification </a:t>
-            </a:r>
-          </a:p>
-        </p:txBody>
-      </p:sp>
-      <p:sp>
-        <p:nvSpPr>
-          <p:cNvPr id="4" name="Slide Number Placeholder 3">
-            <a:extLst>
-              <a:ext uri="{FF2B5EF4-FFF2-40B4-BE49-F238E27FC236}">
-                <a16:creationId xmlns:a16="http://schemas.microsoft.com/office/drawing/2014/main" id="{F046160D-392B-5E12-ECD7-B00760D1B70B}"/>
-              </a:ext>
-            </a:extLst>
-          </p:cNvPr>
-          <p:cNvSpPr>
-            <a:spLocks noGrp="1"/>
-          </p:cNvSpPr>
-          <p:nvPr>
-            <p:ph type="sldNum" sz="quarter" idx="12"/>
-          </p:nvPr>
-        </p:nvSpPr>
-        <p:spPr/>
-        <p:txBody>
-          <a:bodyPr/>
-          <a:lstStyle/>
-          <a:p>
-            <a:fld id="{FCABE2F1-B51E-8B48-B9C1-957239623D4B}" type="slidenum">
-              <a:rPr lang="en-US" smtClean="0"/>
-              <a:pPr/>
-              <a:t>32</a:t>
-            </a:fld>
-            <a:endParaRPr lang="en-US" dirty="0"/>
-          </a:p>
-        </p:txBody>
-      </p:sp>
-    </p:spTree>
-    <p:extLst>
-      <p:ext uri="{BB962C8B-B14F-4D97-AF65-F5344CB8AC3E}">
-        <p14:creationId xmlns:p14="http://schemas.microsoft.com/office/powerpoint/2010/main" val="4062775239"/>
       </p:ext>
     </p:extLst>
   </p:cSld>
@@ -22407,7 +22518,7 @@
           <p:cNvPr id="2" name="Title 1">
             <a:extLst>
               <a:ext uri="{FF2B5EF4-FFF2-40B4-BE49-F238E27FC236}">
-                <a16:creationId xmlns:a16="http://schemas.microsoft.com/office/drawing/2014/main" id="{BF9B1952-AE8E-006C-CB77-08A100BE6F27}"/>
+                <a16:creationId xmlns:a16="http://schemas.microsoft.com/office/drawing/2014/main" id="{C23D9F59-3222-4597-98F2-D55FEB984361}"/>
               </a:ext>
             </a:extLst>
           </p:cNvPr>
@@ -22425,46 +22536,75 @@
           <a:p>
             <a:r>
               <a:rPr lang="en-US" dirty="0"/>
-              <a:t>Step 4 Example</a:t>
-            </a:r>
-          </a:p>
-        </p:txBody>
-      </p:sp>
-      <p:pic>
-        <p:nvPicPr>
-          <p:cNvPr id="6" name="Content Placeholder 5">
+              <a:t>Step 4 Zoom-In: Tools &amp; Resources</a:t>
+            </a:r>
+          </a:p>
+        </p:txBody>
+      </p:sp>
+      <p:sp>
+        <p:nvSpPr>
+          <p:cNvPr id="3" name="Content Placeholder 2">
             <a:extLst>
               <a:ext uri="{FF2B5EF4-FFF2-40B4-BE49-F238E27FC236}">
-                <a16:creationId xmlns:a16="http://schemas.microsoft.com/office/drawing/2014/main" id="{031CBA4C-66D4-EA5F-086C-EF0C4A0EBF82}"/>
+                <a16:creationId xmlns:a16="http://schemas.microsoft.com/office/drawing/2014/main" id="{9177B0F1-BE16-0837-336B-4B899B8DE189}"/>
               </a:ext>
             </a:extLst>
           </p:cNvPr>
-          <p:cNvPicPr>
-            <a:picLocks noGrp="1" noChangeAspect="1"/>
-          </p:cNvPicPr>
+          <p:cNvSpPr>
+            <a:spLocks noGrp="1"/>
+          </p:cNvSpPr>
           <p:nvPr>
             <p:ph idx="1"/>
           </p:nvPr>
-        </p:nvPicPr>
-        <p:blipFill>
-          <a:blip r:embed="rId2"/>
-          <a:stretch>
-            <a:fillRect/>
-          </a:stretch>
-        </p:blipFill>
-        <p:spPr>
-          <a:xfrm>
-            <a:off x="2785220" y="2052638"/>
-            <a:ext cx="5583336" cy="4195762"/>
-          </a:xfrm>
-        </p:spPr>
-      </p:pic>
+        </p:nvSpPr>
+        <p:spPr/>
+        <p:txBody>
+          <a:bodyPr>
+            <a:normAutofit/>
+          </a:bodyPr>
+          <a:lstStyle/>
+          <a:p>
+            <a:r>
+              <a:rPr lang="en-US" dirty="0"/>
+              <a:t>Tools / Resources defined as follows:</a:t>
+            </a:r>
+          </a:p>
+          <a:p>
+            <a:pPr lvl="1"/>
+            <a:r>
+              <a:rPr lang="en-US" dirty="0"/>
+              <a:t>Name: Primary key for execution</a:t>
+            </a:r>
+          </a:p>
+          <a:p>
+            <a:pPr lvl="1"/>
+            <a:r>
+              <a:rPr lang="en-US" dirty="0"/>
+              <a:t>Title: Human-readable</a:t>
+            </a:r>
+          </a:p>
+          <a:p>
+            <a:pPr lvl="1"/>
+            <a:r>
+              <a:rPr lang="en-US" dirty="0"/>
+              <a:t>Description: Primarily used to determine usefulness</a:t>
+            </a:r>
+          </a:p>
+          <a:p>
+            <a:pPr lvl="1"/>
+            <a:r>
+              <a:rPr lang="en-US" dirty="0"/>
+              <a:t>(Tools only): Input and output specification </a:t>
+            </a:r>
+          </a:p>
+        </p:txBody>
+      </p:sp>
       <p:sp>
         <p:nvSpPr>
           <p:cNvPr id="4" name="Slide Number Placeholder 3">
             <a:extLst>
               <a:ext uri="{FF2B5EF4-FFF2-40B4-BE49-F238E27FC236}">
-                <a16:creationId xmlns:a16="http://schemas.microsoft.com/office/drawing/2014/main" id="{D36652A2-BD3E-EF19-771E-45C2191578CE}"/>
+                <a16:creationId xmlns:a16="http://schemas.microsoft.com/office/drawing/2014/main" id="{F046160D-392B-5E12-ECD7-B00760D1B70B}"/>
               </a:ext>
             </a:extLst>
           </p:cNvPr>
@@ -22492,7 +22632,7 @@
     </p:spTree>
     <p:extLst>
       <p:ext uri="{BB962C8B-B14F-4D97-AF65-F5344CB8AC3E}">
-        <p14:creationId xmlns:p14="http://schemas.microsoft.com/office/powerpoint/2010/main" val="4192355904"/>
+        <p14:creationId xmlns:p14="http://schemas.microsoft.com/office/powerpoint/2010/main" val="4062775239"/>
       </p:ext>
     </p:extLst>
   </p:cSld>
@@ -22524,7 +22664,7 @@
           <p:cNvPr id="2" name="Title 1">
             <a:extLst>
               <a:ext uri="{FF2B5EF4-FFF2-40B4-BE49-F238E27FC236}">
-                <a16:creationId xmlns:a16="http://schemas.microsoft.com/office/drawing/2014/main" id="{FAA2771A-F86A-75D3-1F7F-A239BDD97716}"/>
+                <a16:creationId xmlns:a16="http://schemas.microsoft.com/office/drawing/2014/main" id="{BF9B1952-AE8E-006C-CB77-08A100BE6F27}"/>
               </a:ext>
             </a:extLst>
           </p:cNvPr>
@@ -22542,51 +22682,46 @@
           <a:p>
             <a:r>
               <a:rPr lang="en-US" dirty="0"/>
-              <a:t>Aside: Agent vs. Workflow</a:t>
-            </a:r>
-          </a:p>
-        </p:txBody>
-      </p:sp>
-      <p:sp>
-        <p:nvSpPr>
-          <p:cNvPr id="3" name="Content Placeholder 2">
+              <a:t>Step 4 Example</a:t>
+            </a:r>
+          </a:p>
+        </p:txBody>
+      </p:sp>
+      <p:pic>
+        <p:nvPicPr>
+          <p:cNvPr id="6" name="Content Placeholder 5">
             <a:extLst>
               <a:ext uri="{FF2B5EF4-FFF2-40B4-BE49-F238E27FC236}">
-                <a16:creationId xmlns:a16="http://schemas.microsoft.com/office/drawing/2014/main" id="{BCC711CD-E212-8AF9-DB4D-8423BC0939EC}"/>
+                <a16:creationId xmlns:a16="http://schemas.microsoft.com/office/drawing/2014/main" id="{031CBA4C-66D4-EA5F-086C-EF0C4A0EBF82}"/>
               </a:ext>
             </a:extLst>
           </p:cNvPr>
-          <p:cNvSpPr>
-            <a:spLocks noGrp="1"/>
-          </p:cNvSpPr>
+          <p:cNvPicPr>
+            <a:picLocks noGrp="1" noChangeAspect="1"/>
+          </p:cNvPicPr>
           <p:nvPr>
             <p:ph idx="1"/>
           </p:nvPr>
-        </p:nvSpPr>
-        <p:spPr/>
-        <p:txBody>
-          <a:bodyPr/>
-          <a:lstStyle/>
-          <a:p>
-            <a:r>
-              <a:rPr lang="en-US" dirty="0"/>
-              <a:t>Workflow - Deterministic, pre-defined</a:t>
-            </a:r>
-          </a:p>
-          <a:p>
-            <a:r>
-              <a:rPr lang="en-US" dirty="0"/>
-              <a:t>Agent – Non-deterministic, LLM as a black box</a:t>
-            </a:r>
-          </a:p>
-        </p:txBody>
-      </p:sp>
+        </p:nvPicPr>
+        <p:blipFill>
+          <a:blip r:embed="rId2"/>
+          <a:stretch>
+            <a:fillRect/>
+          </a:stretch>
+        </p:blipFill>
+        <p:spPr>
+          <a:xfrm>
+            <a:off x="2785220" y="2052638"/>
+            <a:ext cx="5583336" cy="4195762"/>
+          </a:xfrm>
+        </p:spPr>
+      </p:pic>
       <p:sp>
         <p:nvSpPr>
           <p:cNvPr id="4" name="Slide Number Placeholder 3">
             <a:extLst>
               <a:ext uri="{FF2B5EF4-FFF2-40B4-BE49-F238E27FC236}">
-                <a16:creationId xmlns:a16="http://schemas.microsoft.com/office/drawing/2014/main" id="{ED77521F-BA88-C2CB-09C8-DA6A5327CFA0}"/>
+                <a16:creationId xmlns:a16="http://schemas.microsoft.com/office/drawing/2014/main" id="{D36652A2-BD3E-EF19-771E-45C2191578CE}"/>
               </a:ext>
             </a:extLst>
           </p:cNvPr>
@@ -22614,7 +22749,7 @@
     </p:spTree>
     <p:extLst>
       <p:ext uri="{BB962C8B-B14F-4D97-AF65-F5344CB8AC3E}">
-        <p14:creationId xmlns:p14="http://schemas.microsoft.com/office/powerpoint/2010/main" val="3749349831"/>
+        <p14:creationId xmlns:p14="http://schemas.microsoft.com/office/powerpoint/2010/main" val="4192355904"/>
       </p:ext>
     </p:extLst>
   </p:cSld>
@@ -22646,7 +22781,7 @@
           <p:cNvPr id="2" name="Title 1">
             <a:extLst>
               <a:ext uri="{FF2B5EF4-FFF2-40B4-BE49-F238E27FC236}">
-                <a16:creationId xmlns:a16="http://schemas.microsoft.com/office/drawing/2014/main" id="{88A419CA-3DE8-9011-80F6-BCEE8FEE1503}"/>
+                <a16:creationId xmlns:a16="http://schemas.microsoft.com/office/drawing/2014/main" id="{FAA2771A-F86A-75D3-1F7F-A239BDD97716}"/>
               </a:ext>
             </a:extLst>
           </p:cNvPr>
@@ -22664,17 +22799,17 @@
           <a:p>
             <a:r>
               <a:rPr lang="en-US" dirty="0"/>
-              <a:t>Demo</a:t>
-            </a:r>
-          </a:p>
-        </p:txBody>
-      </p:sp>
-      <p:sp>
-        <p:nvSpPr>
-          <p:cNvPr id="3" name="Text Placeholder 2">
+              <a:t>Aside: Agent vs. Workflow</a:t>
+            </a:r>
+          </a:p>
+        </p:txBody>
+      </p:sp>
+      <p:sp>
+        <p:nvSpPr>
+          <p:cNvPr id="3" name="Content Placeholder 2">
             <a:extLst>
               <a:ext uri="{FF2B5EF4-FFF2-40B4-BE49-F238E27FC236}">
-                <a16:creationId xmlns:a16="http://schemas.microsoft.com/office/drawing/2014/main" id="{2AEF60D4-2519-42F5-8A2A-D6A114476EB8}"/>
+                <a16:creationId xmlns:a16="http://schemas.microsoft.com/office/drawing/2014/main" id="{BCC711CD-E212-8AF9-DB4D-8423BC0939EC}"/>
               </a:ext>
             </a:extLst>
           </p:cNvPr>
@@ -22682,7 +22817,7 @@
             <a:spLocks noGrp="1"/>
           </p:cNvSpPr>
           <p:nvPr>
-            <p:ph type="body" idx="1"/>
+            <p:ph idx="1"/>
           </p:nvPr>
         </p:nvSpPr>
         <p:spPr/>
@@ -22690,7 +22825,16 @@
           <a:bodyPr/>
           <a:lstStyle/>
           <a:p>
-            <a:endParaRPr lang="en-US" dirty="0"/>
+            <a:r>
+              <a:rPr lang="en-US" dirty="0"/>
+              <a:t>Workflow - Deterministic, pre-defined</a:t>
+            </a:r>
+          </a:p>
+          <a:p>
+            <a:r>
+              <a:rPr lang="en-US" dirty="0"/>
+              <a:t>Agent – Non-deterministic, LLM as a black box</a:t>
+            </a:r>
           </a:p>
         </p:txBody>
       </p:sp>
@@ -22699,7 +22843,7 @@
           <p:cNvPr id="4" name="Slide Number Placeholder 3">
             <a:extLst>
               <a:ext uri="{FF2B5EF4-FFF2-40B4-BE49-F238E27FC236}">
-                <a16:creationId xmlns:a16="http://schemas.microsoft.com/office/drawing/2014/main" id="{4F21F863-1BBC-7061-FF32-25FDF35F84BB}"/>
+                <a16:creationId xmlns:a16="http://schemas.microsoft.com/office/drawing/2014/main" id="{ED77521F-BA88-C2CB-09C8-DA6A5327CFA0}"/>
               </a:ext>
             </a:extLst>
           </p:cNvPr>
@@ -22717,6 +22861,7 @@
           <a:p>
             <a:fld id="{FCABE2F1-B51E-8B48-B9C1-957239623D4B}" type="slidenum">
               <a:rPr lang="en-US" smtClean="0"/>
+              <a:pPr/>
               <a:t>35</a:t>
             </a:fld>
             <a:endParaRPr lang="en-US" dirty="0"/>
@@ -22726,7 +22871,7 @@
     </p:spTree>
     <p:extLst>
       <p:ext uri="{BB962C8B-B14F-4D97-AF65-F5344CB8AC3E}">
-        <p14:creationId xmlns:p14="http://schemas.microsoft.com/office/powerpoint/2010/main" val="100685763"/>
+        <p14:creationId xmlns:p14="http://schemas.microsoft.com/office/powerpoint/2010/main" val="3749349831"/>
       </p:ext>
     </p:extLst>
   </p:cSld>
@@ -22758,7 +22903,7 @@
           <p:cNvPr id="2" name="Title 1">
             <a:extLst>
               <a:ext uri="{FF2B5EF4-FFF2-40B4-BE49-F238E27FC236}">
-                <a16:creationId xmlns:a16="http://schemas.microsoft.com/office/drawing/2014/main" id="{30C537E2-6613-A1ED-630E-011B91E963DC}"/>
+                <a16:creationId xmlns:a16="http://schemas.microsoft.com/office/drawing/2014/main" id="{88A419CA-3DE8-9011-80F6-BCEE8FEE1503}"/>
               </a:ext>
             </a:extLst>
           </p:cNvPr>
@@ -22776,17 +22921,17 @@
           <a:p>
             <a:r>
               <a:rPr lang="en-US" dirty="0"/>
-              <a:t>Recap</a:t>
-            </a:r>
-          </a:p>
-        </p:txBody>
-      </p:sp>
-      <p:sp>
-        <p:nvSpPr>
-          <p:cNvPr id="3" name="Content Placeholder 2">
+              <a:t>Demo</a:t>
+            </a:r>
+          </a:p>
+        </p:txBody>
+      </p:sp>
+      <p:sp>
+        <p:nvSpPr>
+          <p:cNvPr id="3" name="Text Placeholder 2">
             <a:extLst>
               <a:ext uri="{FF2B5EF4-FFF2-40B4-BE49-F238E27FC236}">
-                <a16:creationId xmlns:a16="http://schemas.microsoft.com/office/drawing/2014/main" id="{4DCC1CBA-4B30-EB1F-EDF8-6C9680744391}"/>
+                <a16:creationId xmlns:a16="http://schemas.microsoft.com/office/drawing/2014/main" id="{2AEF60D4-2519-42F5-8A2A-D6A114476EB8}"/>
               </a:ext>
             </a:extLst>
           </p:cNvPr>
@@ -22794,45 +22939,13 @@
             <a:spLocks noGrp="1"/>
           </p:cNvSpPr>
           <p:nvPr>
-            <p:ph idx="1"/>
-          </p:nvPr>
-        </p:nvSpPr>
-        <p:spPr/>
-        <p:txBody>
-          <a:bodyPr>
-            <a:normAutofit fontScale="85000" lnSpcReduction="10000"/>
-          </a:bodyPr>
-          <a:lstStyle/>
-          <a:p>
-            <a:r>
-              <a:rPr lang="en-US" dirty="0"/>
-              <a:t>MCP is a protocol that enables LLMs to access tools, resources and prompts</a:t>
-            </a:r>
-          </a:p>
-          <a:p>
-            <a:r>
-              <a:rPr lang="en-US" dirty="0"/>
-              <a:t>Agentic vs. workflow constructions</a:t>
-            </a:r>
-          </a:p>
-          <a:p>
-            <a:r>
-              <a:rPr lang="en-US" dirty="0"/>
-              <a:t>Standardization</a:t>
-            </a:r>
-          </a:p>
-          <a:p>
-            <a:r>
-              <a:rPr lang="en-US" dirty="0"/>
-              <a:t>Implementation: Server first</a:t>
-            </a:r>
-          </a:p>
-          <a:p>
-            <a:r>
-              <a:rPr lang="en-US" dirty="0"/>
-              <a:t>Client within application host</a:t>
-            </a:r>
-          </a:p>
+            <p:ph type="body" idx="1"/>
+          </p:nvPr>
+        </p:nvSpPr>
+        <p:spPr/>
+        <p:txBody>
+          <a:bodyPr/>
+          <a:lstStyle/>
           <a:p>
             <a:endParaRPr lang="en-US" dirty="0"/>
           </a:p>
@@ -22843,7 +22956,7 @@
           <p:cNvPr id="4" name="Slide Number Placeholder 3">
             <a:extLst>
               <a:ext uri="{FF2B5EF4-FFF2-40B4-BE49-F238E27FC236}">
-                <a16:creationId xmlns:a16="http://schemas.microsoft.com/office/drawing/2014/main" id="{63E4AB7C-97C5-B903-A278-7A3EFDFA7473}"/>
+                <a16:creationId xmlns:a16="http://schemas.microsoft.com/office/drawing/2014/main" id="{4F21F863-1BBC-7061-FF32-25FDF35F84BB}"/>
               </a:ext>
             </a:extLst>
           </p:cNvPr>
@@ -22861,7 +22974,6 @@
           <a:p>
             <a:fld id="{FCABE2F1-B51E-8B48-B9C1-957239623D4B}" type="slidenum">
               <a:rPr lang="en-US" smtClean="0"/>
-              <a:pPr/>
               <a:t>36</a:t>
             </a:fld>
             <a:endParaRPr lang="en-US" dirty="0"/>
@@ -22871,7 +22983,7 @@
     </p:spTree>
     <p:extLst>
       <p:ext uri="{BB962C8B-B14F-4D97-AF65-F5344CB8AC3E}">
-        <p14:creationId xmlns:p14="http://schemas.microsoft.com/office/powerpoint/2010/main" val="1636703318"/>
+        <p14:creationId xmlns:p14="http://schemas.microsoft.com/office/powerpoint/2010/main" val="100685763"/>
       </p:ext>
     </p:extLst>
   </p:cSld>
@@ -22903,7 +23015,7 @@
           <p:cNvPr id="2" name="Title 1">
             <a:extLst>
               <a:ext uri="{FF2B5EF4-FFF2-40B4-BE49-F238E27FC236}">
-                <a16:creationId xmlns:a16="http://schemas.microsoft.com/office/drawing/2014/main" id="{25EB7EE1-D29E-E0EE-6EA1-E22BE16E9B35}"/>
+                <a16:creationId xmlns:a16="http://schemas.microsoft.com/office/drawing/2014/main" id="{30C537E2-6613-A1ED-630E-011B91E963DC}"/>
               </a:ext>
             </a:extLst>
           </p:cNvPr>
@@ -22921,7 +23033,7 @@
           <a:p>
             <a:r>
               <a:rPr lang="en-US" dirty="0"/>
-              <a:t>FAQ</a:t>
+              <a:t>Recap</a:t>
             </a:r>
           </a:p>
         </p:txBody>
@@ -22931,7 +23043,7 @@
           <p:cNvPr id="3" name="Content Placeholder 2">
             <a:extLst>
               <a:ext uri="{FF2B5EF4-FFF2-40B4-BE49-F238E27FC236}">
-                <a16:creationId xmlns:a16="http://schemas.microsoft.com/office/drawing/2014/main" id="{668B7C4B-99DC-3BED-27EC-5A3A7CBF0D3E}"/>
+                <a16:creationId xmlns:a16="http://schemas.microsoft.com/office/drawing/2014/main" id="{4DCC1CBA-4B30-EB1F-EDF8-6C9680744391}"/>
               </a:ext>
             </a:extLst>
           </p:cNvPr>
@@ -22945,26 +23057,41 @@
         <p:spPr/>
         <p:txBody>
           <a:bodyPr>
-            <a:normAutofit/>
+            <a:normAutofit fontScale="85000" lnSpcReduction="10000"/>
           </a:bodyPr>
           <a:lstStyle/>
           <a:p>
             <a:r>
               <a:rPr lang="en-US" dirty="0"/>
-              <a:t>RAG vs. MCP: Two different ballgames</a:t>
-            </a:r>
-          </a:p>
-          <a:p>
-            <a:r>
-              <a:rPr lang="en-US" dirty="0"/>
-              <a:t>Necessary? No. Helpful? Yes</a:t>
-            </a:r>
-          </a:p>
-          <a:p>
-            <a:r>
-              <a:rPr lang="en-US" dirty="0"/>
-              <a:t>First move advantage</a:t>
-            </a:r>
+              <a:t>MCP is a protocol that enables LLMs to access tools, resources and prompts</a:t>
+            </a:r>
+          </a:p>
+          <a:p>
+            <a:r>
+              <a:rPr lang="en-US" dirty="0"/>
+              <a:t>Agentic vs. workflow constructions</a:t>
+            </a:r>
+          </a:p>
+          <a:p>
+            <a:r>
+              <a:rPr lang="en-US" dirty="0"/>
+              <a:t>Standardization</a:t>
+            </a:r>
+          </a:p>
+          <a:p>
+            <a:r>
+              <a:rPr lang="en-US" dirty="0"/>
+              <a:t>Implementation: Server first</a:t>
+            </a:r>
+          </a:p>
+          <a:p>
+            <a:r>
+              <a:rPr lang="en-US" dirty="0"/>
+              <a:t>Client within application host</a:t>
+            </a:r>
+          </a:p>
+          <a:p>
+            <a:endParaRPr lang="en-US" dirty="0"/>
           </a:p>
         </p:txBody>
       </p:sp>
@@ -22973,7 +23100,7 @@
           <p:cNvPr id="4" name="Slide Number Placeholder 3">
             <a:extLst>
               <a:ext uri="{FF2B5EF4-FFF2-40B4-BE49-F238E27FC236}">
-                <a16:creationId xmlns:a16="http://schemas.microsoft.com/office/drawing/2014/main" id="{A31D1771-83F6-18BB-01D3-26C0C09A8F3A}"/>
+                <a16:creationId xmlns:a16="http://schemas.microsoft.com/office/drawing/2014/main" id="{63E4AB7C-97C5-B903-A278-7A3EFDFA7473}"/>
               </a:ext>
             </a:extLst>
           </p:cNvPr>
@@ -22991,6 +23118,7 @@
           <a:p>
             <a:fld id="{FCABE2F1-B51E-8B48-B9C1-957239623D4B}" type="slidenum">
               <a:rPr lang="en-US" smtClean="0"/>
+              <a:pPr/>
               <a:t>37</a:t>
             </a:fld>
             <a:endParaRPr lang="en-US" dirty="0"/>
@@ -23000,7 +23128,7 @@
     </p:spTree>
     <p:extLst>
       <p:ext uri="{BB962C8B-B14F-4D97-AF65-F5344CB8AC3E}">
-        <p14:creationId xmlns:p14="http://schemas.microsoft.com/office/powerpoint/2010/main" val="1125975261"/>
+        <p14:creationId xmlns:p14="http://schemas.microsoft.com/office/powerpoint/2010/main" val="1636703318"/>
       </p:ext>
     </p:extLst>
   </p:cSld>
@@ -23032,7 +23160,7 @@
           <p:cNvPr id="2" name="Title 1">
             <a:extLst>
               <a:ext uri="{FF2B5EF4-FFF2-40B4-BE49-F238E27FC236}">
-                <a16:creationId xmlns:a16="http://schemas.microsoft.com/office/drawing/2014/main" id="{662C5395-ACC7-ACFC-B2DD-6BE8F8718573}"/>
+                <a16:creationId xmlns:a16="http://schemas.microsoft.com/office/drawing/2014/main" id="{25EB7EE1-D29E-E0EE-6EA1-E22BE16E9B35}"/>
               </a:ext>
             </a:extLst>
           </p:cNvPr>
@@ -23050,17 +23178,17 @@
           <a:p>
             <a:r>
               <a:rPr lang="en-US" dirty="0"/>
-              <a:t>Questions</a:t>
-            </a:r>
-          </a:p>
-        </p:txBody>
-      </p:sp>
-      <p:sp>
-        <p:nvSpPr>
-          <p:cNvPr id="3" name="Text Placeholder 2">
+              <a:t>FAQ</a:t>
+            </a:r>
+          </a:p>
+        </p:txBody>
+      </p:sp>
+      <p:sp>
+        <p:nvSpPr>
+          <p:cNvPr id="3" name="Content Placeholder 2">
             <a:extLst>
               <a:ext uri="{FF2B5EF4-FFF2-40B4-BE49-F238E27FC236}">
-                <a16:creationId xmlns:a16="http://schemas.microsoft.com/office/drawing/2014/main" id="{75A24F4A-D254-FB41-2238-910EBE2C294C}"/>
+                <a16:creationId xmlns:a16="http://schemas.microsoft.com/office/drawing/2014/main" id="{668B7C4B-99DC-3BED-27EC-5A3A7CBF0D3E}"/>
               </a:ext>
             </a:extLst>
           </p:cNvPr>
@@ -23068,15 +23196,32 @@
             <a:spLocks noGrp="1"/>
           </p:cNvSpPr>
           <p:nvPr>
-            <p:ph type="body" idx="1"/>
-          </p:nvPr>
-        </p:nvSpPr>
-        <p:spPr/>
-        <p:txBody>
-          <a:bodyPr/>
-          <a:lstStyle/>
-          <a:p>
-            <a:endParaRPr lang="en-US" dirty="0"/>
+            <p:ph idx="1"/>
+          </p:nvPr>
+        </p:nvSpPr>
+        <p:spPr/>
+        <p:txBody>
+          <a:bodyPr>
+            <a:normAutofit/>
+          </a:bodyPr>
+          <a:lstStyle/>
+          <a:p>
+            <a:r>
+              <a:rPr lang="en-US" dirty="0"/>
+              <a:t>RAG vs. MCP: Two different ballgames</a:t>
+            </a:r>
+          </a:p>
+          <a:p>
+            <a:r>
+              <a:rPr lang="en-US" dirty="0"/>
+              <a:t>Necessary? No. Helpful? Yes</a:t>
+            </a:r>
+          </a:p>
+          <a:p>
+            <a:r>
+              <a:rPr lang="en-US" dirty="0"/>
+              <a:t>First move advantage</a:t>
+            </a:r>
           </a:p>
         </p:txBody>
       </p:sp>
@@ -23085,7 +23230,7 @@
           <p:cNvPr id="4" name="Slide Number Placeholder 3">
             <a:extLst>
               <a:ext uri="{FF2B5EF4-FFF2-40B4-BE49-F238E27FC236}">
-                <a16:creationId xmlns:a16="http://schemas.microsoft.com/office/drawing/2014/main" id="{4ACFD90D-D3C4-5322-1C6F-9A371E7F12AE}"/>
+                <a16:creationId xmlns:a16="http://schemas.microsoft.com/office/drawing/2014/main" id="{A31D1771-83F6-18BB-01D3-26C0C09A8F3A}"/>
               </a:ext>
             </a:extLst>
           </p:cNvPr>
@@ -23112,7 +23257,7 @@
     </p:spTree>
     <p:extLst>
       <p:ext uri="{BB962C8B-B14F-4D97-AF65-F5344CB8AC3E}">
-        <p14:creationId xmlns:p14="http://schemas.microsoft.com/office/powerpoint/2010/main" val="1607085057"/>
+        <p14:creationId xmlns:p14="http://schemas.microsoft.com/office/powerpoint/2010/main" val="1125975261"/>
       </p:ext>
     </p:extLst>
   </p:cSld>
@@ -23144,7 +23289,7 @@
           <p:cNvPr id="2" name="Title 1">
             <a:extLst>
               <a:ext uri="{FF2B5EF4-FFF2-40B4-BE49-F238E27FC236}">
-                <a16:creationId xmlns:a16="http://schemas.microsoft.com/office/drawing/2014/main" id="{91CBBD0B-AD47-A0B7-1884-9B9806FBED90}"/>
+                <a16:creationId xmlns:a16="http://schemas.microsoft.com/office/drawing/2014/main" id="{662C5395-ACC7-ACFC-B2DD-6BE8F8718573}"/>
               </a:ext>
             </a:extLst>
           </p:cNvPr>
@@ -23152,7 +23297,7 @@
             <a:spLocks noGrp="1"/>
           </p:cNvSpPr>
           <p:nvPr>
-            <p:ph type="ctrTitle"/>
+            <p:ph type="title"/>
           </p:nvPr>
         </p:nvSpPr>
         <p:spPr/>
@@ -23162,17 +23307,17 @@
           <a:p>
             <a:r>
               <a:rPr lang="en-US" dirty="0"/>
-              <a:t>Thank you!</a:t>
-            </a:r>
-          </a:p>
-        </p:txBody>
-      </p:sp>
-      <p:sp>
-        <p:nvSpPr>
-          <p:cNvPr id="3" name="Subtitle 2">
+              <a:t>Questions</a:t>
+            </a:r>
+          </a:p>
+        </p:txBody>
+      </p:sp>
+      <p:sp>
+        <p:nvSpPr>
+          <p:cNvPr id="3" name="Text Placeholder 2">
             <a:extLst>
               <a:ext uri="{FF2B5EF4-FFF2-40B4-BE49-F238E27FC236}">
-                <a16:creationId xmlns:a16="http://schemas.microsoft.com/office/drawing/2014/main" id="{CAFCBEE3-BC81-B90F-EF66-3B248E4610D4}"/>
+                <a16:creationId xmlns:a16="http://schemas.microsoft.com/office/drawing/2014/main" id="{75A24F4A-D254-FB41-2238-910EBE2C294C}"/>
               </a:ext>
             </a:extLst>
           </p:cNvPr>
@@ -23180,7 +23325,7 @@
             <a:spLocks noGrp="1"/>
           </p:cNvSpPr>
           <p:nvPr>
-            <p:ph type="subTitle" idx="1"/>
+            <p:ph type="body" idx="1"/>
           </p:nvPr>
         </p:nvSpPr>
         <p:spPr/>
@@ -23197,7 +23342,7 @@
           <p:cNvPr id="4" name="Slide Number Placeholder 3">
             <a:extLst>
               <a:ext uri="{FF2B5EF4-FFF2-40B4-BE49-F238E27FC236}">
-                <a16:creationId xmlns:a16="http://schemas.microsoft.com/office/drawing/2014/main" id="{92571B58-ACF9-75DD-8C02-90EB00B35EF1}"/>
+                <a16:creationId xmlns:a16="http://schemas.microsoft.com/office/drawing/2014/main" id="{4ACFD90D-D3C4-5322-1C6F-9A371E7F12AE}"/>
               </a:ext>
             </a:extLst>
           </p:cNvPr>
@@ -23213,9 +23358,8 @@
           <a:bodyPr/>
           <a:lstStyle/>
           <a:p>
-            <a:fld id="{6D22F896-40B5-4ADD-8801-0D06FADFA095}" type="slidenum">
+            <a:fld id="{FCABE2F1-B51E-8B48-B9C1-957239623D4B}" type="slidenum">
               <a:rPr lang="en-US" smtClean="0"/>
-              <a:pPr/>
               <a:t>39</a:t>
             </a:fld>
             <a:endParaRPr lang="en-US" dirty="0"/>
@@ -23225,7 +23369,7 @@
     </p:spTree>
     <p:extLst>
       <p:ext uri="{BB962C8B-B14F-4D97-AF65-F5344CB8AC3E}">
-        <p14:creationId xmlns:p14="http://schemas.microsoft.com/office/powerpoint/2010/main" val="2079992339"/>
+        <p14:creationId xmlns:p14="http://schemas.microsoft.com/office/powerpoint/2010/main" val="1607085057"/>
       </p:ext>
     </p:extLst>
   </p:cSld>
@@ -23365,7 +23509,7 @@
 </file>
 
 <file path=ppt/slides/slide40.xml><?xml version="1.0" encoding="utf-8"?>
-<p:sld xmlns:a="http://schemas.openxmlformats.org/drawingml/2006/main" xmlns:r="http://schemas.openxmlformats.org/officeDocument/2006/relationships" xmlns:p="http://schemas.openxmlformats.org/presentationml/2006/main" show="0">
+<p:sld xmlns:a="http://schemas.openxmlformats.org/drawingml/2006/main" xmlns:r="http://schemas.openxmlformats.org/officeDocument/2006/relationships" xmlns:p="http://schemas.openxmlformats.org/presentationml/2006/main">
   <p:cSld>
     <p:spTree>
       <p:nvGrpSpPr>
@@ -23386,7 +23530,7 @@
           <p:cNvPr id="2" name="Title 1">
             <a:extLst>
               <a:ext uri="{FF2B5EF4-FFF2-40B4-BE49-F238E27FC236}">
-                <a16:creationId xmlns:a16="http://schemas.microsoft.com/office/drawing/2014/main" id="{C9643BBB-1701-EE90-7E53-65E3875DD2F1}"/>
+                <a16:creationId xmlns:a16="http://schemas.microsoft.com/office/drawing/2014/main" id="{91CBBD0B-AD47-A0B7-1884-9B9806FBED90}"/>
               </a:ext>
             </a:extLst>
           </p:cNvPr>
@@ -23394,7 +23538,7 @@
             <a:spLocks noGrp="1"/>
           </p:cNvSpPr>
           <p:nvPr>
-            <p:ph type="title"/>
+            <p:ph type="ctrTitle"/>
           </p:nvPr>
         </p:nvSpPr>
         <p:spPr/>
@@ -23404,17 +23548,17 @@
           <a:p>
             <a:r>
               <a:rPr lang="en-US" dirty="0"/>
-              <a:t>Other Definitions</a:t>
-            </a:r>
-          </a:p>
-        </p:txBody>
-      </p:sp>
-      <p:sp>
-        <p:nvSpPr>
-          <p:cNvPr id="3" name="Content Placeholder 2">
+              <a:t>Thank you!</a:t>
+            </a:r>
+          </a:p>
+        </p:txBody>
+      </p:sp>
+      <p:sp>
+        <p:nvSpPr>
+          <p:cNvPr id="3" name="Subtitle 2">
             <a:extLst>
               <a:ext uri="{FF2B5EF4-FFF2-40B4-BE49-F238E27FC236}">
-                <a16:creationId xmlns:a16="http://schemas.microsoft.com/office/drawing/2014/main" id="{C479F34E-42CF-59EC-29A8-F36D1B9777E9}"/>
+                <a16:creationId xmlns:a16="http://schemas.microsoft.com/office/drawing/2014/main" id="{CAFCBEE3-BC81-B90F-EF66-3B248E4610D4}"/>
               </a:ext>
             </a:extLst>
           </p:cNvPr>
@@ -23422,51 +23566,13 @@
             <a:spLocks noGrp="1"/>
           </p:cNvSpPr>
           <p:nvPr>
-            <p:ph idx="1"/>
-          </p:nvPr>
-        </p:nvSpPr>
-        <p:spPr/>
-        <p:txBody>
-          <a:bodyPr>
-            <a:normAutofit/>
-          </a:bodyPr>
-          <a:lstStyle/>
-          <a:p>
-            <a:r>
-              <a:rPr lang="en-US" dirty="0">
-                <a:hlinkClick r:id="rId2"/>
-              </a:rPr>
-              <a:t>Anthropic</a:t>
-            </a:r>
-            <a:r>
-              <a:rPr lang="en-US" dirty="0"/>
-              <a:t>: “USB-C for AI”</a:t>
-            </a:r>
-          </a:p>
-          <a:p>
-            <a:r>
-              <a:rPr lang="en-US" dirty="0">
-                <a:hlinkClick r:id="rId3"/>
-              </a:rPr>
-              <a:t>AWS</a:t>
-            </a:r>
-            <a:r>
-              <a:rPr lang="en-US" dirty="0"/>
-              <a:t>: “Universal language for AI systems to communicate with external data sources”</a:t>
-            </a:r>
-          </a:p>
-          <a:p>
-            <a:r>
-              <a:rPr lang="en-US" dirty="0">
-                <a:hlinkClick r:id="rId4"/>
-              </a:rPr>
-              <a:t>Google</a:t>
-            </a:r>
-            <a:r>
-              <a:rPr lang="en-US" dirty="0"/>
-              <a:t>: “Language for LLMs to communicate with external data…”</a:t>
-            </a:r>
-          </a:p>
+            <p:ph type="subTitle" idx="1"/>
+          </p:nvPr>
+        </p:nvSpPr>
+        <p:spPr/>
+        <p:txBody>
+          <a:bodyPr/>
+          <a:lstStyle/>
           <a:p>
             <a:endParaRPr lang="en-US" dirty="0"/>
           </a:p>
@@ -23477,7 +23583,7 @@
           <p:cNvPr id="4" name="Slide Number Placeholder 3">
             <a:extLst>
               <a:ext uri="{FF2B5EF4-FFF2-40B4-BE49-F238E27FC236}">
-                <a16:creationId xmlns:a16="http://schemas.microsoft.com/office/drawing/2014/main" id="{86362D84-411F-FF1E-72DA-8D5EABA09BAB}"/>
+                <a16:creationId xmlns:a16="http://schemas.microsoft.com/office/drawing/2014/main" id="{92571B58-ACF9-75DD-8C02-90EB00B35EF1}"/>
               </a:ext>
             </a:extLst>
           </p:cNvPr>
@@ -23493,8 +23599,9 @@
           <a:bodyPr/>
           <a:lstStyle/>
           <a:p>
-            <a:fld id="{FCABE2F1-B51E-8B48-B9C1-957239623D4B}" type="slidenum">
+            <a:fld id="{6D22F896-40B5-4ADD-8801-0D06FADFA095}" type="slidenum">
               <a:rPr lang="en-US" smtClean="0"/>
+              <a:pPr/>
               <a:t>40</a:t>
             </a:fld>
             <a:endParaRPr lang="en-US" dirty="0"/>
@@ -23504,7 +23611,7 @@
     </p:spTree>
     <p:extLst>
       <p:ext uri="{BB962C8B-B14F-4D97-AF65-F5344CB8AC3E}">
-        <p14:creationId xmlns:p14="http://schemas.microsoft.com/office/powerpoint/2010/main" val="450324266"/>
+        <p14:creationId xmlns:p14="http://schemas.microsoft.com/office/powerpoint/2010/main" val="2079992339"/>
       </p:ext>
     </p:extLst>
   </p:cSld>
@@ -23536,7 +23643,7 @@
           <p:cNvPr id="2" name="Title 1">
             <a:extLst>
               <a:ext uri="{FF2B5EF4-FFF2-40B4-BE49-F238E27FC236}">
-                <a16:creationId xmlns:a16="http://schemas.microsoft.com/office/drawing/2014/main" id="{B7316801-9FF4-ED10-6D10-8C95E5917711}"/>
+                <a16:creationId xmlns:a16="http://schemas.microsoft.com/office/drawing/2014/main" id="{C9643BBB-1701-EE90-7E53-65E3875DD2F1}"/>
               </a:ext>
             </a:extLst>
           </p:cNvPr>
@@ -23554,7 +23661,7 @@
           <a:p>
             <a:r>
               <a:rPr lang="en-US" dirty="0"/>
-              <a:t>Zoom in</a:t>
+              <a:t>Other Definitions</a:t>
             </a:r>
           </a:p>
         </p:txBody>
@@ -23564,7 +23671,7 @@
           <p:cNvPr id="3" name="Content Placeholder 2">
             <a:extLst>
               <a:ext uri="{FF2B5EF4-FFF2-40B4-BE49-F238E27FC236}">
-                <a16:creationId xmlns:a16="http://schemas.microsoft.com/office/drawing/2014/main" id="{19307220-B5F5-0BED-71D1-06F4C9F39F9F}"/>
+                <a16:creationId xmlns:a16="http://schemas.microsoft.com/office/drawing/2014/main" id="{C479F34E-42CF-59EC-29A8-F36D1B9777E9}"/>
               </a:ext>
             </a:extLst>
           </p:cNvPr>
@@ -23577,8 +23684,46 @@
         </p:nvSpPr>
         <p:spPr/>
         <p:txBody>
-          <a:bodyPr/>
-          <a:lstStyle/>
+          <a:bodyPr>
+            <a:normAutofit/>
+          </a:bodyPr>
+          <a:lstStyle/>
+          <a:p>
+            <a:r>
+              <a:rPr lang="en-US" dirty="0">
+                <a:hlinkClick r:id="rId2"/>
+              </a:rPr>
+              <a:t>Anthropic</a:t>
+            </a:r>
+            <a:r>
+              <a:rPr lang="en-US" dirty="0"/>
+              <a:t>: “USB-C for AI”</a:t>
+            </a:r>
+          </a:p>
+          <a:p>
+            <a:r>
+              <a:rPr lang="en-US" dirty="0">
+                <a:hlinkClick r:id="rId3"/>
+              </a:rPr>
+              <a:t>AWS</a:t>
+            </a:r>
+            <a:r>
+              <a:rPr lang="en-US" dirty="0"/>
+              <a:t>: “Universal language for AI systems to communicate with external data sources”</a:t>
+            </a:r>
+          </a:p>
+          <a:p>
+            <a:r>
+              <a:rPr lang="en-US" dirty="0">
+                <a:hlinkClick r:id="rId4"/>
+              </a:rPr>
+              <a:t>Google</a:t>
+            </a:r>
+            <a:r>
+              <a:rPr lang="en-US" dirty="0"/>
+              <a:t>: “Language for LLMs to communicate with external data…”</a:t>
+            </a:r>
+          </a:p>
           <a:p>
             <a:endParaRPr lang="en-US" dirty="0"/>
           </a:p>
@@ -23589,7 +23734,7 @@
           <p:cNvPr id="4" name="Slide Number Placeholder 3">
             <a:extLst>
               <a:ext uri="{FF2B5EF4-FFF2-40B4-BE49-F238E27FC236}">
-                <a16:creationId xmlns:a16="http://schemas.microsoft.com/office/drawing/2014/main" id="{EFF18B94-DDFD-D43D-BA7D-964040BFE213}"/>
+                <a16:creationId xmlns:a16="http://schemas.microsoft.com/office/drawing/2014/main" id="{86362D84-411F-FF1E-72DA-8D5EABA09BAB}"/>
               </a:ext>
             </a:extLst>
           </p:cNvPr>
@@ -23616,7 +23761,7 @@
     </p:spTree>
     <p:extLst>
       <p:ext uri="{BB962C8B-B14F-4D97-AF65-F5344CB8AC3E}">
-        <p14:creationId xmlns:p14="http://schemas.microsoft.com/office/powerpoint/2010/main" val="2090776038"/>
+        <p14:creationId xmlns:p14="http://schemas.microsoft.com/office/powerpoint/2010/main" val="450324266"/>
       </p:ext>
     </p:extLst>
   </p:cSld>
@@ -23648,7 +23793,7 @@
           <p:cNvPr id="2" name="Title 1">
             <a:extLst>
               <a:ext uri="{FF2B5EF4-FFF2-40B4-BE49-F238E27FC236}">
-                <a16:creationId xmlns:a16="http://schemas.microsoft.com/office/drawing/2014/main" id="{C25031A4-03DE-4746-1EF6-C462812543A0}"/>
+                <a16:creationId xmlns:a16="http://schemas.microsoft.com/office/drawing/2014/main" id="{B7316801-9FF4-ED10-6D10-8C95E5917711}"/>
               </a:ext>
             </a:extLst>
           </p:cNvPr>
@@ -23666,7 +23811,7 @@
           <a:p>
             <a:r>
               <a:rPr lang="en-US" dirty="0"/>
-              <a:t>Aside: Client / Server</a:t>
+              <a:t>Zoom in</a:t>
             </a:r>
           </a:p>
         </p:txBody>
@@ -23676,7 +23821,7 @@
           <p:cNvPr id="3" name="Content Placeholder 2">
             <a:extLst>
               <a:ext uri="{FF2B5EF4-FFF2-40B4-BE49-F238E27FC236}">
-                <a16:creationId xmlns:a16="http://schemas.microsoft.com/office/drawing/2014/main" id="{5DB7CECA-5D8B-DDD0-EF24-B2EF1BB84971}"/>
+                <a16:creationId xmlns:a16="http://schemas.microsoft.com/office/drawing/2014/main" id="{19307220-B5F5-0BED-71D1-06F4C9F39F9F}"/>
               </a:ext>
             </a:extLst>
           </p:cNvPr>
@@ -23684,96 +23829,24 @@
             <a:spLocks noGrp="1"/>
           </p:cNvSpPr>
           <p:nvPr>
-            <p:ph sz="half" idx="1"/>
-          </p:nvPr>
-        </p:nvSpPr>
-        <p:spPr/>
-        <p:txBody>
-          <a:bodyPr>
-            <a:normAutofit fontScale="85000" lnSpcReduction="10000"/>
-          </a:bodyPr>
-          <a:lstStyle/>
-          <a:p>
-            <a:r>
-              <a:rPr lang="en-US" dirty="0"/>
-              <a:t>Client – Sends requests, “Ask”</a:t>
-            </a:r>
-          </a:p>
-          <a:p>
-            <a:r>
-              <a:rPr lang="en-US" dirty="0"/>
-              <a:t>Server – Sends answers, “Answer”</a:t>
-            </a:r>
-          </a:p>
-          <a:p>
-            <a:r>
-              <a:rPr lang="en-US" dirty="0"/>
-              <a:t>Benefits:</a:t>
-            </a:r>
-          </a:p>
-          <a:p>
-            <a:pPr lvl="1"/>
-            <a:r>
-              <a:rPr lang="en-US" dirty="0"/>
-              <a:t>Centralization</a:t>
-            </a:r>
-          </a:p>
-          <a:p>
-            <a:pPr lvl="1"/>
-            <a:r>
-              <a:rPr lang="en-US" dirty="0"/>
-              <a:t>Scalability</a:t>
-            </a:r>
-          </a:p>
-          <a:p>
-            <a:pPr lvl="1"/>
-            <a:r>
-              <a:rPr lang="en-US" dirty="0"/>
-              <a:t>Protection: One thing</a:t>
-            </a:r>
-          </a:p>
-          <a:p>
-            <a:pPr lvl="1"/>
-            <a:r>
-              <a:rPr lang="en-US" dirty="0"/>
-              <a:t>De-coupled</a:t>
-            </a:r>
-          </a:p>
-        </p:txBody>
-      </p:sp>
-      <p:sp>
-        <p:nvSpPr>
-          <p:cNvPr id="4" name="Content Placeholder 3">
+            <p:ph idx="1"/>
+          </p:nvPr>
+        </p:nvSpPr>
+        <p:spPr/>
+        <p:txBody>
+          <a:bodyPr/>
+          <a:lstStyle/>
+          <a:p>
+            <a:endParaRPr lang="en-US" dirty="0"/>
+          </a:p>
+        </p:txBody>
+      </p:sp>
+      <p:sp>
+        <p:nvSpPr>
+          <p:cNvPr id="4" name="Slide Number Placeholder 3">
             <a:extLst>
               <a:ext uri="{FF2B5EF4-FFF2-40B4-BE49-F238E27FC236}">
-                <a16:creationId xmlns:a16="http://schemas.microsoft.com/office/drawing/2014/main" id="{33B94AE0-E6A6-80C8-9204-490317374F57}"/>
-              </a:ext>
-            </a:extLst>
-          </p:cNvPr>
-          <p:cNvSpPr>
-            <a:spLocks noGrp="1"/>
-          </p:cNvSpPr>
-          <p:nvPr>
-            <p:ph sz="half" idx="2"/>
-          </p:nvPr>
-        </p:nvSpPr>
-        <p:spPr/>
-        <p:txBody>
-          <a:bodyPr>
-            <a:normAutofit fontScale="85000" lnSpcReduction="10000"/>
-          </a:bodyPr>
-          <a:lstStyle/>
-          <a:p>
-            <a:endParaRPr lang="en-US" dirty="0"/>
-          </a:p>
-        </p:txBody>
-      </p:sp>
-      <p:sp>
-        <p:nvSpPr>
-          <p:cNvPr id="5" name="Slide Number Placeholder 4">
-            <a:extLst>
-              <a:ext uri="{FF2B5EF4-FFF2-40B4-BE49-F238E27FC236}">
-                <a16:creationId xmlns:a16="http://schemas.microsoft.com/office/drawing/2014/main" id="{182D3D53-8FF0-1C32-DE4D-D574705EC0E1}"/>
+                <a16:creationId xmlns:a16="http://schemas.microsoft.com/office/drawing/2014/main" id="{EFF18B94-DDFD-D43D-BA7D-964040BFE213}"/>
               </a:ext>
             </a:extLst>
           </p:cNvPr>
@@ -23800,7 +23873,7 @@
     </p:spTree>
     <p:extLst>
       <p:ext uri="{BB962C8B-B14F-4D97-AF65-F5344CB8AC3E}">
-        <p14:creationId xmlns:p14="http://schemas.microsoft.com/office/powerpoint/2010/main" val="953311829"/>
+        <p14:creationId xmlns:p14="http://schemas.microsoft.com/office/powerpoint/2010/main" val="2090776038"/>
       </p:ext>
     </p:extLst>
   </p:cSld>
@@ -23832,6 +23905,190 @@
           <p:cNvPr id="2" name="Title 1">
             <a:extLst>
               <a:ext uri="{FF2B5EF4-FFF2-40B4-BE49-F238E27FC236}">
+                <a16:creationId xmlns:a16="http://schemas.microsoft.com/office/drawing/2014/main" id="{C25031A4-03DE-4746-1EF6-C462812543A0}"/>
+              </a:ext>
+            </a:extLst>
+          </p:cNvPr>
+          <p:cNvSpPr>
+            <a:spLocks noGrp="1"/>
+          </p:cNvSpPr>
+          <p:nvPr>
+            <p:ph type="title"/>
+          </p:nvPr>
+        </p:nvSpPr>
+        <p:spPr/>
+        <p:txBody>
+          <a:bodyPr/>
+          <a:lstStyle/>
+          <a:p>
+            <a:r>
+              <a:rPr lang="en-US" dirty="0"/>
+              <a:t>Aside: Client / Server</a:t>
+            </a:r>
+          </a:p>
+        </p:txBody>
+      </p:sp>
+      <p:sp>
+        <p:nvSpPr>
+          <p:cNvPr id="3" name="Content Placeholder 2">
+            <a:extLst>
+              <a:ext uri="{FF2B5EF4-FFF2-40B4-BE49-F238E27FC236}">
+                <a16:creationId xmlns:a16="http://schemas.microsoft.com/office/drawing/2014/main" id="{5DB7CECA-5D8B-DDD0-EF24-B2EF1BB84971}"/>
+              </a:ext>
+            </a:extLst>
+          </p:cNvPr>
+          <p:cNvSpPr>
+            <a:spLocks noGrp="1"/>
+          </p:cNvSpPr>
+          <p:nvPr>
+            <p:ph sz="half" idx="1"/>
+          </p:nvPr>
+        </p:nvSpPr>
+        <p:spPr/>
+        <p:txBody>
+          <a:bodyPr>
+            <a:normAutofit fontScale="85000" lnSpcReduction="10000"/>
+          </a:bodyPr>
+          <a:lstStyle/>
+          <a:p>
+            <a:r>
+              <a:rPr lang="en-US" dirty="0"/>
+              <a:t>Client – Sends requests, “Ask”</a:t>
+            </a:r>
+          </a:p>
+          <a:p>
+            <a:r>
+              <a:rPr lang="en-US" dirty="0"/>
+              <a:t>Server – Sends answers, “Answer”</a:t>
+            </a:r>
+          </a:p>
+          <a:p>
+            <a:r>
+              <a:rPr lang="en-US" dirty="0"/>
+              <a:t>Benefits:</a:t>
+            </a:r>
+          </a:p>
+          <a:p>
+            <a:pPr lvl="1"/>
+            <a:r>
+              <a:rPr lang="en-US" dirty="0"/>
+              <a:t>Centralization</a:t>
+            </a:r>
+          </a:p>
+          <a:p>
+            <a:pPr lvl="1"/>
+            <a:r>
+              <a:rPr lang="en-US" dirty="0"/>
+              <a:t>Scalability</a:t>
+            </a:r>
+          </a:p>
+          <a:p>
+            <a:pPr lvl="1"/>
+            <a:r>
+              <a:rPr lang="en-US" dirty="0"/>
+              <a:t>Protection: One thing</a:t>
+            </a:r>
+          </a:p>
+          <a:p>
+            <a:pPr lvl="1"/>
+            <a:r>
+              <a:rPr lang="en-US" dirty="0"/>
+              <a:t>De-coupled</a:t>
+            </a:r>
+          </a:p>
+        </p:txBody>
+      </p:sp>
+      <p:sp>
+        <p:nvSpPr>
+          <p:cNvPr id="4" name="Content Placeholder 3">
+            <a:extLst>
+              <a:ext uri="{FF2B5EF4-FFF2-40B4-BE49-F238E27FC236}">
+                <a16:creationId xmlns:a16="http://schemas.microsoft.com/office/drawing/2014/main" id="{33B94AE0-E6A6-80C8-9204-490317374F57}"/>
+              </a:ext>
+            </a:extLst>
+          </p:cNvPr>
+          <p:cNvSpPr>
+            <a:spLocks noGrp="1"/>
+          </p:cNvSpPr>
+          <p:nvPr>
+            <p:ph sz="half" idx="2"/>
+          </p:nvPr>
+        </p:nvSpPr>
+        <p:spPr/>
+        <p:txBody>
+          <a:bodyPr>
+            <a:normAutofit fontScale="85000" lnSpcReduction="10000"/>
+          </a:bodyPr>
+          <a:lstStyle/>
+          <a:p>
+            <a:endParaRPr lang="en-US" dirty="0"/>
+          </a:p>
+        </p:txBody>
+      </p:sp>
+      <p:sp>
+        <p:nvSpPr>
+          <p:cNvPr id="5" name="Slide Number Placeholder 4">
+            <a:extLst>
+              <a:ext uri="{FF2B5EF4-FFF2-40B4-BE49-F238E27FC236}">
+                <a16:creationId xmlns:a16="http://schemas.microsoft.com/office/drawing/2014/main" id="{182D3D53-8FF0-1C32-DE4D-D574705EC0E1}"/>
+              </a:ext>
+            </a:extLst>
+          </p:cNvPr>
+          <p:cNvSpPr>
+            <a:spLocks noGrp="1"/>
+          </p:cNvSpPr>
+          <p:nvPr>
+            <p:ph type="sldNum" sz="quarter" idx="12"/>
+          </p:nvPr>
+        </p:nvSpPr>
+        <p:spPr/>
+        <p:txBody>
+          <a:bodyPr/>
+          <a:lstStyle/>
+          <a:p>
+            <a:fld id="{FCABE2F1-B51E-8B48-B9C1-957239623D4B}" type="slidenum">
+              <a:rPr lang="en-US" smtClean="0"/>
+              <a:t>43</a:t>
+            </a:fld>
+            <a:endParaRPr lang="en-US" dirty="0"/>
+          </a:p>
+        </p:txBody>
+      </p:sp>
+    </p:spTree>
+    <p:extLst>
+      <p:ext uri="{BB962C8B-B14F-4D97-AF65-F5344CB8AC3E}">
+        <p14:creationId xmlns:p14="http://schemas.microsoft.com/office/powerpoint/2010/main" val="953311829"/>
+      </p:ext>
+    </p:extLst>
+  </p:cSld>
+  <p:clrMapOvr>
+    <a:masterClrMapping/>
+  </p:clrMapOvr>
+</p:sld>
+</file>
+
+<file path=ppt/slides/slide44.xml><?xml version="1.0" encoding="utf-8"?>
+<p:sld xmlns:a="http://schemas.openxmlformats.org/drawingml/2006/main" xmlns:r="http://schemas.openxmlformats.org/officeDocument/2006/relationships" xmlns:p="http://schemas.openxmlformats.org/presentationml/2006/main" show="0">
+  <p:cSld>
+    <p:spTree>
+      <p:nvGrpSpPr>
+        <p:cNvPr id="1" name=""/>
+        <p:cNvGrpSpPr/>
+        <p:nvPr/>
+      </p:nvGrpSpPr>
+      <p:grpSpPr>
+        <a:xfrm>
+          <a:off x="0" y="0"/>
+          <a:ext cx="0" cy="0"/>
+          <a:chOff x="0" y="0"/>
+          <a:chExt cx="0" cy="0"/>
+        </a:xfrm>
+      </p:grpSpPr>
+      <p:sp>
+        <p:nvSpPr>
+          <p:cNvPr id="2" name="Title 1">
+            <a:extLst>
+              <a:ext uri="{FF2B5EF4-FFF2-40B4-BE49-F238E27FC236}">
                 <a16:creationId xmlns:a16="http://schemas.microsoft.com/office/drawing/2014/main" id="{FB066717-05D7-A8F6-496C-92ED595ABA19}"/>
               </a:ext>
             </a:extLst>
@@ -23903,7 +24160,7 @@
           <a:p>
             <a:fld id="{FCABE2F1-B51E-8B48-B9C1-957239623D4B}" type="slidenum">
               <a:rPr lang="en-US" smtClean="0"/>
-              <a:t>43</a:t>
+              <a:t>44</a:t>
             </a:fld>
             <a:endParaRPr lang="en-US" dirty="0"/>
           </a:p>
